--- a/CMS-Data-Management/Slides/The CMS Data Management System.pptx
+++ b/CMS-Data-Management/Slides/The CMS Data Management System.pptx
@@ -896,6 +896,76 @@
           <a:bodyPr/>
           <a:lstStyle/>
           <a:p>
+            <a:r>
+              <a:rPr lang="en-GB" dirty="0" smtClean="0"/>
+              <a:t>The plo</a:t>
+            </a:r>
+            <a:r>
+              <a:rPr lang="en-GB" sz="1200" dirty="0" smtClean="0">
+                <a:effectLst/>
+              </a:rPr>
+              <a:t>t shows number of daily queries in DAS for this year. The plot only shows input query rate, which needs to be multiplied by factor of O(10-1000) to resolve the results for this query. In other words, individual DAS query may yield O(10-10000) results which are processed in real time (fetched from multiple sources, decoded, processed and displayed back to the user). On average we have around O(10M) results going in/out into DAS cache on a daily basis. CPU/</a:t>
+            </a:r>
+            <a:r>
+              <a:rPr lang="en-GB" sz="1200" dirty="0" err="1" smtClean="0">
+                <a:effectLst/>
+              </a:rPr>
+              <a:t>mem</a:t>
+            </a:r>
+            <a:r>
+              <a:rPr lang="en-GB" sz="1200" dirty="0" smtClean="0">
+                <a:effectLst/>
+              </a:rPr>
+              <a:t> plots are irrelevant since DAS runs on shared node with other services (</a:t>
+            </a:r>
+            <a:r>
+              <a:rPr lang="en-GB" sz="1200" dirty="0" err="1" smtClean="0">
+                <a:effectLst/>
+              </a:rPr>
+              <a:t>CouchDB</a:t>
+            </a:r>
+            <a:r>
+              <a:rPr lang="en-GB" sz="1200" dirty="0" smtClean="0">
+                <a:effectLst/>
+              </a:rPr>
+              <a:t>, </a:t>
+            </a:r>
+            <a:r>
+              <a:rPr lang="en-GB" sz="1200" dirty="0" err="1" smtClean="0">
+                <a:effectLst/>
+              </a:rPr>
+              <a:t>ReqMgr</a:t>
+            </a:r>
+            <a:r>
+              <a:rPr lang="en-GB" sz="1200" dirty="0" smtClean="0">
+                <a:effectLst/>
+              </a:rPr>
+              <a:t>, </a:t>
+            </a:r>
+            <a:r>
+              <a:rPr lang="en-GB" sz="1200" dirty="0" err="1" smtClean="0">
+                <a:effectLst/>
+              </a:rPr>
+              <a:t>FileMover</a:t>
+            </a:r>
+            <a:r>
+              <a:rPr lang="en-GB" sz="1200" dirty="0" smtClean="0">
+                <a:effectLst/>
+              </a:rPr>
+              <a:t>, </a:t>
+            </a:r>
+            <a:r>
+              <a:rPr lang="en-GB" sz="1200" dirty="0" err="1" smtClean="0">
+                <a:effectLst/>
+              </a:rPr>
+              <a:t>etc</a:t>
+            </a:r>
+            <a:r>
+              <a:rPr lang="en-GB" sz="1200" dirty="0" smtClean="0">
+                <a:effectLst/>
+              </a:rPr>
+              <a:t>).</a:t>
+            </a:r>
             <a:endParaRPr lang="en-GB" dirty="0"/>
           </a:p>
         </p:txBody>
@@ -8738,14 +8808,14 @@
       </p:sp>
       <p:pic>
         <p:nvPicPr>
-          <p:cNvPr id="7" name="Picture 6" descr="All-PhEDEx-transfers.png"/>
+          <p:cNvPr id="9" name="Picture 8" descr="All-PhEDEx-transfers.bmp"/>
           <p:cNvPicPr>
             <a:picLocks noChangeAspect="1"/>
           </p:cNvPicPr>
           <p:nvPr/>
         </p:nvPicPr>
         <p:blipFill>
-          <a:blip r:embed="rId3">
+          <a:blip r:embed="rId3" cstate="print">
             <a:extLst>
               <a:ext uri="{28A0092B-C50C-407E-A947-70E740481C1C}">
                 <a14:useLocalDpi xmlns:a14="http://schemas.microsoft.com/office/drawing/2010/main" val="0"/>
@@ -8766,44 +8836,6 @@
           </a:prstGeom>
         </p:spPr>
       </p:pic>
-      <p:sp>
-        <p:nvSpPr>
-          <p:cNvPr id="6" name="TextBox 5"/>
-          <p:cNvSpPr txBox="1"/>
-          <p:nvPr/>
-        </p:nvSpPr>
-        <p:spPr>
-          <a:xfrm>
-            <a:off x="-491009" y="5789711"/>
-            <a:ext cx="4772461" cy="523220"/>
-          </a:xfrm>
-          <a:prstGeom prst="rect">
-            <a:avLst/>
-          </a:prstGeom>
-          <a:noFill/>
-        </p:spPr>
-        <p:txBody>
-          <a:bodyPr wrap="none" rtlCol="0">
-            <a:spAutoFit/>
-          </a:bodyPr>
-          <a:lstStyle/>
-          <a:p>
-            <a:r>
-              <a:rPr lang="en-US" sz="2800" b="1" dirty="0" smtClean="0">
-                <a:latin typeface="Verdana" panose="020B0604030504040204" pitchFamily="34" charset="0"/>
-                <a:ea typeface="Verdana" panose="020B0604030504040204" pitchFamily="34" charset="0"/>
-                <a:cs typeface="Verdana" panose="020B0604030504040204" pitchFamily="34" charset="0"/>
-              </a:rPr>
-              <a:t>NOTE: UPDATE PLOT!!!</a:t>
-            </a:r>
-            <a:endParaRPr lang="en-GB" sz="2800" b="1" dirty="0">
-              <a:latin typeface="Verdana" panose="020B0604030504040204" pitchFamily="34" charset="0"/>
-              <a:ea typeface="Verdana" panose="020B0604030504040204" pitchFamily="34" charset="0"/>
-              <a:cs typeface="Verdana" panose="020B0604030504040204" pitchFamily="34" charset="0"/>
-            </a:endParaRPr>
-          </a:p>
-        </p:txBody>
-      </p:sp>
     </p:spTree>
     <p:extLst>
       <p:ext uri="{BB962C8B-B14F-4D97-AF65-F5344CB8AC3E}">
@@ -9914,60 +9946,6 @@
           <a:chExt cx="0" cy="0"/>
         </a:xfrm>
       </p:grpSpPr>
-      <p:pic>
-        <p:nvPicPr>
-          <p:cNvPr id="9" name="Picture 2"/>
-          <p:cNvPicPr>
-            <a:picLocks noChangeAspect="1" noChangeArrowheads="1"/>
-          </p:cNvPicPr>
-          <p:nvPr/>
-        </p:nvPicPr>
-        <p:blipFill>
-          <a:blip r:embed="rId3">
-            <a:extLst>
-              <a:ext uri="{28A0092B-C50C-407E-A947-70E740481C1C}">
-                <a14:useLocalDpi xmlns:a14="http://schemas.microsoft.com/office/drawing/2010/main" val="0"/>
-              </a:ext>
-            </a:extLst>
-          </a:blip>
-          <a:srcRect/>
-          <a:stretch>
-            <a:fillRect/>
-          </a:stretch>
-        </p:blipFill>
-        <p:spPr bwMode="auto">
-          <a:xfrm>
-            <a:off x="3657600" y="914400"/>
-            <a:ext cx="5999922" cy="4800600"/>
-          </a:xfrm>
-          <a:prstGeom prst="rect">
-            <a:avLst/>
-          </a:prstGeom>
-          <a:noFill/>
-          <a:ln>
-            <a:noFill/>
-          </a:ln>
-          <a:extLst>
-            <a:ext uri="{909E8E84-426E-40dd-AFC4-6F175D3DCCD1}">
-              <a14:hiddenFill xmlns:a14="http://schemas.microsoft.com/office/drawing/2010/main">
-                <a:solidFill>
-                  <a:schemeClr val="accent1"/>
-                </a:solidFill>
-              </a14:hiddenFill>
-            </a:ext>
-            <a:ext uri="{91240B29-F687-4f45-9708-019B960494DF}">
-              <a14:hiddenLine xmlns:a14="http://schemas.microsoft.com/office/drawing/2010/main" w="9525">
-                <a:solidFill>
-                  <a:schemeClr val="tx1"/>
-                </a:solidFill>
-                <a:miter lim="800000"/>
-                <a:headEnd/>
-                <a:tailEnd/>
-              </a14:hiddenLine>
-            </a:ext>
-          </a:extLst>
-        </p:spPr>
-      </p:pic>
       <p:sp>
         <p:nvSpPr>
           <p:cNvPr id="2" name="Date Placeholder 1"/>
@@ -10467,11 +10445,60 @@
             <a:pPr lvl="1"/>
             <a:r>
               <a:rPr lang="en-US" sz="2000" dirty="0" smtClean="0"/>
-              <a:t>For caching and storing aggregated results</a:t>
-            </a:r>
-          </a:p>
-        </p:txBody>
-      </p:sp>
+              <a:t>For caching </a:t>
+            </a:r>
+            <a:r>
+              <a:rPr lang="en-US" sz="2000" dirty="0" smtClean="0"/>
+              <a:t>and</a:t>
+            </a:r>
+            <a:br>
+              <a:rPr lang="en-US" sz="2000" dirty="0" smtClean="0"/>
+            </a:br>
+            <a:r>
+              <a:rPr lang="en-US" sz="2000" dirty="0" smtClean="0"/>
+              <a:t>storing aggregated</a:t>
+            </a:r>
+          </a:p>
+          <a:p>
+            <a:pPr lvl="1"/>
+            <a:r>
+              <a:rPr lang="en-US" sz="2000" dirty="0" smtClean="0"/>
+              <a:t>results</a:t>
+            </a:r>
+            <a:endParaRPr lang="en-US" sz="2000" dirty="0" smtClean="0"/>
+          </a:p>
+        </p:txBody>
+      </p:sp>
+      <p:pic>
+        <p:nvPicPr>
+          <p:cNvPr id="6" name="Picture 5" descr="DASRequestFlow.pdf"/>
+          <p:cNvPicPr>
+            <a:picLocks noChangeAspect="1"/>
+          </p:cNvPicPr>
+          <p:nvPr/>
+        </p:nvPicPr>
+        <p:blipFill>
+          <a:blip r:embed="rId3">
+            <a:extLst>
+              <a:ext uri="{28A0092B-C50C-407E-A947-70E740481C1C}">
+                <a14:useLocalDpi xmlns:a14="http://schemas.microsoft.com/office/drawing/2010/main" val="0"/>
+              </a:ext>
+            </a:extLst>
+          </a:blip>
+          <a:stretch>
+            <a:fillRect/>
+          </a:stretch>
+        </p:blipFill>
+        <p:spPr>
+          <a:xfrm>
+            <a:off x="3886200" y="1219200"/>
+            <a:ext cx="5170521" cy="4050000"/>
+          </a:xfrm>
+          <a:prstGeom prst="rect">
+            <a:avLst/>
+          </a:prstGeom>
+        </p:spPr>
+      </p:pic>
     </p:spTree>
     <p:extLst>
       <p:ext uri="{BB962C8B-B14F-4D97-AF65-F5344CB8AC3E}">
@@ -11638,6 +11665,36 @@
           <a:chExt cx="0" cy="0"/>
         </a:xfrm>
       </p:grpSpPr>
+      <p:pic>
+        <p:nvPicPr>
+          <p:cNvPr id="6" name="Picture 5" descr="das_stat.pdf"/>
+          <p:cNvPicPr>
+            <a:picLocks noChangeAspect="1"/>
+          </p:cNvPicPr>
+          <p:nvPr/>
+        </p:nvPicPr>
+        <p:blipFill>
+          <a:blip r:embed="rId3">
+            <a:extLst>
+              <a:ext uri="{28A0092B-C50C-407E-A947-70E740481C1C}">
+                <a14:useLocalDpi xmlns:a14="http://schemas.microsoft.com/office/drawing/2010/main" val="0"/>
+              </a:ext>
+            </a:extLst>
+          </a:blip>
+          <a:stretch>
+            <a:fillRect/>
+          </a:stretch>
+        </p:blipFill>
+        <p:spPr>
+          <a:xfrm>
+            <a:off x="4251600" y="806400"/>
+            <a:ext cx="5176800" cy="5176800"/>
+          </a:xfrm>
+          <a:prstGeom prst="rect">
+            <a:avLst/>
+          </a:prstGeom>
+        </p:spPr>
+      </p:pic>
       <p:sp>
         <p:nvSpPr>
           <p:cNvPr id="2" name="Date Placeholder 1"/>
@@ -11882,60 +11939,6 @@
           </a:p>
         </p:txBody>
       </p:sp>
-      <p:pic>
-        <p:nvPicPr>
-          <p:cNvPr id="1026" name="Picture 2"/>
-          <p:cNvPicPr>
-            <a:picLocks noChangeAspect="1" noChangeArrowheads="1"/>
-          </p:cNvPicPr>
-          <p:nvPr/>
-        </p:nvPicPr>
-        <p:blipFill>
-          <a:blip r:embed="rId3">
-            <a:extLst>
-              <a:ext uri="{28A0092B-C50C-407E-A947-70E740481C1C}">
-                <a14:useLocalDpi xmlns:a14="http://schemas.microsoft.com/office/drawing/2010/main" val="0"/>
-              </a:ext>
-            </a:extLst>
-          </a:blip>
-          <a:srcRect/>
-          <a:stretch>
-            <a:fillRect/>
-          </a:stretch>
-        </p:blipFill>
-        <p:spPr bwMode="auto">
-          <a:xfrm>
-            <a:off x="4536173" y="1083364"/>
-            <a:ext cx="4607827" cy="4564863"/>
-          </a:xfrm>
-          <a:prstGeom prst="rect">
-            <a:avLst/>
-          </a:prstGeom>
-          <a:noFill/>
-          <a:ln>
-            <a:noFill/>
-          </a:ln>
-          <a:extLst>
-            <a:ext uri="{909E8E84-426E-40dd-AFC4-6F175D3DCCD1}">
-              <a14:hiddenFill xmlns:a14="http://schemas.microsoft.com/office/drawing/2010/main">
-                <a:solidFill>
-                  <a:schemeClr val="accent1"/>
-                </a:solidFill>
-              </a14:hiddenFill>
-            </a:ext>
-            <a:ext uri="{91240B29-F687-4f45-9708-019B960494DF}">
-              <a14:hiddenLine xmlns:a14="http://schemas.microsoft.com/office/drawing/2010/main" w="9525">
-                <a:solidFill>
-                  <a:schemeClr val="tx1"/>
-                </a:solidFill>
-                <a:miter lim="800000"/>
-                <a:headEnd/>
-                <a:tailEnd/>
-              </a14:hiddenLine>
-            </a:ext>
-          </a:extLst>
-        </p:spPr>
-      </p:pic>
       <p:sp>
         <p:nvSpPr>
           <p:cNvPr id="8" name="Rectangle 3"/>
@@ -11946,7 +11949,7 @@
         </p:nvSpPr>
         <p:spPr bwMode="auto">
           <a:xfrm>
-            <a:off x="446858" y="1083364"/>
+            <a:off x="338400" y="1227600"/>
             <a:ext cx="4277542" cy="5012635"/>
           </a:xfrm>
           <a:prstGeom prst="rect">
@@ -14283,11 +14286,7 @@
             </a:pPr>
             <a:r>
               <a:rPr lang="en-US" altLang="en-US" sz="1400" smtClean="0"/>
-              <a:t>~</a:t>
-            </a:r>
-            <a:r>
-              <a:rPr lang="en-US" altLang="en-US" sz="1400" smtClean="0"/>
-              <a:t>10</a:t>
+              <a:t>~10</a:t>
             </a:r>
             <a:r>
               <a:rPr lang="en-US" altLang="en-US" sz="1400" baseline="30000" smtClean="0"/>

--- a/CMS-Data-Management/Slides/The CMS Data Management System.pptx
+++ b/CMS-Data-Management/Slides/The CMS Data Management System.pptx
@@ -5,7 +5,7 @@
     <p:sldMasterId id="2147483648" r:id="rId1"/>
   </p:sldMasterIdLst>
   <p:notesMasterIdLst>
-    <p:notesMasterId r:id="rId24"/>
+    <p:notesMasterId r:id="rId25"/>
   </p:notesMasterIdLst>
   <p:sldIdLst>
     <p:sldId id="282" r:id="rId2"/>
@@ -13,23 +13,24 @@
     <p:sldId id="327" r:id="rId4"/>
     <p:sldId id="329" r:id="rId5"/>
     <p:sldId id="325" r:id="rId6"/>
-    <p:sldId id="333" r:id="rId7"/>
-    <p:sldId id="332" r:id="rId8"/>
-    <p:sldId id="336" r:id="rId9"/>
-    <p:sldId id="335" r:id="rId10"/>
-    <p:sldId id="337" r:id="rId11"/>
-    <p:sldId id="339" r:id="rId12"/>
-    <p:sldId id="338" r:id="rId13"/>
-    <p:sldId id="341" r:id="rId14"/>
-    <p:sldId id="340" r:id="rId15"/>
-    <p:sldId id="343" r:id="rId16"/>
-    <p:sldId id="346" r:id="rId17"/>
-    <p:sldId id="347" r:id="rId18"/>
-    <p:sldId id="348" r:id="rId19"/>
-    <p:sldId id="351" r:id="rId20"/>
-    <p:sldId id="352" r:id="rId21"/>
-    <p:sldId id="353" r:id="rId22"/>
-    <p:sldId id="354" r:id="rId23"/>
+    <p:sldId id="355" r:id="rId7"/>
+    <p:sldId id="333" r:id="rId8"/>
+    <p:sldId id="332" r:id="rId9"/>
+    <p:sldId id="336" r:id="rId10"/>
+    <p:sldId id="335" r:id="rId11"/>
+    <p:sldId id="337" r:id="rId12"/>
+    <p:sldId id="339" r:id="rId13"/>
+    <p:sldId id="338" r:id="rId14"/>
+    <p:sldId id="341" r:id="rId15"/>
+    <p:sldId id="340" r:id="rId16"/>
+    <p:sldId id="343" r:id="rId17"/>
+    <p:sldId id="346" r:id="rId18"/>
+    <p:sldId id="347" r:id="rId19"/>
+    <p:sldId id="348" r:id="rId20"/>
+    <p:sldId id="351" r:id="rId21"/>
+    <p:sldId id="352" r:id="rId22"/>
+    <p:sldId id="353" r:id="rId23"/>
+    <p:sldId id="354" r:id="rId24"/>
   </p:sldIdLst>
   <p:sldSz cx="9144000" cy="6858000" type="screen4x3"/>
   <p:notesSz cx="6858000" cy="9144000"/>
@@ -663,7 +664,7 @@
             <a:fld id="{B34D9DE9-C514-4E56-88DA-9DE0A2D024F2}" type="slidenum">
               <a:rPr lang="en-US" smtClean="0"/>
               <a:pPr/>
-              <a:t>9</a:t>
+              <a:t>10</a:t>
             </a:fld>
             <a:endParaRPr lang="en-US"/>
           </a:p>
@@ -748,7 +749,7 @@
             <a:fld id="{B34D9DE9-C514-4E56-88DA-9DE0A2D024F2}" type="slidenum">
               <a:rPr lang="en-US" smtClean="0"/>
               <a:pPr/>
-              <a:t>18</a:t>
+              <a:t>19</a:t>
             </a:fld>
             <a:endParaRPr lang="en-US"/>
           </a:p>
@@ -833,7 +834,7 @@
             <a:fld id="{B34D9DE9-C514-4E56-88DA-9DE0A2D024F2}" type="slidenum">
               <a:rPr lang="en-US" smtClean="0"/>
               <a:pPr/>
-              <a:t>19</a:t>
+              <a:t>20</a:t>
             </a:fld>
             <a:endParaRPr lang="en-US"/>
           </a:p>
@@ -896,76 +897,6 @@
           <a:bodyPr/>
           <a:lstStyle/>
           <a:p>
-            <a:r>
-              <a:rPr lang="en-GB" dirty="0" smtClean="0"/>
-              <a:t>The plo</a:t>
-            </a:r>
-            <a:r>
-              <a:rPr lang="en-GB" sz="1200" dirty="0" smtClean="0">
-                <a:effectLst/>
-              </a:rPr>
-              <a:t>t shows number of daily queries in DAS for this year. The plot only shows input query rate, which needs to be multiplied by factor of O(10-1000) to resolve the results for this query. In other words, individual DAS query may yield O(10-10000) results which are processed in real time (fetched from multiple sources, decoded, processed and displayed back to the user). On average we have around O(10M) results going in/out into DAS cache on a daily basis. CPU/</a:t>
-            </a:r>
-            <a:r>
-              <a:rPr lang="en-GB" sz="1200" dirty="0" err="1" smtClean="0">
-                <a:effectLst/>
-              </a:rPr>
-              <a:t>mem</a:t>
-            </a:r>
-            <a:r>
-              <a:rPr lang="en-GB" sz="1200" dirty="0" smtClean="0">
-                <a:effectLst/>
-              </a:rPr>
-              <a:t> plots are irrelevant since DAS runs on shared node with other services (</a:t>
-            </a:r>
-            <a:r>
-              <a:rPr lang="en-GB" sz="1200" dirty="0" err="1" smtClean="0">
-                <a:effectLst/>
-              </a:rPr>
-              <a:t>CouchDB</a:t>
-            </a:r>
-            <a:r>
-              <a:rPr lang="en-GB" sz="1200" dirty="0" smtClean="0">
-                <a:effectLst/>
-              </a:rPr>
-              <a:t>, </a:t>
-            </a:r>
-            <a:r>
-              <a:rPr lang="en-GB" sz="1200" dirty="0" err="1" smtClean="0">
-                <a:effectLst/>
-              </a:rPr>
-              <a:t>ReqMgr</a:t>
-            </a:r>
-            <a:r>
-              <a:rPr lang="en-GB" sz="1200" dirty="0" smtClean="0">
-                <a:effectLst/>
-              </a:rPr>
-              <a:t>, </a:t>
-            </a:r>
-            <a:r>
-              <a:rPr lang="en-GB" sz="1200" dirty="0" err="1" smtClean="0">
-                <a:effectLst/>
-              </a:rPr>
-              <a:t>FileMover</a:t>
-            </a:r>
-            <a:r>
-              <a:rPr lang="en-GB" sz="1200" dirty="0" smtClean="0">
-                <a:effectLst/>
-              </a:rPr>
-              <a:t>, </a:t>
-            </a:r>
-            <a:r>
-              <a:rPr lang="en-GB" sz="1200" dirty="0" err="1" smtClean="0">
-                <a:effectLst/>
-              </a:rPr>
-              <a:t>etc</a:t>
-            </a:r>
-            <a:r>
-              <a:rPr lang="en-GB" sz="1200" dirty="0" smtClean="0">
-                <a:effectLst/>
-              </a:rPr>
-              <a:t>).</a:t>
-            </a:r>
             <a:endParaRPr lang="en-GB" dirty="0"/>
           </a:p>
         </p:txBody>
@@ -988,7 +919,7 @@
             <a:fld id="{B34D9DE9-C514-4E56-88DA-9DE0A2D024F2}" type="slidenum">
               <a:rPr lang="en-US" smtClean="0"/>
               <a:pPr/>
-              <a:t>20</a:t>
+              <a:t>21</a:t>
             </a:fld>
             <a:endParaRPr lang="en-US"/>
           </a:p>
@@ -1073,7 +1004,7 @@
             <a:fld id="{B34D9DE9-C514-4E56-88DA-9DE0A2D024F2}" type="slidenum">
               <a:rPr lang="en-US" smtClean="0"/>
               <a:pPr/>
-              <a:t>21</a:t>
+              <a:t>22</a:t>
             </a:fld>
             <a:endParaRPr lang="en-US"/>
           </a:p>
@@ -1158,7 +1089,7 @@
             <a:fld id="{B34D9DE9-C514-4E56-88DA-9DE0A2D024F2}" type="slidenum">
               <a:rPr lang="en-US" smtClean="0"/>
               <a:pPr/>
-              <a:t>22</a:t>
+              <a:t>23</a:t>
             </a:fld>
             <a:endParaRPr lang="en-US"/>
           </a:p>
@@ -1243,7 +1174,7 @@
             <a:fld id="{B34D9DE9-C514-4E56-88DA-9DE0A2D024F2}" type="slidenum">
               <a:rPr lang="en-US" smtClean="0"/>
               <a:pPr/>
-              <a:t>10</a:t>
+              <a:t>11</a:t>
             </a:fld>
             <a:endParaRPr lang="en-US"/>
           </a:p>
@@ -1328,7 +1259,7 @@
             <a:fld id="{B34D9DE9-C514-4E56-88DA-9DE0A2D024F2}" type="slidenum">
               <a:rPr lang="en-US" smtClean="0"/>
               <a:pPr/>
-              <a:t>11</a:t>
+              <a:t>12</a:t>
             </a:fld>
             <a:endParaRPr lang="en-US"/>
           </a:p>
@@ -1413,7 +1344,7 @@
             <a:fld id="{B34D9DE9-C514-4E56-88DA-9DE0A2D024F2}" type="slidenum">
               <a:rPr lang="en-US" smtClean="0"/>
               <a:pPr/>
-              <a:t>12</a:t>
+              <a:t>13</a:t>
             </a:fld>
             <a:endParaRPr lang="en-US"/>
           </a:p>
@@ -1476,6 +1407,37 @@
           <a:bodyPr/>
           <a:lstStyle/>
           <a:p>
+            <a:r>
+              <a:rPr lang="en-US" dirty="0" smtClean="0"/>
+              <a:t>To</a:t>
+            </a:r>
+            <a:r>
+              <a:rPr lang="en-US" baseline="0" dirty="0" smtClean="0"/>
+              <a:t> minimize lock contention, each table is accessed by a minimal set of agents</a:t>
+            </a:r>
+            <a:endParaRPr lang="en-US" dirty="0" smtClean="0"/>
+          </a:p>
+          <a:p>
+            <a:r>
+              <a:rPr lang="en-US" dirty="0" smtClean="0"/>
+              <a:t>Central agents (blue) act on block-level tables (purple) to create</a:t>
+            </a:r>
+            <a:r>
+              <a:rPr lang="en-US" baseline="0" dirty="0" smtClean="0"/>
+              <a:t> transfer tasks in volatile tables (pink)</a:t>
+            </a:r>
+          </a:p>
+          <a:p>
+            <a:r>
+              <a:rPr lang="en-US" baseline="0" dirty="0" smtClean="0"/>
+              <a:t>Site agents (orange) act on transfer tasks to perform physical transfers and upload back</a:t>
+            </a:r>
+          </a:p>
+          <a:p>
+            <a:r>
+              <a:rPr lang="en-US" baseline="0" dirty="0" smtClean="0"/>
+              <a:t>Central agents aggregate transfer results back into block-level replica tables (purple) and into monitoring tables (green) </a:t>
+            </a:r>
             <a:endParaRPr lang="en-GB" dirty="0"/>
           </a:p>
         </p:txBody>
@@ -1498,7 +1460,7 @@
             <a:fld id="{B34D9DE9-C514-4E56-88DA-9DE0A2D024F2}" type="slidenum">
               <a:rPr lang="en-US" smtClean="0"/>
               <a:pPr/>
-              <a:t>13</a:t>
+              <a:t>14</a:t>
             </a:fld>
             <a:endParaRPr lang="en-US"/>
           </a:p>
@@ -1583,7 +1545,7 @@
             <a:fld id="{B34D9DE9-C514-4E56-88DA-9DE0A2D024F2}" type="slidenum">
               <a:rPr lang="en-US" smtClean="0"/>
               <a:pPr/>
-              <a:t>14</a:t>
+              <a:t>15</a:t>
             </a:fld>
             <a:endParaRPr lang="en-US"/>
           </a:p>
@@ -1668,7 +1630,7 @@
             <a:fld id="{B34D9DE9-C514-4E56-88DA-9DE0A2D024F2}" type="slidenum">
               <a:rPr lang="en-US" smtClean="0"/>
               <a:pPr/>
-              <a:t>15</a:t>
+              <a:t>16</a:t>
             </a:fld>
             <a:endParaRPr lang="en-US"/>
           </a:p>
@@ -1753,7 +1715,7 @@
             <a:fld id="{B34D9DE9-C514-4E56-88DA-9DE0A2D024F2}" type="slidenum">
               <a:rPr lang="en-US" smtClean="0"/>
               <a:pPr/>
-              <a:t>16</a:t>
+              <a:t>17</a:t>
             </a:fld>
             <a:endParaRPr lang="en-US"/>
           </a:p>
@@ -1838,7 +1800,7 @@
             <a:fld id="{B34D9DE9-C514-4E56-88DA-9DE0A2D024F2}" type="slidenum">
               <a:rPr lang="en-US" smtClean="0"/>
               <a:pPr/>
-              <a:t>17</a:t>
+              <a:t>18</a:t>
             </a:fld>
             <a:endParaRPr lang="en-US"/>
           </a:p>
@@ -5780,6 +5742,60 @@
           <a:chExt cx="0" cy="0"/>
         </a:xfrm>
       </p:grpSpPr>
+      <p:pic>
+        <p:nvPicPr>
+          <p:cNvPr id="1026" name="Picture 2"/>
+          <p:cNvPicPr>
+            <a:picLocks noChangeAspect="1" noChangeArrowheads="1"/>
+          </p:cNvPicPr>
+          <p:nvPr/>
+        </p:nvPicPr>
+        <p:blipFill>
+          <a:blip r:embed="rId3">
+            <a:extLst>
+              <a:ext uri="{28A0092B-C50C-407E-A947-70E740481C1C}">
+                <a14:useLocalDpi xmlns:a14="http://schemas.microsoft.com/office/drawing/2010/main" val="0"/>
+              </a:ext>
+            </a:extLst>
+          </a:blip>
+          <a:srcRect/>
+          <a:stretch>
+            <a:fillRect/>
+          </a:stretch>
+        </p:blipFill>
+        <p:spPr bwMode="auto">
+          <a:xfrm>
+            <a:off x="4419600" y="1500770"/>
+            <a:ext cx="5029200" cy="4097760"/>
+          </a:xfrm>
+          <a:prstGeom prst="rect">
+            <a:avLst/>
+          </a:prstGeom>
+          <a:noFill/>
+          <a:ln>
+            <a:noFill/>
+          </a:ln>
+          <a:extLst>
+            <a:ext uri="{909E8E84-426E-40dd-AFC4-6F175D3DCCD1}">
+              <a14:hiddenFill xmlns:a14="http://schemas.microsoft.com/office/drawing/2010/main">
+                <a:solidFill>
+                  <a:schemeClr val="accent1"/>
+                </a:solidFill>
+              </a14:hiddenFill>
+            </a:ext>
+            <a:ext uri="{91240B29-F687-4f45-9708-019B960494DF}">
+              <a14:hiddenLine xmlns:a14="http://schemas.microsoft.com/office/drawing/2010/main" w="9525">
+                <a:solidFill>
+                  <a:schemeClr val="tx1"/>
+                </a:solidFill>
+                <a:miter lim="800000"/>
+                <a:headEnd/>
+                <a:tailEnd/>
+              </a14:hiddenLine>
+            </a:ext>
+          </a:extLst>
+        </p:spPr>
+      </p:pic>
       <p:sp>
         <p:nvSpPr>
           <p:cNvPr id="2" name="Date Placeholder 1"/>
@@ -6035,7 +6051,7 @@
         <p:spPr bwMode="auto">
           <a:xfrm>
             <a:off x="381000" y="1143000"/>
-            <a:ext cx="8229600" cy="4813300"/>
+            <a:ext cx="4495800" cy="4813300"/>
           </a:xfrm>
           <a:prstGeom prst="rect">
             <a:avLst/>
@@ -6210,16 +6226,322 @@
               <a:defRPr/>
             </a:pPr>
             <a:r>
-              <a:rPr lang="en-US" sz="2800" b="1" kern="0" dirty="0" smtClean="0"/>
-              <a:t>DBS3 SLIDE ON PERFORMANCE HERE?</a:t>
-            </a:r>
+              <a:rPr lang="en-US" sz="2400" kern="0" dirty="0" smtClean="0"/>
+              <a:t>New version: </a:t>
+            </a:r>
+            <a:r>
+              <a:rPr lang="en-US" sz="2400" b="1" kern="0" dirty="0" smtClean="0"/>
+              <a:t>DBS3</a:t>
+            </a:r>
+          </a:p>
+          <a:p>
+            <a:pPr lvl="1">
+              <a:lnSpc>
+                <a:spcPct val="90000"/>
+              </a:lnSpc>
+              <a:defRPr/>
+            </a:pPr>
+            <a:r>
+              <a:rPr lang="en-US" sz="2000" kern="0" dirty="0" err="1" smtClean="0"/>
+              <a:t>Rescoped</a:t>
+            </a:r>
+            <a:r>
+              <a:rPr lang="en-US" sz="2000" kern="0" dirty="0" smtClean="0"/>
+              <a:t> schema in Oracle DB to improve scaling, dropping information that did not belong there e.g. data location</a:t>
+            </a:r>
+          </a:p>
+          <a:p>
+            <a:pPr lvl="1">
+              <a:lnSpc>
+                <a:spcPct val="90000"/>
+              </a:lnSpc>
+              <a:defRPr/>
+            </a:pPr>
+            <a:r>
+              <a:rPr lang="en-US" sz="2000" kern="0" dirty="0" smtClean="0"/>
+              <a:t>REST API based on standard </a:t>
+            </a:r>
+            <a:r>
+              <a:rPr lang="en-US" sz="2000" kern="0" dirty="0" err="1" smtClean="0"/>
+              <a:t>cmsweb</a:t>
+            </a:r>
+            <a:r>
+              <a:rPr lang="en-US" sz="2000" kern="0" dirty="0" smtClean="0"/>
+              <a:t> libs, </a:t>
+            </a:r>
+            <a:r>
+              <a:rPr lang="en-US" sz="2000" kern="0" dirty="0" err="1" smtClean="0"/>
+              <a:t>SQLAlchemy</a:t>
+            </a:r>
+            <a:r>
+              <a:rPr lang="en-US" sz="2000" kern="0" dirty="0" smtClean="0"/>
+              <a:t> and </a:t>
+            </a:r>
+            <a:r>
+              <a:rPr lang="en-US" sz="2000" kern="0" dirty="0" err="1" smtClean="0"/>
+              <a:t>CherryPy</a:t>
+            </a:r>
+            <a:endParaRPr lang="en-US" sz="2000" kern="0" dirty="0" smtClean="0"/>
+          </a:p>
+          <a:p>
+            <a:pPr lvl="1">
+              <a:lnSpc>
+                <a:spcPct val="90000"/>
+              </a:lnSpc>
+              <a:defRPr/>
+            </a:pPr>
+            <a:r>
+              <a:rPr lang="en-US" sz="2000" kern="0" dirty="0" smtClean="0"/>
+              <a:t>Lightweight information exchange with JSON</a:t>
+            </a:r>
+          </a:p>
+          <a:p>
+            <a:pPr>
+              <a:lnSpc>
+                <a:spcPct val="90000"/>
+              </a:lnSpc>
+              <a:defRPr/>
+            </a:pPr>
+            <a:r>
+              <a:rPr lang="en-US" sz="2400" kern="0" dirty="0" smtClean="0"/>
+              <a:t>Currently deployed in parallel to DBS2 for validation before final switch</a:t>
+            </a:r>
+            <a:r>
+              <a:rPr lang="en-US" sz="2400" kern="0" baseline="30000" dirty="0" smtClean="0"/>
+              <a:t>1</a:t>
+            </a:r>
+          </a:p>
+          <a:p>
+            <a:pPr marL="0" indent="0">
+              <a:lnSpc>
+                <a:spcPct val="90000"/>
+              </a:lnSpc>
+              <a:buNone/>
+              <a:defRPr/>
+            </a:pPr>
+            <a:endParaRPr lang="en-US" sz="2400" kern="0" dirty="0" smtClean="0"/>
+          </a:p>
+        </p:txBody>
+      </p:sp>
+      <p:sp>
+        <p:nvSpPr>
+          <p:cNvPr id="8" name="Rectangle 3"/>
+          <p:cNvSpPr txBox="1">
+            <a:spLocks noChangeArrowheads="1"/>
+          </p:cNvSpPr>
+          <p:nvPr/>
+        </p:nvSpPr>
+        <p:spPr bwMode="auto">
+          <a:xfrm>
+            <a:off x="540026" y="5939459"/>
+            <a:ext cx="8229600" cy="317500"/>
+          </a:xfrm>
+          <a:prstGeom prst="rect">
+            <a:avLst/>
+          </a:prstGeom>
+          <a:noFill/>
+          <a:ln w="9525">
+            <a:noFill/>
+            <a:miter lim="800000"/>
+            <a:headEnd/>
+            <a:tailEnd/>
+          </a:ln>
+          <a:effectLst/>
+        </p:spPr>
+        <p:txBody>
+          <a:bodyPr vert="horz" wrap="square" lIns="91440" tIns="45720" rIns="91440" bIns="45720" numCol="1" anchor="t" anchorCtr="0" compatLnSpc="1">
+            <a:prstTxWarp prst="textNoShape">
+              <a:avLst/>
+            </a:prstTxWarp>
+          </a:bodyPr>
+          <a:lstStyle>
+            <a:lvl1pPr marL="342900" indent="-342900" algn="l" rtl="0" fontAlgn="base">
+              <a:spcBef>
+                <a:spcPct val="20000"/>
+              </a:spcBef>
+              <a:spcAft>
+                <a:spcPct val="0"/>
+              </a:spcAft>
+              <a:buChar char="•"/>
+              <a:defRPr sz="3200">
+                <a:solidFill>
+                  <a:schemeClr val="tx1"/>
+                </a:solidFill>
+                <a:latin typeface="Verdana" panose="020B0604030504040204" pitchFamily="34" charset="0"/>
+                <a:ea typeface="Verdana" panose="020B0604030504040204" pitchFamily="34" charset="0"/>
+                <a:cs typeface="Verdana" panose="020B0604030504040204" pitchFamily="34" charset="0"/>
+              </a:defRPr>
+            </a:lvl1pPr>
+            <a:lvl2pPr marL="742950" indent="-285750" algn="l" rtl="0" fontAlgn="base">
+              <a:spcBef>
+                <a:spcPct val="20000"/>
+              </a:spcBef>
+              <a:spcAft>
+                <a:spcPct val="0"/>
+              </a:spcAft>
+              <a:buChar char="–"/>
+              <a:defRPr sz="2800">
+                <a:solidFill>
+                  <a:schemeClr val="tx1"/>
+                </a:solidFill>
+                <a:latin typeface="Verdana" panose="020B0604030504040204" pitchFamily="34" charset="0"/>
+                <a:ea typeface="Verdana" panose="020B0604030504040204" pitchFamily="34" charset="0"/>
+                <a:cs typeface="Verdana" panose="020B0604030504040204" pitchFamily="34" charset="0"/>
+              </a:defRPr>
+            </a:lvl2pPr>
+            <a:lvl3pPr marL="1143000" indent="-228600" algn="l" rtl="0" fontAlgn="base">
+              <a:spcBef>
+                <a:spcPct val="20000"/>
+              </a:spcBef>
+              <a:spcAft>
+                <a:spcPct val="0"/>
+              </a:spcAft>
+              <a:buChar char="•"/>
+              <a:defRPr sz="2400">
+                <a:solidFill>
+                  <a:schemeClr val="tx1"/>
+                </a:solidFill>
+                <a:latin typeface="Verdana" panose="020B0604030504040204" pitchFamily="34" charset="0"/>
+                <a:ea typeface="Verdana" panose="020B0604030504040204" pitchFamily="34" charset="0"/>
+                <a:cs typeface="Verdana" panose="020B0604030504040204" pitchFamily="34" charset="0"/>
+              </a:defRPr>
+            </a:lvl3pPr>
+            <a:lvl4pPr marL="1600200" indent="-228600" algn="l" rtl="0" fontAlgn="base">
+              <a:spcBef>
+                <a:spcPct val="20000"/>
+              </a:spcBef>
+              <a:spcAft>
+                <a:spcPct val="0"/>
+              </a:spcAft>
+              <a:buChar char="–"/>
+              <a:defRPr sz="2000">
+                <a:solidFill>
+                  <a:schemeClr val="tx1"/>
+                </a:solidFill>
+                <a:latin typeface="Verdana" panose="020B0604030504040204" pitchFamily="34" charset="0"/>
+                <a:ea typeface="Verdana" panose="020B0604030504040204" pitchFamily="34" charset="0"/>
+                <a:cs typeface="Verdana" panose="020B0604030504040204" pitchFamily="34" charset="0"/>
+              </a:defRPr>
+            </a:lvl4pPr>
+            <a:lvl5pPr marL="2057400" indent="-228600" algn="l" rtl="0" fontAlgn="base">
+              <a:spcBef>
+                <a:spcPct val="20000"/>
+              </a:spcBef>
+              <a:spcAft>
+                <a:spcPct val="0"/>
+              </a:spcAft>
+              <a:buChar char="»"/>
+              <a:defRPr sz="2000">
+                <a:solidFill>
+                  <a:schemeClr val="tx1"/>
+                </a:solidFill>
+                <a:latin typeface="Verdana" panose="020B0604030504040204" pitchFamily="34" charset="0"/>
+                <a:ea typeface="Verdana" panose="020B0604030504040204" pitchFamily="34" charset="0"/>
+                <a:cs typeface="Verdana" panose="020B0604030504040204" pitchFamily="34" charset="0"/>
+              </a:defRPr>
+            </a:lvl5pPr>
+            <a:lvl6pPr marL="2514600" indent="-228600" algn="l" rtl="0" fontAlgn="base">
+              <a:spcBef>
+                <a:spcPct val="20000"/>
+              </a:spcBef>
+              <a:spcAft>
+                <a:spcPct val="0"/>
+              </a:spcAft>
+              <a:buChar char="»"/>
+              <a:defRPr sz="2000">
+                <a:solidFill>
+                  <a:schemeClr val="tx1"/>
+                </a:solidFill>
+                <a:latin typeface="+mn-lt"/>
+              </a:defRPr>
+            </a:lvl6pPr>
+            <a:lvl7pPr marL="2971800" indent="-228600" algn="l" rtl="0" fontAlgn="base">
+              <a:spcBef>
+                <a:spcPct val="20000"/>
+              </a:spcBef>
+              <a:spcAft>
+                <a:spcPct val="0"/>
+              </a:spcAft>
+              <a:buChar char="»"/>
+              <a:defRPr sz="2000">
+                <a:solidFill>
+                  <a:schemeClr val="tx1"/>
+                </a:solidFill>
+                <a:latin typeface="+mn-lt"/>
+              </a:defRPr>
+            </a:lvl7pPr>
+            <a:lvl8pPr marL="3429000" indent="-228600" algn="l" rtl="0" fontAlgn="base">
+              <a:spcBef>
+                <a:spcPct val="20000"/>
+              </a:spcBef>
+              <a:spcAft>
+                <a:spcPct val="0"/>
+              </a:spcAft>
+              <a:buChar char="»"/>
+              <a:defRPr sz="2000">
+                <a:solidFill>
+                  <a:schemeClr val="tx1"/>
+                </a:solidFill>
+                <a:latin typeface="+mn-lt"/>
+              </a:defRPr>
+            </a:lvl8pPr>
+            <a:lvl9pPr marL="3886200" indent="-228600" algn="l" rtl="0" fontAlgn="base">
+              <a:spcBef>
+                <a:spcPct val="20000"/>
+              </a:spcBef>
+              <a:spcAft>
+                <a:spcPct val="0"/>
+              </a:spcAft>
+              <a:buChar char="»"/>
+              <a:defRPr sz="2000">
+                <a:solidFill>
+                  <a:schemeClr val="tx1"/>
+                </a:solidFill>
+                <a:latin typeface="+mn-lt"/>
+              </a:defRPr>
+            </a:lvl9pPr>
+          </a:lstStyle>
+          <a:p>
+            <a:pPr>
+              <a:lnSpc>
+                <a:spcPct val="90000"/>
+              </a:lnSpc>
+              <a:buFont typeface="+mj-lt"/>
+              <a:buAutoNum type="arabicPeriod"/>
+              <a:defRPr/>
+            </a:pPr>
+            <a:r>
+              <a:rPr lang="en-US" sz="1600" dirty="0" smtClean="0"/>
+              <a:t>M. </a:t>
+            </a:r>
+            <a:r>
+              <a:rPr lang="en-US" sz="1600" dirty="0" err="1" smtClean="0"/>
+              <a:t>Giffels</a:t>
+            </a:r>
+            <a:r>
+              <a:rPr lang="en-US" sz="1600" dirty="0" smtClean="0"/>
+              <a:t>: Data </a:t>
+            </a:r>
+            <a:r>
+              <a:rPr lang="en-US" sz="1600" dirty="0"/>
+              <a:t>Bookkeeping Service 3 - Providing event metadata in CMS </a:t>
+            </a:r>
+          </a:p>
+          <a:p>
+            <a:pPr>
+              <a:lnSpc>
+                <a:spcPct val="90000"/>
+              </a:lnSpc>
+              <a:defRPr/>
+            </a:pPr>
+            <a:endParaRPr lang="en-US" sz="2400" kern="0" dirty="0" smtClean="0"/>
           </a:p>
         </p:txBody>
       </p:sp>
     </p:spTree>
     <p:extLst>
       <p:ext uri="{BB962C8B-B14F-4D97-AF65-F5344CB8AC3E}">
-        <p14:creationId xmlns:p14="http://schemas.microsoft.com/office/powerpoint/2010/main" val="4024364134"/>
+        <p14:creationId xmlns:p14="http://schemas.microsoft.com/office/powerpoint/2010/main" val="1087350862"/>
       </p:ext>
     </p:extLst>
   </p:cSld>
@@ -6237,7 +6559,7 @@
 </file>
 
 <file path=ppt/slides/slide11.xml><?xml version="1.0" encoding="utf-8"?>
-<p:sld xmlns:a="http://schemas.openxmlformats.org/drawingml/2006/main" xmlns:r="http://schemas.openxmlformats.org/officeDocument/2006/relationships" xmlns:p="http://schemas.openxmlformats.org/presentationml/2006/main">
+<p:sld xmlns:a="http://schemas.openxmlformats.org/drawingml/2006/main" xmlns:r="http://schemas.openxmlformats.org/officeDocument/2006/relationships" xmlns:p="http://schemas.openxmlformats.org/presentationml/2006/main" show="0">
   <p:cSld>
     <p:spTree>
       <p:nvGrpSpPr>
@@ -6491,6 +6813,487 @@
           </a:lstStyle>
           <a:p>
             <a:r>
+              <a:rPr lang="en-US" altLang="en-US" sz="3200" kern="0" dirty="0" smtClean="0"/>
+              <a:t>Dataset Bookkeeping System (DBS)</a:t>
+            </a:r>
+          </a:p>
+        </p:txBody>
+      </p:sp>
+      <p:sp>
+        <p:nvSpPr>
+          <p:cNvPr id="6" name="Rectangle 3"/>
+          <p:cNvSpPr txBox="1">
+            <a:spLocks noChangeArrowheads="1"/>
+          </p:cNvSpPr>
+          <p:nvPr/>
+        </p:nvSpPr>
+        <p:spPr bwMode="auto">
+          <a:xfrm>
+            <a:off x="381000" y="1143000"/>
+            <a:ext cx="8229600" cy="4813300"/>
+          </a:xfrm>
+          <a:prstGeom prst="rect">
+            <a:avLst/>
+          </a:prstGeom>
+          <a:noFill/>
+          <a:ln w="9525">
+            <a:noFill/>
+            <a:miter lim="800000"/>
+            <a:headEnd/>
+            <a:tailEnd/>
+          </a:ln>
+          <a:effectLst/>
+        </p:spPr>
+        <p:txBody>
+          <a:bodyPr vert="horz" wrap="square" lIns="91440" tIns="45720" rIns="91440" bIns="45720" numCol="1" anchor="t" anchorCtr="0" compatLnSpc="1">
+            <a:prstTxWarp prst="textNoShape">
+              <a:avLst/>
+            </a:prstTxWarp>
+          </a:bodyPr>
+          <a:lstStyle>
+            <a:lvl1pPr marL="342900" indent="-342900" algn="l" rtl="0" fontAlgn="base">
+              <a:spcBef>
+                <a:spcPct val="20000"/>
+              </a:spcBef>
+              <a:spcAft>
+                <a:spcPct val="0"/>
+              </a:spcAft>
+              <a:buChar char="•"/>
+              <a:defRPr sz="3200">
+                <a:solidFill>
+                  <a:schemeClr val="tx1"/>
+                </a:solidFill>
+                <a:latin typeface="Verdana" panose="020B0604030504040204" pitchFamily="34" charset="0"/>
+                <a:ea typeface="Verdana" panose="020B0604030504040204" pitchFamily="34" charset="0"/>
+                <a:cs typeface="Verdana" panose="020B0604030504040204" pitchFamily="34" charset="0"/>
+              </a:defRPr>
+            </a:lvl1pPr>
+            <a:lvl2pPr marL="742950" indent="-285750" algn="l" rtl="0" fontAlgn="base">
+              <a:spcBef>
+                <a:spcPct val="20000"/>
+              </a:spcBef>
+              <a:spcAft>
+                <a:spcPct val="0"/>
+              </a:spcAft>
+              <a:buChar char="–"/>
+              <a:defRPr sz="2800">
+                <a:solidFill>
+                  <a:schemeClr val="tx1"/>
+                </a:solidFill>
+                <a:latin typeface="Verdana" panose="020B0604030504040204" pitchFamily="34" charset="0"/>
+                <a:ea typeface="Verdana" panose="020B0604030504040204" pitchFamily="34" charset="0"/>
+                <a:cs typeface="Verdana" panose="020B0604030504040204" pitchFamily="34" charset="0"/>
+              </a:defRPr>
+            </a:lvl2pPr>
+            <a:lvl3pPr marL="1143000" indent="-228600" algn="l" rtl="0" fontAlgn="base">
+              <a:spcBef>
+                <a:spcPct val="20000"/>
+              </a:spcBef>
+              <a:spcAft>
+                <a:spcPct val="0"/>
+              </a:spcAft>
+              <a:buChar char="•"/>
+              <a:defRPr sz="2400">
+                <a:solidFill>
+                  <a:schemeClr val="tx1"/>
+                </a:solidFill>
+                <a:latin typeface="Verdana" panose="020B0604030504040204" pitchFamily="34" charset="0"/>
+                <a:ea typeface="Verdana" panose="020B0604030504040204" pitchFamily="34" charset="0"/>
+                <a:cs typeface="Verdana" panose="020B0604030504040204" pitchFamily="34" charset="0"/>
+              </a:defRPr>
+            </a:lvl3pPr>
+            <a:lvl4pPr marL="1600200" indent="-228600" algn="l" rtl="0" fontAlgn="base">
+              <a:spcBef>
+                <a:spcPct val="20000"/>
+              </a:spcBef>
+              <a:spcAft>
+                <a:spcPct val="0"/>
+              </a:spcAft>
+              <a:buChar char="–"/>
+              <a:defRPr sz="2000">
+                <a:solidFill>
+                  <a:schemeClr val="tx1"/>
+                </a:solidFill>
+                <a:latin typeface="Verdana" panose="020B0604030504040204" pitchFamily="34" charset="0"/>
+                <a:ea typeface="Verdana" panose="020B0604030504040204" pitchFamily="34" charset="0"/>
+                <a:cs typeface="Verdana" panose="020B0604030504040204" pitchFamily="34" charset="0"/>
+              </a:defRPr>
+            </a:lvl4pPr>
+            <a:lvl5pPr marL="2057400" indent="-228600" algn="l" rtl="0" fontAlgn="base">
+              <a:spcBef>
+                <a:spcPct val="20000"/>
+              </a:spcBef>
+              <a:spcAft>
+                <a:spcPct val="0"/>
+              </a:spcAft>
+              <a:buChar char="»"/>
+              <a:defRPr sz="2000">
+                <a:solidFill>
+                  <a:schemeClr val="tx1"/>
+                </a:solidFill>
+                <a:latin typeface="Verdana" panose="020B0604030504040204" pitchFamily="34" charset="0"/>
+                <a:ea typeface="Verdana" panose="020B0604030504040204" pitchFamily="34" charset="0"/>
+                <a:cs typeface="Verdana" panose="020B0604030504040204" pitchFamily="34" charset="0"/>
+              </a:defRPr>
+            </a:lvl5pPr>
+            <a:lvl6pPr marL="2514600" indent="-228600" algn="l" rtl="0" fontAlgn="base">
+              <a:spcBef>
+                <a:spcPct val="20000"/>
+              </a:spcBef>
+              <a:spcAft>
+                <a:spcPct val="0"/>
+              </a:spcAft>
+              <a:buChar char="»"/>
+              <a:defRPr sz="2000">
+                <a:solidFill>
+                  <a:schemeClr val="tx1"/>
+                </a:solidFill>
+                <a:latin typeface="+mn-lt"/>
+              </a:defRPr>
+            </a:lvl6pPr>
+            <a:lvl7pPr marL="2971800" indent="-228600" algn="l" rtl="0" fontAlgn="base">
+              <a:spcBef>
+                <a:spcPct val="20000"/>
+              </a:spcBef>
+              <a:spcAft>
+                <a:spcPct val="0"/>
+              </a:spcAft>
+              <a:buChar char="»"/>
+              <a:defRPr sz="2000">
+                <a:solidFill>
+                  <a:schemeClr val="tx1"/>
+                </a:solidFill>
+                <a:latin typeface="+mn-lt"/>
+              </a:defRPr>
+            </a:lvl7pPr>
+            <a:lvl8pPr marL="3429000" indent="-228600" algn="l" rtl="0" fontAlgn="base">
+              <a:spcBef>
+                <a:spcPct val="20000"/>
+              </a:spcBef>
+              <a:spcAft>
+                <a:spcPct val="0"/>
+              </a:spcAft>
+              <a:buChar char="»"/>
+              <a:defRPr sz="2000">
+                <a:solidFill>
+                  <a:schemeClr val="tx1"/>
+                </a:solidFill>
+                <a:latin typeface="+mn-lt"/>
+              </a:defRPr>
+            </a:lvl8pPr>
+            <a:lvl9pPr marL="3886200" indent="-228600" algn="l" rtl="0" fontAlgn="base">
+              <a:spcBef>
+                <a:spcPct val="20000"/>
+              </a:spcBef>
+              <a:spcAft>
+                <a:spcPct val="0"/>
+              </a:spcAft>
+              <a:buChar char="»"/>
+              <a:defRPr sz="2000">
+                <a:solidFill>
+                  <a:schemeClr val="tx1"/>
+                </a:solidFill>
+                <a:latin typeface="+mn-lt"/>
+              </a:defRPr>
+            </a:lvl9pPr>
+          </a:lstStyle>
+          <a:p>
+            <a:pPr>
+              <a:lnSpc>
+                <a:spcPct val="90000"/>
+              </a:lnSpc>
+              <a:defRPr/>
+            </a:pPr>
+            <a:r>
+              <a:rPr lang="en-US" sz="2800" b="1" kern="0" dirty="0" smtClean="0"/>
+              <a:t>DBS3 SLIDE ON PERFORMANCE HERE?</a:t>
+            </a:r>
+          </a:p>
+        </p:txBody>
+      </p:sp>
+    </p:spTree>
+    <p:extLst>
+      <p:ext uri="{BB962C8B-B14F-4D97-AF65-F5344CB8AC3E}">
+        <p14:creationId xmlns:p14="http://schemas.microsoft.com/office/powerpoint/2010/main" val="4024364134"/>
+      </p:ext>
+    </p:extLst>
+  </p:cSld>
+  <p:clrMapOvr>
+    <a:masterClrMapping/>
+  </p:clrMapOvr>
+  <mc:AlternateContent xmlns:mc="http://schemas.openxmlformats.org/markup-compatibility/2006" xmlns:p14="http://schemas.microsoft.com/office/powerpoint/2010/main">
+    <mc:Choice Requires="p14">
+      <p:transition spd="slow" p14:dur="2000"/>
+    </mc:Choice>
+    <mc:Fallback xmlns="">
+      <p:transition spd="slow"/>
+    </mc:Fallback>
+  </mc:AlternateContent>
+  <p:timing>
+    <p:tnLst>
+      <p:par>
+        <p:cTn xmlns:p14="http://schemas.microsoft.com/office/powerpoint/2010/main" id="1" dur="indefinite" restart="never" nodeType="tmRoot"/>
+      </p:par>
+    </p:tnLst>
+  </p:timing>
+</p:sld>
+</file>
+
+<file path=ppt/slides/slide12.xml><?xml version="1.0" encoding="utf-8"?>
+<p:sld xmlns:a="http://schemas.openxmlformats.org/drawingml/2006/main" xmlns:r="http://schemas.openxmlformats.org/officeDocument/2006/relationships" xmlns:p="http://schemas.openxmlformats.org/presentationml/2006/main">
+  <p:cSld>
+    <p:spTree>
+      <p:nvGrpSpPr>
+        <p:cNvPr id="1" name=""/>
+        <p:cNvGrpSpPr/>
+        <p:nvPr/>
+      </p:nvGrpSpPr>
+      <p:grpSpPr>
+        <a:xfrm>
+          <a:off x="0" y="0"/>
+          <a:ext cx="0" cy="0"/>
+          <a:chOff x="0" y="0"/>
+          <a:chExt cx="0" cy="0"/>
+        </a:xfrm>
+      </p:grpSpPr>
+      <p:sp>
+        <p:nvSpPr>
+          <p:cNvPr id="2" name="Date Placeholder 1"/>
+          <p:cNvSpPr>
+            <a:spLocks noGrp="1"/>
+          </p:cNvSpPr>
+          <p:nvPr>
+            <p:ph type="dt" sz="half" idx="10"/>
+          </p:nvPr>
+        </p:nvSpPr>
+        <p:spPr/>
+        <p:txBody>
+          <a:bodyPr/>
+          <a:lstStyle/>
+          <a:p>
+            <a:fld id="{266004A0-9E56-4C9C-910F-AE8959E42029}" type="datetime5">
+              <a:rPr lang="en-GB" smtClean="0"/>
+              <a:pPr/>
+              <a:t>10-Oct-13</a:t>
+            </a:fld>
+            <a:endParaRPr lang="en-US"/>
+          </a:p>
+        </p:txBody>
+      </p:sp>
+      <p:sp>
+        <p:nvSpPr>
+          <p:cNvPr id="3" name="Footer Placeholder 2"/>
+          <p:cNvSpPr>
+            <a:spLocks noGrp="1"/>
+          </p:cNvSpPr>
+          <p:nvPr>
+            <p:ph type="ftr" sz="quarter" idx="11"/>
+          </p:nvPr>
+        </p:nvSpPr>
+        <p:spPr/>
+        <p:txBody>
+          <a:bodyPr/>
+          <a:lstStyle/>
+          <a:p>
+            <a:r>
+              <a:rPr lang="en-GB" smtClean="0"/>
+              <a:t>The CMS Data Management System - </a:t>
+            </a:r>
+            <a:r>
+              <a:rPr lang="en-US" smtClean="0"/>
+              <a:t>CHEP 2013</a:t>
+            </a:r>
+            <a:endParaRPr lang="en-US" dirty="0"/>
+          </a:p>
+        </p:txBody>
+      </p:sp>
+      <p:sp>
+        <p:nvSpPr>
+          <p:cNvPr id="4" name="Slide Number Placeholder 3"/>
+          <p:cNvSpPr>
+            <a:spLocks noGrp="1"/>
+          </p:cNvSpPr>
+          <p:nvPr>
+            <p:ph type="sldNum" sz="quarter" idx="12"/>
+          </p:nvPr>
+        </p:nvSpPr>
+        <p:spPr/>
+        <p:txBody>
+          <a:bodyPr/>
+          <a:lstStyle/>
+          <a:p>
+            <a:fld id="{29CBDB8C-B4BD-4722-B4E8-EB4C3A73DAC9}" type="slidenum">
+              <a:rPr lang="en-US" smtClean="0"/>
+              <a:pPr/>
+              <a:t>12</a:t>
+            </a:fld>
+            <a:endParaRPr lang="en-US"/>
+          </a:p>
+        </p:txBody>
+      </p:sp>
+      <p:sp>
+        <p:nvSpPr>
+          <p:cNvPr id="5" name="Rectangle 2"/>
+          <p:cNvSpPr txBox="1">
+            <a:spLocks noChangeArrowheads="1"/>
+          </p:cNvSpPr>
+          <p:nvPr/>
+        </p:nvSpPr>
+        <p:spPr bwMode="auto">
+          <a:xfrm>
+            <a:off x="838200" y="152400"/>
+            <a:ext cx="8305800" cy="609600"/>
+          </a:xfrm>
+          <a:prstGeom prst="rect">
+            <a:avLst/>
+          </a:prstGeom>
+          <a:noFill/>
+          <a:ln w="9525">
+            <a:noFill/>
+            <a:miter lim="800000"/>
+            <a:headEnd/>
+            <a:tailEnd/>
+          </a:ln>
+          <a:effectLst/>
+        </p:spPr>
+        <p:txBody>
+          <a:bodyPr vert="horz" wrap="square" lIns="91440" tIns="45720" rIns="91440" bIns="45720" numCol="1" anchor="ctr" anchorCtr="0" compatLnSpc="1">
+            <a:prstTxWarp prst="textNoShape">
+              <a:avLst/>
+            </a:prstTxWarp>
+          </a:bodyPr>
+          <a:lstStyle>
+            <a:lvl1pPr algn="ctr" rtl="0" fontAlgn="base">
+              <a:spcBef>
+                <a:spcPct val="0"/>
+              </a:spcBef>
+              <a:spcAft>
+                <a:spcPct val="0"/>
+              </a:spcAft>
+              <a:defRPr sz="4000">
+                <a:solidFill>
+                  <a:schemeClr val="tx2"/>
+                </a:solidFill>
+                <a:latin typeface="Verdana" panose="020B0604030504040204" pitchFamily="34" charset="0"/>
+                <a:ea typeface="Verdana" panose="020B0604030504040204" pitchFamily="34" charset="0"/>
+                <a:cs typeface="Verdana" panose="020B0604030504040204" pitchFamily="34" charset="0"/>
+              </a:defRPr>
+            </a:lvl1pPr>
+            <a:lvl2pPr algn="ctr" rtl="0" fontAlgn="base">
+              <a:spcBef>
+                <a:spcPct val="0"/>
+              </a:spcBef>
+              <a:spcAft>
+                <a:spcPct val="0"/>
+              </a:spcAft>
+              <a:defRPr sz="4400">
+                <a:solidFill>
+                  <a:schemeClr val="tx2"/>
+                </a:solidFill>
+                <a:latin typeface="Times New Roman" pitchFamily="18" charset="0"/>
+              </a:defRPr>
+            </a:lvl2pPr>
+            <a:lvl3pPr algn="ctr" rtl="0" fontAlgn="base">
+              <a:spcBef>
+                <a:spcPct val="0"/>
+              </a:spcBef>
+              <a:spcAft>
+                <a:spcPct val="0"/>
+              </a:spcAft>
+              <a:defRPr sz="4400">
+                <a:solidFill>
+                  <a:schemeClr val="tx2"/>
+                </a:solidFill>
+                <a:latin typeface="Times New Roman" pitchFamily="18" charset="0"/>
+              </a:defRPr>
+            </a:lvl3pPr>
+            <a:lvl4pPr algn="ctr" rtl="0" fontAlgn="base">
+              <a:spcBef>
+                <a:spcPct val="0"/>
+              </a:spcBef>
+              <a:spcAft>
+                <a:spcPct val="0"/>
+              </a:spcAft>
+              <a:defRPr sz="4400">
+                <a:solidFill>
+                  <a:schemeClr val="tx2"/>
+                </a:solidFill>
+                <a:latin typeface="Times New Roman" pitchFamily="18" charset="0"/>
+              </a:defRPr>
+            </a:lvl4pPr>
+            <a:lvl5pPr algn="ctr" rtl="0" fontAlgn="base">
+              <a:spcBef>
+                <a:spcPct val="0"/>
+              </a:spcBef>
+              <a:spcAft>
+                <a:spcPct val="0"/>
+              </a:spcAft>
+              <a:defRPr sz="4400">
+                <a:solidFill>
+                  <a:schemeClr val="tx2"/>
+                </a:solidFill>
+                <a:latin typeface="Times New Roman" pitchFamily="18" charset="0"/>
+              </a:defRPr>
+            </a:lvl5pPr>
+            <a:lvl6pPr marL="457200" algn="ctr" rtl="0" fontAlgn="base">
+              <a:spcBef>
+                <a:spcPct val="0"/>
+              </a:spcBef>
+              <a:spcAft>
+                <a:spcPct val="0"/>
+              </a:spcAft>
+              <a:defRPr sz="4400">
+                <a:solidFill>
+                  <a:schemeClr val="tx2"/>
+                </a:solidFill>
+                <a:latin typeface="Times New Roman" pitchFamily="18" charset="0"/>
+              </a:defRPr>
+            </a:lvl6pPr>
+            <a:lvl7pPr marL="914400" algn="ctr" rtl="0" fontAlgn="base">
+              <a:spcBef>
+                <a:spcPct val="0"/>
+              </a:spcBef>
+              <a:spcAft>
+                <a:spcPct val="0"/>
+              </a:spcAft>
+              <a:defRPr sz="4400">
+                <a:solidFill>
+                  <a:schemeClr val="tx2"/>
+                </a:solidFill>
+                <a:latin typeface="Times New Roman" pitchFamily="18" charset="0"/>
+              </a:defRPr>
+            </a:lvl7pPr>
+            <a:lvl8pPr marL="1371600" algn="ctr" rtl="0" fontAlgn="base">
+              <a:spcBef>
+                <a:spcPct val="0"/>
+              </a:spcBef>
+              <a:spcAft>
+                <a:spcPct val="0"/>
+              </a:spcAft>
+              <a:defRPr sz="4400">
+                <a:solidFill>
+                  <a:schemeClr val="tx2"/>
+                </a:solidFill>
+                <a:latin typeface="Times New Roman" pitchFamily="18" charset="0"/>
+              </a:defRPr>
+            </a:lvl8pPr>
+            <a:lvl9pPr marL="1828800" algn="ctr" rtl="0" fontAlgn="base">
+              <a:spcBef>
+                <a:spcPct val="0"/>
+              </a:spcBef>
+              <a:spcAft>
+                <a:spcPct val="0"/>
+              </a:spcAft>
+              <a:defRPr sz="4400">
+                <a:solidFill>
+                  <a:schemeClr val="tx2"/>
+                </a:solidFill>
+                <a:latin typeface="Times New Roman" pitchFamily="18" charset="0"/>
+              </a:defRPr>
+            </a:lvl9pPr>
+          </a:lstStyle>
+          <a:p>
+            <a:r>
               <a:rPr lang="en-US" altLang="en-US" sz="3200" kern="0" dirty="0" err="1" smtClean="0"/>
               <a:t>PhEDEx</a:t>
             </a:r>
@@ -6761,7 +7564,15 @@
             </a:pPr>
             <a:r>
               <a:rPr lang="en-US" sz="2000" dirty="0"/>
-              <a:t>Site-specific agents: download</a:t>
+              <a:t>Site-specific </a:t>
+            </a:r>
+            <a:r>
+              <a:rPr lang="en-US" sz="2000" dirty="0" smtClean="0"/>
+              <a:t>agents: </a:t>
+            </a:r>
+            <a:r>
+              <a:rPr lang="en-US" sz="2000" dirty="0"/>
+              <a:t>download</a:t>
             </a:r>
             <a:r>
               <a:rPr lang="en-US" sz="2000" dirty="0" smtClean="0"/>
@@ -6782,15 +7593,7 @@
             </a:pPr>
             <a:r>
               <a:rPr lang="en-US" sz="2800" dirty="0" smtClean="0"/>
-              <a:t>Agents </a:t>
-            </a:r>
-            <a:r>
-              <a:rPr lang="en-US" sz="2800" dirty="0"/>
-              <a:t>inter-communicate </a:t>
-            </a:r>
-            <a:r>
-              <a:rPr lang="en-US" sz="2800" dirty="0" smtClean="0"/>
-              <a:t>through a central Transfer </a:t>
+              <a:t>Agents intercommunicate through a central Transfer </a:t>
             </a:r>
             <a:r>
               <a:rPr lang="en-US" sz="2800" dirty="0"/>
@@ -6912,7 +7715,7 @@
 </p:sld>
 </file>
 
-<file path=ppt/slides/slide12.xml><?xml version="1.0" encoding="utf-8"?>
+<file path=ppt/slides/slide13.xml><?xml version="1.0" encoding="utf-8"?>
 <p:sld xmlns:a="http://schemas.openxmlformats.org/drawingml/2006/main" xmlns:r="http://schemas.openxmlformats.org/officeDocument/2006/relationships" xmlns:p="http://schemas.openxmlformats.org/presentationml/2006/main">
   <p:cSld>
     <p:spTree>
@@ -6998,7 +7801,7 @@
             <a:fld id="{29CBDB8C-B4BD-4722-B4E8-EB4C3A73DAC9}" type="slidenum">
               <a:rPr lang="en-US" smtClean="0"/>
               <a:pPr/>
-              <a:t>12</a:t>
+              <a:t>13</a:t>
             </a:fld>
             <a:endParaRPr lang="en-US"/>
           </a:p>
@@ -7389,41 +8192,16 @@
             </a:r>
           </a:p>
           <a:p>
-            <a:pPr lvl="2">
-              <a:defRPr/>
-            </a:pPr>
-            <a:r>
-              <a:rPr lang="en-GB" altLang="en-US" sz="2000" kern="0" dirty="0" smtClean="0"/>
-              <a:t>Mapping to physical file names on storage through </a:t>
-            </a:r>
-            <a:r>
-              <a:rPr lang="en-GB" altLang="en-US" sz="2000" b="1" kern="0" dirty="0" err="1" smtClean="0"/>
-              <a:t>TrivialFileCatalog</a:t>
-            </a:r>
-            <a:r>
-              <a:rPr lang="en-GB" altLang="en-US" sz="2000" kern="0" dirty="0"/>
-              <a:t>:</a:t>
-            </a:r>
-            <a:r>
-              <a:rPr lang="en-GB" altLang="en-US" sz="2000" kern="0" dirty="0" smtClean="0"/>
-              <a:t> just a set of </a:t>
-            </a:r>
-            <a:r>
-              <a:rPr lang="en-GB" altLang="en-US" sz="2000" kern="0" dirty="0" err="1" smtClean="0"/>
-              <a:t>regexp</a:t>
-            </a:r>
-            <a:r>
-              <a:rPr lang="en-GB" altLang="en-US" sz="2000" kern="0" dirty="0" smtClean="0"/>
-              <a:t> rules published by the site</a:t>
-            </a:r>
-          </a:p>
-          <a:p>
             <a:pPr>
               <a:defRPr/>
             </a:pPr>
             <a:r>
+              <a:rPr lang="en-US" sz="2800" dirty="0" smtClean="0"/>
+              <a:t>Transfer </a:t>
+            </a:r>
+            <a:r>
               <a:rPr lang="en-US" sz="2800" dirty="0"/>
-              <a:t>Transfer state blackboard</a:t>
+              <a:t>state blackboard</a:t>
             </a:r>
           </a:p>
           <a:p>
@@ -7488,7 +8266,7 @@
 </p:sld>
 </file>
 
-<file path=ppt/slides/slide13.xml><?xml version="1.0" encoding="utf-8"?>
+<file path=ppt/slides/slide14.xml><?xml version="1.0" encoding="utf-8"?>
 <p:sld xmlns:a="http://schemas.openxmlformats.org/drawingml/2006/main" xmlns:r="http://schemas.openxmlformats.org/officeDocument/2006/relationships" xmlns:p="http://schemas.openxmlformats.org/presentationml/2006/main">
   <p:cSld>
     <p:spTree>
@@ -7574,7 +8352,7 @@
             <a:fld id="{29CBDB8C-B4BD-4722-B4E8-EB4C3A73DAC9}" type="slidenum">
               <a:rPr lang="en-US" smtClean="0"/>
               <a:pPr/>
-              <a:t>13</a:t>
+              <a:t>14</a:t>
             </a:fld>
             <a:endParaRPr lang="en-US"/>
           </a:p>
@@ -7964,7 +8742,7 @@
         </p:blipFill>
         <p:spPr bwMode="auto">
           <a:xfrm>
-            <a:off x="1676400" y="990600"/>
+            <a:off x="1295400" y="1013791"/>
             <a:ext cx="6137274" cy="4834576"/>
           </a:xfrm>
           <a:prstGeom prst="rect">
@@ -8023,7 +8801,7 @@
 </p:sld>
 </file>
 
-<file path=ppt/slides/slide14.xml><?xml version="1.0" encoding="utf-8"?>
+<file path=ppt/slides/slide15.xml><?xml version="1.0" encoding="utf-8"?>
 <p:sld xmlns:a="http://schemas.openxmlformats.org/drawingml/2006/main" xmlns:r="http://schemas.openxmlformats.org/officeDocument/2006/relationships" xmlns:p="http://schemas.openxmlformats.org/presentationml/2006/main">
   <p:cSld>
     <p:spTree>
@@ -8063,8 +8841,8 @@
         </p:blipFill>
         <p:spPr>
           <a:xfrm>
-            <a:off x="2209800" y="748748"/>
-            <a:ext cx="5094824" cy="4136823"/>
+            <a:off x="2262459" y="791817"/>
+            <a:ext cx="4790024" cy="3889336"/>
           </a:xfrm>
           <a:prstGeom prst="rect">
             <a:avLst/>
@@ -8141,7 +8919,7 @@
             <a:fld id="{29CBDB8C-B4BD-4722-B4E8-EB4C3A73DAC9}" type="slidenum">
               <a:rPr lang="en-US" smtClean="0"/>
               <a:pPr/>
-              <a:t>14</a:t>
+              <a:t>15</a:t>
             </a:fld>
             <a:endParaRPr lang="en-US"/>
           </a:p>
@@ -8330,7 +9108,7 @@
         </p:nvSpPr>
         <p:spPr bwMode="auto">
           <a:xfrm>
-            <a:off x="542671" y="4883914"/>
+            <a:off x="542671" y="4675015"/>
             <a:ext cx="8229600" cy="1212085"/>
           </a:xfrm>
           <a:prstGeom prst="rect">
@@ -8503,12 +9281,33 @@
               <a:defRPr/>
             </a:pPr>
             <a:r>
+              <a:rPr lang="en-US" sz="2400" dirty="0" smtClean="0"/>
+              <a:t>Central </a:t>
+            </a:r>
+            <a:r>
               <a:rPr lang="en-US" sz="2400" dirty="0" err="1" smtClean="0"/>
               <a:t>PhEDEx</a:t>
             </a:r>
             <a:r>
               <a:rPr lang="en-US" sz="2400" dirty="0" smtClean="0"/>
-              <a:t> is middleware-agnostic, integrated with WLCG DM middleware – </a:t>
+              <a:t> agents are middleware-agnostic</a:t>
+            </a:r>
+          </a:p>
+          <a:p>
+            <a:pPr>
+              <a:defRPr/>
+            </a:pPr>
+            <a:r>
+              <a:rPr lang="en-US" sz="2400" dirty="0" smtClean="0"/>
+              <a:t>Site agents integrated </a:t>
+            </a:r>
+            <a:r>
+              <a:rPr lang="en-US" sz="2400" dirty="0"/>
+              <a:t>through plugins with </a:t>
+            </a:r>
+            <a:r>
+              <a:rPr lang="en-US" sz="2400" dirty="0" smtClean="0"/>
+              <a:t>WLCG DM middleware – </a:t>
             </a:r>
             <a:r>
               <a:rPr lang="en-US" sz="2400" dirty="0" err="1" smtClean="0"/>
@@ -8516,7 +9315,7 @@
             </a:r>
             <a:r>
               <a:rPr lang="en-US" sz="2400" dirty="0" smtClean="0"/>
-              <a:t> FTS or SRM - through plugins for site agents</a:t>
+              <a:t> FTS or SRM – to execute transfers</a:t>
             </a:r>
           </a:p>
         </p:txBody>
@@ -8525,321 +9324,6 @@
     <p:extLst>
       <p:ext uri="{BB962C8B-B14F-4D97-AF65-F5344CB8AC3E}">
         <p14:creationId xmlns:p14="http://schemas.microsoft.com/office/powerpoint/2010/main" val="907802090"/>
-      </p:ext>
-    </p:extLst>
-  </p:cSld>
-  <p:clrMapOvr>
-    <a:masterClrMapping/>
-  </p:clrMapOvr>
-  <p:timing>
-    <p:tnLst>
-      <p:par>
-        <p:cTn xmlns:p14="http://schemas.microsoft.com/office/powerpoint/2010/main" id="1" dur="indefinite" restart="never" nodeType="tmRoot"/>
-      </p:par>
-    </p:tnLst>
-  </p:timing>
-</p:sld>
-</file>
-
-<file path=ppt/slides/slide15.xml><?xml version="1.0" encoding="utf-8"?>
-<p:sld xmlns:a="http://schemas.openxmlformats.org/drawingml/2006/main" xmlns:r="http://schemas.openxmlformats.org/officeDocument/2006/relationships" xmlns:p="http://schemas.openxmlformats.org/presentationml/2006/main">
-  <p:cSld>
-    <p:spTree>
-      <p:nvGrpSpPr>
-        <p:cNvPr id="1" name=""/>
-        <p:cNvGrpSpPr/>
-        <p:nvPr/>
-      </p:nvGrpSpPr>
-      <p:grpSpPr>
-        <a:xfrm>
-          <a:off x="0" y="0"/>
-          <a:ext cx="0" cy="0"/>
-          <a:chOff x="0" y="0"/>
-          <a:chExt cx="0" cy="0"/>
-        </a:xfrm>
-      </p:grpSpPr>
-      <p:sp>
-        <p:nvSpPr>
-          <p:cNvPr id="2" name="Date Placeholder 1"/>
-          <p:cNvSpPr>
-            <a:spLocks noGrp="1"/>
-          </p:cNvSpPr>
-          <p:nvPr>
-            <p:ph type="dt" sz="half" idx="10"/>
-          </p:nvPr>
-        </p:nvSpPr>
-        <p:spPr/>
-        <p:txBody>
-          <a:bodyPr/>
-          <a:lstStyle/>
-          <a:p>
-            <a:fld id="{266004A0-9E56-4C9C-910F-AE8959E42029}" type="datetime5">
-              <a:rPr lang="en-GB" smtClean="0"/>
-              <a:pPr/>
-              <a:t>10-Oct-13</a:t>
-            </a:fld>
-            <a:endParaRPr lang="en-US"/>
-          </a:p>
-        </p:txBody>
-      </p:sp>
-      <p:sp>
-        <p:nvSpPr>
-          <p:cNvPr id="3" name="Footer Placeholder 2"/>
-          <p:cNvSpPr>
-            <a:spLocks noGrp="1"/>
-          </p:cNvSpPr>
-          <p:nvPr>
-            <p:ph type="ftr" sz="quarter" idx="11"/>
-          </p:nvPr>
-        </p:nvSpPr>
-        <p:spPr/>
-        <p:txBody>
-          <a:bodyPr/>
-          <a:lstStyle/>
-          <a:p>
-            <a:r>
-              <a:rPr lang="en-GB" smtClean="0"/>
-              <a:t>The CMS Data Management System - </a:t>
-            </a:r>
-            <a:r>
-              <a:rPr lang="en-US" smtClean="0"/>
-              <a:t>CHEP 2013</a:t>
-            </a:r>
-            <a:endParaRPr lang="en-US" dirty="0"/>
-          </a:p>
-        </p:txBody>
-      </p:sp>
-      <p:sp>
-        <p:nvSpPr>
-          <p:cNvPr id="4" name="Slide Number Placeholder 3"/>
-          <p:cNvSpPr>
-            <a:spLocks noGrp="1"/>
-          </p:cNvSpPr>
-          <p:nvPr>
-            <p:ph type="sldNum" sz="quarter" idx="12"/>
-          </p:nvPr>
-        </p:nvSpPr>
-        <p:spPr/>
-        <p:txBody>
-          <a:bodyPr/>
-          <a:lstStyle/>
-          <a:p>
-            <a:fld id="{29CBDB8C-B4BD-4722-B4E8-EB4C3A73DAC9}" type="slidenum">
-              <a:rPr lang="en-US" smtClean="0"/>
-              <a:pPr/>
-              <a:t>15</a:t>
-            </a:fld>
-            <a:endParaRPr lang="en-US"/>
-          </a:p>
-        </p:txBody>
-      </p:sp>
-      <p:sp>
-        <p:nvSpPr>
-          <p:cNvPr id="5" name="Rectangle 2"/>
-          <p:cNvSpPr txBox="1">
-            <a:spLocks noChangeArrowheads="1"/>
-          </p:cNvSpPr>
-          <p:nvPr/>
-        </p:nvSpPr>
-        <p:spPr bwMode="auto">
-          <a:xfrm>
-            <a:off x="838200" y="152400"/>
-            <a:ext cx="8305800" cy="609600"/>
-          </a:xfrm>
-          <a:prstGeom prst="rect">
-            <a:avLst/>
-          </a:prstGeom>
-          <a:noFill/>
-          <a:ln w="9525">
-            <a:noFill/>
-            <a:miter lim="800000"/>
-            <a:headEnd/>
-            <a:tailEnd/>
-          </a:ln>
-          <a:effectLst/>
-        </p:spPr>
-        <p:txBody>
-          <a:bodyPr vert="horz" wrap="square" lIns="91440" tIns="45720" rIns="91440" bIns="45720" numCol="1" anchor="ctr" anchorCtr="0" compatLnSpc="1">
-            <a:prstTxWarp prst="textNoShape">
-              <a:avLst/>
-            </a:prstTxWarp>
-          </a:bodyPr>
-          <a:lstStyle>
-            <a:lvl1pPr algn="ctr" rtl="0" fontAlgn="base">
-              <a:spcBef>
-                <a:spcPct val="0"/>
-              </a:spcBef>
-              <a:spcAft>
-                <a:spcPct val="0"/>
-              </a:spcAft>
-              <a:defRPr sz="4000">
-                <a:solidFill>
-                  <a:schemeClr val="tx2"/>
-                </a:solidFill>
-                <a:latin typeface="Verdana" panose="020B0604030504040204" pitchFamily="34" charset="0"/>
-                <a:ea typeface="Verdana" panose="020B0604030504040204" pitchFamily="34" charset="0"/>
-                <a:cs typeface="Verdana" panose="020B0604030504040204" pitchFamily="34" charset="0"/>
-              </a:defRPr>
-            </a:lvl1pPr>
-            <a:lvl2pPr algn="ctr" rtl="0" fontAlgn="base">
-              <a:spcBef>
-                <a:spcPct val="0"/>
-              </a:spcBef>
-              <a:spcAft>
-                <a:spcPct val="0"/>
-              </a:spcAft>
-              <a:defRPr sz="4400">
-                <a:solidFill>
-                  <a:schemeClr val="tx2"/>
-                </a:solidFill>
-                <a:latin typeface="Times New Roman" pitchFamily="18" charset="0"/>
-              </a:defRPr>
-            </a:lvl2pPr>
-            <a:lvl3pPr algn="ctr" rtl="0" fontAlgn="base">
-              <a:spcBef>
-                <a:spcPct val="0"/>
-              </a:spcBef>
-              <a:spcAft>
-                <a:spcPct val="0"/>
-              </a:spcAft>
-              <a:defRPr sz="4400">
-                <a:solidFill>
-                  <a:schemeClr val="tx2"/>
-                </a:solidFill>
-                <a:latin typeface="Times New Roman" pitchFamily="18" charset="0"/>
-              </a:defRPr>
-            </a:lvl3pPr>
-            <a:lvl4pPr algn="ctr" rtl="0" fontAlgn="base">
-              <a:spcBef>
-                <a:spcPct val="0"/>
-              </a:spcBef>
-              <a:spcAft>
-                <a:spcPct val="0"/>
-              </a:spcAft>
-              <a:defRPr sz="4400">
-                <a:solidFill>
-                  <a:schemeClr val="tx2"/>
-                </a:solidFill>
-                <a:latin typeface="Times New Roman" pitchFamily="18" charset="0"/>
-              </a:defRPr>
-            </a:lvl4pPr>
-            <a:lvl5pPr algn="ctr" rtl="0" fontAlgn="base">
-              <a:spcBef>
-                <a:spcPct val="0"/>
-              </a:spcBef>
-              <a:spcAft>
-                <a:spcPct val="0"/>
-              </a:spcAft>
-              <a:defRPr sz="4400">
-                <a:solidFill>
-                  <a:schemeClr val="tx2"/>
-                </a:solidFill>
-                <a:latin typeface="Times New Roman" pitchFamily="18" charset="0"/>
-              </a:defRPr>
-            </a:lvl5pPr>
-            <a:lvl6pPr marL="457200" algn="ctr" rtl="0" fontAlgn="base">
-              <a:spcBef>
-                <a:spcPct val="0"/>
-              </a:spcBef>
-              <a:spcAft>
-                <a:spcPct val="0"/>
-              </a:spcAft>
-              <a:defRPr sz="4400">
-                <a:solidFill>
-                  <a:schemeClr val="tx2"/>
-                </a:solidFill>
-                <a:latin typeface="Times New Roman" pitchFamily="18" charset="0"/>
-              </a:defRPr>
-            </a:lvl6pPr>
-            <a:lvl7pPr marL="914400" algn="ctr" rtl="0" fontAlgn="base">
-              <a:spcBef>
-                <a:spcPct val="0"/>
-              </a:spcBef>
-              <a:spcAft>
-                <a:spcPct val="0"/>
-              </a:spcAft>
-              <a:defRPr sz="4400">
-                <a:solidFill>
-                  <a:schemeClr val="tx2"/>
-                </a:solidFill>
-                <a:latin typeface="Times New Roman" pitchFamily="18" charset="0"/>
-              </a:defRPr>
-            </a:lvl7pPr>
-            <a:lvl8pPr marL="1371600" algn="ctr" rtl="0" fontAlgn="base">
-              <a:spcBef>
-                <a:spcPct val="0"/>
-              </a:spcBef>
-              <a:spcAft>
-                <a:spcPct val="0"/>
-              </a:spcAft>
-              <a:defRPr sz="4400">
-                <a:solidFill>
-                  <a:schemeClr val="tx2"/>
-                </a:solidFill>
-                <a:latin typeface="Times New Roman" pitchFamily="18" charset="0"/>
-              </a:defRPr>
-            </a:lvl8pPr>
-            <a:lvl9pPr marL="1828800" algn="ctr" rtl="0" fontAlgn="base">
-              <a:spcBef>
-                <a:spcPct val="0"/>
-              </a:spcBef>
-              <a:spcAft>
-                <a:spcPct val="0"/>
-              </a:spcAft>
-              <a:defRPr sz="4400">
-                <a:solidFill>
-                  <a:schemeClr val="tx2"/>
-                </a:solidFill>
-                <a:latin typeface="Times New Roman" pitchFamily="18" charset="0"/>
-              </a:defRPr>
-            </a:lvl9pPr>
-          </a:lstStyle>
-          <a:p>
-            <a:r>
-              <a:rPr lang="en-US" altLang="en-US" sz="3200" kern="0" dirty="0" err="1" smtClean="0"/>
-              <a:t>PhEDEx</a:t>
-            </a:r>
-            <a:r>
-              <a:rPr lang="en-US" altLang="en-US" sz="3200" kern="0" dirty="0" smtClean="0"/>
-              <a:t> performance</a:t>
-            </a:r>
-          </a:p>
-        </p:txBody>
-      </p:sp>
-      <p:pic>
-        <p:nvPicPr>
-          <p:cNvPr id="9" name="Picture 8" descr="All-PhEDEx-transfers.bmp"/>
-          <p:cNvPicPr>
-            <a:picLocks noChangeAspect="1"/>
-          </p:cNvPicPr>
-          <p:nvPr/>
-        </p:nvPicPr>
-        <p:blipFill>
-          <a:blip r:embed="rId3" cstate="print">
-            <a:extLst>
-              <a:ext uri="{28A0092B-C50C-407E-A947-70E740481C1C}">
-                <a14:useLocalDpi xmlns:a14="http://schemas.microsoft.com/office/drawing/2010/main" val="0"/>
-              </a:ext>
-            </a:extLst>
-          </a:blip>
-          <a:stretch>
-            <a:fillRect/>
-          </a:stretch>
-        </p:blipFill>
-        <p:spPr>
-          <a:xfrm>
-            <a:off x="0" y="1143000"/>
-            <a:ext cx="9144000" cy="4572000"/>
-          </a:xfrm>
-          <a:prstGeom prst="rect">
-            <a:avLst/>
-          </a:prstGeom>
-        </p:spPr>
-      </p:pic>
-    </p:spTree>
-    <p:extLst>
-      <p:ext uri="{BB962C8B-B14F-4D97-AF65-F5344CB8AC3E}">
-        <p14:creationId xmlns:p14="http://schemas.microsoft.com/office/powerpoint/2010/main" val="2708679857"/>
       </p:ext>
     </p:extLst>
   </p:cSld>
@@ -8873,6 +9357,36 @@
           <a:chExt cx="0" cy="0"/>
         </a:xfrm>
       </p:grpSpPr>
+      <p:pic>
+        <p:nvPicPr>
+          <p:cNvPr id="9" name="Picture 8" descr="All-PhEDEx-transfers.bmp"/>
+          <p:cNvPicPr>
+            <a:picLocks noChangeAspect="1"/>
+          </p:cNvPicPr>
+          <p:nvPr/>
+        </p:nvPicPr>
+        <p:blipFill>
+          <a:blip r:embed="rId3" cstate="print">
+            <a:extLst>
+              <a:ext uri="{28A0092B-C50C-407E-A947-70E740481C1C}">
+                <a14:useLocalDpi xmlns:a14="http://schemas.microsoft.com/office/drawing/2010/main" val="0"/>
+              </a:ext>
+            </a:extLst>
+          </a:blip>
+          <a:stretch>
+            <a:fillRect/>
+          </a:stretch>
+        </p:blipFill>
+        <p:spPr>
+          <a:xfrm>
+            <a:off x="0" y="784800"/>
+            <a:ext cx="9144000" cy="4572000"/>
+          </a:xfrm>
+          <a:prstGeom prst="rect">
+            <a:avLst/>
+          </a:prstGeom>
+        </p:spPr>
+      </p:pic>
       <p:sp>
         <p:nvSpPr>
           <p:cNvPr id="2" name="Date Placeholder 1"/>
@@ -9116,6 +9630,333 @@
             </a:r>
             <a:r>
               <a:rPr lang="en-US" altLang="en-US" sz="3200" kern="0" dirty="0" smtClean="0"/>
+              <a:t> performance</a:t>
+            </a:r>
+          </a:p>
+        </p:txBody>
+      </p:sp>
+      <p:sp>
+        <p:nvSpPr>
+          <p:cNvPr id="8" name="TextBox 7"/>
+          <p:cNvSpPr txBox="1"/>
+          <p:nvPr/>
+        </p:nvSpPr>
+        <p:spPr>
+          <a:xfrm>
+            <a:off x="156839" y="5334000"/>
+            <a:ext cx="8910961" cy="954107"/>
+          </a:xfrm>
+          <a:prstGeom prst="rect">
+            <a:avLst/>
+          </a:prstGeom>
+          <a:noFill/>
+        </p:spPr>
+        <p:txBody>
+          <a:bodyPr wrap="square" rtlCol="0">
+            <a:spAutoFit/>
+          </a:bodyPr>
+          <a:lstStyle/>
+          <a:p>
+            <a:pPr marL="457200" indent="-457200" algn="l">
+              <a:buFont typeface="Arial" panose="020B0604020202020204" pitchFamily="34" charset="0"/>
+              <a:buChar char="•"/>
+            </a:pPr>
+            <a:r>
+              <a:rPr lang="en-US" sz="2800" dirty="0" smtClean="0">
+                <a:latin typeface="Verdana" panose="020B0604030504040204" pitchFamily="34" charset="0"/>
+                <a:ea typeface="Verdana" panose="020B0604030504040204" pitchFamily="34" charset="0"/>
+                <a:cs typeface="Verdana" panose="020B0604030504040204" pitchFamily="34" charset="0"/>
+              </a:rPr>
+              <a:t>Up to 77 PB of replicas, ~450k transfers/day in Production</a:t>
+            </a:r>
+            <a:endParaRPr lang="en-GB" sz="2800" dirty="0">
+              <a:latin typeface="Verdana" panose="020B0604030504040204" pitchFamily="34" charset="0"/>
+              <a:ea typeface="Verdana" panose="020B0604030504040204" pitchFamily="34" charset="0"/>
+              <a:cs typeface="Verdana" panose="020B0604030504040204" pitchFamily="34" charset="0"/>
+            </a:endParaRPr>
+          </a:p>
+        </p:txBody>
+      </p:sp>
+    </p:spTree>
+    <p:extLst>
+      <p:ext uri="{BB962C8B-B14F-4D97-AF65-F5344CB8AC3E}">
+        <p14:creationId xmlns:p14="http://schemas.microsoft.com/office/powerpoint/2010/main" val="2708679857"/>
+      </p:ext>
+    </p:extLst>
+  </p:cSld>
+  <p:clrMapOvr>
+    <a:masterClrMapping/>
+  </p:clrMapOvr>
+  <p:timing>
+    <p:tnLst>
+      <p:par>
+        <p:cTn xmlns:p14="http://schemas.microsoft.com/office/powerpoint/2010/main" id="1" dur="indefinite" restart="never" nodeType="tmRoot"/>
+      </p:par>
+    </p:tnLst>
+  </p:timing>
+</p:sld>
+</file>
+
+<file path=ppt/slides/slide17.xml><?xml version="1.0" encoding="utf-8"?>
+<p:sld xmlns:a="http://schemas.openxmlformats.org/drawingml/2006/main" xmlns:r="http://schemas.openxmlformats.org/officeDocument/2006/relationships" xmlns:p="http://schemas.openxmlformats.org/presentationml/2006/main">
+  <p:cSld>
+    <p:spTree>
+      <p:nvGrpSpPr>
+        <p:cNvPr id="1" name=""/>
+        <p:cNvGrpSpPr/>
+        <p:nvPr/>
+      </p:nvGrpSpPr>
+      <p:grpSpPr>
+        <a:xfrm>
+          <a:off x="0" y="0"/>
+          <a:ext cx="0" cy="0"/>
+          <a:chOff x="0" y="0"/>
+          <a:chExt cx="0" cy="0"/>
+        </a:xfrm>
+      </p:grpSpPr>
+      <p:sp>
+        <p:nvSpPr>
+          <p:cNvPr id="2" name="Date Placeholder 1"/>
+          <p:cNvSpPr>
+            <a:spLocks noGrp="1"/>
+          </p:cNvSpPr>
+          <p:nvPr>
+            <p:ph type="dt" sz="half" idx="10"/>
+          </p:nvPr>
+        </p:nvSpPr>
+        <p:spPr/>
+        <p:txBody>
+          <a:bodyPr/>
+          <a:lstStyle/>
+          <a:p>
+            <a:fld id="{266004A0-9E56-4C9C-910F-AE8959E42029}" type="datetime5">
+              <a:rPr lang="en-GB" smtClean="0"/>
+              <a:pPr/>
+              <a:t>10-Oct-13</a:t>
+            </a:fld>
+            <a:endParaRPr lang="en-US"/>
+          </a:p>
+        </p:txBody>
+      </p:sp>
+      <p:sp>
+        <p:nvSpPr>
+          <p:cNvPr id="3" name="Footer Placeholder 2"/>
+          <p:cNvSpPr>
+            <a:spLocks noGrp="1"/>
+          </p:cNvSpPr>
+          <p:nvPr>
+            <p:ph type="ftr" sz="quarter" idx="11"/>
+          </p:nvPr>
+        </p:nvSpPr>
+        <p:spPr/>
+        <p:txBody>
+          <a:bodyPr/>
+          <a:lstStyle/>
+          <a:p>
+            <a:r>
+              <a:rPr lang="en-GB" smtClean="0"/>
+              <a:t>The CMS Data Management System - </a:t>
+            </a:r>
+            <a:r>
+              <a:rPr lang="en-US" smtClean="0"/>
+              <a:t>CHEP 2013</a:t>
+            </a:r>
+            <a:endParaRPr lang="en-US" dirty="0"/>
+          </a:p>
+        </p:txBody>
+      </p:sp>
+      <p:sp>
+        <p:nvSpPr>
+          <p:cNvPr id="4" name="Slide Number Placeholder 3"/>
+          <p:cNvSpPr>
+            <a:spLocks noGrp="1"/>
+          </p:cNvSpPr>
+          <p:nvPr>
+            <p:ph type="sldNum" sz="quarter" idx="12"/>
+          </p:nvPr>
+        </p:nvSpPr>
+        <p:spPr/>
+        <p:txBody>
+          <a:bodyPr/>
+          <a:lstStyle/>
+          <a:p>
+            <a:fld id="{29CBDB8C-B4BD-4722-B4E8-EB4C3A73DAC9}" type="slidenum">
+              <a:rPr lang="en-US" smtClean="0"/>
+              <a:pPr/>
+              <a:t>17</a:t>
+            </a:fld>
+            <a:endParaRPr lang="en-US"/>
+          </a:p>
+        </p:txBody>
+      </p:sp>
+      <p:sp>
+        <p:nvSpPr>
+          <p:cNvPr id="5" name="Rectangle 2"/>
+          <p:cNvSpPr txBox="1">
+            <a:spLocks noChangeArrowheads="1"/>
+          </p:cNvSpPr>
+          <p:nvPr/>
+        </p:nvSpPr>
+        <p:spPr bwMode="auto">
+          <a:xfrm>
+            <a:off x="838200" y="152400"/>
+            <a:ext cx="8305800" cy="609600"/>
+          </a:xfrm>
+          <a:prstGeom prst="rect">
+            <a:avLst/>
+          </a:prstGeom>
+          <a:noFill/>
+          <a:ln w="9525">
+            <a:noFill/>
+            <a:miter lim="800000"/>
+            <a:headEnd/>
+            <a:tailEnd/>
+          </a:ln>
+          <a:effectLst/>
+        </p:spPr>
+        <p:txBody>
+          <a:bodyPr vert="horz" wrap="square" lIns="91440" tIns="45720" rIns="91440" bIns="45720" numCol="1" anchor="ctr" anchorCtr="0" compatLnSpc="1">
+            <a:prstTxWarp prst="textNoShape">
+              <a:avLst/>
+            </a:prstTxWarp>
+          </a:bodyPr>
+          <a:lstStyle>
+            <a:lvl1pPr algn="ctr" rtl="0" fontAlgn="base">
+              <a:spcBef>
+                <a:spcPct val="0"/>
+              </a:spcBef>
+              <a:spcAft>
+                <a:spcPct val="0"/>
+              </a:spcAft>
+              <a:defRPr sz="4000">
+                <a:solidFill>
+                  <a:schemeClr val="tx2"/>
+                </a:solidFill>
+                <a:latin typeface="Verdana" panose="020B0604030504040204" pitchFamily="34" charset="0"/>
+                <a:ea typeface="Verdana" panose="020B0604030504040204" pitchFamily="34" charset="0"/>
+                <a:cs typeface="Verdana" panose="020B0604030504040204" pitchFamily="34" charset="0"/>
+              </a:defRPr>
+            </a:lvl1pPr>
+            <a:lvl2pPr algn="ctr" rtl="0" fontAlgn="base">
+              <a:spcBef>
+                <a:spcPct val="0"/>
+              </a:spcBef>
+              <a:spcAft>
+                <a:spcPct val="0"/>
+              </a:spcAft>
+              <a:defRPr sz="4400">
+                <a:solidFill>
+                  <a:schemeClr val="tx2"/>
+                </a:solidFill>
+                <a:latin typeface="Times New Roman" pitchFamily="18" charset="0"/>
+              </a:defRPr>
+            </a:lvl2pPr>
+            <a:lvl3pPr algn="ctr" rtl="0" fontAlgn="base">
+              <a:spcBef>
+                <a:spcPct val="0"/>
+              </a:spcBef>
+              <a:spcAft>
+                <a:spcPct val="0"/>
+              </a:spcAft>
+              <a:defRPr sz="4400">
+                <a:solidFill>
+                  <a:schemeClr val="tx2"/>
+                </a:solidFill>
+                <a:latin typeface="Times New Roman" pitchFamily="18" charset="0"/>
+              </a:defRPr>
+            </a:lvl3pPr>
+            <a:lvl4pPr algn="ctr" rtl="0" fontAlgn="base">
+              <a:spcBef>
+                <a:spcPct val="0"/>
+              </a:spcBef>
+              <a:spcAft>
+                <a:spcPct val="0"/>
+              </a:spcAft>
+              <a:defRPr sz="4400">
+                <a:solidFill>
+                  <a:schemeClr val="tx2"/>
+                </a:solidFill>
+                <a:latin typeface="Times New Roman" pitchFamily="18" charset="0"/>
+              </a:defRPr>
+            </a:lvl4pPr>
+            <a:lvl5pPr algn="ctr" rtl="0" fontAlgn="base">
+              <a:spcBef>
+                <a:spcPct val="0"/>
+              </a:spcBef>
+              <a:spcAft>
+                <a:spcPct val="0"/>
+              </a:spcAft>
+              <a:defRPr sz="4400">
+                <a:solidFill>
+                  <a:schemeClr val="tx2"/>
+                </a:solidFill>
+                <a:latin typeface="Times New Roman" pitchFamily="18" charset="0"/>
+              </a:defRPr>
+            </a:lvl5pPr>
+            <a:lvl6pPr marL="457200" algn="ctr" rtl="0" fontAlgn="base">
+              <a:spcBef>
+                <a:spcPct val="0"/>
+              </a:spcBef>
+              <a:spcAft>
+                <a:spcPct val="0"/>
+              </a:spcAft>
+              <a:defRPr sz="4400">
+                <a:solidFill>
+                  <a:schemeClr val="tx2"/>
+                </a:solidFill>
+                <a:latin typeface="Times New Roman" pitchFamily="18" charset="0"/>
+              </a:defRPr>
+            </a:lvl6pPr>
+            <a:lvl7pPr marL="914400" algn="ctr" rtl="0" fontAlgn="base">
+              <a:spcBef>
+                <a:spcPct val="0"/>
+              </a:spcBef>
+              <a:spcAft>
+                <a:spcPct val="0"/>
+              </a:spcAft>
+              <a:defRPr sz="4400">
+                <a:solidFill>
+                  <a:schemeClr val="tx2"/>
+                </a:solidFill>
+                <a:latin typeface="Times New Roman" pitchFamily="18" charset="0"/>
+              </a:defRPr>
+            </a:lvl7pPr>
+            <a:lvl8pPr marL="1371600" algn="ctr" rtl="0" fontAlgn="base">
+              <a:spcBef>
+                <a:spcPct val="0"/>
+              </a:spcBef>
+              <a:spcAft>
+                <a:spcPct val="0"/>
+              </a:spcAft>
+              <a:defRPr sz="4400">
+                <a:solidFill>
+                  <a:schemeClr val="tx2"/>
+                </a:solidFill>
+                <a:latin typeface="Times New Roman" pitchFamily="18" charset="0"/>
+              </a:defRPr>
+            </a:lvl8pPr>
+            <a:lvl9pPr marL="1828800" algn="ctr" rtl="0" fontAlgn="base">
+              <a:spcBef>
+                <a:spcPct val="0"/>
+              </a:spcBef>
+              <a:spcAft>
+                <a:spcPct val="0"/>
+              </a:spcAft>
+              <a:defRPr sz="4400">
+                <a:solidFill>
+                  <a:schemeClr val="tx2"/>
+                </a:solidFill>
+                <a:latin typeface="Times New Roman" pitchFamily="18" charset="0"/>
+              </a:defRPr>
+            </a:lvl9pPr>
+          </a:lstStyle>
+          <a:p>
+            <a:r>
+              <a:rPr lang="en-US" altLang="en-US" sz="3200" kern="0" dirty="0" err="1" smtClean="0"/>
+              <a:t>PhEDEx</a:t>
+            </a:r>
+            <a:r>
+              <a:rPr lang="en-US" altLang="en-US" sz="3200" kern="0" dirty="0" smtClean="0"/>
               <a:t> improvements</a:t>
             </a:r>
           </a:p>
@@ -9314,12 +10155,21 @@
             </a:r>
             <a:r>
               <a:rPr lang="en-US" sz="2800" dirty="0" smtClean="0"/>
-              <a:t> with ~100 higher rates/data volumes </a:t>
-            </a:r>
-            <a:r>
-              <a:rPr lang="en-US" sz="2800" b="1" dirty="0" smtClean="0"/>
-              <a:t>NOTE: ADD PLOT??</a:t>
-            </a:r>
+              <a:t> with rates/data volumes </a:t>
+            </a:r>
+            <a:r>
+              <a:rPr lang="en-US" sz="2800" dirty="0"/>
+              <a:t>~</a:t>
+            </a:r>
+            <a:r>
+              <a:rPr lang="en-US" sz="2800" dirty="0" smtClean="0"/>
+              <a:t>100x higher than production</a:t>
+            </a:r>
+            <a:r>
+              <a:rPr lang="en-US" sz="2800" baseline="30000" dirty="0" smtClean="0"/>
+              <a:t>1</a:t>
+            </a:r>
+            <a:endParaRPr lang="en-US" sz="2800" b="1" baseline="30000" dirty="0" smtClean="0"/>
           </a:p>
           <a:p>
             <a:r>
@@ -9340,6 +10190,10 @@
               <a:rPr lang="en-US" sz="2400" dirty="0" smtClean="0"/>
               <a:t>Support for requesting generic operator actions e.g. consistency checking</a:t>
             </a:r>
+            <a:r>
+              <a:rPr lang="en-US" sz="2400" baseline="30000" dirty="0" smtClean="0"/>
+              <a:t>2</a:t>
+            </a:r>
           </a:p>
           <a:p>
             <a:pPr lvl="1"/>
@@ -9347,13 +10201,189 @@
               <a:rPr lang="en-US" sz="2400" dirty="0" smtClean="0"/>
               <a:t>Support for dynamic networking</a:t>
             </a:r>
-          </a:p>
-          <a:p>
-            <a:pPr lvl="1"/>
-            <a:r>
-              <a:rPr lang="en-US" sz="2400" dirty="0" smtClean="0"/>
-              <a:t>…</a:t>
-            </a:r>
+            <a:r>
+              <a:rPr lang="en-US" sz="2400" baseline="30000" dirty="0" smtClean="0"/>
+              <a:t>3</a:t>
+            </a:r>
+          </a:p>
+        </p:txBody>
+      </p:sp>
+      <p:sp>
+        <p:nvSpPr>
+          <p:cNvPr id="6" name="TextBox 5"/>
+          <p:cNvSpPr txBox="1"/>
+          <p:nvPr/>
+        </p:nvSpPr>
+        <p:spPr>
+          <a:xfrm>
+            <a:off x="228600" y="5130224"/>
+            <a:ext cx="8804234" cy="1169551"/>
+          </a:xfrm>
+          <a:prstGeom prst="rect">
+            <a:avLst/>
+          </a:prstGeom>
+          <a:noFill/>
+        </p:spPr>
+        <p:txBody>
+          <a:bodyPr wrap="square" rtlCol="0">
+            <a:spAutoFit/>
+          </a:bodyPr>
+          <a:lstStyle/>
+          <a:p>
+            <a:pPr marL="342900" indent="-342900" algn="l">
+              <a:buFont typeface="+mj-lt"/>
+              <a:buAutoNum type="arabicPeriod"/>
+            </a:pPr>
+            <a:r>
+              <a:rPr lang="en-US" dirty="0" smtClean="0">
+                <a:latin typeface="Verdana" panose="020B0604030504040204" pitchFamily="34" charset="0"/>
+                <a:ea typeface="Verdana" panose="020B0604030504040204" pitchFamily="34" charset="0"/>
+                <a:cs typeface="Verdana" panose="020B0604030504040204" pitchFamily="34" charset="0"/>
+              </a:rPr>
+              <a:t>T. Wildish: </a:t>
+            </a:r>
+            <a:r>
+              <a:rPr lang="en-US" dirty="0">
+                <a:latin typeface="Verdana" panose="020B0604030504040204" pitchFamily="34" charset="0"/>
+                <a:ea typeface="Verdana" panose="020B0604030504040204" pitchFamily="34" charset="0"/>
+                <a:cs typeface="Verdana" panose="020B0604030504040204" pitchFamily="34" charset="0"/>
+              </a:rPr>
+              <a:t>Integration and validation testing for </a:t>
+            </a:r>
+            <a:r>
+              <a:rPr lang="en-US" dirty="0" err="1">
+                <a:latin typeface="Verdana" panose="020B0604030504040204" pitchFamily="34" charset="0"/>
+                <a:ea typeface="Verdana" panose="020B0604030504040204" pitchFamily="34" charset="0"/>
+                <a:cs typeface="Verdana" panose="020B0604030504040204" pitchFamily="34" charset="0"/>
+              </a:rPr>
+              <a:t>PhEDEx</a:t>
+            </a:r>
+            <a:r>
+              <a:rPr lang="en-US" dirty="0">
+                <a:latin typeface="Verdana" panose="020B0604030504040204" pitchFamily="34" charset="0"/>
+                <a:ea typeface="Verdana" panose="020B0604030504040204" pitchFamily="34" charset="0"/>
+                <a:cs typeface="Verdana" panose="020B0604030504040204" pitchFamily="34" charset="0"/>
+              </a:rPr>
+              <a:t>, DBS and DAS with the </a:t>
+            </a:r>
+            <a:r>
+              <a:rPr lang="en-US" dirty="0" err="1">
+                <a:latin typeface="Verdana" panose="020B0604030504040204" pitchFamily="34" charset="0"/>
+                <a:ea typeface="Verdana" panose="020B0604030504040204" pitchFamily="34" charset="0"/>
+                <a:cs typeface="Verdana" panose="020B0604030504040204" pitchFamily="34" charset="0"/>
+              </a:rPr>
+              <a:t>PhEDEx</a:t>
+            </a:r>
+            <a:r>
+              <a:rPr lang="en-US" dirty="0">
+                <a:latin typeface="Verdana" panose="020B0604030504040204" pitchFamily="34" charset="0"/>
+                <a:ea typeface="Verdana" panose="020B0604030504040204" pitchFamily="34" charset="0"/>
+                <a:cs typeface="Verdana" panose="020B0604030504040204" pitchFamily="34" charset="0"/>
+              </a:rPr>
+              <a:t> </a:t>
+            </a:r>
+            <a:r>
+              <a:rPr lang="en-US" dirty="0" err="1">
+                <a:latin typeface="Verdana" panose="020B0604030504040204" pitchFamily="34" charset="0"/>
+                <a:ea typeface="Verdana" panose="020B0604030504040204" pitchFamily="34" charset="0"/>
+                <a:cs typeface="Verdana" panose="020B0604030504040204" pitchFamily="34" charset="0"/>
+              </a:rPr>
+              <a:t>LifeCycle</a:t>
+            </a:r>
+            <a:r>
+              <a:rPr lang="en-US" dirty="0">
+                <a:latin typeface="Verdana" panose="020B0604030504040204" pitchFamily="34" charset="0"/>
+                <a:ea typeface="Verdana" panose="020B0604030504040204" pitchFamily="34" charset="0"/>
+                <a:cs typeface="Verdana" panose="020B0604030504040204" pitchFamily="34" charset="0"/>
+              </a:rPr>
+              <a:t> </a:t>
+            </a:r>
+            <a:r>
+              <a:rPr lang="en-US" dirty="0" smtClean="0">
+                <a:latin typeface="Verdana" panose="020B0604030504040204" pitchFamily="34" charset="0"/>
+                <a:ea typeface="Verdana" panose="020B0604030504040204" pitchFamily="34" charset="0"/>
+                <a:cs typeface="Verdana" panose="020B0604030504040204" pitchFamily="34" charset="0"/>
+              </a:rPr>
+              <a:t>agent</a:t>
+            </a:r>
+          </a:p>
+          <a:p>
+            <a:pPr marL="342900" indent="-342900" algn="l">
+              <a:buFont typeface="+mj-lt"/>
+              <a:buAutoNum type="arabicPeriod"/>
+            </a:pPr>
+            <a:r>
+              <a:rPr lang="en-US" dirty="0">
+                <a:latin typeface="Verdana" panose="020B0604030504040204" pitchFamily="34" charset="0"/>
+                <a:ea typeface="Verdana" panose="020B0604030504040204" pitchFamily="34" charset="0"/>
+                <a:cs typeface="Verdana" panose="020B0604030504040204" pitchFamily="34" charset="0"/>
+              </a:rPr>
+              <a:t>T. Wildish: </a:t>
+            </a:r>
+            <a:r>
+              <a:rPr lang="en-US" dirty="0" smtClean="0">
+                <a:latin typeface="Verdana" panose="020B0604030504040204" pitchFamily="34" charset="0"/>
+                <a:ea typeface="Verdana" panose="020B0604030504040204" pitchFamily="34" charset="0"/>
+                <a:cs typeface="Verdana" panose="020B0604030504040204" pitchFamily="34" charset="0"/>
+              </a:rPr>
+              <a:t>Request </a:t>
+            </a:r>
+            <a:r>
+              <a:rPr lang="en-US" dirty="0">
+                <a:latin typeface="Verdana" panose="020B0604030504040204" pitchFamily="34" charset="0"/>
+                <a:ea typeface="Verdana" panose="020B0604030504040204" pitchFamily="34" charset="0"/>
+                <a:cs typeface="Verdana" panose="020B0604030504040204" pitchFamily="34" charset="0"/>
+              </a:rPr>
+              <a:t>for All - Generalized Request Framework for </a:t>
+            </a:r>
+            <a:r>
+              <a:rPr lang="en-US" dirty="0" err="1" smtClean="0">
+                <a:latin typeface="Verdana" panose="020B0604030504040204" pitchFamily="34" charset="0"/>
+                <a:ea typeface="Verdana" panose="020B0604030504040204" pitchFamily="34" charset="0"/>
+                <a:cs typeface="Verdana" panose="020B0604030504040204" pitchFamily="34" charset="0"/>
+              </a:rPr>
+              <a:t>PhEDEx</a:t>
+            </a:r>
+            <a:endParaRPr lang="en-US" dirty="0" smtClean="0">
+              <a:latin typeface="Verdana" panose="020B0604030504040204" pitchFamily="34" charset="0"/>
+              <a:ea typeface="Verdana" panose="020B0604030504040204" pitchFamily="34" charset="0"/>
+              <a:cs typeface="Verdana" panose="020B0604030504040204" pitchFamily="34" charset="0"/>
+            </a:endParaRPr>
+          </a:p>
+          <a:p>
+            <a:pPr marL="342900" indent="-342900" algn="l">
+              <a:buFont typeface="+mj-lt"/>
+              <a:buAutoNum type="arabicPeriod"/>
+            </a:pPr>
+            <a:r>
+              <a:rPr lang="en-US" dirty="0">
+                <a:latin typeface="Verdana" panose="020B0604030504040204" pitchFamily="34" charset="0"/>
+                <a:ea typeface="Verdana" panose="020B0604030504040204" pitchFamily="34" charset="0"/>
+                <a:cs typeface="Verdana" panose="020B0604030504040204" pitchFamily="34" charset="0"/>
+              </a:rPr>
+              <a:t>T. Wildish: </a:t>
+            </a:r>
+            <a:r>
+              <a:rPr lang="en-US" dirty="0" smtClean="0">
+                <a:latin typeface="Verdana" panose="020B0604030504040204" pitchFamily="34" charset="0"/>
+                <a:ea typeface="Verdana" panose="020B0604030504040204" pitchFamily="34" charset="0"/>
+                <a:cs typeface="Verdana" panose="020B0604030504040204" pitchFamily="34" charset="0"/>
+              </a:rPr>
+              <a:t>Challenging </a:t>
+            </a:r>
+            <a:r>
+              <a:rPr lang="en-US" dirty="0">
+                <a:latin typeface="Verdana" panose="020B0604030504040204" pitchFamily="34" charset="0"/>
+                <a:ea typeface="Verdana" panose="020B0604030504040204" pitchFamily="34" charset="0"/>
+                <a:cs typeface="Verdana" panose="020B0604030504040204" pitchFamily="34" charset="0"/>
+              </a:rPr>
+              <a:t>data and workload management in CMS Computing with network-aware systems</a:t>
+            </a:r>
+            <a:endParaRPr lang="en-GB" dirty="0">
+              <a:latin typeface="Verdana" panose="020B0604030504040204" pitchFamily="34" charset="0"/>
+              <a:ea typeface="Verdana" panose="020B0604030504040204" pitchFamily="34" charset="0"/>
+              <a:cs typeface="Verdana" panose="020B0604030504040204" pitchFamily="34" charset="0"/>
+            </a:endParaRPr>
           </a:p>
         </p:txBody>
       </p:sp>
@@ -9377,7 +10407,7 @@
 </p:sld>
 </file>
 
-<file path=ppt/slides/slide17.xml><?xml version="1.0" encoding="utf-8"?>
+<file path=ppt/slides/slide18.xml><?xml version="1.0" encoding="utf-8"?>
 <p:sld xmlns:a="http://schemas.openxmlformats.org/drawingml/2006/main" xmlns:r="http://schemas.openxmlformats.org/officeDocument/2006/relationships" xmlns:p="http://schemas.openxmlformats.org/presentationml/2006/main">
   <p:cSld>
     <p:spTree>
@@ -9517,7 +10547,7 @@
             <a:fld id="{29CBDB8C-B4BD-4722-B4E8-EB4C3A73DAC9}" type="slidenum">
               <a:rPr lang="en-US" smtClean="0"/>
               <a:pPr/>
-              <a:t>17</a:t>
+              <a:t>18</a:t>
             </a:fld>
             <a:endParaRPr lang="en-US"/>
           </a:p>
@@ -9913,596 +10943,6 @@
     <p:extLst>
       <p:ext uri="{BB962C8B-B14F-4D97-AF65-F5344CB8AC3E}">
         <p14:creationId xmlns:p14="http://schemas.microsoft.com/office/powerpoint/2010/main" val="4117513518"/>
-      </p:ext>
-    </p:extLst>
-  </p:cSld>
-  <p:clrMapOvr>
-    <a:masterClrMapping/>
-  </p:clrMapOvr>
-  <p:timing>
-    <p:tnLst>
-      <p:par>
-        <p:cTn xmlns:p14="http://schemas.microsoft.com/office/powerpoint/2010/main" id="1" dur="indefinite" restart="never" nodeType="tmRoot"/>
-      </p:par>
-    </p:tnLst>
-  </p:timing>
-</p:sld>
-</file>
-
-<file path=ppt/slides/slide18.xml><?xml version="1.0" encoding="utf-8"?>
-<p:sld xmlns:a="http://schemas.openxmlformats.org/drawingml/2006/main" xmlns:r="http://schemas.openxmlformats.org/officeDocument/2006/relationships" xmlns:p="http://schemas.openxmlformats.org/presentationml/2006/main">
-  <p:cSld>
-    <p:spTree>
-      <p:nvGrpSpPr>
-        <p:cNvPr id="1" name=""/>
-        <p:cNvGrpSpPr/>
-        <p:nvPr/>
-      </p:nvGrpSpPr>
-      <p:grpSpPr>
-        <a:xfrm>
-          <a:off x="0" y="0"/>
-          <a:ext cx="0" cy="0"/>
-          <a:chOff x="0" y="0"/>
-          <a:chExt cx="0" cy="0"/>
-        </a:xfrm>
-      </p:grpSpPr>
-      <p:sp>
-        <p:nvSpPr>
-          <p:cNvPr id="2" name="Date Placeholder 1"/>
-          <p:cNvSpPr>
-            <a:spLocks noGrp="1"/>
-          </p:cNvSpPr>
-          <p:nvPr>
-            <p:ph type="dt" sz="half" idx="10"/>
-          </p:nvPr>
-        </p:nvSpPr>
-        <p:spPr/>
-        <p:txBody>
-          <a:bodyPr/>
-          <a:lstStyle/>
-          <a:p>
-            <a:fld id="{266004A0-9E56-4C9C-910F-AE8959E42029}" type="datetime5">
-              <a:rPr lang="en-GB" smtClean="0"/>
-              <a:pPr/>
-              <a:t>10-Oct-13</a:t>
-            </a:fld>
-            <a:endParaRPr lang="en-US"/>
-          </a:p>
-        </p:txBody>
-      </p:sp>
-      <p:sp>
-        <p:nvSpPr>
-          <p:cNvPr id="3" name="Footer Placeholder 2"/>
-          <p:cNvSpPr>
-            <a:spLocks noGrp="1"/>
-          </p:cNvSpPr>
-          <p:nvPr>
-            <p:ph type="ftr" sz="quarter" idx="11"/>
-          </p:nvPr>
-        </p:nvSpPr>
-        <p:spPr/>
-        <p:txBody>
-          <a:bodyPr/>
-          <a:lstStyle/>
-          <a:p>
-            <a:r>
-              <a:rPr lang="en-GB" smtClean="0"/>
-              <a:t>The CMS Data Management System - </a:t>
-            </a:r>
-            <a:r>
-              <a:rPr lang="en-US" smtClean="0"/>
-              <a:t>CHEP 2013</a:t>
-            </a:r>
-            <a:endParaRPr lang="en-US" dirty="0"/>
-          </a:p>
-        </p:txBody>
-      </p:sp>
-      <p:sp>
-        <p:nvSpPr>
-          <p:cNvPr id="4" name="Slide Number Placeholder 3"/>
-          <p:cNvSpPr>
-            <a:spLocks noGrp="1"/>
-          </p:cNvSpPr>
-          <p:nvPr>
-            <p:ph type="sldNum" sz="quarter" idx="12"/>
-          </p:nvPr>
-        </p:nvSpPr>
-        <p:spPr/>
-        <p:txBody>
-          <a:bodyPr/>
-          <a:lstStyle/>
-          <a:p>
-            <a:fld id="{29CBDB8C-B4BD-4722-B4E8-EB4C3A73DAC9}" type="slidenum">
-              <a:rPr lang="en-US" smtClean="0"/>
-              <a:pPr/>
-              <a:t>18</a:t>
-            </a:fld>
-            <a:endParaRPr lang="en-US"/>
-          </a:p>
-        </p:txBody>
-      </p:sp>
-      <p:sp>
-        <p:nvSpPr>
-          <p:cNvPr id="5" name="Rectangle 2"/>
-          <p:cNvSpPr txBox="1">
-            <a:spLocks noChangeArrowheads="1"/>
-          </p:cNvSpPr>
-          <p:nvPr/>
-        </p:nvSpPr>
-        <p:spPr bwMode="auto">
-          <a:xfrm>
-            <a:off x="838200" y="152400"/>
-            <a:ext cx="8305800" cy="609600"/>
-          </a:xfrm>
-          <a:prstGeom prst="rect">
-            <a:avLst/>
-          </a:prstGeom>
-          <a:noFill/>
-          <a:ln w="9525">
-            <a:noFill/>
-            <a:miter lim="800000"/>
-            <a:headEnd/>
-            <a:tailEnd/>
-          </a:ln>
-          <a:effectLst/>
-        </p:spPr>
-        <p:txBody>
-          <a:bodyPr vert="horz" wrap="square" lIns="91440" tIns="45720" rIns="91440" bIns="45720" numCol="1" anchor="ctr" anchorCtr="0" compatLnSpc="1">
-            <a:prstTxWarp prst="textNoShape">
-              <a:avLst/>
-            </a:prstTxWarp>
-          </a:bodyPr>
-          <a:lstStyle>
-            <a:lvl1pPr algn="ctr" rtl="0" fontAlgn="base">
-              <a:spcBef>
-                <a:spcPct val="0"/>
-              </a:spcBef>
-              <a:spcAft>
-                <a:spcPct val="0"/>
-              </a:spcAft>
-              <a:defRPr sz="4000">
-                <a:solidFill>
-                  <a:schemeClr val="tx2"/>
-                </a:solidFill>
-                <a:latin typeface="Verdana" panose="020B0604030504040204" pitchFamily="34" charset="0"/>
-                <a:ea typeface="Verdana" panose="020B0604030504040204" pitchFamily="34" charset="0"/>
-                <a:cs typeface="Verdana" panose="020B0604030504040204" pitchFamily="34" charset="0"/>
-              </a:defRPr>
-            </a:lvl1pPr>
-            <a:lvl2pPr algn="ctr" rtl="0" fontAlgn="base">
-              <a:spcBef>
-                <a:spcPct val="0"/>
-              </a:spcBef>
-              <a:spcAft>
-                <a:spcPct val="0"/>
-              </a:spcAft>
-              <a:defRPr sz="4400">
-                <a:solidFill>
-                  <a:schemeClr val="tx2"/>
-                </a:solidFill>
-                <a:latin typeface="Times New Roman" pitchFamily="18" charset="0"/>
-              </a:defRPr>
-            </a:lvl2pPr>
-            <a:lvl3pPr algn="ctr" rtl="0" fontAlgn="base">
-              <a:spcBef>
-                <a:spcPct val="0"/>
-              </a:spcBef>
-              <a:spcAft>
-                <a:spcPct val="0"/>
-              </a:spcAft>
-              <a:defRPr sz="4400">
-                <a:solidFill>
-                  <a:schemeClr val="tx2"/>
-                </a:solidFill>
-                <a:latin typeface="Times New Roman" pitchFamily="18" charset="0"/>
-              </a:defRPr>
-            </a:lvl3pPr>
-            <a:lvl4pPr algn="ctr" rtl="0" fontAlgn="base">
-              <a:spcBef>
-                <a:spcPct val="0"/>
-              </a:spcBef>
-              <a:spcAft>
-                <a:spcPct val="0"/>
-              </a:spcAft>
-              <a:defRPr sz="4400">
-                <a:solidFill>
-                  <a:schemeClr val="tx2"/>
-                </a:solidFill>
-                <a:latin typeface="Times New Roman" pitchFamily="18" charset="0"/>
-              </a:defRPr>
-            </a:lvl4pPr>
-            <a:lvl5pPr algn="ctr" rtl="0" fontAlgn="base">
-              <a:spcBef>
-                <a:spcPct val="0"/>
-              </a:spcBef>
-              <a:spcAft>
-                <a:spcPct val="0"/>
-              </a:spcAft>
-              <a:defRPr sz="4400">
-                <a:solidFill>
-                  <a:schemeClr val="tx2"/>
-                </a:solidFill>
-                <a:latin typeface="Times New Roman" pitchFamily="18" charset="0"/>
-              </a:defRPr>
-            </a:lvl5pPr>
-            <a:lvl6pPr marL="457200" algn="ctr" rtl="0" fontAlgn="base">
-              <a:spcBef>
-                <a:spcPct val="0"/>
-              </a:spcBef>
-              <a:spcAft>
-                <a:spcPct val="0"/>
-              </a:spcAft>
-              <a:defRPr sz="4400">
-                <a:solidFill>
-                  <a:schemeClr val="tx2"/>
-                </a:solidFill>
-                <a:latin typeface="Times New Roman" pitchFamily="18" charset="0"/>
-              </a:defRPr>
-            </a:lvl6pPr>
-            <a:lvl7pPr marL="914400" algn="ctr" rtl="0" fontAlgn="base">
-              <a:spcBef>
-                <a:spcPct val="0"/>
-              </a:spcBef>
-              <a:spcAft>
-                <a:spcPct val="0"/>
-              </a:spcAft>
-              <a:defRPr sz="4400">
-                <a:solidFill>
-                  <a:schemeClr val="tx2"/>
-                </a:solidFill>
-                <a:latin typeface="Times New Roman" pitchFamily="18" charset="0"/>
-              </a:defRPr>
-            </a:lvl7pPr>
-            <a:lvl8pPr marL="1371600" algn="ctr" rtl="0" fontAlgn="base">
-              <a:spcBef>
-                <a:spcPct val="0"/>
-              </a:spcBef>
-              <a:spcAft>
-                <a:spcPct val="0"/>
-              </a:spcAft>
-              <a:defRPr sz="4400">
-                <a:solidFill>
-                  <a:schemeClr val="tx2"/>
-                </a:solidFill>
-                <a:latin typeface="Times New Roman" pitchFamily="18" charset="0"/>
-              </a:defRPr>
-            </a:lvl8pPr>
-            <a:lvl9pPr marL="1828800" algn="ctr" rtl="0" fontAlgn="base">
-              <a:spcBef>
-                <a:spcPct val="0"/>
-              </a:spcBef>
-              <a:spcAft>
-                <a:spcPct val="0"/>
-              </a:spcAft>
-              <a:defRPr sz="4400">
-                <a:solidFill>
-                  <a:schemeClr val="tx2"/>
-                </a:solidFill>
-                <a:latin typeface="Times New Roman" pitchFamily="18" charset="0"/>
-              </a:defRPr>
-            </a:lvl9pPr>
-          </a:lstStyle>
-          <a:p>
-            <a:r>
-              <a:rPr lang="en-US" altLang="en-US" sz="3200" kern="0" dirty="0" smtClean="0"/>
-              <a:t>DAS</a:t>
-            </a:r>
-          </a:p>
-        </p:txBody>
-      </p:sp>
-      <p:sp>
-        <p:nvSpPr>
-          <p:cNvPr id="8" name="Rectangle 3"/>
-          <p:cNvSpPr txBox="1">
-            <a:spLocks noChangeArrowheads="1"/>
-          </p:cNvSpPr>
-          <p:nvPr/>
-        </p:nvSpPr>
-        <p:spPr bwMode="auto">
-          <a:xfrm>
-            <a:off x="457200" y="1066800"/>
-            <a:ext cx="4419600" cy="4648200"/>
-          </a:xfrm>
-          <a:prstGeom prst="rect">
-            <a:avLst/>
-          </a:prstGeom>
-          <a:noFill/>
-          <a:ln w="9525">
-            <a:noFill/>
-            <a:miter lim="800000"/>
-            <a:headEnd/>
-            <a:tailEnd/>
-          </a:ln>
-          <a:effectLst/>
-        </p:spPr>
-        <p:txBody>
-          <a:bodyPr vert="horz" wrap="square" lIns="91440" tIns="45720" rIns="91440" bIns="45720" numCol="1" anchor="t" anchorCtr="0" compatLnSpc="1">
-            <a:prstTxWarp prst="textNoShape">
-              <a:avLst/>
-            </a:prstTxWarp>
-          </a:bodyPr>
-          <a:lstStyle>
-            <a:lvl1pPr marL="342900" indent="-342900" algn="l" rtl="0" fontAlgn="base">
-              <a:spcBef>
-                <a:spcPct val="20000"/>
-              </a:spcBef>
-              <a:spcAft>
-                <a:spcPct val="0"/>
-              </a:spcAft>
-              <a:buChar char="•"/>
-              <a:defRPr sz="3200">
-                <a:solidFill>
-                  <a:schemeClr val="tx1"/>
-                </a:solidFill>
-                <a:latin typeface="Verdana" panose="020B0604030504040204" pitchFamily="34" charset="0"/>
-                <a:ea typeface="Verdana" panose="020B0604030504040204" pitchFamily="34" charset="0"/>
-                <a:cs typeface="Verdana" panose="020B0604030504040204" pitchFamily="34" charset="0"/>
-              </a:defRPr>
-            </a:lvl1pPr>
-            <a:lvl2pPr marL="742950" indent="-285750" algn="l" rtl="0" fontAlgn="base">
-              <a:spcBef>
-                <a:spcPct val="20000"/>
-              </a:spcBef>
-              <a:spcAft>
-                <a:spcPct val="0"/>
-              </a:spcAft>
-              <a:buChar char="–"/>
-              <a:defRPr sz="2800">
-                <a:solidFill>
-                  <a:schemeClr val="tx1"/>
-                </a:solidFill>
-                <a:latin typeface="Verdana" panose="020B0604030504040204" pitchFamily="34" charset="0"/>
-                <a:ea typeface="Verdana" panose="020B0604030504040204" pitchFamily="34" charset="0"/>
-                <a:cs typeface="Verdana" panose="020B0604030504040204" pitchFamily="34" charset="0"/>
-              </a:defRPr>
-            </a:lvl2pPr>
-            <a:lvl3pPr marL="1143000" indent="-228600" algn="l" rtl="0" fontAlgn="base">
-              <a:spcBef>
-                <a:spcPct val="20000"/>
-              </a:spcBef>
-              <a:spcAft>
-                <a:spcPct val="0"/>
-              </a:spcAft>
-              <a:buChar char="•"/>
-              <a:defRPr sz="2400">
-                <a:solidFill>
-                  <a:schemeClr val="tx1"/>
-                </a:solidFill>
-                <a:latin typeface="Verdana" panose="020B0604030504040204" pitchFamily="34" charset="0"/>
-                <a:ea typeface="Verdana" panose="020B0604030504040204" pitchFamily="34" charset="0"/>
-                <a:cs typeface="Verdana" panose="020B0604030504040204" pitchFamily="34" charset="0"/>
-              </a:defRPr>
-            </a:lvl3pPr>
-            <a:lvl4pPr marL="1600200" indent="-228600" algn="l" rtl="0" fontAlgn="base">
-              <a:spcBef>
-                <a:spcPct val="20000"/>
-              </a:spcBef>
-              <a:spcAft>
-                <a:spcPct val="0"/>
-              </a:spcAft>
-              <a:buChar char="–"/>
-              <a:defRPr sz="2000">
-                <a:solidFill>
-                  <a:schemeClr val="tx1"/>
-                </a:solidFill>
-                <a:latin typeface="Verdana" panose="020B0604030504040204" pitchFamily="34" charset="0"/>
-                <a:ea typeface="Verdana" panose="020B0604030504040204" pitchFamily="34" charset="0"/>
-                <a:cs typeface="Verdana" panose="020B0604030504040204" pitchFamily="34" charset="0"/>
-              </a:defRPr>
-            </a:lvl4pPr>
-            <a:lvl5pPr marL="2057400" indent="-228600" algn="l" rtl="0" fontAlgn="base">
-              <a:spcBef>
-                <a:spcPct val="20000"/>
-              </a:spcBef>
-              <a:spcAft>
-                <a:spcPct val="0"/>
-              </a:spcAft>
-              <a:buChar char="»"/>
-              <a:defRPr sz="2000">
-                <a:solidFill>
-                  <a:schemeClr val="tx1"/>
-                </a:solidFill>
-                <a:latin typeface="Verdana" panose="020B0604030504040204" pitchFamily="34" charset="0"/>
-                <a:ea typeface="Verdana" panose="020B0604030504040204" pitchFamily="34" charset="0"/>
-                <a:cs typeface="Verdana" panose="020B0604030504040204" pitchFamily="34" charset="0"/>
-              </a:defRPr>
-            </a:lvl5pPr>
-            <a:lvl6pPr marL="2514600" indent="-228600" algn="l" rtl="0" fontAlgn="base">
-              <a:spcBef>
-                <a:spcPct val="20000"/>
-              </a:spcBef>
-              <a:spcAft>
-                <a:spcPct val="0"/>
-              </a:spcAft>
-              <a:buChar char="»"/>
-              <a:defRPr sz="2000">
-                <a:solidFill>
-                  <a:schemeClr val="tx1"/>
-                </a:solidFill>
-                <a:latin typeface="+mn-lt"/>
-              </a:defRPr>
-            </a:lvl6pPr>
-            <a:lvl7pPr marL="2971800" indent="-228600" algn="l" rtl="0" fontAlgn="base">
-              <a:spcBef>
-                <a:spcPct val="20000"/>
-              </a:spcBef>
-              <a:spcAft>
-                <a:spcPct val="0"/>
-              </a:spcAft>
-              <a:buChar char="»"/>
-              <a:defRPr sz="2000">
-                <a:solidFill>
-                  <a:schemeClr val="tx1"/>
-                </a:solidFill>
-                <a:latin typeface="+mn-lt"/>
-              </a:defRPr>
-            </a:lvl7pPr>
-            <a:lvl8pPr marL="3429000" indent="-228600" algn="l" rtl="0" fontAlgn="base">
-              <a:spcBef>
-                <a:spcPct val="20000"/>
-              </a:spcBef>
-              <a:spcAft>
-                <a:spcPct val="0"/>
-              </a:spcAft>
-              <a:buChar char="»"/>
-              <a:defRPr sz="2000">
-                <a:solidFill>
-                  <a:schemeClr val="tx1"/>
-                </a:solidFill>
-                <a:latin typeface="+mn-lt"/>
-              </a:defRPr>
-            </a:lvl8pPr>
-            <a:lvl9pPr marL="3886200" indent="-228600" algn="l" rtl="0" fontAlgn="base">
-              <a:spcBef>
-                <a:spcPct val="20000"/>
-              </a:spcBef>
-              <a:spcAft>
-                <a:spcPct val="0"/>
-              </a:spcAft>
-              <a:buChar char="»"/>
-              <a:defRPr sz="2000">
-                <a:solidFill>
-                  <a:schemeClr val="tx1"/>
-                </a:solidFill>
-                <a:latin typeface="+mn-lt"/>
-              </a:defRPr>
-            </a:lvl9pPr>
-          </a:lstStyle>
-          <a:p>
-            <a:r>
-              <a:rPr lang="en-GB" sz="2400" dirty="0"/>
-              <a:t>A</a:t>
-            </a:r>
-            <a:r>
-              <a:rPr lang="en-GB" sz="2400" dirty="0" smtClean="0"/>
-              <a:t>ggregating </a:t>
-            </a:r>
-            <a:r>
-              <a:rPr lang="en-GB" sz="2400" dirty="0"/>
-              <a:t>data from </a:t>
-            </a:r>
-            <a:r>
-              <a:rPr lang="en-GB" sz="2400" dirty="0" smtClean="0"/>
-              <a:t>multiple web </a:t>
-            </a:r>
-            <a:r>
-              <a:rPr lang="en-US" sz="2400" dirty="0" smtClean="0"/>
-              <a:t>sources </a:t>
-            </a:r>
-            <a:r>
-              <a:rPr lang="en-US" sz="2400" dirty="0"/>
-              <a:t>without </a:t>
-            </a:r>
-            <a:r>
-              <a:rPr lang="en-US" sz="2400" dirty="0" smtClean="0"/>
-              <a:t>any requirement </a:t>
-            </a:r>
-            <a:r>
-              <a:rPr lang="en-US" sz="2400" dirty="0"/>
-              <a:t>on data </a:t>
-            </a:r>
-            <a:r>
-              <a:rPr lang="en-US" sz="2400" dirty="0" smtClean="0"/>
-              <a:t>providers</a:t>
-            </a:r>
-          </a:p>
-          <a:p>
-            <a:pPr lvl="1"/>
-            <a:r>
-              <a:rPr lang="en-US" sz="2000" dirty="0"/>
-              <a:t>DAS works with 15 distributed data-services</a:t>
-            </a:r>
-            <a:endParaRPr lang="en-US" sz="2000" dirty="0" smtClean="0"/>
-          </a:p>
-          <a:p>
-            <a:r>
-              <a:rPr lang="en-US" sz="2400" dirty="0" smtClean="0"/>
-              <a:t>Data </a:t>
-            </a:r>
-            <a:r>
-              <a:rPr lang="en-GB" sz="2400" dirty="0" smtClean="0"/>
-              <a:t>stored in </a:t>
-            </a:r>
-            <a:r>
-              <a:rPr lang="en-GB" sz="2400" dirty="0" err="1" smtClean="0"/>
-              <a:t>NoSQL</a:t>
-            </a:r>
-            <a:r>
-              <a:rPr lang="en-GB" sz="2400" dirty="0" smtClean="0"/>
-              <a:t> document-based </a:t>
-            </a:r>
-            <a:r>
-              <a:rPr lang="en-US" sz="2400" dirty="0" smtClean="0"/>
-              <a:t>database </a:t>
-            </a:r>
-            <a:r>
-              <a:rPr lang="en-US" sz="2400" dirty="0" err="1" smtClean="0"/>
-              <a:t>MongoDB</a:t>
-            </a:r>
-            <a:endParaRPr lang="en-US" sz="2400" dirty="0" smtClean="0"/>
-          </a:p>
-          <a:p>
-            <a:pPr lvl="1"/>
-            <a:r>
-              <a:rPr lang="en-US" sz="2000" dirty="0" smtClean="0"/>
-              <a:t>For caching </a:t>
-            </a:r>
-            <a:r>
-              <a:rPr lang="en-US" sz="2000" dirty="0" smtClean="0"/>
-              <a:t>and</a:t>
-            </a:r>
-            <a:br>
-              <a:rPr lang="en-US" sz="2000" dirty="0" smtClean="0"/>
-            </a:br>
-            <a:r>
-              <a:rPr lang="en-US" sz="2000" dirty="0" smtClean="0"/>
-              <a:t>storing aggregated</a:t>
-            </a:r>
-          </a:p>
-          <a:p>
-            <a:pPr lvl="1"/>
-            <a:r>
-              <a:rPr lang="en-US" sz="2000" dirty="0" smtClean="0"/>
-              <a:t>results</a:t>
-            </a:r>
-            <a:endParaRPr lang="en-US" sz="2000" dirty="0" smtClean="0"/>
-          </a:p>
-        </p:txBody>
-      </p:sp>
-      <p:pic>
-        <p:nvPicPr>
-          <p:cNvPr id="6" name="Picture 5" descr="DASRequestFlow.pdf"/>
-          <p:cNvPicPr>
-            <a:picLocks noChangeAspect="1"/>
-          </p:cNvPicPr>
-          <p:nvPr/>
-        </p:nvPicPr>
-        <p:blipFill>
-          <a:blip r:embed="rId3">
-            <a:extLst>
-              <a:ext uri="{28A0092B-C50C-407E-A947-70E740481C1C}">
-                <a14:useLocalDpi xmlns:a14="http://schemas.microsoft.com/office/drawing/2010/main" val="0"/>
-              </a:ext>
-            </a:extLst>
-          </a:blip>
-          <a:stretch>
-            <a:fillRect/>
-          </a:stretch>
-        </p:blipFill>
-        <p:spPr>
-          <a:xfrm>
-            <a:off x="3886200" y="1219200"/>
-            <a:ext cx="5170521" cy="4050000"/>
-          </a:xfrm>
-          <a:prstGeom prst="rect">
-            <a:avLst/>
-          </a:prstGeom>
-        </p:spPr>
-      </p:pic>
-    </p:spTree>
-    <p:extLst>
-      <p:ext uri="{BB962C8B-B14F-4D97-AF65-F5344CB8AC3E}">
-        <p14:creationId xmlns:p14="http://schemas.microsoft.com/office/powerpoint/2010/main" val="2443651896"/>
       </p:ext>
     </p:extLst>
   </p:cSld>
@@ -10775,14 +11215,274 @@
           <a:p>
             <a:r>
               <a:rPr lang="en-US" altLang="en-US" sz="3200" kern="0" dirty="0" smtClean="0"/>
-              <a:t>DAS interface</a:t>
+              <a:t>DAS</a:t>
+            </a:r>
+          </a:p>
+        </p:txBody>
+      </p:sp>
+      <p:sp>
+        <p:nvSpPr>
+          <p:cNvPr id="8" name="Rectangle 3"/>
+          <p:cNvSpPr txBox="1">
+            <a:spLocks noChangeArrowheads="1"/>
+          </p:cNvSpPr>
+          <p:nvPr/>
+        </p:nvSpPr>
+        <p:spPr bwMode="auto">
+          <a:xfrm>
+            <a:off x="457200" y="1066800"/>
+            <a:ext cx="4419600" cy="4648200"/>
+          </a:xfrm>
+          <a:prstGeom prst="rect">
+            <a:avLst/>
+          </a:prstGeom>
+          <a:noFill/>
+          <a:ln w="9525">
+            <a:noFill/>
+            <a:miter lim="800000"/>
+            <a:headEnd/>
+            <a:tailEnd/>
+          </a:ln>
+          <a:effectLst/>
+        </p:spPr>
+        <p:txBody>
+          <a:bodyPr vert="horz" wrap="square" lIns="91440" tIns="45720" rIns="91440" bIns="45720" numCol="1" anchor="t" anchorCtr="0" compatLnSpc="1">
+            <a:prstTxWarp prst="textNoShape">
+              <a:avLst/>
+            </a:prstTxWarp>
+          </a:bodyPr>
+          <a:lstStyle>
+            <a:lvl1pPr marL="342900" indent="-342900" algn="l" rtl="0" fontAlgn="base">
+              <a:spcBef>
+                <a:spcPct val="20000"/>
+              </a:spcBef>
+              <a:spcAft>
+                <a:spcPct val="0"/>
+              </a:spcAft>
+              <a:buChar char="•"/>
+              <a:defRPr sz="3200">
+                <a:solidFill>
+                  <a:schemeClr val="tx1"/>
+                </a:solidFill>
+                <a:latin typeface="Verdana" panose="020B0604030504040204" pitchFamily="34" charset="0"/>
+                <a:ea typeface="Verdana" panose="020B0604030504040204" pitchFamily="34" charset="0"/>
+                <a:cs typeface="Verdana" panose="020B0604030504040204" pitchFamily="34" charset="0"/>
+              </a:defRPr>
+            </a:lvl1pPr>
+            <a:lvl2pPr marL="742950" indent="-285750" algn="l" rtl="0" fontAlgn="base">
+              <a:spcBef>
+                <a:spcPct val="20000"/>
+              </a:spcBef>
+              <a:spcAft>
+                <a:spcPct val="0"/>
+              </a:spcAft>
+              <a:buChar char="–"/>
+              <a:defRPr sz="2800">
+                <a:solidFill>
+                  <a:schemeClr val="tx1"/>
+                </a:solidFill>
+                <a:latin typeface="Verdana" panose="020B0604030504040204" pitchFamily="34" charset="0"/>
+                <a:ea typeface="Verdana" panose="020B0604030504040204" pitchFamily="34" charset="0"/>
+                <a:cs typeface="Verdana" panose="020B0604030504040204" pitchFamily="34" charset="0"/>
+              </a:defRPr>
+            </a:lvl2pPr>
+            <a:lvl3pPr marL="1143000" indent="-228600" algn="l" rtl="0" fontAlgn="base">
+              <a:spcBef>
+                <a:spcPct val="20000"/>
+              </a:spcBef>
+              <a:spcAft>
+                <a:spcPct val="0"/>
+              </a:spcAft>
+              <a:buChar char="•"/>
+              <a:defRPr sz="2400">
+                <a:solidFill>
+                  <a:schemeClr val="tx1"/>
+                </a:solidFill>
+                <a:latin typeface="Verdana" panose="020B0604030504040204" pitchFamily="34" charset="0"/>
+                <a:ea typeface="Verdana" panose="020B0604030504040204" pitchFamily="34" charset="0"/>
+                <a:cs typeface="Verdana" panose="020B0604030504040204" pitchFamily="34" charset="0"/>
+              </a:defRPr>
+            </a:lvl3pPr>
+            <a:lvl4pPr marL="1600200" indent="-228600" algn="l" rtl="0" fontAlgn="base">
+              <a:spcBef>
+                <a:spcPct val="20000"/>
+              </a:spcBef>
+              <a:spcAft>
+                <a:spcPct val="0"/>
+              </a:spcAft>
+              <a:buChar char="–"/>
+              <a:defRPr sz="2000">
+                <a:solidFill>
+                  <a:schemeClr val="tx1"/>
+                </a:solidFill>
+                <a:latin typeface="Verdana" panose="020B0604030504040204" pitchFamily="34" charset="0"/>
+                <a:ea typeface="Verdana" panose="020B0604030504040204" pitchFamily="34" charset="0"/>
+                <a:cs typeface="Verdana" panose="020B0604030504040204" pitchFamily="34" charset="0"/>
+              </a:defRPr>
+            </a:lvl4pPr>
+            <a:lvl5pPr marL="2057400" indent="-228600" algn="l" rtl="0" fontAlgn="base">
+              <a:spcBef>
+                <a:spcPct val="20000"/>
+              </a:spcBef>
+              <a:spcAft>
+                <a:spcPct val="0"/>
+              </a:spcAft>
+              <a:buChar char="»"/>
+              <a:defRPr sz="2000">
+                <a:solidFill>
+                  <a:schemeClr val="tx1"/>
+                </a:solidFill>
+                <a:latin typeface="Verdana" panose="020B0604030504040204" pitchFamily="34" charset="0"/>
+                <a:ea typeface="Verdana" panose="020B0604030504040204" pitchFamily="34" charset="0"/>
+                <a:cs typeface="Verdana" panose="020B0604030504040204" pitchFamily="34" charset="0"/>
+              </a:defRPr>
+            </a:lvl5pPr>
+            <a:lvl6pPr marL="2514600" indent="-228600" algn="l" rtl="0" fontAlgn="base">
+              <a:spcBef>
+                <a:spcPct val="20000"/>
+              </a:spcBef>
+              <a:spcAft>
+                <a:spcPct val="0"/>
+              </a:spcAft>
+              <a:buChar char="»"/>
+              <a:defRPr sz="2000">
+                <a:solidFill>
+                  <a:schemeClr val="tx1"/>
+                </a:solidFill>
+                <a:latin typeface="+mn-lt"/>
+              </a:defRPr>
+            </a:lvl6pPr>
+            <a:lvl7pPr marL="2971800" indent="-228600" algn="l" rtl="0" fontAlgn="base">
+              <a:spcBef>
+                <a:spcPct val="20000"/>
+              </a:spcBef>
+              <a:spcAft>
+                <a:spcPct val="0"/>
+              </a:spcAft>
+              <a:buChar char="»"/>
+              <a:defRPr sz="2000">
+                <a:solidFill>
+                  <a:schemeClr val="tx1"/>
+                </a:solidFill>
+                <a:latin typeface="+mn-lt"/>
+              </a:defRPr>
+            </a:lvl7pPr>
+            <a:lvl8pPr marL="3429000" indent="-228600" algn="l" rtl="0" fontAlgn="base">
+              <a:spcBef>
+                <a:spcPct val="20000"/>
+              </a:spcBef>
+              <a:spcAft>
+                <a:spcPct val="0"/>
+              </a:spcAft>
+              <a:buChar char="»"/>
+              <a:defRPr sz="2000">
+                <a:solidFill>
+                  <a:schemeClr val="tx1"/>
+                </a:solidFill>
+                <a:latin typeface="+mn-lt"/>
+              </a:defRPr>
+            </a:lvl8pPr>
+            <a:lvl9pPr marL="3886200" indent="-228600" algn="l" rtl="0" fontAlgn="base">
+              <a:spcBef>
+                <a:spcPct val="20000"/>
+              </a:spcBef>
+              <a:spcAft>
+                <a:spcPct val="0"/>
+              </a:spcAft>
+              <a:buChar char="»"/>
+              <a:defRPr sz="2000">
+                <a:solidFill>
+                  <a:schemeClr val="tx1"/>
+                </a:solidFill>
+                <a:latin typeface="+mn-lt"/>
+              </a:defRPr>
+            </a:lvl9pPr>
+          </a:lstStyle>
+          <a:p>
+            <a:r>
+              <a:rPr lang="en-GB" sz="2400" dirty="0"/>
+              <a:t>A</a:t>
+            </a:r>
+            <a:r>
+              <a:rPr lang="en-GB" sz="2400" dirty="0" smtClean="0"/>
+              <a:t>ggregating </a:t>
+            </a:r>
+            <a:r>
+              <a:rPr lang="en-GB" sz="2400" dirty="0"/>
+              <a:t>data from </a:t>
+            </a:r>
+            <a:r>
+              <a:rPr lang="en-GB" sz="2400" dirty="0" smtClean="0"/>
+              <a:t>multiple web </a:t>
+            </a:r>
+            <a:r>
+              <a:rPr lang="en-US" sz="2400" dirty="0" smtClean="0"/>
+              <a:t>sources </a:t>
+            </a:r>
+            <a:r>
+              <a:rPr lang="en-US" sz="2400" dirty="0"/>
+              <a:t>without </a:t>
+            </a:r>
+            <a:r>
+              <a:rPr lang="en-US" sz="2400" dirty="0" smtClean="0"/>
+              <a:t>any requirement </a:t>
+            </a:r>
+            <a:r>
+              <a:rPr lang="en-US" sz="2400" dirty="0"/>
+              <a:t>on data </a:t>
+            </a:r>
+            <a:r>
+              <a:rPr lang="en-US" sz="2400" dirty="0" smtClean="0"/>
+              <a:t>providers</a:t>
+            </a:r>
+          </a:p>
+          <a:p>
+            <a:pPr lvl="1"/>
+            <a:r>
+              <a:rPr lang="en-US" sz="2000" dirty="0"/>
+              <a:t>DAS works with 15 distributed data-services</a:t>
+            </a:r>
+            <a:endParaRPr lang="en-US" sz="2000" dirty="0" smtClean="0"/>
+          </a:p>
+          <a:p>
+            <a:r>
+              <a:rPr lang="en-US" sz="2400" dirty="0" smtClean="0"/>
+              <a:t>Data </a:t>
+            </a:r>
+            <a:r>
+              <a:rPr lang="en-GB" sz="2400" dirty="0" smtClean="0"/>
+              <a:t>stored in </a:t>
+            </a:r>
+            <a:r>
+              <a:rPr lang="en-GB" sz="2400" dirty="0" err="1" smtClean="0"/>
+              <a:t>NoSQL</a:t>
+            </a:r>
+            <a:r>
+              <a:rPr lang="en-GB" sz="2400" dirty="0" smtClean="0"/>
+              <a:t> document-based </a:t>
+            </a:r>
+            <a:r>
+              <a:rPr lang="en-US" sz="2400" dirty="0" smtClean="0"/>
+              <a:t>database </a:t>
+            </a:r>
+            <a:r>
+              <a:rPr lang="en-US" sz="2400" dirty="0" err="1" smtClean="0"/>
+              <a:t>MongoDB</a:t>
+            </a:r>
+            <a:endParaRPr lang="en-US" sz="2400" dirty="0" smtClean="0"/>
+          </a:p>
+          <a:p>
+            <a:pPr lvl="1"/>
+            <a:r>
+              <a:rPr lang="en-US" sz="2000" dirty="0" smtClean="0"/>
+              <a:t>For caching and storing aggregated results</a:t>
             </a:r>
           </a:p>
         </p:txBody>
       </p:sp>
       <p:pic>
         <p:nvPicPr>
-          <p:cNvPr id="6" name="Picture 5"/>
+          <p:cNvPr id="6" name="Picture 5" descr="DASRequestFlow.pdf"/>
           <p:cNvPicPr>
             <a:picLocks noChangeAspect="1"/>
           </p:cNvPicPr>
@@ -10802,245 +11502,18 @@
         </p:blipFill>
         <p:spPr>
           <a:xfrm>
-            <a:off x="834887" y="835322"/>
-            <a:ext cx="4412263" cy="3949439"/>
+            <a:off x="4343399" y="1143000"/>
+            <a:ext cx="4824659" cy="4213860"/>
           </a:xfrm>
           <a:prstGeom prst="rect">
             <a:avLst/>
           </a:prstGeom>
         </p:spPr>
       </p:pic>
-      <p:sp>
-        <p:nvSpPr>
-          <p:cNvPr id="8" name="Rectangle 3"/>
-          <p:cNvSpPr txBox="1">
-            <a:spLocks noChangeArrowheads="1"/>
-          </p:cNvSpPr>
-          <p:nvPr/>
-        </p:nvSpPr>
-        <p:spPr bwMode="auto">
-          <a:xfrm>
-            <a:off x="424070" y="4876800"/>
-            <a:ext cx="8415130" cy="1371600"/>
-          </a:xfrm>
-          <a:prstGeom prst="rect">
-            <a:avLst/>
-          </a:prstGeom>
-          <a:noFill/>
-          <a:ln w="9525">
-            <a:noFill/>
-            <a:miter lim="800000"/>
-            <a:headEnd/>
-            <a:tailEnd/>
-          </a:ln>
-          <a:effectLst/>
-        </p:spPr>
-        <p:txBody>
-          <a:bodyPr vert="horz" wrap="square" lIns="91440" tIns="45720" rIns="91440" bIns="45720" numCol="1" anchor="t" anchorCtr="0" compatLnSpc="1">
-            <a:prstTxWarp prst="textNoShape">
-              <a:avLst/>
-            </a:prstTxWarp>
-          </a:bodyPr>
-          <a:lstStyle>
-            <a:lvl1pPr marL="342900" indent="-342900" algn="l" rtl="0" fontAlgn="base">
-              <a:spcBef>
-                <a:spcPct val="20000"/>
-              </a:spcBef>
-              <a:spcAft>
-                <a:spcPct val="0"/>
-              </a:spcAft>
-              <a:buChar char="•"/>
-              <a:defRPr sz="3200">
-                <a:solidFill>
-                  <a:schemeClr val="tx1"/>
-                </a:solidFill>
-                <a:latin typeface="Verdana" panose="020B0604030504040204" pitchFamily="34" charset="0"/>
-                <a:ea typeface="Verdana" panose="020B0604030504040204" pitchFamily="34" charset="0"/>
-                <a:cs typeface="Verdana" panose="020B0604030504040204" pitchFamily="34" charset="0"/>
-              </a:defRPr>
-            </a:lvl1pPr>
-            <a:lvl2pPr marL="742950" indent="-285750" algn="l" rtl="0" fontAlgn="base">
-              <a:spcBef>
-                <a:spcPct val="20000"/>
-              </a:spcBef>
-              <a:spcAft>
-                <a:spcPct val="0"/>
-              </a:spcAft>
-              <a:buChar char="–"/>
-              <a:defRPr sz="2800">
-                <a:solidFill>
-                  <a:schemeClr val="tx1"/>
-                </a:solidFill>
-                <a:latin typeface="Verdana" panose="020B0604030504040204" pitchFamily="34" charset="0"/>
-                <a:ea typeface="Verdana" panose="020B0604030504040204" pitchFamily="34" charset="0"/>
-                <a:cs typeface="Verdana" panose="020B0604030504040204" pitchFamily="34" charset="0"/>
-              </a:defRPr>
-            </a:lvl2pPr>
-            <a:lvl3pPr marL="1143000" indent="-228600" algn="l" rtl="0" fontAlgn="base">
-              <a:spcBef>
-                <a:spcPct val="20000"/>
-              </a:spcBef>
-              <a:spcAft>
-                <a:spcPct val="0"/>
-              </a:spcAft>
-              <a:buChar char="•"/>
-              <a:defRPr sz="2400">
-                <a:solidFill>
-                  <a:schemeClr val="tx1"/>
-                </a:solidFill>
-                <a:latin typeface="Verdana" panose="020B0604030504040204" pitchFamily="34" charset="0"/>
-                <a:ea typeface="Verdana" panose="020B0604030504040204" pitchFamily="34" charset="0"/>
-                <a:cs typeface="Verdana" panose="020B0604030504040204" pitchFamily="34" charset="0"/>
-              </a:defRPr>
-            </a:lvl3pPr>
-            <a:lvl4pPr marL="1600200" indent="-228600" algn="l" rtl="0" fontAlgn="base">
-              <a:spcBef>
-                <a:spcPct val="20000"/>
-              </a:spcBef>
-              <a:spcAft>
-                <a:spcPct val="0"/>
-              </a:spcAft>
-              <a:buChar char="–"/>
-              <a:defRPr sz="2000">
-                <a:solidFill>
-                  <a:schemeClr val="tx1"/>
-                </a:solidFill>
-                <a:latin typeface="Verdana" panose="020B0604030504040204" pitchFamily="34" charset="0"/>
-                <a:ea typeface="Verdana" panose="020B0604030504040204" pitchFamily="34" charset="0"/>
-                <a:cs typeface="Verdana" panose="020B0604030504040204" pitchFamily="34" charset="0"/>
-              </a:defRPr>
-            </a:lvl4pPr>
-            <a:lvl5pPr marL="2057400" indent="-228600" algn="l" rtl="0" fontAlgn="base">
-              <a:spcBef>
-                <a:spcPct val="20000"/>
-              </a:spcBef>
-              <a:spcAft>
-                <a:spcPct val="0"/>
-              </a:spcAft>
-              <a:buChar char="»"/>
-              <a:defRPr sz="2000">
-                <a:solidFill>
-                  <a:schemeClr val="tx1"/>
-                </a:solidFill>
-                <a:latin typeface="Verdana" panose="020B0604030504040204" pitchFamily="34" charset="0"/>
-                <a:ea typeface="Verdana" panose="020B0604030504040204" pitchFamily="34" charset="0"/>
-                <a:cs typeface="Verdana" panose="020B0604030504040204" pitchFamily="34" charset="0"/>
-              </a:defRPr>
-            </a:lvl5pPr>
-            <a:lvl6pPr marL="2514600" indent="-228600" algn="l" rtl="0" fontAlgn="base">
-              <a:spcBef>
-                <a:spcPct val="20000"/>
-              </a:spcBef>
-              <a:spcAft>
-                <a:spcPct val="0"/>
-              </a:spcAft>
-              <a:buChar char="»"/>
-              <a:defRPr sz="2000">
-                <a:solidFill>
-                  <a:schemeClr val="tx1"/>
-                </a:solidFill>
-                <a:latin typeface="+mn-lt"/>
-              </a:defRPr>
-            </a:lvl6pPr>
-            <a:lvl7pPr marL="2971800" indent="-228600" algn="l" rtl="0" fontAlgn="base">
-              <a:spcBef>
-                <a:spcPct val="20000"/>
-              </a:spcBef>
-              <a:spcAft>
-                <a:spcPct val="0"/>
-              </a:spcAft>
-              <a:buChar char="»"/>
-              <a:defRPr sz="2000">
-                <a:solidFill>
-                  <a:schemeClr val="tx1"/>
-                </a:solidFill>
-                <a:latin typeface="+mn-lt"/>
-              </a:defRPr>
-            </a:lvl7pPr>
-            <a:lvl8pPr marL="3429000" indent="-228600" algn="l" rtl="0" fontAlgn="base">
-              <a:spcBef>
-                <a:spcPct val="20000"/>
-              </a:spcBef>
-              <a:spcAft>
-                <a:spcPct val="0"/>
-              </a:spcAft>
-              <a:buChar char="»"/>
-              <a:defRPr sz="2000">
-                <a:solidFill>
-                  <a:schemeClr val="tx1"/>
-                </a:solidFill>
-                <a:latin typeface="+mn-lt"/>
-              </a:defRPr>
-            </a:lvl8pPr>
-            <a:lvl9pPr marL="3886200" indent="-228600" algn="l" rtl="0" fontAlgn="base">
-              <a:spcBef>
-                <a:spcPct val="20000"/>
-              </a:spcBef>
-              <a:spcAft>
-                <a:spcPct val="0"/>
-              </a:spcAft>
-              <a:buChar char="»"/>
-              <a:defRPr sz="2000">
-                <a:solidFill>
-                  <a:schemeClr val="tx1"/>
-                </a:solidFill>
-                <a:latin typeface="+mn-lt"/>
-              </a:defRPr>
-            </a:lvl9pPr>
-          </a:lstStyle>
-          <a:p>
-            <a:r>
-              <a:rPr lang="en-US" sz="2800" dirty="0" smtClean="0"/>
-              <a:t>DAS </a:t>
-            </a:r>
-            <a:r>
-              <a:rPr lang="en-US" sz="2800" dirty="0"/>
-              <a:t>interactive webpage fully replaced </a:t>
-            </a:r>
-            <a:r>
-              <a:rPr lang="en-US" sz="2800" dirty="0" smtClean="0"/>
-              <a:t>DBS webpage as main user entry point for data discovery in 2011</a:t>
-            </a:r>
-            <a:endParaRPr lang="en-GB" sz="2800" dirty="0"/>
-          </a:p>
-        </p:txBody>
-      </p:sp>
-      <p:sp>
-        <p:nvSpPr>
-          <p:cNvPr id="9" name="Rectangle 8"/>
-          <p:cNvSpPr/>
-          <p:nvPr/>
-        </p:nvSpPr>
-        <p:spPr>
-          <a:xfrm>
-            <a:off x="5643769" y="2133600"/>
-            <a:ext cx="3172239" cy="1015663"/>
-          </a:xfrm>
-          <a:prstGeom prst="rect">
-            <a:avLst/>
-          </a:prstGeom>
-        </p:spPr>
-        <p:txBody>
-          <a:bodyPr wrap="square">
-            <a:spAutoFit/>
-          </a:bodyPr>
-          <a:lstStyle/>
-          <a:p>
-            <a:r>
-              <a:rPr lang="en-US" sz="2000" dirty="0">
-                <a:latin typeface="Verdana" panose="020B0604030504040204" pitchFamily="34" charset="0"/>
-                <a:ea typeface="Verdana" panose="020B0604030504040204" pitchFamily="34" charset="0"/>
-                <a:cs typeface="Verdana" panose="020B0604030504040204" pitchFamily="34" charset="0"/>
-              </a:rPr>
-              <a:t>Free text-based query language, filters, aggregators</a:t>
-            </a:r>
-          </a:p>
-        </p:txBody>
-      </p:sp>
     </p:spTree>
     <p:extLst>
       <p:ext uri="{BB962C8B-B14F-4D97-AF65-F5344CB8AC3E}">
-        <p14:creationId xmlns:p14="http://schemas.microsoft.com/office/powerpoint/2010/main" val="2061370010"/>
+        <p14:creationId xmlns:p14="http://schemas.microsoft.com/office/powerpoint/2010/main" val="2443651896"/>
       </p:ext>
     </p:extLst>
   </p:cSld>
@@ -11665,9 +12138,253 @@
           <a:chExt cx="0" cy="0"/>
         </a:xfrm>
       </p:grpSpPr>
+      <p:sp>
+        <p:nvSpPr>
+          <p:cNvPr id="2" name="Date Placeholder 1"/>
+          <p:cNvSpPr>
+            <a:spLocks noGrp="1"/>
+          </p:cNvSpPr>
+          <p:nvPr>
+            <p:ph type="dt" sz="half" idx="10"/>
+          </p:nvPr>
+        </p:nvSpPr>
+        <p:spPr/>
+        <p:txBody>
+          <a:bodyPr/>
+          <a:lstStyle/>
+          <a:p>
+            <a:fld id="{266004A0-9E56-4C9C-910F-AE8959E42029}" type="datetime5">
+              <a:rPr lang="en-GB" smtClean="0"/>
+              <a:pPr/>
+              <a:t>10-Oct-13</a:t>
+            </a:fld>
+            <a:endParaRPr lang="en-US"/>
+          </a:p>
+        </p:txBody>
+      </p:sp>
+      <p:sp>
+        <p:nvSpPr>
+          <p:cNvPr id="3" name="Footer Placeholder 2"/>
+          <p:cNvSpPr>
+            <a:spLocks noGrp="1"/>
+          </p:cNvSpPr>
+          <p:nvPr>
+            <p:ph type="ftr" sz="quarter" idx="11"/>
+          </p:nvPr>
+        </p:nvSpPr>
+        <p:spPr/>
+        <p:txBody>
+          <a:bodyPr/>
+          <a:lstStyle/>
+          <a:p>
+            <a:r>
+              <a:rPr lang="en-GB" smtClean="0"/>
+              <a:t>The CMS Data Management System - </a:t>
+            </a:r>
+            <a:r>
+              <a:rPr lang="en-US" smtClean="0"/>
+              <a:t>CHEP 2013</a:t>
+            </a:r>
+            <a:endParaRPr lang="en-US" dirty="0"/>
+          </a:p>
+        </p:txBody>
+      </p:sp>
+      <p:sp>
+        <p:nvSpPr>
+          <p:cNvPr id="4" name="Slide Number Placeholder 3"/>
+          <p:cNvSpPr>
+            <a:spLocks noGrp="1"/>
+          </p:cNvSpPr>
+          <p:nvPr>
+            <p:ph type="sldNum" sz="quarter" idx="12"/>
+          </p:nvPr>
+        </p:nvSpPr>
+        <p:spPr/>
+        <p:txBody>
+          <a:bodyPr/>
+          <a:lstStyle/>
+          <a:p>
+            <a:fld id="{29CBDB8C-B4BD-4722-B4E8-EB4C3A73DAC9}" type="slidenum">
+              <a:rPr lang="en-US" smtClean="0"/>
+              <a:pPr/>
+              <a:t>20</a:t>
+            </a:fld>
+            <a:endParaRPr lang="en-US"/>
+          </a:p>
+        </p:txBody>
+      </p:sp>
+      <p:sp>
+        <p:nvSpPr>
+          <p:cNvPr id="5" name="Rectangle 2"/>
+          <p:cNvSpPr txBox="1">
+            <a:spLocks noChangeArrowheads="1"/>
+          </p:cNvSpPr>
+          <p:nvPr/>
+        </p:nvSpPr>
+        <p:spPr bwMode="auto">
+          <a:xfrm>
+            <a:off x="838200" y="152400"/>
+            <a:ext cx="8305800" cy="609600"/>
+          </a:xfrm>
+          <a:prstGeom prst="rect">
+            <a:avLst/>
+          </a:prstGeom>
+          <a:noFill/>
+          <a:ln w="9525">
+            <a:noFill/>
+            <a:miter lim="800000"/>
+            <a:headEnd/>
+            <a:tailEnd/>
+          </a:ln>
+          <a:effectLst/>
+        </p:spPr>
+        <p:txBody>
+          <a:bodyPr vert="horz" wrap="square" lIns="91440" tIns="45720" rIns="91440" bIns="45720" numCol="1" anchor="ctr" anchorCtr="0" compatLnSpc="1">
+            <a:prstTxWarp prst="textNoShape">
+              <a:avLst/>
+            </a:prstTxWarp>
+          </a:bodyPr>
+          <a:lstStyle>
+            <a:lvl1pPr algn="ctr" rtl="0" fontAlgn="base">
+              <a:spcBef>
+                <a:spcPct val="0"/>
+              </a:spcBef>
+              <a:spcAft>
+                <a:spcPct val="0"/>
+              </a:spcAft>
+              <a:defRPr sz="4000">
+                <a:solidFill>
+                  <a:schemeClr val="tx2"/>
+                </a:solidFill>
+                <a:latin typeface="Verdana" panose="020B0604030504040204" pitchFamily="34" charset="0"/>
+                <a:ea typeface="Verdana" panose="020B0604030504040204" pitchFamily="34" charset="0"/>
+                <a:cs typeface="Verdana" panose="020B0604030504040204" pitchFamily="34" charset="0"/>
+              </a:defRPr>
+            </a:lvl1pPr>
+            <a:lvl2pPr algn="ctr" rtl="0" fontAlgn="base">
+              <a:spcBef>
+                <a:spcPct val="0"/>
+              </a:spcBef>
+              <a:spcAft>
+                <a:spcPct val="0"/>
+              </a:spcAft>
+              <a:defRPr sz="4400">
+                <a:solidFill>
+                  <a:schemeClr val="tx2"/>
+                </a:solidFill>
+                <a:latin typeface="Times New Roman" pitchFamily="18" charset="0"/>
+              </a:defRPr>
+            </a:lvl2pPr>
+            <a:lvl3pPr algn="ctr" rtl="0" fontAlgn="base">
+              <a:spcBef>
+                <a:spcPct val="0"/>
+              </a:spcBef>
+              <a:spcAft>
+                <a:spcPct val="0"/>
+              </a:spcAft>
+              <a:defRPr sz="4400">
+                <a:solidFill>
+                  <a:schemeClr val="tx2"/>
+                </a:solidFill>
+                <a:latin typeface="Times New Roman" pitchFamily="18" charset="0"/>
+              </a:defRPr>
+            </a:lvl3pPr>
+            <a:lvl4pPr algn="ctr" rtl="0" fontAlgn="base">
+              <a:spcBef>
+                <a:spcPct val="0"/>
+              </a:spcBef>
+              <a:spcAft>
+                <a:spcPct val="0"/>
+              </a:spcAft>
+              <a:defRPr sz="4400">
+                <a:solidFill>
+                  <a:schemeClr val="tx2"/>
+                </a:solidFill>
+                <a:latin typeface="Times New Roman" pitchFamily="18" charset="0"/>
+              </a:defRPr>
+            </a:lvl4pPr>
+            <a:lvl5pPr algn="ctr" rtl="0" fontAlgn="base">
+              <a:spcBef>
+                <a:spcPct val="0"/>
+              </a:spcBef>
+              <a:spcAft>
+                <a:spcPct val="0"/>
+              </a:spcAft>
+              <a:defRPr sz="4400">
+                <a:solidFill>
+                  <a:schemeClr val="tx2"/>
+                </a:solidFill>
+                <a:latin typeface="Times New Roman" pitchFamily="18" charset="0"/>
+              </a:defRPr>
+            </a:lvl5pPr>
+            <a:lvl6pPr marL="457200" algn="ctr" rtl="0" fontAlgn="base">
+              <a:spcBef>
+                <a:spcPct val="0"/>
+              </a:spcBef>
+              <a:spcAft>
+                <a:spcPct val="0"/>
+              </a:spcAft>
+              <a:defRPr sz="4400">
+                <a:solidFill>
+                  <a:schemeClr val="tx2"/>
+                </a:solidFill>
+                <a:latin typeface="Times New Roman" pitchFamily="18" charset="0"/>
+              </a:defRPr>
+            </a:lvl6pPr>
+            <a:lvl7pPr marL="914400" algn="ctr" rtl="0" fontAlgn="base">
+              <a:spcBef>
+                <a:spcPct val="0"/>
+              </a:spcBef>
+              <a:spcAft>
+                <a:spcPct val="0"/>
+              </a:spcAft>
+              <a:defRPr sz="4400">
+                <a:solidFill>
+                  <a:schemeClr val="tx2"/>
+                </a:solidFill>
+                <a:latin typeface="Times New Roman" pitchFamily="18" charset="0"/>
+              </a:defRPr>
+            </a:lvl7pPr>
+            <a:lvl8pPr marL="1371600" algn="ctr" rtl="0" fontAlgn="base">
+              <a:spcBef>
+                <a:spcPct val="0"/>
+              </a:spcBef>
+              <a:spcAft>
+                <a:spcPct val="0"/>
+              </a:spcAft>
+              <a:defRPr sz="4400">
+                <a:solidFill>
+                  <a:schemeClr val="tx2"/>
+                </a:solidFill>
+                <a:latin typeface="Times New Roman" pitchFamily="18" charset="0"/>
+              </a:defRPr>
+            </a:lvl8pPr>
+            <a:lvl9pPr marL="1828800" algn="ctr" rtl="0" fontAlgn="base">
+              <a:spcBef>
+                <a:spcPct val="0"/>
+              </a:spcBef>
+              <a:spcAft>
+                <a:spcPct val="0"/>
+              </a:spcAft>
+              <a:defRPr sz="4400">
+                <a:solidFill>
+                  <a:schemeClr val="tx2"/>
+                </a:solidFill>
+                <a:latin typeface="Times New Roman" pitchFamily="18" charset="0"/>
+              </a:defRPr>
+            </a:lvl9pPr>
+          </a:lstStyle>
+          <a:p>
+            <a:r>
+              <a:rPr lang="en-US" altLang="en-US" sz="3200" kern="0" dirty="0" smtClean="0"/>
+              <a:t>DAS interface</a:t>
+            </a:r>
+          </a:p>
+        </p:txBody>
+      </p:sp>
       <p:pic>
         <p:nvPicPr>
-          <p:cNvPr id="6" name="Picture 5" descr="das_stat.pdf"/>
+          <p:cNvPr id="6" name="Picture 5"/>
           <p:cNvPicPr>
             <a:picLocks noChangeAspect="1"/>
           </p:cNvPicPr>
@@ -11687,8 +12404,8 @@
         </p:blipFill>
         <p:spPr>
           <a:xfrm>
-            <a:off x="4251600" y="806400"/>
-            <a:ext cx="5176800" cy="5176800"/>
+            <a:off x="834887" y="835322"/>
+            <a:ext cx="4412263" cy="3949439"/>
           </a:xfrm>
           <a:prstGeom prst="rect">
             <a:avLst/>
@@ -11697,82 +12414,7 @@
       </p:pic>
       <p:sp>
         <p:nvSpPr>
-          <p:cNvPr id="2" name="Date Placeholder 1"/>
-          <p:cNvSpPr>
-            <a:spLocks noGrp="1"/>
-          </p:cNvSpPr>
-          <p:nvPr>
-            <p:ph type="dt" sz="half" idx="10"/>
-          </p:nvPr>
-        </p:nvSpPr>
-        <p:spPr/>
-        <p:txBody>
-          <a:bodyPr/>
-          <a:lstStyle/>
-          <a:p>
-            <a:fld id="{266004A0-9E56-4C9C-910F-AE8959E42029}" type="datetime5">
-              <a:rPr lang="en-GB" smtClean="0"/>
-              <a:pPr/>
-              <a:t>10-Oct-13</a:t>
-            </a:fld>
-            <a:endParaRPr lang="en-US"/>
-          </a:p>
-        </p:txBody>
-      </p:sp>
-      <p:sp>
-        <p:nvSpPr>
-          <p:cNvPr id="3" name="Footer Placeholder 2"/>
-          <p:cNvSpPr>
-            <a:spLocks noGrp="1"/>
-          </p:cNvSpPr>
-          <p:nvPr>
-            <p:ph type="ftr" sz="quarter" idx="11"/>
-          </p:nvPr>
-        </p:nvSpPr>
-        <p:spPr/>
-        <p:txBody>
-          <a:bodyPr/>
-          <a:lstStyle/>
-          <a:p>
-            <a:r>
-              <a:rPr lang="en-GB" smtClean="0"/>
-              <a:t>The CMS Data Management System - </a:t>
-            </a:r>
-            <a:r>
-              <a:rPr lang="en-US" smtClean="0"/>
-              <a:t>CHEP 2013</a:t>
-            </a:r>
-            <a:endParaRPr lang="en-US" dirty="0"/>
-          </a:p>
-        </p:txBody>
-      </p:sp>
-      <p:sp>
-        <p:nvSpPr>
-          <p:cNvPr id="4" name="Slide Number Placeholder 3"/>
-          <p:cNvSpPr>
-            <a:spLocks noGrp="1"/>
-          </p:cNvSpPr>
-          <p:nvPr>
-            <p:ph type="sldNum" sz="quarter" idx="12"/>
-          </p:nvPr>
-        </p:nvSpPr>
-        <p:spPr/>
-        <p:txBody>
-          <a:bodyPr/>
-          <a:lstStyle/>
-          <a:p>
-            <a:fld id="{29CBDB8C-B4BD-4722-B4E8-EB4C3A73DAC9}" type="slidenum">
-              <a:rPr lang="en-US" smtClean="0"/>
-              <a:pPr/>
-              <a:t>20</a:t>
-            </a:fld>
-            <a:endParaRPr lang="en-US"/>
-          </a:p>
-        </p:txBody>
-      </p:sp>
-      <p:sp>
-        <p:nvSpPr>
-          <p:cNvPr id="5" name="Rectangle 2"/>
+          <p:cNvPr id="8" name="Rectangle 3"/>
           <p:cNvSpPr txBox="1">
             <a:spLocks noChangeArrowheads="1"/>
           </p:cNvSpPr>
@@ -11780,8 +12422,8 @@
         </p:nvSpPr>
         <p:spPr bwMode="auto">
           <a:xfrm>
-            <a:off x="838200" y="152400"/>
-            <a:ext cx="8305800" cy="609600"/>
+            <a:off x="424070" y="4876800"/>
+            <a:ext cx="8415130" cy="1371600"/>
           </a:xfrm>
           <a:prstGeom prst="rect">
             <a:avLst/>
@@ -11796,175 +12438,6 @@
           <a:effectLst/>
         </p:spPr>
         <p:txBody>
-          <a:bodyPr vert="horz" wrap="square" lIns="91440" tIns="45720" rIns="91440" bIns="45720" numCol="1" anchor="ctr" anchorCtr="0" compatLnSpc="1">
-            <a:prstTxWarp prst="textNoShape">
-              <a:avLst/>
-            </a:prstTxWarp>
-          </a:bodyPr>
-          <a:lstStyle>
-            <a:lvl1pPr algn="ctr" rtl="0" fontAlgn="base">
-              <a:spcBef>
-                <a:spcPct val="0"/>
-              </a:spcBef>
-              <a:spcAft>
-                <a:spcPct val="0"/>
-              </a:spcAft>
-              <a:defRPr sz="4000">
-                <a:solidFill>
-                  <a:schemeClr val="tx2"/>
-                </a:solidFill>
-                <a:latin typeface="Verdana" panose="020B0604030504040204" pitchFamily="34" charset="0"/>
-                <a:ea typeface="Verdana" panose="020B0604030504040204" pitchFamily="34" charset="0"/>
-                <a:cs typeface="Verdana" panose="020B0604030504040204" pitchFamily="34" charset="0"/>
-              </a:defRPr>
-            </a:lvl1pPr>
-            <a:lvl2pPr algn="ctr" rtl="0" fontAlgn="base">
-              <a:spcBef>
-                <a:spcPct val="0"/>
-              </a:spcBef>
-              <a:spcAft>
-                <a:spcPct val="0"/>
-              </a:spcAft>
-              <a:defRPr sz="4400">
-                <a:solidFill>
-                  <a:schemeClr val="tx2"/>
-                </a:solidFill>
-                <a:latin typeface="Times New Roman" pitchFamily="18" charset="0"/>
-              </a:defRPr>
-            </a:lvl2pPr>
-            <a:lvl3pPr algn="ctr" rtl="0" fontAlgn="base">
-              <a:spcBef>
-                <a:spcPct val="0"/>
-              </a:spcBef>
-              <a:spcAft>
-                <a:spcPct val="0"/>
-              </a:spcAft>
-              <a:defRPr sz="4400">
-                <a:solidFill>
-                  <a:schemeClr val="tx2"/>
-                </a:solidFill>
-                <a:latin typeface="Times New Roman" pitchFamily="18" charset="0"/>
-              </a:defRPr>
-            </a:lvl3pPr>
-            <a:lvl4pPr algn="ctr" rtl="0" fontAlgn="base">
-              <a:spcBef>
-                <a:spcPct val="0"/>
-              </a:spcBef>
-              <a:spcAft>
-                <a:spcPct val="0"/>
-              </a:spcAft>
-              <a:defRPr sz="4400">
-                <a:solidFill>
-                  <a:schemeClr val="tx2"/>
-                </a:solidFill>
-                <a:latin typeface="Times New Roman" pitchFamily="18" charset="0"/>
-              </a:defRPr>
-            </a:lvl4pPr>
-            <a:lvl5pPr algn="ctr" rtl="0" fontAlgn="base">
-              <a:spcBef>
-                <a:spcPct val="0"/>
-              </a:spcBef>
-              <a:spcAft>
-                <a:spcPct val="0"/>
-              </a:spcAft>
-              <a:defRPr sz="4400">
-                <a:solidFill>
-                  <a:schemeClr val="tx2"/>
-                </a:solidFill>
-                <a:latin typeface="Times New Roman" pitchFamily="18" charset="0"/>
-              </a:defRPr>
-            </a:lvl5pPr>
-            <a:lvl6pPr marL="457200" algn="ctr" rtl="0" fontAlgn="base">
-              <a:spcBef>
-                <a:spcPct val="0"/>
-              </a:spcBef>
-              <a:spcAft>
-                <a:spcPct val="0"/>
-              </a:spcAft>
-              <a:defRPr sz="4400">
-                <a:solidFill>
-                  <a:schemeClr val="tx2"/>
-                </a:solidFill>
-                <a:latin typeface="Times New Roman" pitchFamily="18" charset="0"/>
-              </a:defRPr>
-            </a:lvl6pPr>
-            <a:lvl7pPr marL="914400" algn="ctr" rtl="0" fontAlgn="base">
-              <a:spcBef>
-                <a:spcPct val="0"/>
-              </a:spcBef>
-              <a:spcAft>
-                <a:spcPct val="0"/>
-              </a:spcAft>
-              <a:defRPr sz="4400">
-                <a:solidFill>
-                  <a:schemeClr val="tx2"/>
-                </a:solidFill>
-                <a:latin typeface="Times New Roman" pitchFamily="18" charset="0"/>
-              </a:defRPr>
-            </a:lvl7pPr>
-            <a:lvl8pPr marL="1371600" algn="ctr" rtl="0" fontAlgn="base">
-              <a:spcBef>
-                <a:spcPct val="0"/>
-              </a:spcBef>
-              <a:spcAft>
-                <a:spcPct val="0"/>
-              </a:spcAft>
-              <a:defRPr sz="4400">
-                <a:solidFill>
-                  <a:schemeClr val="tx2"/>
-                </a:solidFill>
-                <a:latin typeface="Times New Roman" pitchFamily="18" charset="0"/>
-              </a:defRPr>
-            </a:lvl8pPr>
-            <a:lvl9pPr marL="1828800" algn="ctr" rtl="0" fontAlgn="base">
-              <a:spcBef>
-                <a:spcPct val="0"/>
-              </a:spcBef>
-              <a:spcAft>
-                <a:spcPct val="0"/>
-              </a:spcAft>
-              <a:defRPr sz="4400">
-                <a:solidFill>
-                  <a:schemeClr val="tx2"/>
-                </a:solidFill>
-                <a:latin typeface="Times New Roman" pitchFamily="18" charset="0"/>
-              </a:defRPr>
-            </a:lvl9pPr>
-          </a:lstStyle>
-          <a:p>
-            <a:r>
-              <a:rPr lang="en-US" altLang="en-US" sz="3200" kern="0" dirty="0" smtClean="0"/>
-              <a:t>DAS performance</a:t>
-            </a:r>
-          </a:p>
-        </p:txBody>
-      </p:sp>
-      <p:sp>
-        <p:nvSpPr>
-          <p:cNvPr id="8" name="Rectangle 3"/>
-          <p:cNvSpPr txBox="1">
-            <a:spLocks noChangeArrowheads="1"/>
-          </p:cNvSpPr>
-          <p:nvPr/>
-        </p:nvSpPr>
-        <p:spPr bwMode="auto">
-          <a:xfrm>
-            <a:off x="338400" y="1227600"/>
-            <a:ext cx="4277542" cy="5012635"/>
-          </a:xfrm>
-          <a:prstGeom prst="rect">
-            <a:avLst/>
-          </a:prstGeom>
-          <a:noFill/>
-          <a:ln w="9525">
-            <a:noFill/>
-            <a:miter lim="800000"/>
-            <a:headEnd/>
-            <a:tailEnd/>
-          </a:ln>
-          <a:effectLst/>
-        </p:spPr>
-        <p:txBody>
           <a:bodyPr vert="horz" wrap="square" lIns="91440" tIns="45720" rIns="91440" bIns="45720" numCol="1" anchor="t" anchorCtr="0" compatLnSpc="1">
             <a:prstTxWarp prst="textNoShape">
               <a:avLst/>
@@ -12120,44 +12593,56 @@
           <a:p>
             <a:r>
               <a:rPr lang="en-US" sz="2800" dirty="0" smtClean="0"/>
-              <a:t>Input queries/day on DAS during 2013</a:t>
-            </a:r>
-          </a:p>
-          <a:p>
+              <a:t>DAS </a:t>
+            </a:r>
+            <a:r>
+              <a:rPr lang="en-US" sz="2800" dirty="0"/>
+              <a:t>interactive webpage fully replaced </a:t>
+            </a:r>
             <a:r>
               <a:rPr lang="en-US" sz="2800" dirty="0" smtClean="0"/>
-              <a:t>Each query produces O(10-1000) results</a:t>
-            </a:r>
-          </a:p>
-          <a:p>
-            <a:r>
-              <a:rPr lang="en-US" sz="2800" dirty="0" smtClean="0"/>
-              <a:t>On average O(10M</a:t>
-            </a:r>
-            <a:r>
-              <a:rPr lang="en-US" sz="2800" dirty="0"/>
-              <a:t>) results </a:t>
-            </a:r>
-            <a:r>
-              <a:rPr lang="en-US" sz="2800" dirty="0" smtClean="0"/>
-              <a:t>entering and served from DAS </a:t>
-            </a:r>
-            <a:r>
-              <a:rPr lang="en-US" sz="2800" dirty="0"/>
-              <a:t>cache </a:t>
-            </a:r>
-            <a:r>
-              <a:rPr lang="en-US" sz="2800" dirty="0" smtClean="0"/>
-              <a:t>every day</a:t>
-            </a:r>
-            <a:endParaRPr lang="en-GB" sz="2800" b="1" dirty="0"/>
+              <a:t>DBS webpage as main user entry point for data discovery in 2011</a:t>
+            </a:r>
+            <a:endParaRPr lang="en-GB" sz="2800" dirty="0"/>
+          </a:p>
+        </p:txBody>
+      </p:sp>
+      <p:sp>
+        <p:nvSpPr>
+          <p:cNvPr id="9" name="Rectangle 8"/>
+          <p:cNvSpPr/>
+          <p:nvPr/>
+        </p:nvSpPr>
+        <p:spPr>
+          <a:xfrm>
+            <a:off x="5643769" y="2133600"/>
+            <a:ext cx="3172239" cy="1015663"/>
+          </a:xfrm>
+          <a:prstGeom prst="rect">
+            <a:avLst/>
+          </a:prstGeom>
+        </p:spPr>
+        <p:txBody>
+          <a:bodyPr wrap="square">
+            <a:spAutoFit/>
+          </a:bodyPr>
+          <a:lstStyle/>
+          <a:p>
+            <a:r>
+              <a:rPr lang="en-US" sz="2000" dirty="0">
+                <a:latin typeface="Verdana" panose="020B0604030504040204" pitchFamily="34" charset="0"/>
+                <a:ea typeface="Verdana" panose="020B0604030504040204" pitchFamily="34" charset="0"/>
+                <a:cs typeface="Verdana" panose="020B0604030504040204" pitchFamily="34" charset="0"/>
+              </a:rPr>
+              <a:t>Free text-based query language, filters, aggregators</a:t>
+            </a:r>
           </a:p>
         </p:txBody>
       </p:sp>
     </p:spTree>
     <p:extLst>
       <p:ext uri="{BB962C8B-B14F-4D97-AF65-F5344CB8AC3E}">
-        <p14:creationId xmlns:p14="http://schemas.microsoft.com/office/powerpoint/2010/main" val="1323930325"/>
+        <p14:creationId xmlns:p14="http://schemas.microsoft.com/office/powerpoint/2010/main" val="2061370010"/>
       </p:ext>
     </p:extLst>
   </p:cSld>
@@ -12430,7 +12915,7 @@
           <a:p>
             <a:r>
               <a:rPr lang="en-US" altLang="en-US" sz="3200" kern="0" dirty="0" smtClean="0"/>
-              <a:t>Additional services</a:t>
+              <a:t>DAS performance</a:t>
             </a:r>
           </a:p>
         </p:txBody>
@@ -12445,8 +12930,8 @@
         </p:nvSpPr>
         <p:spPr bwMode="auto">
           <a:xfrm>
-            <a:off x="381000" y="3483000"/>
-            <a:ext cx="8249478" cy="2689200"/>
+            <a:off x="446858" y="1083364"/>
+            <a:ext cx="4277542" cy="5012635"/>
           </a:xfrm>
           <a:prstGeom prst="rect">
             <a:avLst/>
@@ -12615,56 +13100,44 @@
           </a:lstStyle>
           <a:p>
             <a:r>
-              <a:rPr lang="en-US" sz="2400" dirty="0" smtClean="0"/>
-              <a:t>External services can be easily interfaced to CMS DM components through their web services</a:t>
-            </a:r>
-          </a:p>
-          <a:p>
-            <a:r>
-              <a:rPr lang="en-US" sz="2400" dirty="0" smtClean="0"/>
-              <a:t>Victor data cleaning deployed in 2011</a:t>
-            </a:r>
-          </a:p>
-          <a:p>
-            <a:pPr lvl="1"/>
-            <a:r>
-              <a:rPr lang="en-US" sz="2000" dirty="0" smtClean="0"/>
-              <a:t>Interfaced with </a:t>
-            </a:r>
-            <a:r>
-              <a:rPr lang="en-US" sz="2000" dirty="0" err="1" smtClean="0"/>
-              <a:t>PhEDEx</a:t>
-            </a:r>
-            <a:r>
-              <a:rPr lang="en-US" sz="2000" dirty="0" smtClean="0"/>
-              <a:t> and dataset popularity service to identify unused replicas that can be cleaned up</a:t>
-            </a:r>
-          </a:p>
-          <a:p>
-            <a:r>
-              <a:rPr lang="en-US" sz="2400" dirty="0" smtClean="0"/>
-              <a:t>Next? Dynamic data placement service to trigger replication in </a:t>
-            </a:r>
-            <a:r>
-              <a:rPr lang="en-US" sz="2400" dirty="0" err="1" smtClean="0"/>
-              <a:t>PhEDEx</a:t>
-            </a:r>
-            <a:r>
-              <a:rPr lang="en-US" sz="2400" dirty="0" smtClean="0"/>
-              <a:t> of “hot” (popular) datasets</a:t>
-            </a:r>
-          </a:p>
-          <a:p>
-            <a:endParaRPr lang="en-US" sz="2400" dirty="0" smtClean="0"/>
-          </a:p>
-          <a:p>
-            <a:endParaRPr lang="en-US" sz="2400" dirty="0" smtClean="0"/>
+              <a:rPr lang="en-US" sz="2800" dirty="0" smtClean="0"/>
+              <a:t>Input queries/day on DAS during 2013</a:t>
+            </a:r>
+          </a:p>
+          <a:p>
+            <a:r>
+              <a:rPr lang="en-US" sz="2800" dirty="0" smtClean="0"/>
+              <a:t>Each query produces O(10-1000) results</a:t>
+            </a:r>
+          </a:p>
+          <a:p>
+            <a:r>
+              <a:rPr lang="en-US" sz="2800" dirty="0" smtClean="0"/>
+              <a:t>On average O(10M</a:t>
+            </a:r>
+            <a:r>
+              <a:rPr lang="en-US" sz="2800" dirty="0"/>
+              <a:t>) results </a:t>
+            </a:r>
+            <a:r>
+              <a:rPr lang="en-US" sz="2800" dirty="0" smtClean="0"/>
+              <a:t>entering and served from DAS </a:t>
+            </a:r>
+            <a:r>
+              <a:rPr lang="en-US" sz="2800" dirty="0"/>
+              <a:t>cache </a:t>
+            </a:r>
+            <a:r>
+              <a:rPr lang="en-US" sz="2800" dirty="0" smtClean="0"/>
+              <a:t>every day</a:t>
+            </a:r>
+            <a:endParaRPr lang="en-GB" sz="2800" b="1" dirty="0"/>
           </a:p>
         </p:txBody>
       </p:sp>
       <p:pic>
         <p:nvPicPr>
-          <p:cNvPr id="6" name="Picture 5"/>
+          <p:cNvPr id="6" name="Picture 5" descr="das_stat.pdf"/>
           <p:cNvPicPr>
             <a:picLocks noChangeAspect="1"/>
           </p:cNvPicPr>
@@ -12684,8 +13157,8 @@
         </p:blipFill>
         <p:spPr>
           <a:xfrm>
-            <a:off x="1964635" y="762000"/>
-            <a:ext cx="5638800" cy="2819400"/>
+            <a:off x="4680000" y="1080000"/>
+            <a:ext cx="4480560" cy="4480560"/>
           </a:xfrm>
           <a:prstGeom prst="rect">
             <a:avLst/>
@@ -12695,7 +13168,7 @@
     </p:spTree>
     <p:extLst>
       <p:ext uri="{BB962C8B-B14F-4D97-AF65-F5344CB8AC3E}">
-        <p14:creationId xmlns:p14="http://schemas.microsoft.com/office/powerpoint/2010/main" val="1013064140"/>
+        <p14:creationId xmlns:p14="http://schemas.microsoft.com/office/powerpoint/2010/main" val="1323930325"/>
       </p:ext>
     </p:extLst>
   </p:cSld>
@@ -12769,11 +13242,11 @@
           <a:lstStyle/>
           <a:p>
             <a:r>
-              <a:rPr lang="en-GB" dirty="0" smtClean="0"/>
+              <a:rPr lang="en-GB" smtClean="0"/>
               <a:t>The CMS Data Management System - </a:t>
             </a:r>
             <a:r>
-              <a:rPr lang="en-US" dirty="0" smtClean="0"/>
+              <a:rPr lang="en-US" smtClean="0"/>
               <a:t>CHEP 2013</a:t>
             </a:r>
             <a:endParaRPr lang="en-US" dirty="0"/>
@@ -12799,6 +13272,776 @@
               <a:rPr lang="en-US" smtClean="0"/>
               <a:pPr/>
               <a:t>22</a:t>
+            </a:fld>
+            <a:endParaRPr lang="en-US"/>
+          </a:p>
+        </p:txBody>
+      </p:sp>
+      <p:sp>
+        <p:nvSpPr>
+          <p:cNvPr id="5" name="Rectangle 2"/>
+          <p:cNvSpPr txBox="1">
+            <a:spLocks noChangeArrowheads="1"/>
+          </p:cNvSpPr>
+          <p:nvPr/>
+        </p:nvSpPr>
+        <p:spPr bwMode="auto">
+          <a:xfrm>
+            <a:off x="838200" y="152400"/>
+            <a:ext cx="8305800" cy="609600"/>
+          </a:xfrm>
+          <a:prstGeom prst="rect">
+            <a:avLst/>
+          </a:prstGeom>
+          <a:noFill/>
+          <a:ln w="9525">
+            <a:noFill/>
+            <a:miter lim="800000"/>
+            <a:headEnd/>
+            <a:tailEnd/>
+          </a:ln>
+          <a:effectLst/>
+        </p:spPr>
+        <p:txBody>
+          <a:bodyPr vert="horz" wrap="square" lIns="91440" tIns="45720" rIns="91440" bIns="45720" numCol="1" anchor="ctr" anchorCtr="0" compatLnSpc="1">
+            <a:prstTxWarp prst="textNoShape">
+              <a:avLst/>
+            </a:prstTxWarp>
+          </a:bodyPr>
+          <a:lstStyle>
+            <a:lvl1pPr algn="ctr" rtl="0" fontAlgn="base">
+              <a:spcBef>
+                <a:spcPct val="0"/>
+              </a:spcBef>
+              <a:spcAft>
+                <a:spcPct val="0"/>
+              </a:spcAft>
+              <a:defRPr sz="4000">
+                <a:solidFill>
+                  <a:schemeClr val="tx2"/>
+                </a:solidFill>
+                <a:latin typeface="Verdana" panose="020B0604030504040204" pitchFamily="34" charset="0"/>
+                <a:ea typeface="Verdana" panose="020B0604030504040204" pitchFamily="34" charset="0"/>
+                <a:cs typeface="Verdana" panose="020B0604030504040204" pitchFamily="34" charset="0"/>
+              </a:defRPr>
+            </a:lvl1pPr>
+            <a:lvl2pPr algn="ctr" rtl="0" fontAlgn="base">
+              <a:spcBef>
+                <a:spcPct val="0"/>
+              </a:spcBef>
+              <a:spcAft>
+                <a:spcPct val="0"/>
+              </a:spcAft>
+              <a:defRPr sz="4400">
+                <a:solidFill>
+                  <a:schemeClr val="tx2"/>
+                </a:solidFill>
+                <a:latin typeface="Times New Roman" pitchFamily="18" charset="0"/>
+              </a:defRPr>
+            </a:lvl2pPr>
+            <a:lvl3pPr algn="ctr" rtl="0" fontAlgn="base">
+              <a:spcBef>
+                <a:spcPct val="0"/>
+              </a:spcBef>
+              <a:spcAft>
+                <a:spcPct val="0"/>
+              </a:spcAft>
+              <a:defRPr sz="4400">
+                <a:solidFill>
+                  <a:schemeClr val="tx2"/>
+                </a:solidFill>
+                <a:latin typeface="Times New Roman" pitchFamily="18" charset="0"/>
+              </a:defRPr>
+            </a:lvl3pPr>
+            <a:lvl4pPr algn="ctr" rtl="0" fontAlgn="base">
+              <a:spcBef>
+                <a:spcPct val="0"/>
+              </a:spcBef>
+              <a:spcAft>
+                <a:spcPct val="0"/>
+              </a:spcAft>
+              <a:defRPr sz="4400">
+                <a:solidFill>
+                  <a:schemeClr val="tx2"/>
+                </a:solidFill>
+                <a:latin typeface="Times New Roman" pitchFamily="18" charset="0"/>
+              </a:defRPr>
+            </a:lvl4pPr>
+            <a:lvl5pPr algn="ctr" rtl="0" fontAlgn="base">
+              <a:spcBef>
+                <a:spcPct val="0"/>
+              </a:spcBef>
+              <a:spcAft>
+                <a:spcPct val="0"/>
+              </a:spcAft>
+              <a:defRPr sz="4400">
+                <a:solidFill>
+                  <a:schemeClr val="tx2"/>
+                </a:solidFill>
+                <a:latin typeface="Times New Roman" pitchFamily="18" charset="0"/>
+              </a:defRPr>
+            </a:lvl5pPr>
+            <a:lvl6pPr marL="457200" algn="ctr" rtl="0" fontAlgn="base">
+              <a:spcBef>
+                <a:spcPct val="0"/>
+              </a:spcBef>
+              <a:spcAft>
+                <a:spcPct val="0"/>
+              </a:spcAft>
+              <a:defRPr sz="4400">
+                <a:solidFill>
+                  <a:schemeClr val="tx2"/>
+                </a:solidFill>
+                <a:latin typeface="Times New Roman" pitchFamily="18" charset="0"/>
+              </a:defRPr>
+            </a:lvl6pPr>
+            <a:lvl7pPr marL="914400" algn="ctr" rtl="0" fontAlgn="base">
+              <a:spcBef>
+                <a:spcPct val="0"/>
+              </a:spcBef>
+              <a:spcAft>
+                <a:spcPct val="0"/>
+              </a:spcAft>
+              <a:defRPr sz="4400">
+                <a:solidFill>
+                  <a:schemeClr val="tx2"/>
+                </a:solidFill>
+                <a:latin typeface="Times New Roman" pitchFamily="18" charset="0"/>
+              </a:defRPr>
+            </a:lvl7pPr>
+            <a:lvl8pPr marL="1371600" algn="ctr" rtl="0" fontAlgn="base">
+              <a:spcBef>
+                <a:spcPct val="0"/>
+              </a:spcBef>
+              <a:spcAft>
+                <a:spcPct val="0"/>
+              </a:spcAft>
+              <a:defRPr sz="4400">
+                <a:solidFill>
+                  <a:schemeClr val="tx2"/>
+                </a:solidFill>
+                <a:latin typeface="Times New Roman" pitchFamily="18" charset="0"/>
+              </a:defRPr>
+            </a:lvl8pPr>
+            <a:lvl9pPr marL="1828800" algn="ctr" rtl="0" fontAlgn="base">
+              <a:spcBef>
+                <a:spcPct val="0"/>
+              </a:spcBef>
+              <a:spcAft>
+                <a:spcPct val="0"/>
+              </a:spcAft>
+              <a:defRPr sz="4400">
+                <a:solidFill>
+                  <a:schemeClr val="tx2"/>
+                </a:solidFill>
+                <a:latin typeface="Times New Roman" pitchFamily="18" charset="0"/>
+              </a:defRPr>
+            </a:lvl9pPr>
+          </a:lstStyle>
+          <a:p>
+            <a:r>
+              <a:rPr lang="en-US" altLang="en-US" sz="3200" kern="0" dirty="0" smtClean="0"/>
+              <a:t>Additional services</a:t>
+            </a:r>
+          </a:p>
+        </p:txBody>
+      </p:sp>
+      <p:sp>
+        <p:nvSpPr>
+          <p:cNvPr id="8" name="Rectangle 3"/>
+          <p:cNvSpPr txBox="1">
+            <a:spLocks noChangeArrowheads="1"/>
+          </p:cNvSpPr>
+          <p:nvPr/>
+        </p:nvSpPr>
+        <p:spPr bwMode="auto">
+          <a:xfrm>
+            <a:off x="257300" y="904240"/>
+            <a:ext cx="8249478" cy="838200"/>
+          </a:xfrm>
+          <a:prstGeom prst="rect">
+            <a:avLst/>
+          </a:prstGeom>
+          <a:noFill/>
+          <a:ln w="9525">
+            <a:noFill/>
+            <a:miter lim="800000"/>
+            <a:headEnd/>
+            <a:tailEnd/>
+          </a:ln>
+          <a:effectLst/>
+        </p:spPr>
+        <p:txBody>
+          <a:bodyPr vert="horz" wrap="square" lIns="91440" tIns="45720" rIns="91440" bIns="45720" numCol="1" anchor="t" anchorCtr="0" compatLnSpc="1">
+            <a:prstTxWarp prst="textNoShape">
+              <a:avLst/>
+            </a:prstTxWarp>
+          </a:bodyPr>
+          <a:lstStyle>
+            <a:lvl1pPr marL="342900" indent="-342900" algn="l" rtl="0" fontAlgn="base">
+              <a:spcBef>
+                <a:spcPct val="20000"/>
+              </a:spcBef>
+              <a:spcAft>
+                <a:spcPct val="0"/>
+              </a:spcAft>
+              <a:buChar char="•"/>
+              <a:defRPr sz="3200">
+                <a:solidFill>
+                  <a:schemeClr val="tx1"/>
+                </a:solidFill>
+                <a:latin typeface="Verdana" panose="020B0604030504040204" pitchFamily="34" charset="0"/>
+                <a:ea typeface="Verdana" panose="020B0604030504040204" pitchFamily="34" charset="0"/>
+                <a:cs typeface="Verdana" panose="020B0604030504040204" pitchFamily="34" charset="0"/>
+              </a:defRPr>
+            </a:lvl1pPr>
+            <a:lvl2pPr marL="742950" indent="-285750" algn="l" rtl="0" fontAlgn="base">
+              <a:spcBef>
+                <a:spcPct val="20000"/>
+              </a:spcBef>
+              <a:spcAft>
+                <a:spcPct val="0"/>
+              </a:spcAft>
+              <a:buChar char="–"/>
+              <a:defRPr sz="2800">
+                <a:solidFill>
+                  <a:schemeClr val="tx1"/>
+                </a:solidFill>
+                <a:latin typeface="Verdana" panose="020B0604030504040204" pitchFamily="34" charset="0"/>
+                <a:ea typeface="Verdana" panose="020B0604030504040204" pitchFamily="34" charset="0"/>
+                <a:cs typeface="Verdana" panose="020B0604030504040204" pitchFamily="34" charset="0"/>
+              </a:defRPr>
+            </a:lvl2pPr>
+            <a:lvl3pPr marL="1143000" indent="-228600" algn="l" rtl="0" fontAlgn="base">
+              <a:spcBef>
+                <a:spcPct val="20000"/>
+              </a:spcBef>
+              <a:spcAft>
+                <a:spcPct val="0"/>
+              </a:spcAft>
+              <a:buChar char="•"/>
+              <a:defRPr sz="2400">
+                <a:solidFill>
+                  <a:schemeClr val="tx1"/>
+                </a:solidFill>
+                <a:latin typeface="Verdana" panose="020B0604030504040204" pitchFamily="34" charset="0"/>
+                <a:ea typeface="Verdana" panose="020B0604030504040204" pitchFamily="34" charset="0"/>
+                <a:cs typeface="Verdana" panose="020B0604030504040204" pitchFamily="34" charset="0"/>
+              </a:defRPr>
+            </a:lvl3pPr>
+            <a:lvl4pPr marL="1600200" indent="-228600" algn="l" rtl="0" fontAlgn="base">
+              <a:spcBef>
+                <a:spcPct val="20000"/>
+              </a:spcBef>
+              <a:spcAft>
+                <a:spcPct val="0"/>
+              </a:spcAft>
+              <a:buChar char="–"/>
+              <a:defRPr sz="2000">
+                <a:solidFill>
+                  <a:schemeClr val="tx1"/>
+                </a:solidFill>
+                <a:latin typeface="Verdana" panose="020B0604030504040204" pitchFamily="34" charset="0"/>
+                <a:ea typeface="Verdana" panose="020B0604030504040204" pitchFamily="34" charset="0"/>
+                <a:cs typeface="Verdana" panose="020B0604030504040204" pitchFamily="34" charset="0"/>
+              </a:defRPr>
+            </a:lvl4pPr>
+            <a:lvl5pPr marL="2057400" indent="-228600" algn="l" rtl="0" fontAlgn="base">
+              <a:spcBef>
+                <a:spcPct val="20000"/>
+              </a:spcBef>
+              <a:spcAft>
+                <a:spcPct val="0"/>
+              </a:spcAft>
+              <a:buChar char="»"/>
+              <a:defRPr sz="2000">
+                <a:solidFill>
+                  <a:schemeClr val="tx1"/>
+                </a:solidFill>
+                <a:latin typeface="Verdana" panose="020B0604030504040204" pitchFamily="34" charset="0"/>
+                <a:ea typeface="Verdana" panose="020B0604030504040204" pitchFamily="34" charset="0"/>
+                <a:cs typeface="Verdana" panose="020B0604030504040204" pitchFamily="34" charset="0"/>
+              </a:defRPr>
+            </a:lvl5pPr>
+            <a:lvl6pPr marL="2514600" indent="-228600" algn="l" rtl="0" fontAlgn="base">
+              <a:spcBef>
+                <a:spcPct val="20000"/>
+              </a:spcBef>
+              <a:spcAft>
+                <a:spcPct val="0"/>
+              </a:spcAft>
+              <a:buChar char="»"/>
+              <a:defRPr sz="2000">
+                <a:solidFill>
+                  <a:schemeClr val="tx1"/>
+                </a:solidFill>
+                <a:latin typeface="+mn-lt"/>
+              </a:defRPr>
+            </a:lvl6pPr>
+            <a:lvl7pPr marL="2971800" indent="-228600" algn="l" rtl="0" fontAlgn="base">
+              <a:spcBef>
+                <a:spcPct val="20000"/>
+              </a:spcBef>
+              <a:spcAft>
+                <a:spcPct val="0"/>
+              </a:spcAft>
+              <a:buChar char="»"/>
+              <a:defRPr sz="2000">
+                <a:solidFill>
+                  <a:schemeClr val="tx1"/>
+                </a:solidFill>
+                <a:latin typeface="+mn-lt"/>
+              </a:defRPr>
+            </a:lvl7pPr>
+            <a:lvl8pPr marL="3429000" indent="-228600" algn="l" rtl="0" fontAlgn="base">
+              <a:spcBef>
+                <a:spcPct val="20000"/>
+              </a:spcBef>
+              <a:spcAft>
+                <a:spcPct val="0"/>
+              </a:spcAft>
+              <a:buChar char="»"/>
+              <a:defRPr sz="2000">
+                <a:solidFill>
+                  <a:schemeClr val="tx1"/>
+                </a:solidFill>
+                <a:latin typeface="+mn-lt"/>
+              </a:defRPr>
+            </a:lvl8pPr>
+            <a:lvl9pPr marL="3886200" indent="-228600" algn="l" rtl="0" fontAlgn="base">
+              <a:spcBef>
+                <a:spcPct val="20000"/>
+              </a:spcBef>
+              <a:spcAft>
+                <a:spcPct val="0"/>
+              </a:spcAft>
+              <a:buChar char="»"/>
+              <a:defRPr sz="2000">
+                <a:solidFill>
+                  <a:schemeClr val="tx1"/>
+                </a:solidFill>
+                <a:latin typeface="+mn-lt"/>
+              </a:defRPr>
+            </a:lvl9pPr>
+          </a:lstStyle>
+          <a:p>
+            <a:r>
+              <a:rPr lang="en-US" sz="2400" dirty="0" smtClean="0"/>
+              <a:t>External services can be easily interfaced to CMS DM components through their web services</a:t>
+            </a:r>
+          </a:p>
+          <a:p>
+            <a:endParaRPr lang="en-US" sz="2400" dirty="0" smtClean="0"/>
+          </a:p>
+          <a:p>
+            <a:endParaRPr lang="en-US" sz="2400" dirty="0" smtClean="0"/>
+          </a:p>
+        </p:txBody>
+      </p:sp>
+      <p:pic>
+        <p:nvPicPr>
+          <p:cNvPr id="7" name="Picture 6"/>
+          <p:cNvPicPr>
+            <a:picLocks noChangeAspect="1"/>
+          </p:cNvPicPr>
+          <p:nvPr/>
+        </p:nvPicPr>
+        <p:blipFill rotWithShape="1">
+          <a:blip r:embed="rId3">
+            <a:extLst>
+              <a:ext uri="{28A0092B-C50C-407E-A947-70E740481C1C}">
+                <a14:useLocalDpi xmlns:a14="http://schemas.microsoft.com/office/drawing/2010/main" val="0"/>
+              </a:ext>
+            </a:extLst>
+          </a:blip>
+          <a:srcRect t="40053" b="20377"/>
+          <a:stretch/>
+        </p:blipFill>
+        <p:spPr>
+          <a:xfrm>
+            <a:off x="257300" y="2438400"/>
+            <a:ext cx="8496878" cy="1727200"/>
+          </a:xfrm>
+          <a:prstGeom prst="rect">
+            <a:avLst/>
+          </a:prstGeom>
+        </p:spPr>
+      </p:pic>
+      <p:pic>
+        <p:nvPicPr>
+          <p:cNvPr id="10" name="Picture 9"/>
+          <p:cNvPicPr>
+            <a:picLocks noChangeAspect="1"/>
+          </p:cNvPicPr>
+          <p:nvPr/>
+        </p:nvPicPr>
+        <p:blipFill rotWithShape="1">
+          <a:blip r:embed="rId3">
+            <a:extLst>
+              <a:ext uri="{28A0092B-C50C-407E-A947-70E740481C1C}">
+                <a14:useLocalDpi xmlns:a14="http://schemas.microsoft.com/office/drawing/2010/main" val="0"/>
+              </a:ext>
+            </a:extLst>
+          </a:blip>
+          <a:srcRect l="17282" r="17935" b="83008"/>
+          <a:stretch/>
+        </p:blipFill>
+        <p:spPr>
+          <a:xfrm>
+            <a:off x="2133600" y="1752600"/>
+            <a:ext cx="4492787" cy="605346"/>
+          </a:xfrm>
+          <a:prstGeom prst="rect">
+            <a:avLst/>
+          </a:prstGeom>
+        </p:spPr>
+      </p:pic>
+      <p:sp>
+        <p:nvSpPr>
+          <p:cNvPr id="12" name="Rectangle 3"/>
+          <p:cNvSpPr txBox="1">
+            <a:spLocks noChangeArrowheads="1"/>
+          </p:cNvSpPr>
+          <p:nvPr/>
+        </p:nvSpPr>
+        <p:spPr bwMode="auto">
+          <a:xfrm>
+            <a:off x="386080" y="4273164"/>
+            <a:ext cx="8249478" cy="1899036"/>
+          </a:xfrm>
+          <a:prstGeom prst="rect">
+            <a:avLst/>
+          </a:prstGeom>
+          <a:noFill/>
+          <a:ln w="9525">
+            <a:noFill/>
+            <a:miter lim="800000"/>
+            <a:headEnd/>
+            <a:tailEnd/>
+          </a:ln>
+          <a:effectLst/>
+        </p:spPr>
+        <p:txBody>
+          <a:bodyPr vert="horz" wrap="square" lIns="91440" tIns="45720" rIns="91440" bIns="45720" numCol="1" anchor="t" anchorCtr="0" compatLnSpc="1">
+            <a:prstTxWarp prst="textNoShape">
+              <a:avLst/>
+            </a:prstTxWarp>
+          </a:bodyPr>
+          <a:lstStyle>
+            <a:lvl1pPr marL="342900" indent="-342900" algn="l" rtl="0" fontAlgn="base">
+              <a:spcBef>
+                <a:spcPct val="20000"/>
+              </a:spcBef>
+              <a:spcAft>
+                <a:spcPct val="0"/>
+              </a:spcAft>
+              <a:buChar char="•"/>
+              <a:defRPr sz="3200">
+                <a:solidFill>
+                  <a:schemeClr val="tx1"/>
+                </a:solidFill>
+                <a:latin typeface="Verdana" panose="020B0604030504040204" pitchFamily="34" charset="0"/>
+                <a:ea typeface="Verdana" panose="020B0604030504040204" pitchFamily="34" charset="0"/>
+                <a:cs typeface="Verdana" panose="020B0604030504040204" pitchFamily="34" charset="0"/>
+              </a:defRPr>
+            </a:lvl1pPr>
+            <a:lvl2pPr marL="742950" indent="-285750" algn="l" rtl="0" fontAlgn="base">
+              <a:spcBef>
+                <a:spcPct val="20000"/>
+              </a:spcBef>
+              <a:spcAft>
+                <a:spcPct val="0"/>
+              </a:spcAft>
+              <a:buChar char="–"/>
+              <a:defRPr sz="2800">
+                <a:solidFill>
+                  <a:schemeClr val="tx1"/>
+                </a:solidFill>
+                <a:latin typeface="Verdana" panose="020B0604030504040204" pitchFamily="34" charset="0"/>
+                <a:ea typeface="Verdana" panose="020B0604030504040204" pitchFamily="34" charset="0"/>
+                <a:cs typeface="Verdana" panose="020B0604030504040204" pitchFamily="34" charset="0"/>
+              </a:defRPr>
+            </a:lvl2pPr>
+            <a:lvl3pPr marL="1143000" indent="-228600" algn="l" rtl="0" fontAlgn="base">
+              <a:spcBef>
+                <a:spcPct val="20000"/>
+              </a:spcBef>
+              <a:spcAft>
+                <a:spcPct val="0"/>
+              </a:spcAft>
+              <a:buChar char="•"/>
+              <a:defRPr sz="2400">
+                <a:solidFill>
+                  <a:schemeClr val="tx1"/>
+                </a:solidFill>
+                <a:latin typeface="Verdana" panose="020B0604030504040204" pitchFamily="34" charset="0"/>
+                <a:ea typeface="Verdana" panose="020B0604030504040204" pitchFamily="34" charset="0"/>
+                <a:cs typeface="Verdana" panose="020B0604030504040204" pitchFamily="34" charset="0"/>
+              </a:defRPr>
+            </a:lvl3pPr>
+            <a:lvl4pPr marL="1600200" indent="-228600" algn="l" rtl="0" fontAlgn="base">
+              <a:spcBef>
+                <a:spcPct val="20000"/>
+              </a:spcBef>
+              <a:spcAft>
+                <a:spcPct val="0"/>
+              </a:spcAft>
+              <a:buChar char="–"/>
+              <a:defRPr sz="2000">
+                <a:solidFill>
+                  <a:schemeClr val="tx1"/>
+                </a:solidFill>
+                <a:latin typeface="Verdana" panose="020B0604030504040204" pitchFamily="34" charset="0"/>
+                <a:ea typeface="Verdana" panose="020B0604030504040204" pitchFamily="34" charset="0"/>
+                <a:cs typeface="Verdana" panose="020B0604030504040204" pitchFamily="34" charset="0"/>
+              </a:defRPr>
+            </a:lvl4pPr>
+            <a:lvl5pPr marL="2057400" indent="-228600" algn="l" rtl="0" fontAlgn="base">
+              <a:spcBef>
+                <a:spcPct val="20000"/>
+              </a:spcBef>
+              <a:spcAft>
+                <a:spcPct val="0"/>
+              </a:spcAft>
+              <a:buChar char="»"/>
+              <a:defRPr sz="2000">
+                <a:solidFill>
+                  <a:schemeClr val="tx1"/>
+                </a:solidFill>
+                <a:latin typeface="Verdana" panose="020B0604030504040204" pitchFamily="34" charset="0"/>
+                <a:ea typeface="Verdana" panose="020B0604030504040204" pitchFamily="34" charset="0"/>
+                <a:cs typeface="Verdana" panose="020B0604030504040204" pitchFamily="34" charset="0"/>
+              </a:defRPr>
+            </a:lvl5pPr>
+            <a:lvl6pPr marL="2514600" indent="-228600" algn="l" rtl="0" fontAlgn="base">
+              <a:spcBef>
+                <a:spcPct val="20000"/>
+              </a:spcBef>
+              <a:spcAft>
+                <a:spcPct val="0"/>
+              </a:spcAft>
+              <a:buChar char="»"/>
+              <a:defRPr sz="2000">
+                <a:solidFill>
+                  <a:schemeClr val="tx1"/>
+                </a:solidFill>
+                <a:latin typeface="+mn-lt"/>
+              </a:defRPr>
+            </a:lvl6pPr>
+            <a:lvl7pPr marL="2971800" indent="-228600" algn="l" rtl="0" fontAlgn="base">
+              <a:spcBef>
+                <a:spcPct val="20000"/>
+              </a:spcBef>
+              <a:spcAft>
+                <a:spcPct val="0"/>
+              </a:spcAft>
+              <a:buChar char="»"/>
+              <a:defRPr sz="2000">
+                <a:solidFill>
+                  <a:schemeClr val="tx1"/>
+                </a:solidFill>
+                <a:latin typeface="+mn-lt"/>
+              </a:defRPr>
+            </a:lvl7pPr>
+            <a:lvl8pPr marL="3429000" indent="-228600" algn="l" rtl="0" fontAlgn="base">
+              <a:spcBef>
+                <a:spcPct val="20000"/>
+              </a:spcBef>
+              <a:spcAft>
+                <a:spcPct val="0"/>
+              </a:spcAft>
+              <a:buChar char="»"/>
+              <a:defRPr sz="2000">
+                <a:solidFill>
+                  <a:schemeClr val="tx1"/>
+                </a:solidFill>
+                <a:latin typeface="+mn-lt"/>
+              </a:defRPr>
+            </a:lvl8pPr>
+            <a:lvl9pPr marL="3886200" indent="-228600" algn="l" rtl="0" fontAlgn="base">
+              <a:spcBef>
+                <a:spcPct val="20000"/>
+              </a:spcBef>
+              <a:spcAft>
+                <a:spcPct val="0"/>
+              </a:spcAft>
+              <a:buChar char="»"/>
+              <a:defRPr sz="2000">
+                <a:solidFill>
+                  <a:schemeClr val="tx1"/>
+                </a:solidFill>
+                <a:latin typeface="+mn-lt"/>
+              </a:defRPr>
+            </a:lvl9pPr>
+          </a:lstStyle>
+          <a:p>
+            <a:r>
+              <a:rPr lang="en-US" sz="2400" b="1" dirty="0" smtClean="0"/>
+              <a:t>Victor</a:t>
+            </a:r>
+            <a:r>
+              <a:rPr lang="en-US" sz="2400" dirty="0" smtClean="0"/>
+              <a:t> data cleaning service deployed in 2011</a:t>
+            </a:r>
+          </a:p>
+          <a:p>
+            <a:pPr lvl="1"/>
+            <a:r>
+              <a:rPr lang="en-US" sz="2000" dirty="0"/>
+              <a:t>Interfaced with </a:t>
+            </a:r>
+            <a:r>
+              <a:rPr lang="en-US" sz="2000" dirty="0" err="1"/>
+              <a:t>PhEDEx</a:t>
+            </a:r>
+            <a:r>
+              <a:rPr lang="en-US" sz="2000" dirty="0"/>
+              <a:t> and dataset popularity service to identify unused replicas that can be cleaned </a:t>
+            </a:r>
+            <a:r>
+              <a:rPr lang="en-US" sz="2000" dirty="0" smtClean="0"/>
+              <a:t>up</a:t>
+            </a:r>
+          </a:p>
+          <a:p>
+            <a:r>
+              <a:rPr lang="en-US" sz="2400" dirty="0"/>
+              <a:t>Next? Dynamic data placement service to trigger replication in </a:t>
+            </a:r>
+            <a:r>
+              <a:rPr lang="en-US" sz="2400" dirty="0" err="1"/>
+              <a:t>PhEDEx</a:t>
+            </a:r>
+            <a:r>
+              <a:rPr lang="en-US" sz="2400" dirty="0"/>
+              <a:t> of “hot” (popular) datasets</a:t>
+            </a:r>
+          </a:p>
+          <a:p>
+            <a:endParaRPr lang="en-US" sz="2400" dirty="0"/>
+          </a:p>
+          <a:p>
+            <a:endParaRPr lang="en-US" sz="2400" dirty="0" smtClean="0"/>
+          </a:p>
+          <a:p>
+            <a:pPr lvl="1"/>
+            <a:endParaRPr lang="en-US" sz="2000" dirty="0" smtClean="0"/>
+          </a:p>
+          <a:p>
+            <a:endParaRPr lang="en-US" sz="2400" dirty="0" smtClean="0"/>
+          </a:p>
+          <a:p>
+            <a:endParaRPr lang="en-US" sz="2400" dirty="0" smtClean="0"/>
+          </a:p>
+        </p:txBody>
+      </p:sp>
+    </p:spTree>
+    <p:extLst>
+      <p:ext uri="{BB962C8B-B14F-4D97-AF65-F5344CB8AC3E}">
+        <p14:creationId xmlns:p14="http://schemas.microsoft.com/office/powerpoint/2010/main" val="1013064140"/>
+      </p:ext>
+    </p:extLst>
+  </p:cSld>
+  <p:clrMapOvr>
+    <a:masterClrMapping/>
+  </p:clrMapOvr>
+  <p:timing>
+    <p:tnLst>
+      <p:par>
+        <p:cTn xmlns:p14="http://schemas.microsoft.com/office/powerpoint/2010/main" id="1" dur="indefinite" restart="never" nodeType="tmRoot"/>
+      </p:par>
+    </p:tnLst>
+  </p:timing>
+</p:sld>
+</file>
+
+<file path=ppt/slides/slide23.xml><?xml version="1.0" encoding="utf-8"?>
+<p:sld xmlns:a="http://schemas.openxmlformats.org/drawingml/2006/main" xmlns:r="http://schemas.openxmlformats.org/officeDocument/2006/relationships" xmlns:p="http://schemas.openxmlformats.org/presentationml/2006/main">
+  <p:cSld>
+    <p:spTree>
+      <p:nvGrpSpPr>
+        <p:cNvPr id="1" name=""/>
+        <p:cNvGrpSpPr/>
+        <p:nvPr/>
+      </p:nvGrpSpPr>
+      <p:grpSpPr>
+        <a:xfrm>
+          <a:off x="0" y="0"/>
+          <a:ext cx="0" cy="0"/>
+          <a:chOff x="0" y="0"/>
+          <a:chExt cx="0" cy="0"/>
+        </a:xfrm>
+      </p:grpSpPr>
+      <p:sp>
+        <p:nvSpPr>
+          <p:cNvPr id="2" name="Date Placeholder 1"/>
+          <p:cNvSpPr>
+            <a:spLocks noGrp="1"/>
+          </p:cNvSpPr>
+          <p:nvPr>
+            <p:ph type="dt" sz="half" idx="10"/>
+          </p:nvPr>
+        </p:nvSpPr>
+        <p:spPr/>
+        <p:txBody>
+          <a:bodyPr/>
+          <a:lstStyle/>
+          <a:p>
+            <a:fld id="{266004A0-9E56-4C9C-910F-AE8959E42029}" type="datetime5">
+              <a:rPr lang="en-GB" smtClean="0"/>
+              <a:pPr/>
+              <a:t>10-Oct-13</a:t>
+            </a:fld>
+            <a:endParaRPr lang="en-US"/>
+          </a:p>
+        </p:txBody>
+      </p:sp>
+      <p:sp>
+        <p:nvSpPr>
+          <p:cNvPr id="3" name="Footer Placeholder 2"/>
+          <p:cNvSpPr>
+            <a:spLocks noGrp="1"/>
+          </p:cNvSpPr>
+          <p:nvPr>
+            <p:ph type="ftr" sz="quarter" idx="11"/>
+          </p:nvPr>
+        </p:nvSpPr>
+        <p:spPr/>
+        <p:txBody>
+          <a:bodyPr/>
+          <a:lstStyle/>
+          <a:p>
+            <a:r>
+              <a:rPr lang="en-GB" dirty="0" smtClean="0"/>
+              <a:t>The CMS Data Management System - </a:t>
+            </a:r>
+            <a:r>
+              <a:rPr lang="en-US" dirty="0" smtClean="0"/>
+              <a:t>CHEP 2013</a:t>
+            </a:r>
+            <a:endParaRPr lang="en-US" dirty="0"/>
+          </a:p>
+        </p:txBody>
+      </p:sp>
+      <p:sp>
+        <p:nvSpPr>
+          <p:cNvPr id="4" name="Slide Number Placeholder 3"/>
+          <p:cNvSpPr>
+            <a:spLocks noGrp="1"/>
+          </p:cNvSpPr>
+          <p:nvPr>
+            <p:ph type="sldNum" sz="quarter" idx="12"/>
+          </p:nvPr>
+        </p:nvSpPr>
+        <p:spPr/>
+        <p:txBody>
+          <a:bodyPr/>
+          <a:lstStyle/>
+          <a:p>
+            <a:fld id="{29CBDB8C-B4BD-4722-B4E8-EB4C3A73DAC9}" type="slidenum">
+              <a:rPr lang="en-US" smtClean="0"/>
+              <a:pPr/>
+              <a:t>23</a:t>
             </a:fld>
             <a:endParaRPr lang="en-US"/>
           </a:p>
@@ -14285,20 +15528,16 @@
               </a:tabLst>
             </a:pPr>
             <a:r>
-              <a:rPr lang="en-US" altLang="en-US" sz="1400" smtClean="0"/>
+              <a:rPr lang="en-US" altLang="en-US" sz="1400" dirty="0" smtClean="0"/>
               <a:t>~10</a:t>
             </a:r>
             <a:r>
-              <a:rPr lang="en-US" altLang="en-US" sz="1400" baseline="30000" smtClean="0"/>
-              <a:t>10</a:t>
-            </a:r>
-            <a:r>
-              <a:rPr lang="en-US" altLang="en-US" sz="1400" smtClean="0"/>
-              <a:t> </a:t>
+              <a:rPr lang="en-US" altLang="en-US" sz="1400" baseline="30000" dirty="0"/>
+              <a:t>9</a:t>
             </a:r>
             <a:r>
               <a:rPr lang="en-US" altLang="en-US" sz="1400" dirty="0" smtClean="0"/>
-              <a:t>events/year</a:t>
+              <a:t> events/year</a:t>
             </a:r>
             <a:endParaRPr lang="en-US" altLang="en-US" sz="1400" dirty="0"/>
           </a:p>
@@ -17260,6 +18499,584 @@
           </a:lstStyle>
           <a:p>
             <a:r>
+              <a:rPr lang="en-US" altLang="en-US" sz="3600" kern="0" dirty="0" smtClean="0"/>
+              <a:t>General principle</a:t>
+            </a:r>
+          </a:p>
+        </p:txBody>
+      </p:sp>
+      <p:sp>
+        <p:nvSpPr>
+          <p:cNvPr id="6" name="Rectangle 3"/>
+          <p:cNvSpPr txBox="1">
+            <a:spLocks noChangeArrowheads="1"/>
+          </p:cNvSpPr>
+          <p:nvPr/>
+        </p:nvSpPr>
+        <p:spPr bwMode="auto">
+          <a:xfrm>
+            <a:off x="381000" y="1143000"/>
+            <a:ext cx="8229600" cy="4876800"/>
+          </a:xfrm>
+          <a:prstGeom prst="rect">
+            <a:avLst/>
+          </a:prstGeom>
+          <a:noFill/>
+          <a:ln w="9525">
+            <a:noFill/>
+            <a:miter lim="800000"/>
+            <a:headEnd/>
+            <a:tailEnd/>
+          </a:ln>
+          <a:effectLst/>
+        </p:spPr>
+        <p:txBody>
+          <a:bodyPr vert="horz" wrap="square" lIns="91440" tIns="45720" rIns="91440" bIns="45720" numCol="1" anchor="t" anchorCtr="0" compatLnSpc="1">
+            <a:prstTxWarp prst="textNoShape">
+              <a:avLst/>
+            </a:prstTxWarp>
+          </a:bodyPr>
+          <a:lstStyle>
+            <a:lvl1pPr marL="342900" indent="-342900" algn="l" rtl="0" fontAlgn="base">
+              <a:spcBef>
+                <a:spcPct val="20000"/>
+              </a:spcBef>
+              <a:spcAft>
+                <a:spcPct val="0"/>
+              </a:spcAft>
+              <a:buChar char="•"/>
+              <a:defRPr sz="3200">
+                <a:solidFill>
+                  <a:schemeClr val="tx1"/>
+                </a:solidFill>
+                <a:latin typeface="Verdana" panose="020B0604030504040204" pitchFamily="34" charset="0"/>
+                <a:ea typeface="Verdana" panose="020B0604030504040204" pitchFamily="34" charset="0"/>
+                <a:cs typeface="Verdana" panose="020B0604030504040204" pitchFamily="34" charset="0"/>
+              </a:defRPr>
+            </a:lvl1pPr>
+            <a:lvl2pPr marL="742950" indent="-285750" algn="l" rtl="0" fontAlgn="base">
+              <a:spcBef>
+                <a:spcPct val="20000"/>
+              </a:spcBef>
+              <a:spcAft>
+                <a:spcPct val="0"/>
+              </a:spcAft>
+              <a:buChar char="–"/>
+              <a:defRPr sz="2800">
+                <a:solidFill>
+                  <a:schemeClr val="tx1"/>
+                </a:solidFill>
+                <a:latin typeface="Verdana" panose="020B0604030504040204" pitchFamily="34" charset="0"/>
+                <a:ea typeface="Verdana" panose="020B0604030504040204" pitchFamily="34" charset="0"/>
+                <a:cs typeface="Verdana" panose="020B0604030504040204" pitchFamily="34" charset="0"/>
+              </a:defRPr>
+            </a:lvl2pPr>
+            <a:lvl3pPr marL="1143000" indent="-228600" algn="l" rtl="0" fontAlgn="base">
+              <a:spcBef>
+                <a:spcPct val="20000"/>
+              </a:spcBef>
+              <a:spcAft>
+                <a:spcPct val="0"/>
+              </a:spcAft>
+              <a:buChar char="•"/>
+              <a:defRPr sz="2400">
+                <a:solidFill>
+                  <a:schemeClr val="tx1"/>
+                </a:solidFill>
+                <a:latin typeface="Verdana" panose="020B0604030504040204" pitchFamily="34" charset="0"/>
+                <a:ea typeface="Verdana" panose="020B0604030504040204" pitchFamily="34" charset="0"/>
+                <a:cs typeface="Verdana" panose="020B0604030504040204" pitchFamily="34" charset="0"/>
+              </a:defRPr>
+            </a:lvl3pPr>
+            <a:lvl4pPr marL="1600200" indent="-228600" algn="l" rtl="0" fontAlgn="base">
+              <a:spcBef>
+                <a:spcPct val="20000"/>
+              </a:spcBef>
+              <a:spcAft>
+                <a:spcPct val="0"/>
+              </a:spcAft>
+              <a:buChar char="–"/>
+              <a:defRPr sz="2000">
+                <a:solidFill>
+                  <a:schemeClr val="tx1"/>
+                </a:solidFill>
+                <a:latin typeface="Verdana" panose="020B0604030504040204" pitchFamily="34" charset="0"/>
+                <a:ea typeface="Verdana" panose="020B0604030504040204" pitchFamily="34" charset="0"/>
+                <a:cs typeface="Verdana" panose="020B0604030504040204" pitchFamily="34" charset="0"/>
+              </a:defRPr>
+            </a:lvl4pPr>
+            <a:lvl5pPr marL="2057400" indent="-228600" algn="l" rtl="0" fontAlgn="base">
+              <a:spcBef>
+                <a:spcPct val="20000"/>
+              </a:spcBef>
+              <a:spcAft>
+                <a:spcPct val="0"/>
+              </a:spcAft>
+              <a:buChar char="»"/>
+              <a:defRPr sz="2000">
+                <a:solidFill>
+                  <a:schemeClr val="tx1"/>
+                </a:solidFill>
+                <a:latin typeface="Verdana" panose="020B0604030504040204" pitchFamily="34" charset="0"/>
+                <a:ea typeface="Verdana" panose="020B0604030504040204" pitchFamily="34" charset="0"/>
+                <a:cs typeface="Verdana" panose="020B0604030504040204" pitchFamily="34" charset="0"/>
+              </a:defRPr>
+            </a:lvl5pPr>
+            <a:lvl6pPr marL="2514600" indent="-228600" algn="l" rtl="0" fontAlgn="base">
+              <a:spcBef>
+                <a:spcPct val="20000"/>
+              </a:spcBef>
+              <a:spcAft>
+                <a:spcPct val="0"/>
+              </a:spcAft>
+              <a:buChar char="»"/>
+              <a:defRPr sz="2000">
+                <a:solidFill>
+                  <a:schemeClr val="tx1"/>
+                </a:solidFill>
+                <a:latin typeface="+mn-lt"/>
+              </a:defRPr>
+            </a:lvl6pPr>
+            <a:lvl7pPr marL="2971800" indent="-228600" algn="l" rtl="0" fontAlgn="base">
+              <a:spcBef>
+                <a:spcPct val="20000"/>
+              </a:spcBef>
+              <a:spcAft>
+                <a:spcPct val="0"/>
+              </a:spcAft>
+              <a:buChar char="»"/>
+              <a:defRPr sz="2000">
+                <a:solidFill>
+                  <a:schemeClr val="tx1"/>
+                </a:solidFill>
+                <a:latin typeface="+mn-lt"/>
+              </a:defRPr>
+            </a:lvl7pPr>
+            <a:lvl8pPr marL="3429000" indent="-228600" algn="l" rtl="0" fontAlgn="base">
+              <a:spcBef>
+                <a:spcPct val="20000"/>
+              </a:spcBef>
+              <a:spcAft>
+                <a:spcPct val="0"/>
+              </a:spcAft>
+              <a:buChar char="»"/>
+              <a:defRPr sz="2000">
+                <a:solidFill>
+                  <a:schemeClr val="tx1"/>
+                </a:solidFill>
+                <a:latin typeface="+mn-lt"/>
+              </a:defRPr>
+            </a:lvl8pPr>
+            <a:lvl9pPr marL="3886200" indent="-228600" algn="l" rtl="0" fontAlgn="base">
+              <a:spcBef>
+                <a:spcPct val="20000"/>
+              </a:spcBef>
+              <a:spcAft>
+                <a:spcPct val="0"/>
+              </a:spcAft>
+              <a:buChar char="»"/>
+              <a:defRPr sz="2000">
+                <a:solidFill>
+                  <a:schemeClr val="tx1"/>
+                </a:solidFill>
+                <a:latin typeface="+mn-lt"/>
+              </a:defRPr>
+            </a:lvl9pPr>
+          </a:lstStyle>
+          <a:p>
+            <a:pPr>
+              <a:lnSpc>
+                <a:spcPct val="90000"/>
+              </a:lnSpc>
+              <a:defRPr/>
+            </a:pPr>
+            <a:r>
+              <a:rPr lang="en-US" sz="2400" i="1" kern="0" dirty="0" smtClean="0"/>
+              <a:t>Keep site configuration local</a:t>
+            </a:r>
+            <a:r>
+              <a:rPr lang="en-US" sz="2400" kern="0" dirty="0" smtClean="0"/>
+              <a:t>: no global catalog of physical file replicas</a:t>
+            </a:r>
+          </a:p>
+          <a:p>
+            <a:pPr>
+              <a:lnSpc>
+                <a:spcPct val="90000"/>
+              </a:lnSpc>
+              <a:defRPr/>
+            </a:pPr>
+            <a:r>
+              <a:rPr lang="en-US" sz="2400" kern="0" dirty="0" smtClean="0"/>
+              <a:t>Central services only keep track of the site location of the replicas of logical files</a:t>
+            </a:r>
+          </a:p>
+          <a:p>
+            <a:pPr marL="342900" lvl="2" indent="-342900">
+              <a:lnSpc>
+                <a:spcPct val="90000"/>
+              </a:lnSpc>
+              <a:defRPr/>
+            </a:pPr>
+            <a:r>
+              <a:rPr lang="en-GB" altLang="en-US" b="1" kern="0" dirty="0" err="1" smtClean="0"/>
+              <a:t>TrivialFileCatalog</a:t>
+            </a:r>
+            <a:r>
+              <a:rPr lang="en-GB" altLang="en-US" b="1" kern="0" dirty="0" smtClean="0"/>
+              <a:t> </a:t>
+            </a:r>
+            <a:r>
+              <a:rPr lang="en-GB" altLang="en-US" kern="0" dirty="0" smtClean="0"/>
+              <a:t>to map logical to </a:t>
+            </a:r>
+            <a:r>
+              <a:rPr lang="en-GB" altLang="en-US" kern="0" dirty="0"/>
+              <a:t>physical file names on </a:t>
+            </a:r>
+            <a:r>
+              <a:rPr lang="en-GB" altLang="en-US" kern="0" dirty="0" smtClean="0"/>
+              <a:t>local storages: just an xml with a </a:t>
+            </a:r>
+            <a:r>
+              <a:rPr lang="en-GB" altLang="en-US" kern="0" dirty="0"/>
+              <a:t>set of </a:t>
+            </a:r>
+            <a:r>
+              <a:rPr lang="en-GB" altLang="en-US" kern="0" dirty="0" err="1"/>
+              <a:t>regexp</a:t>
+            </a:r>
+            <a:r>
+              <a:rPr lang="en-GB" altLang="en-US" kern="0" dirty="0"/>
+              <a:t> rules published by the </a:t>
+            </a:r>
+            <a:r>
+              <a:rPr lang="en-GB" altLang="en-US" kern="0" dirty="0" smtClean="0"/>
+              <a:t>site</a:t>
+            </a:r>
+          </a:p>
+          <a:p>
+            <a:pPr marL="800100" lvl="3" indent="-342900">
+              <a:lnSpc>
+                <a:spcPct val="90000"/>
+              </a:lnSpc>
+              <a:defRPr/>
+            </a:pPr>
+            <a:r>
+              <a:rPr lang="en-US" altLang="en-US" kern="0" dirty="0" smtClean="0"/>
+              <a:t>Running jobs don’t need to contact DM system for file access, they just need to read a local </a:t>
+            </a:r>
+            <a:r>
+              <a:rPr lang="en-US" altLang="en-US" kern="0" dirty="0" err="1" smtClean="0"/>
+              <a:t>config</a:t>
+            </a:r>
+            <a:r>
+              <a:rPr lang="en-US" altLang="en-US" kern="0" dirty="0" smtClean="0"/>
+              <a:t> file</a:t>
+            </a:r>
+          </a:p>
+          <a:p>
+            <a:pPr marL="800100" lvl="3" indent="-342900">
+              <a:lnSpc>
+                <a:spcPct val="90000"/>
+              </a:lnSpc>
+              <a:defRPr/>
+            </a:pPr>
+            <a:r>
+              <a:rPr lang="en-US" altLang="en-US" kern="0" dirty="0" smtClean="0"/>
+              <a:t>Sites can change their storage backend transparently for CMS – just publish a new xml</a:t>
+            </a:r>
+          </a:p>
+          <a:p>
+            <a:pPr marL="800100" lvl="3" indent="-342900">
+              <a:lnSpc>
+                <a:spcPct val="90000"/>
+              </a:lnSpc>
+              <a:defRPr/>
+            </a:pPr>
+            <a:r>
+              <a:rPr lang="en-US" altLang="en-US" kern="0" dirty="0" smtClean="0"/>
+              <a:t>Increased flexibility for sites who need complicated storage setups (e.g. different storages for different namespaces), and great simplicity for sites who don’t</a:t>
+            </a:r>
+            <a:endParaRPr lang="en-GB" altLang="en-US" kern="0" dirty="0"/>
+          </a:p>
+        </p:txBody>
+      </p:sp>
+    </p:spTree>
+    <p:extLst>
+      <p:ext uri="{BB962C8B-B14F-4D97-AF65-F5344CB8AC3E}">
+        <p14:creationId xmlns:p14="http://schemas.microsoft.com/office/powerpoint/2010/main" val="2738788323"/>
+      </p:ext>
+    </p:extLst>
+  </p:cSld>
+  <p:clrMapOvr>
+    <a:masterClrMapping/>
+  </p:clrMapOvr>
+  <p:timing>
+    <p:tnLst>
+      <p:par>
+        <p:cTn xmlns:p14="http://schemas.microsoft.com/office/powerpoint/2010/main" id="1" dur="indefinite" restart="never" nodeType="tmRoot"/>
+      </p:par>
+    </p:tnLst>
+  </p:timing>
+</p:sld>
+</file>
+
+<file path=ppt/slides/slide7.xml><?xml version="1.0" encoding="utf-8"?>
+<p:sld xmlns:a="http://schemas.openxmlformats.org/drawingml/2006/main" xmlns:r="http://schemas.openxmlformats.org/officeDocument/2006/relationships" xmlns:p="http://schemas.openxmlformats.org/presentationml/2006/main">
+  <p:cSld>
+    <p:spTree>
+      <p:nvGrpSpPr>
+        <p:cNvPr id="1" name=""/>
+        <p:cNvGrpSpPr/>
+        <p:nvPr/>
+      </p:nvGrpSpPr>
+      <p:grpSpPr>
+        <a:xfrm>
+          <a:off x="0" y="0"/>
+          <a:ext cx="0" cy="0"/>
+          <a:chOff x="0" y="0"/>
+          <a:chExt cx="0" cy="0"/>
+        </a:xfrm>
+      </p:grpSpPr>
+      <p:sp>
+        <p:nvSpPr>
+          <p:cNvPr id="2" name="Date Placeholder 1"/>
+          <p:cNvSpPr>
+            <a:spLocks noGrp="1"/>
+          </p:cNvSpPr>
+          <p:nvPr>
+            <p:ph type="dt" sz="half" idx="10"/>
+          </p:nvPr>
+        </p:nvSpPr>
+        <p:spPr/>
+        <p:txBody>
+          <a:bodyPr/>
+          <a:lstStyle/>
+          <a:p>
+            <a:fld id="{266004A0-9E56-4C9C-910F-AE8959E42029}" type="datetime5">
+              <a:rPr lang="en-GB" smtClean="0"/>
+              <a:pPr/>
+              <a:t>10-Oct-13</a:t>
+            </a:fld>
+            <a:endParaRPr lang="en-US"/>
+          </a:p>
+        </p:txBody>
+      </p:sp>
+      <p:sp>
+        <p:nvSpPr>
+          <p:cNvPr id="3" name="Footer Placeholder 2"/>
+          <p:cNvSpPr>
+            <a:spLocks noGrp="1"/>
+          </p:cNvSpPr>
+          <p:nvPr>
+            <p:ph type="ftr" sz="quarter" idx="11"/>
+          </p:nvPr>
+        </p:nvSpPr>
+        <p:spPr/>
+        <p:txBody>
+          <a:bodyPr/>
+          <a:lstStyle/>
+          <a:p>
+            <a:r>
+              <a:rPr lang="en-GB" smtClean="0"/>
+              <a:t>The CMS Data Management System - </a:t>
+            </a:r>
+            <a:r>
+              <a:rPr lang="en-US" smtClean="0"/>
+              <a:t>CHEP 2013</a:t>
+            </a:r>
+            <a:endParaRPr lang="en-US" dirty="0"/>
+          </a:p>
+        </p:txBody>
+      </p:sp>
+      <p:sp>
+        <p:nvSpPr>
+          <p:cNvPr id="4" name="Slide Number Placeholder 3"/>
+          <p:cNvSpPr>
+            <a:spLocks noGrp="1"/>
+          </p:cNvSpPr>
+          <p:nvPr>
+            <p:ph type="sldNum" sz="quarter" idx="12"/>
+          </p:nvPr>
+        </p:nvSpPr>
+        <p:spPr/>
+        <p:txBody>
+          <a:bodyPr/>
+          <a:lstStyle/>
+          <a:p>
+            <a:fld id="{29CBDB8C-B4BD-4722-B4E8-EB4C3A73DAC9}" type="slidenum">
+              <a:rPr lang="en-US" smtClean="0"/>
+              <a:pPr/>
+              <a:t>7</a:t>
+            </a:fld>
+            <a:endParaRPr lang="en-US"/>
+          </a:p>
+        </p:txBody>
+      </p:sp>
+      <p:sp>
+        <p:nvSpPr>
+          <p:cNvPr id="5" name="Rectangle 2"/>
+          <p:cNvSpPr txBox="1">
+            <a:spLocks noChangeArrowheads="1"/>
+          </p:cNvSpPr>
+          <p:nvPr/>
+        </p:nvSpPr>
+        <p:spPr bwMode="auto">
+          <a:xfrm>
+            <a:off x="838200" y="152400"/>
+            <a:ext cx="8305800" cy="609600"/>
+          </a:xfrm>
+          <a:prstGeom prst="rect">
+            <a:avLst/>
+          </a:prstGeom>
+          <a:noFill/>
+          <a:ln w="9525">
+            <a:noFill/>
+            <a:miter lim="800000"/>
+            <a:headEnd/>
+            <a:tailEnd/>
+          </a:ln>
+          <a:effectLst/>
+        </p:spPr>
+        <p:txBody>
+          <a:bodyPr vert="horz" wrap="square" lIns="91440" tIns="45720" rIns="91440" bIns="45720" numCol="1" anchor="ctr" anchorCtr="0" compatLnSpc="1">
+            <a:prstTxWarp prst="textNoShape">
+              <a:avLst/>
+            </a:prstTxWarp>
+          </a:bodyPr>
+          <a:lstStyle>
+            <a:lvl1pPr algn="ctr" rtl="0" fontAlgn="base">
+              <a:spcBef>
+                <a:spcPct val="0"/>
+              </a:spcBef>
+              <a:spcAft>
+                <a:spcPct val="0"/>
+              </a:spcAft>
+              <a:defRPr sz="4000">
+                <a:solidFill>
+                  <a:schemeClr val="tx2"/>
+                </a:solidFill>
+                <a:latin typeface="Verdana" panose="020B0604030504040204" pitchFamily="34" charset="0"/>
+                <a:ea typeface="Verdana" panose="020B0604030504040204" pitchFamily="34" charset="0"/>
+                <a:cs typeface="Verdana" panose="020B0604030504040204" pitchFamily="34" charset="0"/>
+              </a:defRPr>
+            </a:lvl1pPr>
+            <a:lvl2pPr algn="ctr" rtl="0" fontAlgn="base">
+              <a:spcBef>
+                <a:spcPct val="0"/>
+              </a:spcBef>
+              <a:spcAft>
+                <a:spcPct val="0"/>
+              </a:spcAft>
+              <a:defRPr sz="4400">
+                <a:solidFill>
+                  <a:schemeClr val="tx2"/>
+                </a:solidFill>
+                <a:latin typeface="Times New Roman" pitchFamily="18" charset="0"/>
+              </a:defRPr>
+            </a:lvl2pPr>
+            <a:lvl3pPr algn="ctr" rtl="0" fontAlgn="base">
+              <a:spcBef>
+                <a:spcPct val="0"/>
+              </a:spcBef>
+              <a:spcAft>
+                <a:spcPct val="0"/>
+              </a:spcAft>
+              <a:defRPr sz="4400">
+                <a:solidFill>
+                  <a:schemeClr val="tx2"/>
+                </a:solidFill>
+                <a:latin typeface="Times New Roman" pitchFamily="18" charset="0"/>
+              </a:defRPr>
+            </a:lvl3pPr>
+            <a:lvl4pPr algn="ctr" rtl="0" fontAlgn="base">
+              <a:spcBef>
+                <a:spcPct val="0"/>
+              </a:spcBef>
+              <a:spcAft>
+                <a:spcPct val="0"/>
+              </a:spcAft>
+              <a:defRPr sz="4400">
+                <a:solidFill>
+                  <a:schemeClr val="tx2"/>
+                </a:solidFill>
+                <a:latin typeface="Times New Roman" pitchFamily="18" charset="0"/>
+              </a:defRPr>
+            </a:lvl4pPr>
+            <a:lvl5pPr algn="ctr" rtl="0" fontAlgn="base">
+              <a:spcBef>
+                <a:spcPct val="0"/>
+              </a:spcBef>
+              <a:spcAft>
+                <a:spcPct val="0"/>
+              </a:spcAft>
+              <a:defRPr sz="4400">
+                <a:solidFill>
+                  <a:schemeClr val="tx2"/>
+                </a:solidFill>
+                <a:latin typeface="Times New Roman" pitchFamily="18" charset="0"/>
+              </a:defRPr>
+            </a:lvl5pPr>
+            <a:lvl6pPr marL="457200" algn="ctr" rtl="0" fontAlgn="base">
+              <a:spcBef>
+                <a:spcPct val="0"/>
+              </a:spcBef>
+              <a:spcAft>
+                <a:spcPct val="0"/>
+              </a:spcAft>
+              <a:defRPr sz="4400">
+                <a:solidFill>
+                  <a:schemeClr val="tx2"/>
+                </a:solidFill>
+                <a:latin typeface="Times New Roman" pitchFamily="18" charset="0"/>
+              </a:defRPr>
+            </a:lvl6pPr>
+            <a:lvl7pPr marL="914400" algn="ctr" rtl="0" fontAlgn="base">
+              <a:spcBef>
+                <a:spcPct val="0"/>
+              </a:spcBef>
+              <a:spcAft>
+                <a:spcPct val="0"/>
+              </a:spcAft>
+              <a:defRPr sz="4400">
+                <a:solidFill>
+                  <a:schemeClr val="tx2"/>
+                </a:solidFill>
+                <a:latin typeface="Times New Roman" pitchFamily="18" charset="0"/>
+              </a:defRPr>
+            </a:lvl7pPr>
+            <a:lvl8pPr marL="1371600" algn="ctr" rtl="0" fontAlgn="base">
+              <a:spcBef>
+                <a:spcPct val="0"/>
+              </a:spcBef>
+              <a:spcAft>
+                <a:spcPct val="0"/>
+              </a:spcAft>
+              <a:defRPr sz="4400">
+                <a:solidFill>
+                  <a:schemeClr val="tx2"/>
+                </a:solidFill>
+                <a:latin typeface="Times New Roman" pitchFamily="18" charset="0"/>
+              </a:defRPr>
+            </a:lvl8pPr>
+            <a:lvl9pPr marL="1828800" algn="ctr" rtl="0" fontAlgn="base">
+              <a:spcBef>
+                <a:spcPct val="0"/>
+              </a:spcBef>
+              <a:spcAft>
+                <a:spcPct val="0"/>
+              </a:spcAft>
+              <a:defRPr sz="4400">
+                <a:solidFill>
+                  <a:schemeClr val="tx2"/>
+                </a:solidFill>
+                <a:latin typeface="Times New Roman" pitchFamily="18" charset="0"/>
+              </a:defRPr>
+            </a:lvl9pPr>
+          </a:lstStyle>
+          <a:p>
+            <a:r>
               <a:rPr lang="en-US" altLang="en-US" sz="3200" kern="0" dirty="0" smtClean="0"/>
               <a:t>Dataset Bookkeeping System (DBS)</a:t>
             </a:r>
@@ -17545,7 +19362,7 @@
 </p:sld>
 </file>
 
-<file path=ppt/slides/slide7.xml><?xml version="1.0" encoding="utf-8"?>
+<file path=ppt/slides/slide8.xml><?xml version="1.0" encoding="utf-8"?>
 <p:sld xmlns:a="http://schemas.openxmlformats.org/drawingml/2006/main" xmlns:r="http://schemas.openxmlformats.org/officeDocument/2006/relationships" xmlns:p="http://schemas.openxmlformats.org/presentationml/2006/main">
   <p:cSld>
     <p:spTree>
@@ -17685,7 +19502,7 @@
             <a:fld id="{29CBDB8C-B4BD-4722-B4E8-EB4C3A73DAC9}" type="slidenum">
               <a:rPr lang="en-US" smtClean="0"/>
               <a:pPr/>
-              <a:t>7</a:t>
+              <a:t>8</a:t>
             </a:fld>
             <a:endParaRPr lang="en-US"/>
           </a:p>
@@ -18079,6 +19896,26 @@
             </a:r>
           </a:p>
           <a:p>
+            <a:pPr lvl="2">
+              <a:lnSpc>
+                <a:spcPct val="90000"/>
+              </a:lnSpc>
+              <a:defRPr/>
+            </a:pPr>
+            <a:r>
+              <a:rPr lang="en-US" sz="2000" kern="0" dirty="0" smtClean="0"/>
+              <a:t>Multiple instances for different scopes: </a:t>
+            </a:r>
+            <a:r>
+              <a:rPr lang="en-US" sz="2000" b="1" kern="0" dirty="0" smtClean="0"/>
+              <a:t>Global DBS </a:t>
+            </a:r>
+            <a:r>
+              <a:rPr lang="en-US" sz="2000" kern="0" dirty="0" smtClean="0"/>
+              <a:t>holds all official CMS data</a:t>
+            </a:r>
+          </a:p>
+          <a:p>
             <a:pPr lvl="1">
               <a:lnSpc>
                 <a:spcPct val="90000"/>
@@ -18110,8 +19947,20 @@
               <a:defRPr/>
             </a:pPr>
             <a:r>
+              <a:rPr lang="en-US" sz="2800" kern="0" dirty="0"/>
+              <a:t>DBS2 sustained the load </a:t>
+            </a:r>
+            <a:r>
               <a:rPr lang="en-US" sz="2800" kern="0" dirty="0" smtClean="0"/>
-              <a:t>Current deployment</a:t>
+              <a:t>in LHC </a:t>
+            </a:r>
+            <a:r>
+              <a:rPr lang="en-US" sz="2800" kern="0" dirty="0"/>
+              <a:t>Run </a:t>
+            </a:r>
+            <a:r>
+              <a:rPr lang="en-US" sz="2800" kern="0" dirty="0" smtClean="0"/>
+              <a:t>1 with some scaling issues</a:t>
             </a:r>
           </a:p>
           <a:p>
@@ -18123,74 +19972,16 @@
             </a:pPr>
             <a:r>
               <a:rPr lang="en-US" sz="2400" kern="0" dirty="0" smtClean="0"/>
-              <a:t>Multiple instances for different scopes</a:t>
-            </a:r>
-          </a:p>
-          <a:p>
-            <a:pPr lvl="2">
-              <a:lnSpc>
-                <a:spcPct val="90000"/>
-              </a:lnSpc>
-              <a:defRPr/>
-            </a:pPr>
-            <a:r>
-              <a:rPr lang="en-US" sz="2000" b="1" kern="0" dirty="0" smtClean="0"/>
-              <a:t>Global</a:t>
-            </a:r>
-            <a:r>
-              <a:rPr lang="en-US" sz="2000" kern="0" dirty="0" smtClean="0"/>
-              <a:t>: all official CMS data</a:t>
-            </a:r>
-          </a:p>
-          <a:p>
-            <a:pPr lvl="2">
-              <a:lnSpc>
-                <a:spcPct val="90000"/>
-              </a:lnSpc>
-              <a:defRPr/>
-            </a:pPr>
-            <a:r>
-              <a:rPr lang="en-US" sz="2000" kern="0" dirty="0" smtClean="0"/>
-              <a:t>Tier-0: temporary during prompt </a:t>
-            </a:r>
-            <a:r>
-              <a:rPr lang="en-US" sz="2000" kern="0" dirty="0" err="1" smtClean="0"/>
-              <a:t>reco</a:t>
-            </a:r>
-            <a:endParaRPr lang="en-US" sz="2000" kern="0" dirty="0" smtClean="0"/>
-          </a:p>
-          <a:p>
-            <a:pPr lvl="2">
-              <a:lnSpc>
-                <a:spcPct val="90000"/>
-              </a:lnSpc>
-              <a:defRPr/>
-            </a:pPr>
-            <a:r>
-              <a:rPr lang="en-US" sz="2000" kern="0" dirty="0" smtClean="0"/>
-              <a:t>Analysis: user-produced data</a:t>
-            </a:r>
-          </a:p>
-          <a:p>
-            <a:pPr lvl="1">
-              <a:lnSpc>
-                <a:spcPct val="90000"/>
-              </a:lnSpc>
-              <a:defRPr/>
-            </a:pPr>
+              <a:t>At startup the DBS webpage was the </a:t>
+            </a:r>
+            <a:r>
+              <a:rPr lang="en-US" sz="2400" kern="0" dirty="0"/>
+              <a:t>main interface for user data discovery, </a:t>
+            </a:r>
             <a:r>
               <a:rPr lang="en-US" sz="2400" kern="0" dirty="0" smtClean="0"/>
-              <a:t>APIs to migrate data between instances</a:t>
-            </a:r>
-          </a:p>
-          <a:p>
-            <a:pPr lvl="2">
-              <a:lnSpc>
-                <a:spcPct val="90000"/>
-              </a:lnSpc>
-              <a:defRPr/>
-            </a:pPr>
-            <a:endParaRPr lang="en-US" kern="0" dirty="0" smtClean="0"/>
+              <a:t>this had to be dropped</a:t>
+            </a:r>
           </a:p>
         </p:txBody>
       </p:sp>
@@ -18214,8 +20005,8 @@
 </p:sld>
 </file>
 
-<file path=ppt/slides/slide8.xml><?xml version="1.0" encoding="utf-8"?>
-<p:sld xmlns:a="http://schemas.openxmlformats.org/drawingml/2006/main" xmlns:r="http://schemas.openxmlformats.org/officeDocument/2006/relationships" xmlns:p="http://schemas.openxmlformats.org/presentationml/2006/main">
+<file path=ppt/slides/slide9.xml><?xml version="1.0" encoding="utf-8"?>
+<p:sld xmlns:a="http://schemas.openxmlformats.org/drawingml/2006/main" xmlns:r="http://schemas.openxmlformats.org/officeDocument/2006/relationships" xmlns:p="http://schemas.openxmlformats.org/presentationml/2006/main" show="0">
   <p:cSld>
     <p:spTree>
       <p:nvGrpSpPr>
@@ -18300,7 +20091,7 @@
             <a:fld id="{29CBDB8C-B4BD-4722-B4E8-EB4C3A73DAC9}" type="slidenum">
               <a:rPr lang="en-US" smtClean="0"/>
               <a:pPr/>
-              <a:t>8</a:t>
+              <a:t>9</a:t>
             </a:fld>
             <a:endParaRPr lang="en-US"/>
           </a:p>
@@ -18737,610 +20528,14 @@
   <p:clrMapOvr>
     <a:masterClrMapping/>
   </p:clrMapOvr>
-  <p:timing>
-    <p:tnLst>
-      <p:par>
-        <p:cTn xmlns:p14="http://schemas.microsoft.com/office/powerpoint/2010/main" id="1" dur="indefinite" restart="never" nodeType="tmRoot"/>
-      </p:par>
-    </p:tnLst>
-  </p:timing>
-</p:sld>
-</file>
-
-<file path=ppt/slides/slide9.xml><?xml version="1.0" encoding="utf-8"?>
-<p:sld xmlns:a="http://schemas.openxmlformats.org/drawingml/2006/main" xmlns:r="http://schemas.openxmlformats.org/officeDocument/2006/relationships" xmlns:p="http://schemas.openxmlformats.org/presentationml/2006/main">
-  <p:cSld>
-    <p:spTree>
-      <p:nvGrpSpPr>
-        <p:cNvPr id="1" name=""/>
-        <p:cNvGrpSpPr/>
-        <p:nvPr/>
-      </p:nvGrpSpPr>
-      <p:grpSpPr>
-        <a:xfrm>
-          <a:off x="0" y="0"/>
-          <a:ext cx="0" cy="0"/>
-          <a:chOff x="0" y="0"/>
-          <a:chExt cx="0" cy="0"/>
-        </a:xfrm>
-      </p:grpSpPr>
-      <p:pic>
-        <p:nvPicPr>
-          <p:cNvPr id="1026" name="Picture 2"/>
-          <p:cNvPicPr>
-            <a:picLocks noChangeAspect="1" noChangeArrowheads="1"/>
-          </p:cNvPicPr>
-          <p:nvPr/>
-        </p:nvPicPr>
-        <p:blipFill>
-          <a:blip r:embed="rId3">
-            <a:extLst>
-              <a:ext uri="{28A0092B-C50C-407E-A947-70E740481C1C}">
-                <a14:useLocalDpi xmlns:a14="http://schemas.microsoft.com/office/drawing/2010/main" val="0"/>
-              </a:ext>
-            </a:extLst>
-          </a:blip>
-          <a:srcRect/>
-          <a:stretch>
-            <a:fillRect/>
-          </a:stretch>
-        </p:blipFill>
-        <p:spPr bwMode="auto">
-          <a:xfrm>
-            <a:off x="4419600" y="1500770"/>
-            <a:ext cx="5029200" cy="4097760"/>
-          </a:xfrm>
-          <a:prstGeom prst="rect">
-            <a:avLst/>
-          </a:prstGeom>
-          <a:noFill/>
-          <a:ln>
-            <a:noFill/>
-          </a:ln>
-          <a:extLst>
-            <a:ext uri="{909E8E84-426E-40dd-AFC4-6F175D3DCCD1}">
-              <a14:hiddenFill xmlns:a14="http://schemas.microsoft.com/office/drawing/2010/main">
-                <a:solidFill>
-                  <a:schemeClr val="accent1"/>
-                </a:solidFill>
-              </a14:hiddenFill>
-            </a:ext>
-            <a:ext uri="{91240B29-F687-4f45-9708-019B960494DF}">
-              <a14:hiddenLine xmlns:a14="http://schemas.microsoft.com/office/drawing/2010/main" w="9525">
-                <a:solidFill>
-                  <a:schemeClr val="tx1"/>
-                </a:solidFill>
-                <a:miter lim="800000"/>
-                <a:headEnd/>
-                <a:tailEnd/>
-              </a14:hiddenLine>
-            </a:ext>
-          </a:extLst>
-        </p:spPr>
-      </p:pic>
-      <p:sp>
-        <p:nvSpPr>
-          <p:cNvPr id="2" name="Date Placeholder 1"/>
-          <p:cNvSpPr>
-            <a:spLocks noGrp="1"/>
-          </p:cNvSpPr>
-          <p:nvPr>
-            <p:ph type="dt" sz="half" idx="10"/>
-          </p:nvPr>
-        </p:nvSpPr>
-        <p:spPr/>
-        <p:txBody>
-          <a:bodyPr/>
-          <a:lstStyle/>
-          <a:p>
-            <a:fld id="{266004A0-9E56-4C9C-910F-AE8959E42029}" type="datetime5">
-              <a:rPr lang="en-GB" smtClean="0"/>
-              <a:pPr/>
-              <a:t>10-Oct-13</a:t>
-            </a:fld>
-            <a:endParaRPr lang="en-US"/>
-          </a:p>
-        </p:txBody>
-      </p:sp>
-      <p:sp>
-        <p:nvSpPr>
-          <p:cNvPr id="3" name="Footer Placeholder 2"/>
-          <p:cNvSpPr>
-            <a:spLocks noGrp="1"/>
-          </p:cNvSpPr>
-          <p:nvPr>
-            <p:ph type="ftr" sz="quarter" idx="11"/>
-          </p:nvPr>
-        </p:nvSpPr>
-        <p:spPr/>
-        <p:txBody>
-          <a:bodyPr/>
-          <a:lstStyle/>
-          <a:p>
-            <a:r>
-              <a:rPr lang="en-GB" smtClean="0"/>
-              <a:t>The CMS Data Management System - </a:t>
-            </a:r>
-            <a:r>
-              <a:rPr lang="en-US" smtClean="0"/>
-              <a:t>CHEP 2013</a:t>
-            </a:r>
-            <a:endParaRPr lang="en-US" dirty="0"/>
-          </a:p>
-        </p:txBody>
-      </p:sp>
-      <p:sp>
-        <p:nvSpPr>
-          <p:cNvPr id="4" name="Slide Number Placeholder 3"/>
-          <p:cNvSpPr>
-            <a:spLocks noGrp="1"/>
-          </p:cNvSpPr>
-          <p:nvPr>
-            <p:ph type="sldNum" sz="quarter" idx="12"/>
-          </p:nvPr>
-        </p:nvSpPr>
-        <p:spPr/>
-        <p:txBody>
-          <a:bodyPr/>
-          <a:lstStyle/>
-          <a:p>
-            <a:fld id="{29CBDB8C-B4BD-4722-B4E8-EB4C3A73DAC9}" type="slidenum">
-              <a:rPr lang="en-US" smtClean="0"/>
-              <a:pPr/>
-              <a:t>9</a:t>
-            </a:fld>
-            <a:endParaRPr lang="en-US"/>
-          </a:p>
-        </p:txBody>
-      </p:sp>
-      <p:sp>
-        <p:nvSpPr>
-          <p:cNvPr id="5" name="Rectangle 2"/>
-          <p:cNvSpPr txBox="1">
-            <a:spLocks noChangeArrowheads="1"/>
-          </p:cNvSpPr>
-          <p:nvPr/>
-        </p:nvSpPr>
-        <p:spPr bwMode="auto">
-          <a:xfrm>
-            <a:off x="838200" y="152400"/>
-            <a:ext cx="8305800" cy="609600"/>
-          </a:xfrm>
-          <a:prstGeom prst="rect">
-            <a:avLst/>
-          </a:prstGeom>
-          <a:noFill/>
-          <a:ln w="9525">
-            <a:noFill/>
-            <a:miter lim="800000"/>
-            <a:headEnd/>
-            <a:tailEnd/>
-          </a:ln>
-          <a:effectLst/>
-        </p:spPr>
-        <p:txBody>
-          <a:bodyPr vert="horz" wrap="square" lIns="91440" tIns="45720" rIns="91440" bIns="45720" numCol="1" anchor="ctr" anchorCtr="0" compatLnSpc="1">
-            <a:prstTxWarp prst="textNoShape">
-              <a:avLst/>
-            </a:prstTxWarp>
-          </a:bodyPr>
-          <a:lstStyle>
-            <a:lvl1pPr algn="ctr" rtl="0" fontAlgn="base">
-              <a:spcBef>
-                <a:spcPct val="0"/>
-              </a:spcBef>
-              <a:spcAft>
-                <a:spcPct val="0"/>
-              </a:spcAft>
-              <a:defRPr sz="4000">
-                <a:solidFill>
-                  <a:schemeClr val="tx2"/>
-                </a:solidFill>
-                <a:latin typeface="Verdana" panose="020B0604030504040204" pitchFamily="34" charset="0"/>
-                <a:ea typeface="Verdana" panose="020B0604030504040204" pitchFamily="34" charset="0"/>
-                <a:cs typeface="Verdana" panose="020B0604030504040204" pitchFamily="34" charset="0"/>
-              </a:defRPr>
-            </a:lvl1pPr>
-            <a:lvl2pPr algn="ctr" rtl="0" fontAlgn="base">
-              <a:spcBef>
-                <a:spcPct val="0"/>
-              </a:spcBef>
-              <a:spcAft>
-                <a:spcPct val="0"/>
-              </a:spcAft>
-              <a:defRPr sz="4400">
-                <a:solidFill>
-                  <a:schemeClr val="tx2"/>
-                </a:solidFill>
-                <a:latin typeface="Times New Roman" pitchFamily="18" charset="0"/>
-              </a:defRPr>
-            </a:lvl2pPr>
-            <a:lvl3pPr algn="ctr" rtl="0" fontAlgn="base">
-              <a:spcBef>
-                <a:spcPct val="0"/>
-              </a:spcBef>
-              <a:spcAft>
-                <a:spcPct val="0"/>
-              </a:spcAft>
-              <a:defRPr sz="4400">
-                <a:solidFill>
-                  <a:schemeClr val="tx2"/>
-                </a:solidFill>
-                <a:latin typeface="Times New Roman" pitchFamily="18" charset="0"/>
-              </a:defRPr>
-            </a:lvl3pPr>
-            <a:lvl4pPr algn="ctr" rtl="0" fontAlgn="base">
-              <a:spcBef>
-                <a:spcPct val="0"/>
-              </a:spcBef>
-              <a:spcAft>
-                <a:spcPct val="0"/>
-              </a:spcAft>
-              <a:defRPr sz="4400">
-                <a:solidFill>
-                  <a:schemeClr val="tx2"/>
-                </a:solidFill>
-                <a:latin typeface="Times New Roman" pitchFamily="18" charset="0"/>
-              </a:defRPr>
-            </a:lvl4pPr>
-            <a:lvl5pPr algn="ctr" rtl="0" fontAlgn="base">
-              <a:spcBef>
-                <a:spcPct val="0"/>
-              </a:spcBef>
-              <a:spcAft>
-                <a:spcPct val="0"/>
-              </a:spcAft>
-              <a:defRPr sz="4400">
-                <a:solidFill>
-                  <a:schemeClr val="tx2"/>
-                </a:solidFill>
-                <a:latin typeface="Times New Roman" pitchFamily="18" charset="0"/>
-              </a:defRPr>
-            </a:lvl5pPr>
-            <a:lvl6pPr marL="457200" algn="ctr" rtl="0" fontAlgn="base">
-              <a:spcBef>
-                <a:spcPct val="0"/>
-              </a:spcBef>
-              <a:spcAft>
-                <a:spcPct val="0"/>
-              </a:spcAft>
-              <a:defRPr sz="4400">
-                <a:solidFill>
-                  <a:schemeClr val="tx2"/>
-                </a:solidFill>
-                <a:latin typeface="Times New Roman" pitchFamily="18" charset="0"/>
-              </a:defRPr>
-            </a:lvl6pPr>
-            <a:lvl7pPr marL="914400" algn="ctr" rtl="0" fontAlgn="base">
-              <a:spcBef>
-                <a:spcPct val="0"/>
-              </a:spcBef>
-              <a:spcAft>
-                <a:spcPct val="0"/>
-              </a:spcAft>
-              <a:defRPr sz="4400">
-                <a:solidFill>
-                  <a:schemeClr val="tx2"/>
-                </a:solidFill>
-                <a:latin typeface="Times New Roman" pitchFamily="18" charset="0"/>
-              </a:defRPr>
-            </a:lvl7pPr>
-            <a:lvl8pPr marL="1371600" algn="ctr" rtl="0" fontAlgn="base">
-              <a:spcBef>
-                <a:spcPct val="0"/>
-              </a:spcBef>
-              <a:spcAft>
-                <a:spcPct val="0"/>
-              </a:spcAft>
-              <a:defRPr sz="4400">
-                <a:solidFill>
-                  <a:schemeClr val="tx2"/>
-                </a:solidFill>
-                <a:latin typeface="Times New Roman" pitchFamily="18" charset="0"/>
-              </a:defRPr>
-            </a:lvl8pPr>
-            <a:lvl9pPr marL="1828800" algn="ctr" rtl="0" fontAlgn="base">
-              <a:spcBef>
-                <a:spcPct val="0"/>
-              </a:spcBef>
-              <a:spcAft>
-                <a:spcPct val="0"/>
-              </a:spcAft>
-              <a:defRPr sz="4400">
-                <a:solidFill>
-                  <a:schemeClr val="tx2"/>
-                </a:solidFill>
-                <a:latin typeface="Times New Roman" pitchFamily="18" charset="0"/>
-              </a:defRPr>
-            </a:lvl9pPr>
-          </a:lstStyle>
-          <a:p>
-            <a:r>
-              <a:rPr lang="en-US" altLang="en-US" sz="3200" kern="0" dirty="0" smtClean="0"/>
-              <a:t>Dataset Bookkeeping System (DBS)</a:t>
-            </a:r>
-          </a:p>
-        </p:txBody>
-      </p:sp>
-      <p:sp>
-        <p:nvSpPr>
-          <p:cNvPr id="6" name="Rectangle 3"/>
-          <p:cNvSpPr txBox="1">
-            <a:spLocks noChangeArrowheads="1"/>
-          </p:cNvSpPr>
-          <p:nvPr/>
-        </p:nvSpPr>
-        <p:spPr bwMode="auto">
-          <a:xfrm>
-            <a:off x="381000" y="1143000"/>
-            <a:ext cx="4495800" cy="4813300"/>
-          </a:xfrm>
-          <a:prstGeom prst="rect">
-            <a:avLst/>
-          </a:prstGeom>
-          <a:noFill/>
-          <a:ln w="9525">
-            <a:noFill/>
-            <a:miter lim="800000"/>
-            <a:headEnd/>
-            <a:tailEnd/>
-          </a:ln>
-          <a:effectLst/>
-        </p:spPr>
-        <p:txBody>
-          <a:bodyPr vert="horz" wrap="square" lIns="91440" tIns="45720" rIns="91440" bIns="45720" numCol="1" anchor="t" anchorCtr="0" compatLnSpc="1">
-            <a:prstTxWarp prst="textNoShape">
-              <a:avLst/>
-            </a:prstTxWarp>
-          </a:bodyPr>
-          <a:lstStyle>
-            <a:lvl1pPr marL="342900" indent="-342900" algn="l" rtl="0" fontAlgn="base">
-              <a:spcBef>
-                <a:spcPct val="20000"/>
-              </a:spcBef>
-              <a:spcAft>
-                <a:spcPct val="0"/>
-              </a:spcAft>
-              <a:buChar char="•"/>
-              <a:defRPr sz="3200">
-                <a:solidFill>
-                  <a:schemeClr val="tx1"/>
-                </a:solidFill>
-                <a:latin typeface="Verdana" panose="020B0604030504040204" pitchFamily="34" charset="0"/>
-                <a:ea typeface="Verdana" panose="020B0604030504040204" pitchFamily="34" charset="0"/>
-                <a:cs typeface="Verdana" panose="020B0604030504040204" pitchFamily="34" charset="0"/>
-              </a:defRPr>
-            </a:lvl1pPr>
-            <a:lvl2pPr marL="742950" indent="-285750" algn="l" rtl="0" fontAlgn="base">
-              <a:spcBef>
-                <a:spcPct val="20000"/>
-              </a:spcBef>
-              <a:spcAft>
-                <a:spcPct val="0"/>
-              </a:spcAft>
-              <a:buChar char="–"/>
-              <a:defRPr sz="2800">
-                <a:solidFill>
-                  <a:schemeClr val="tx1"/>
-                </a:solidFill>
-                <a:latin typeface="Verdana" panose="020B0604030504040204" pitchFamily="34" charset="0"/>
-                <a:ea typeface="Verdana" panose="020B0604030504040204" pitchFamily="34" charset="0"/>
-                <a:cs typeface="Verdana" panose="020B0604030504040204" pitchFamily="34" charset="0"/>
-              </a:defRPr>
-            </a:lvl2pPr>
-            <a:lvl3pPr marL="1143000" indent="-228600" algn="l" rtl="0" fontAlgn="base">
-              <a:spcBef>
-                <a:spcPct val="20000"/>
-              </a:spcBef>
-              <a:spcAft>
-                <a:spcPct val="0"/>
-              </a:spcAft>
-              <a:buChar char="•"/>
-              <a:defRPr sz="2400">
-                <a:solidFill>
-                  <a:schemeClr val="tx1"/>
-                </a:solidFill>
-                <a:latin typeface="Verdana" panose="020B0604030504040204" pitchFamily="34" charset="0"/>
-                <a:ea typeface="Verdana" panose="020B0604030504040204" pitchFamily="34" charset="0"/>
-                <a:cs typeface="Verdana" panose="020B0604030504040204" pitchFamily="34" charset="0"/>
-              </a:defRPr>
-            </a:lvl3pPr>
-            <a:lvl4pPr marL="1600200" indent="-228600" algn="l" rtl="0" fontAlgn="base">
-              <a:spcBef>
-                <a:spcPct val="20000"/>
-              </a:spcBef>
-              <a:spcAft>
-                <a:spcPct val="0"/>
-              </a:spcAft>
-              <a:buChar char="–"/>
-              <a:defRPr sz="2000">
-                <a:solidFill>
-                  <a:schemeClr val="tx1"/>
-                </a:solidFill>
-                <a:latin typeface="Verdana" panose="020B0604030504040204" pitchFamily="34" charset="0"/>
-                <a:ea typeface="Verdana" panose="020B0604030504040204" pitchFamily="34" charset="0"/>
-                <a:cs typeface="Verdana" panose="020B0604030504040204" pitchFamily="34" charset="0"/>
-              </a:defRPr>
-            </a:lvl4pPr>
-            <a:lvl5pPr marL="2057400" indent="-228600" algn="l" rtl="0" fontAlgn="base">
-              <a:spcBef>
-                <a:spcPct val="20000"/>
-              </a:spcBef>
-              <a:spcAft>
-                <a:spcPct val="0"/>
-              </a:spcAft>
-              <a:buChar char="»"/>
-              <a:defRPr sz="2000">
-                <a:solidFill>
-                  <a:schemeClr val="tx1"/>
-                </a:solidFill>
-                <a:latin typeface="Verdana" panose="020B0604030504040204" pitchFamily="34" charset="0"/>
-                <a:ea typeface="Verdana" panose="020B0604030504040204" pitchFamily="34" charset="0"/>
-                <a:cs typeface="Verdana" panose="020B0604030504040204" pitchFamily="34" charset="0"/>
-              </a:defRPr>
-            </a:lvl5pPr>
-            <a:lvl6pPr marL="2514600" indent="-228600" algn="l" rtl="0" fontAlgn="base">
-              <a:spcBef>
-                <a:spcPct val="20000"/>
-              </a:spcBef>
-              <a:spcAft>
-                <a:spcPct val="0"/>
-              </a:spcAft>
-              <a:buChar char="»"/>
-              <a:defRPr sz="2000">
-                <a:solidFill>
-                  <a:schemeClr val="tx1"/>
-                </a:solidFill>
-                <a:latin typeface="+mn-lt"/>
-              </a:defRPr>
-            </a:lvl6pPr>
-            <a:lvl7pPr marL="2971800" indent="-228600" algn="l" rtl="0" fontAlgn="base">
-              <a:spcBef>
-                <a:spcPct val="20000"/>
-              </a:spcBef>
-              <a:spcAft>
-                <a:spcPct val="0"/>
-              </a:spcAft>
-              <a:buChar char="»"/>
-              <a:defRPr sz="2000">
-                <a:solidFill>
-                  <a:schemeClr val="tx1"/>
-                </a:solidFill>
-                <a:latin typeface="+mn-lt"/>
-              </a:defRPr>
-            </a:lvl7pPr>
-            <a:lvl8pPr marL="3429000" indent="-228600" algn="l" rtl="0" fontAlgn="base">
-              <a:spcBef>
-                <a:spcPct val="20000"/>
-              </a:spcBef>
-              <a:spcAft>
-                <a:spcPct val="0"/>
-              </a:spcAft>
-              <a:buChar char="»"/>
-              <a:defRPr sz="2000">
-                <a:solidFill>
-                  <a:schemeClr val="tx1"/>
-                </a:solidFill>
-                <a:latin typeface="+mn-lt"/>
-              </a:defRPr>
-            </a:lvl8pPr>
-            <a:lvl9pPr marL="3886200" indent="-228600" algn="l" rtl="0" fontAlgn="base">
-              <a:spcBef>
-                <a:spcPct val="20000"/>
-              </a:spcBef>
-              <a:spcAft>
-                <a:spcPct val="0"/>
-              </a:spcAft>
-              <a:buChar char="»"/>
-              <a:defRPr sz="2000">
-                <a:solidFill>
-                  <a:schemeClr val="tx1"/>
-                </a:solidFill>
-                <a:latin typeface="+mn-lt"/>
-              </a:defRPr>
-            </a:lvl9pPr>
-          </a:lstStyle>
-          <a:p>
-            <a:pPr>
-              <a:lnSpc>
-                <a:spcPct val="90000"/>
-              </a:lnSpc>
-              <a:defRPr/>
-            </a:pPr>
-            <a:r>
-              <a:rPr lang="en-US" sz="2400" kern="0" dirty="0" smtClean="0"/>
-              <a:t>New version: </a:t>
-            </a:r>
-            <a:r>
-              <a:rPr lang="en-US" sz="2400" b="1" kern="0" dirty="0" smtClean="0"/>
-              <a:t>DBS3</a:t>
-            </a:r>
-          </a:p>
-          <a:p>
-            <a:pPr lvl="1">
-              <a:lnSpc>
-                <a:spcPct val="90000"/>
-              </a:lnSpc>
-              <a:defRPr/>
-            </a:pPr>
-            <a:r>
-              <a:rPr lang="en-US" sz="2000" kern="0" dirty="0" err="1" smtClean="0"/>
-              <a:t>Rescoped</a:t>
-            </a:r>
-            <a:r>
-              <a:rPr lang="en-US" sz="2000" kern="0" dirty="0" smtClean="0"/>
-              <a:t> schema in Oracle DB, dropping information that did not belong there e.g. data location</a:t>
-            </a:r>
-          </a:p>
-          <a:p>
-            <a:pPr lvl="1">
-              <a:lnSpc>
-                <a:spcPct val="90000"/>
-              </a:lnSpc>
-              <a:defRPr/>
-            </a:pPr>
-            <a:r>
-              <a:rPr lang="en-US" sz="2000" kern="0" dirty="0" smtClean="0"/>
-              <a:t>REST API based on standard </a:t>
-            </a:r>
-            <a:r>
-              <a:rPr lang="en-US" sz="2000" kern="0" dirty="0" err="1" smtClean="0"/>
-              <a:t>cmsweb</a:t>
-            </a:r>
-            <a:r>
-              <a:rPr lang="en-US" sz="2000" kern="0" dirty="0" smtClean="0"/>
-              <a:t> libs, </a:t>
-            </a:r>
-            <a:r>
-              <a:rPr lang="en-US" sz="2000" kern="0" dirty="0" err="1" smtClean="0"/>
-              <a:t>SQLAlchemy</a:t>
-            </a:r>
-            <a:r>
-              <a:rPr lang="en-US" sz="2000" kern="0" dirty="0" smtClean="0"/>
-              <a:t> and </a:t>
-            </a:r>
-            <a:r>
-              <a:rPr lang="en-US" sz="2000" kern="0" dirty="0" err="1" smtClean="0"/>
-              <a:t>CherryPy</a:t>
-            </a:r>
-            <a:endParaRPr lang="en-US" sz="2000" kern="0" dirty="0" smtClean="0"/>
-          </a:p>
-          <a:p>
-            <a:pPr lvl="1">
-              <a:lnSpc>
-                <a:spcPct val="90000"/>
-              </a:lnSpc>
-              <a:defRPr/>
-            </a:pPr>
-            <a:r>
-              <a:rPr lang="en-US" sz="2000" kern="0" dirty="0" smtClean="0"/>
-              <a:t>Lightweight information exchange with JSON</a:t>
-            </a:r>
-          </a:p>
-          <a:p>
-            <a:pPr>
-              <a:lnSpc>
-                <a:spcPct val="90000"/>
-              </a:lnSpc>
-              <a:defRPr/>
-            </a:pPr>
-            <a:r>
-              <a:rPr lang="en-US" sz="2400" kern="0" dirty="0" smtClean="0"/>
-              <a:t>Currently deployed in parallel to DBS2 for validation before final switch</a:t>
-            </a:r>
-          </a:p>
-        </p:txBody>
-      </p:sp>
-    </p:spTree>
-    <p:extLst>
-      <p:ext uri="{BB962C8B-B14F-4D97-AF65-F5344CB8AC3E}">
-        <p14:creationId xmlns:p14="http://schemas.microsoft.com/office/powerpoint/2010/main" val="1087350862"/>
-      </p:ext>
-    </p:extLst>
-  </p:cSld>
-  <p:clrMapOvr>
-    <a:masterClrMapping/>
-  </p:clrMapOvr>
+  <mc:AlternateContent xmlns:mc="http://schemas.openxmlformats.org/markup-compatibility/2006" xmlns:p14="http://schemas.microsoft.com/office/powerpoint/2010/main">
+    <mc:Choice Requires="p14">
+      <p:transition spd="slow" p14:dur="2000"/>
+    </mc:Choice>
+    <mc:Fallback xmlns="">
+      <p:transition spd="slow"/>
+    </mc:Fallback>
+  </mc:AlternateContent>
   <p:timing>
     <p:tnLst>
       <p:par>

--- a/CMS-Data-Management/Slides/The CMS Data Management System.pptx
+++ b/CMS-Data-Management/Slides/The CMS Data Management System.pptx
@@ -10313,12 +10313,20 @@
               <a:buAutoNum type="arabicPeriod"/>
             </a:pPr>
             <a:r>
-              <a:rPr lang="en-US" dirty="0">
+              <a:rPr lang="en-US" dirty="0" smtClean="0">
                 <a:latin typeface="Verdana" panose="020B0604030504040204" pitchFamily="34" charset="0"/>
                 <a:ea typeface="Verdana" panose="020B0604030504040204" pitchFamily="34" charset="0"/>
                 <a:cs typeface="Verdana" panose="020B0604030504040204" pitchFamily="34" charset="0"/>
               </a:rPr>
-              <a:t>T. Wildish: </a:t>
+              <a:t>C-H Huang</a:t>
+            </a:r>
+            <a:r>
+              <a:rPr lang="en-US" dirty="0" smtClean="0">
+                <a:latin typeface="Verdana" panose="020B0604030504040204" pitchFamily="34" charset="0"/>
+                <a:ea typeface="Verdana" panose="020B0604030504040204" pitchFamily="34" charset="0"/>
+                <a:cs typeface="Verdana" panose="020B0604030504040204" pitchFamily="34" charset="0"/>
+              </a:rPr>
+              <a:t>: </a:t>
             </a:r>
             <a:r>
               <a:rPr lang="en-US" dirty="0" smtClean="0">
@@ -15529,15 +15537,23 @@
             </a:pPr>
             <a:r>
               <a:rPr lang="en-US" altLang="en-US" sz="1400" dirty="0" smtClean="0"/>
-              <a:t>~10</a:t>
-            </a:r>
-            <a:r>
-              <a:rPr lang="en-US" altLang="en-US" sz="1400" baseline="30000" dirty="0"/>
-              <a:t>9</a:t>
+              <a:t>~</a:t>
             </a:r>
             <a:r>
               <a:rPr lang="en-US" altLang="en-US" sz="1400" dirty="0" smtClean="0"/>
-              <a:t> events/year</a:t>
+              <a:t>10</a:t>
+            </a:r>
+            <a:r>
+              <a:rPr lang="en-US" altLang="en-US" sz="1400" baseline="30000" dirty="0" smtClean="0"/>
+              <a:t>10</a:t>
+            </a:r>
+            <a:r>
+              <a:rPr lang="en-US" altLang="en-US" sz="1400" dirty="0" smtClean="0"/>
+              <a:t> </a:t>
+            </a:r>
+            <a:r>
+              <a:rPr lang="en-US" altLang="en-US" sz="1400" dirty="0" smtClean="0"/>
+              <a:t>events/year</a:t>
             </a:r>
             <a:endParaRPr lang="en-US" altLang="en-US" sz="1400" dirty="0"/>
           </a:p>

--- a/CMS-Data-Management/Slides/The CMS Data Management System.pptx
+++ b/CMS-Data-Management/Slides/The CMS Data Management System.pptx
@@ -5,7 +5,7 @@
     <p:sldMasterId id="2147483648" r:id="rId1"/>
   </p:sldMasterIdLst>
   <p:notesMasterIdLst>
-    <p:notesMasterId r:id="rId25"/>
+    <p:notesMasterId r:id="rId23"/>
   </p:notesMasterIdLst>
   <p:sldIdLst>
     <p:sldId id="282" r:id="rId2"/>
@@ -16,21 +16,19 @@
     <p:sldId id="355" r:id="rId7"/>
     <p:sldId id="333" r:id="rId8"/>
     <p:sldId id="332" r:id="rId9"/>
-    <p:sldId id="336" r:id="rId10"/>
-    <p:sldId id="335" r:id="rId11"/>
-    <p:sldId id="337" r:id="rId12"/>
-    <p:sldId id="339" r:id="rId13"/>
-    <p:sldId id="338" r:id="rId14"/>
-    <p:sldId id="341" r:id="rId15"/>
-    <p:sldId id="340" r:id="rId16"/>
-    <p:sldId id="343" r:id="rId17"/>
-    <p:sldId id="346" r:id="rId18"/>
-    <p:sldId id="347" r:id="rId19"/>
-    <p:sldId id="348" r:id="rId20"/>
-    <p:sldId id="351" r:id="rId21"/>
-    <p:sldId id="352" r:id="rId22"/>
-    <p:sldId id="353" r:id="rId23"/>
-    <p:sldId id="354" r:id="rId24"/>
+    <p:sldId id="335" r:id="rId10"/>
+    <p:sldId id="339" r:id="rId11"/>
+    <p:sldId id="338" r:id="rId12"/>
+    <p:sldId id="341" r:id="rId13"/>
+    <p:sldId id="340" r:id="rId14"/>
+    <p:sldId id="343" r:id="rId15"/>
+    <p:sldId id="346" r:id="rId16"/>
+    <p:sldId id="347" r:id="rId17"/>
+    <p:sldId id="348" r:id="rId18"/>
+    <p:sldId id="351" r:id="rId19"/>
+    <p:sldId id="352" r:id="rId20"/>
+    <p:sldId id="353" r:id="rId21"/>
+    <p:sldId id="354" r:id="rId22"/>
   </p:sldIdLst>
   <p:sldSz cx="9144000" cy="6858000" type="screen4x3"/>
   <p:notesSz cx="6858000" cy="9144000"/>
@@ -664,7 +662,7 @@
             <a:fld id="{B34D9DE9-C514-4E56-88DA-9DE0A2D024F2}" type="slidenum">
               <a:rPr lang="en-US" smtClean="0"/>
               <a:pPr/>
-              <a:t>10</a:t>
+              <a:t>9</a:t>
             </a:fld>
             <a:endParaRPr lang="en-US"/>
           </a:p>
@@ -749,7 +747,7 @@
             <a:fld id="{B34D9DE9-C514-4E56-88DA-9DE0A2D024F2}" type="slidenum">
               <a:rPr lang="en-US" smtClean="0"/>
               <a:pPr/>
-              <a:t>19</a:t>
+              <a:t>18</a:t>
             </a:fld>
             <a:endParaRPr lang="en-US"/>
           </a:p>
@@ -834,7 +832,7 @@
             <a:fld id="{B34D9DE9-C514-4E56-88DA-9DE0A2D024F2}" type="slidenum">
               <a:rPr lang="en-US" smtClean="0"/>
               <a:pPr/>
-              <a:t>20</a:t>
+              <a:t>19</a:t>
             </a:fld>
             <a:endParaRPr lang="en-US"/>
           </a:p>
@@ -919,7 +917,7 @@
             <a:fld id="{B34D9DE9-C514-4E56-88DA-9DE0A2D024F2}" type="slidenum">
               <a:rPr lang="en-US" smtClean="0"/>
               <a:pPr/>
-              <a:t>21</a:t>
+              <a:t>20</a:t>
             </a:fld>
             <a:endParaRPr lang="en-US"/>
           </a:p>
@@ -1004,92 +1002,7 @@
             <a:fld id="{B34D9DE9-C514-4E56-88DA-9DE0A2D024F2}" type="slidenum">
               <a:rPr lang="en-US" smtClean="0"/>
               <a:pPr/>
-              <a:t>22</a:t>
-            </a:fld>
-            <a:endParaRPr lang="en-US"/>
-          </a:p>
-        </p:txBody>
-      </p:sp>
-    </p:spTree>
-    <p:extLst>
-      <p:ext uri="{BB962C8B-B14F-4D97-AF65-F5344CB8AC3E}">
-        <p14:creationId xmlns:p14="http://schemas.microsoft.com/office/powerpoint/2010/main" val="2423525963"/>
-      </p:ext>
-    </p:extLst>
-  </p:cSld>
-  <p:clrMapOvr>
-    <a:masterClrMapping/>
-  </p:clrMapOvr>
-</p:notes>
-</file>
-
-<file path=ppt/notesSlides/notesSlide14.xml><?xml version="1.0" encoding="utf-8"?>
-<p:notes xmlns:a="http://schemas.openxmlformats.org/drawingml/2006/main" xmlns:r="http://schemas.openxmlformats.org/officeDocument/2006/relationships" xmlns:p="http://schemas.openxmlformats.org/presentationml/2006/main">
-  <p:cSld>
-    <p:spTree>
-      <p:nvGrpSpPr>
-        <p:cNvPr id="1" name=""/>
-        <p:cNvGrpSpPr/>
-        <p:nvPr/>
-      </p:nvGrpSpPr>
-      <p:grpSpPr>
-        <a:xfrm>
-          <a:off x="0" y="0"/>
-          <a:ext cx="0" cy="0"/>
-          <a:chOff x="0" y="0"/>
-          <a:chExt cx="0" cy="0"/>
-        </a:xfrm>
-      </p:grpSpPr>
-      <p:sp>
-        <p:nvSpPr>
-          <p:cNvPr id="2" name="Slide Image Placeholder 1"/>
-          <p:cNvSpPr>
-            <a:spLocks noGrp="1" noRot="1" noChangeAspect="1"/>
-          </p:cNvSpPr>
-          <p:nvPr>
-            <p:ph type="sldImg"/>
-          </p:nvPr>
-        </p:nvSpPr>
-        <p:spPr/>
-      </p:sp>
-      <p:sp>
-        <p:nvSpPr>
-          <p:cNvPr id="3" name="Notes Placeholder 2"/>
-          <p:cNvSpPr>
-            <a:spLocks noGrp="1"/>
-          </p:cNvSpPr>
-          <p:nvPr>
-            <p:ph type="body" idx="1"/>
-          </p:nvPr>
-        </p:nvSpPr>
-        <p:spPr/>
-        <p:txBody>
-          <a:bodyPr/>
-          <a:lstStyle/>
-          <a:p>
-            <a:endParaRPr lang="en-GB" dirty="0"/>
-          </a:p>
-        </p:txBody>
-      </p:sp>
-      <p:sp>
-        <p:nvSpPr>
-          <p:cNvPr id="4" name="Slide Number Placeholder 3"/>
-          <p:cNvSpPr>
-            <a:spLocks noGrp="1"/>
-          </p:cNvSpPr>
-          <p:nvPr>
-            <p:ph type="sldNum" sz="quarter" idx="10"/>
-          </p:nvPr>
-        </p:nvSpPr>
-        <p:spPr/>
-        <p:txBody>
-          <a:bodyPr/>
-          <a:lstStyle/>
-          <a:p>
-            <a:fld id="{B34D9DE9-C514-4E56-88DA-9DE0A2D024F2}" type="slidenum">
-              <a:rPr lang="en-US" smtClean="0"/>
-              <a:pPr/>
-              <a:t>23</a:t>
+              <a:t>21</a:t>
             </a:fld>
             <a:endParaRPr lang="en-US"/>
           </a:p>
@@ -1174,7 +1087,7 @@
             <a:fld id="{B34D9DE9-C514-4E56-88DA-9DE0A2D024F2}" type="slidenum">
               <a:rPr lang="en-US" smtClean="0"/>
               <a:pPr/>
-              <a:t>11</a:t>
+              <a:t>10</a:t>
             </a:fld>
             <a:endParaRPr lang="en-US"/>
           </a:p>
@@ -1259,7 +1172,7 @@
             <a:fld id="{B34D9DE9-C514-4E56-88DA-9DE0A2D024F2}" type="slidenum">
               <a:rPr lang="en-US" smtClean="0"/>
               <a:pPr/>
-              <a:t>12</a:t>
+              <a:t>11</a:t>
             </a:fld>
             <a:endParaRPr lang="en-US"/>
           </a:p>
@@ -1322,6 +1235,37 @@
           <a:bodyPr/>
           <a:lstStyle/>
           <a:p>
+            <a:r>
+              <a:rPr lang="en-US" dirty="0" smtClean="0"/>
+              <a:t>To</a:t>
+            </a:r>
+            <a:r>
+              <a:rPr lang="en-US" baseline="0" dirty="0" smtClean="0"/>
+              <a:t> minimize lock contention, each table is accessed by a minimal set of agents</a:t>
+            </a:r>
+            <a:endParaRPr lang="en-US" dirty="0" smtClean="0"/>
+          </a:p>
+          <a:p>
+            <a:r>
+              <a:rPr lang="en-US" dirty="0" smtClean="0"/>
+              <a:t>Central agents (blue) act on block-level tables (purple) to create</a:t>
+            </a:r>
+            <a:r>
+              <a:rPr lang="en-US" baseline="0" dirty="0" smtClean="0"/>
+              <a:t> transfer tasks in volatile tables (pink)</a:t>
+            </a:r>
+          </a:p>
+          <a:p>
+            <a:r>
+              <a:rPr lang="en-US" baseline="0" dirty="0" smtClean="0"/>
+              <a:t>Site agents (orange) act on transfer tasks to perform physical transfers and upload back</a:t>
+            </a:r>
+          </a:p>
+          <a:p>
+            <a:r>
+              <a:rPr lang="en-US" baseline="0" dirty="0" smtClean="0"/>
+              <a:t>Central agents aggregate transfer results back into block-level replica tables (purple) and into monitoring tables (green) </a:t>
+            </a:r>
             <a:endParaRPr lang="en-GB" dirty="0"/>
           </a:p>
         </p:txBody>
@@ -1344,7 +1288,7 @@
             <a:fld id="{B34D9DE9-C514-4E56-88DA-9DE0A2D024F2}" type="slidenum">
               <a:rPr lang="en-US" smtClean="0"/>
               <a:pPr/>
-              <a:t>13</a:t>
+              <a:t>12</a:t>
             </a:fld>
             <a:endParaRPr lang="en-US"/>
           </a:p>
@@ -1407,37 +1351,6 @@
           <a:bodyPr/>
           <a:lstStyle/>
           <a:p>
-            <a:r>
-              <a:rPr lang="en-US" dirty="0" smtClean="0"/>
-              <a:t>To</a:t>
-            </a:r>
-            <a:r>
-              <a:rPr lang="en-US" baseline="0" dirty="0" smtClean="0"/>
-              <a:t> minimize lock contention, each table is accessed by a minimal set of agents</a:t>
-            </a:r>
-            <a:endParaRPr lang="en-US" dirty="0" smtClean="0"/>
-          </a:p>
-          <a:p>
-            <a:r>
-              <a:rPr lang="en-US" dirty="0" smtClean="0"/>
-              <a:t>Central agents (blue) act on block-level tables (purple) to create</a:t>
-            </a:r>
-            <a:r>
-              <a:rPr lang="en-US" baseline="0" dirty="0" smtClean="0"/>
-              <a:t> transfer tasks in volatile tables (pink)</a:t>
-            </a:r>
-          </a:p>
-          <a:p>
-            <a:r>
-              <a:rPr lang="en-US" baseline="0" dirty="0" smtClean="0"/>
-              <a:t>Site agents (orange) act on transfer tasks to perform physical transfers and upload back</a:t>
-            </a:r>
-          </a:p>
-          <a:p>
-            <a:r>
-              <a:rPr lang="en-US" baseline="0" dirty="0" smtClean="0"/>
-              <a:t>Central agents aggregate transfer results back into block-level replica tables (purple) and into monitoring tables (green) </a:t>
-            </a:r>
             <a:endParaRPr lang="en-GB" dirty="0"/>
           </a:p>
         </p:txBody>
@@ -1460,7 +1373,7 @@
             <a:fld id="{B34D9DE9-C514-4E56-88DA-9DE0A2D024F2}" type="slidenum">
               <a:rPr lang="en-US" smtClean="0"/>
               <a:pPr/>
-              <a:t>14</a:t>
+              <a:t>13</a:t>
             </a:fld>
             <a:endParaRPr lang="en-US"/>
           </a:p>
@@ -1545,7 +1458,7 @@
             <a:fld id="{B34D9DE9-C514-4E56-88DA-9DE0A2D024F2}" type="slidenum">
               <a:rPr lang="en-US" smtClean="0"/>
               <a:pPr/>
-              <a:t>15</a:t>
+              <a:t>14</a:t>
             </a:fld>
             <a:endParaRPr lang="en-US"/>
           </a:p>
@@ -1630,7 +1543,7 @@
             <a:fld id="{B34D9DE9-C514-4E56-88DA-9DE0A2D024F2}" type="slidenum">
               <a:rPr lang="en-US" smtClean="0"/>
               <a:pPr/>
-              <a:t>16</a:t>
+              <a:t>15</a:t>
             </a:fld>
             <a:endParaRPr lang="en-US"/>
           </a:p>
@@ -1715,7 +1628,7 @@
             <a:fld id="{B34D9DE9-C514-4E56-88DA-9DE0A2D024F2}" type="slidenum">
               <a:rPr lang="en-US" smtClean="0"/>
               <a:pPr/>
-              <a:t>17</a:t>
+              <a:t>16</a:t>
             </a:fld>
             <a:endParaRPr lang="en-US"/>
           </a:p>
@@ -1800,7 +1713,7 @@
             <a:fld id="{B34D9DE9-C514-4E56-88DA-9DE0A2D024F2}" type="slidenum">
               <a:rPr lang="en-US" smtClean="0"/>
               <a:pPr/>
-              <a:t>18</a:t>
+              <a:t>17</a:t>
             </a:fld>
             <a:endParaRPr lang="en-US"/>
           </a:p>
@@ -1951,7 +1864,7 @@
             <a:fld id="{85D656D7-F9FF-42C1-91C9-48F937CA0C03}" type="datetime5">
               <a:rPr lang="en-GB"/>
               <a:pPr/>
-              <a:t>10-Oct-13</a:t>
+              <a:t>11-Oct-13</a:t>
             </a:fld>
             <a:endParaRPr lang="en-US"/>
           </a:p>
@@ -2225,7 +2138,7 @@
             <a:fld id="{F0540FD1-8567-4B84-BC0C-DD98652F7C15}" type="datetime5">
               <a:rPr lang="en-GB"/>
               <a:pPr/>
-              <a:t>10-Oct-13</a:t>
+              <a:t>11-Oct-13</a:t>
             </a:fld>
             <a:endParaRPr lang="en-US"/>
           </a:p>
@@ -2438,7 +2351,7 @@
             <a:fld id="{5EFDD73E-2FD7-4FED-9E52-18758FA30770}" type="datetime5">
               <a:rPr lang="en-GB"/>
               <a:pPr/>
-              <a:t>10-Oct-13</a:t>
+              <a:t>11-Oct-13</a:t>
             </a:fld>
             <a:endParaRPr lang="en-US"/>
           </a:p>
@@ -2661,7 +2574,7 @@
             <a:fld id="{4AEF5B86-5F6B-4BCA-8357-278CCBC28936}" type="datetime5">
               <a:rPr lang="en-GB"/>
               <a:pPr/>
-              <a:t>10-Oct-13</a:t>
+              <a:t>11-Oct-13</a:t>
             </a:fld>
             <a:endParaRPr lang="en-US"/>
           </a:p>
@@ -2874,7 +2787,7 @@
             <a:fld id="{42B511D4-474F-4AF6-93F6-00E8E439532C}" type="datetime5">
               <a:rPr lang="en-GB"/>
               <a:pPr/>
-              <a:t>10-Oct-13</a:t>
+              <a:t>11-Oct-13</a:t>
             </a:fld>
             <a:endParaRPr lang="en-US"/>
           </a:p>
@@ -3109,7 +3022,7 @@
             <a:fld id="{F7BF342C-5DD5-4326-B40B-A0BBF4F6067F}" type="datetime5">
               <a:rPr lang="en-GB"/>
               <a:pPr/>
-              <a:t>10-Oct-13</a:t>
+              <a:t>11-Oct-13</a:t>
             </a:fld>
             <a:endParaRPr lang="en-US"/>
           </a:p>
@@ -3440,7 +3353,7 @@
             <a:fld id="{A3D382DA-3FE7-42D1-88C5-DD322F781211}" type="datetime5">
               <a:rPr lang="en-GB"/>
               <a:pPr/>
-              <a:t>10-Oct-13</a:t>
+              <a:t>11-Oct-13</a:t>
             </a:fld>
             <a:endParaRPr lang="en-US"/>
           </a:p>
@@ -3910,7 +3823,7 @@
             <a:fld id="{25D3F86C-E25F-4DF3-B364-80ECF3F1E0F0}" type="datetime5">
               <a:rPr lang="en-GB"/>
               <a:pPr/>
-              <a:t>10-Oct-13</a:t>
+              <a:t>11-Oct-13</a:t>
             </a:fld>
             <a:endParaRPr lang="en-US"/>
           </a:p>
@@ -4071,7 +3984,7 @@
             <a:fld id="{2C506B1B-8C29-4B02-9E38-F8EC44FA3192}" type="datetime5">
               <a:rPr lang="en-GB"/>
               <a:pPr/>
-              <a:t>10-Oct-13</a:t>
+              <a:t>11-Oct-13</a:t>
             </a:fld>
             <a:endParaRPr lang="en-US"/>
           </a:p>
@@ -4232,7 +4145,7 @@
             <a:fld id="{2C506B1B-8C29-4B02-9E38-F8EC44FA3192}" type="datetime5">
               <a:rPr lang="en-GB"/>
               <a:pPr/>
-              <a:t>10-Oct-13</a:t>
+              <a:t>11-Oct-13</a:t>
             </a:fld>
             <a:endParaRPr lang="en-US"/>
           </a:p>
@@ -4375,7 +4288,7 @@
             <a:fld id="{266004A0-9E56-4C9C-910F-AE8959E42029}" type="datetime5">
               <a:rPr lang="en-GB"/>
               <a:pPr/>
-              <a:t>10-Oct-13</a:t>
+              <a:t>11-Oct-13</a:t>
             </a:fld>
             <a:endParaRPr lang="en-US"/>
           </a:p>
@@ -4695,7 +4608,7 @@
             <a:fld id="{F3365EF2-FABB-4750-BB82-0B0C5FAE41C8}" type="datetime5">
               <a:rPr lang="en-GB"/>
               <a:pPr/>
-              <a:t>10-Oct-13</a:t>
+              <a:t>11-Oct-13</a:t>
             </a:fld>
             <a:endParaRPr lang="en-US"/>
           </a:p>
@@ -4982,7 +4895,7 @@
             <a:fld id="{0DF471DC-456E-47AB-8D45-ECFC86AD6E4C}" type="datetime5">
               <a:rPr lang="en-GB" smtClean="0"/>
               <a:pPr/>
-              <a:t>10-Oct-13</a:t>
+              <a:t>11-Oct-13</a:t>
             </a:fld>
             <a:endParaRPr lang="en-US" dirty="0"/>
           </a:p>
@@ -5652,7 +5565,7 @@
             <a:fld id="{85D656D7-F9FF-42C1-91C9-48F937CA0C03}" type="datetime5">
               <a:rPr lang="en-GB" smtClean="0"/>
               <a:pPr/>
-              <a:t>10-Oct-13</a:t>
+              <a:t>11-Oct-13</a:t>
             </a:fld>
             <a:endParaRPr lang="en-US" dirty="0"/>
           </a:p>
@@ -5742,60 +5655,6 @@
           <a:chExt cx="0" cy="0"/>
         </a:xfrm>
       </p:grpSpPr>
-      <p:pic>
-        <p:nvPicPr>
-          <p:cNvPr id="1026" name="Picture 2"/>
-          <p:cNvPicPr>
-            <a:picLocks noChangeAspect="1" noChangeArrowheads="1"/>
-          </p:cNvPicPr>
-          <p:nvPr/>
-        </p:nvPicPr>
-        <p:blipFill>
-          <a:blip r:embed="rId3">
-            <a:extLst>
-              <a:ext uri="{28A0092B-C50C-407E-A947-70E740481C1C}">
-                <a14:useLocalDpi xmlns:a14="http://schemas.microsoft.com/office/drawing/2010/main" val="0"/>
-              </a:ext>
-            </a:extLst>
-          </a:blip>
-          <a:srcRect/>
-          <a:stretch>
-            <a:fillRect/>
-          </a:stretch>
-        </p:blipFill>
-        <p:spPr bwMode="auto">
-          <a:xfrm>
-            <a:off x="4419600" y="1500770"/>
-            <a:ext cx="5029200" cy="4097760"/>
-          </a:xfrm>
-          <a:prstGeom prst="rect">
-            <a:avLst/>
-          </a:prstGeom>
-          <a:noFill/>
-          <a:ln>
-            <a:noFill/>
-          </a:ln>
-          <a:extLst>
-            <a:ext uri="{909E8E84-426E-40dd-AFC4-6F175D3DCCD1}">
-              <a14:hiddenFill xmlns:a14="http://schemas.microsoft.com/office/drawing/2010/main">
-                <a:solidFill>
-                  <a:schemeClr val="accent1"/>
-                </a:solidFill>
-              </a14:hiddenFill>
-            </a:ext>
-            <a:ext uri="{91240B29-F687-4f45-9708-019B960494DF}">
-              <a14:hiddenLine xmlns:a14="http://schemas.microsoft.com/office/drawing/2010/main" w="9525">
-                <a:solidFill>
-                  <a:schemeClr val="tx1"/>
-                </a:solidFill>
-                <a:miter lim="800000"/>
-                <a:headEnd/>
-                <a:tailEnd/>
-              </a14:hiddenLine>
-            </a:ext>
-          </a:extLst>
-        </p:spPr>
-      </p:pic>
       <p:sp>
         <p:nvSpPr>
           <p:cNvPr id="2" name="Date Placeholder 1"/>
@@ -5814,7 +5673,7 @@
             <a:fld id="{266004A0-9E56-4C9C-910F-AE8959E42029}" type="datetime5">
               <a:rPr lang="en-GB" smtClean="0"/>
               <a:pPr/>
-              <a:t>10-Oct-13</a:t>
+              <a:t>11-Oct-13</a:t>
             </a:fld>
             <a:endParaRPr lang="en-US"/>
           </a:p>
@@ -5866,1266 +5725,6 @@
               <a:rPr lang="en-US" smtClean="0"/>
               <a:pPr/>
               <a:t>10</a:t>
-            </a:fld>
-            <a:endParaRPr lang="en-US"/>
-          </a:p>
-        </p:txBody>
-      </p:sp>
-      <p:sp>
-        <p:nvSpPr>
-          <p:cNvPr id="5" name="Rectangle 2"/>
-          <p:cNvSpPr txBox="1">
-            <a:spLocks noChangeArrowheads="1"/>
-          </p:cNvSpPr>
-          <p:nvPr/>
-        </p:nvSpPr>
-        <p:spPr bwMode="auto">
-          <a:xfrm>
-            <a:off x="838200" y="152400"/>
-            <a:ext cx="8305800" cy="609600"/>
-          </a:xfrm>
-          <a:prstGeom prst="rect">
-            <a:avLst/>
-          </a:prstGeom>
-          <a:noFill/>
-          <a:ln w="9525">
-            <a:noFill/>
-            <a:miter lim="800000"/>
-            <a:headEnd/>
-            <a:tailEnd/>
-          </a:ln>
-          <a:effectLst/>
-        </p:spPr>
-        <p:txBody>
-          <a:bodyPr vert="horz" wrap="square" lIns="91440" tIns="45720" rIns="91440" bIns="45720" numCol="1" anchor="ctr" anchorCtr="0" compatLnSpc="1">
-            <a:prstTxWarp prst="textNoShape">
-              <a:avLst/>
-            </a:prstTxWarp>
-          </a:bodyPr>
-          <a:lstStyle>
-            <a:lvl1pPr algn="ctr" rtl="0" fontAlgn="base">
-              <a:spcBef>
-                <a:spcPct val="0"/>
-              </a:spcBef>
-              <a:spcAft>
-                <a:spcPct val="0"/>
-              </a:spcAft>
-              <a:defRPr sz="4000">
-                <a:solidFill>
-                  <a:schemeClr val="tx2"/>
-                </a:solidFill>
-                <a:latin typeface="Verdana" panose="020B0604030504040204" pitchFamily="34" charset="0"/>
-                <a:ea typeface="Verdana" panose="020B0604030504040204" pitchFamily="34" charset="0"/>
-                <a:cs typeface="Verdana" panose="020B0604030504040204" pitchFamily="34" charset="0"/>
-              </a:defRPr>
-            </a:lvl1pPr>
-            <a:lvl2pPr algn="ctr" rtl="0" fontAlgn="base">
-              <a:spcBef>
-                <a:spcPct val="0"/>
-              </a:spcBef>
-              <a:spcAft>
-                <a:spcPct val="0"/>
-              </a:spcAft>
-              <a:defRPr sz="4400">
-                <a:solidFill>
-                  <a:schemeClr val="tx2"/>
-                </a:solidFill>
-                <a:latin typeface="Times New Roman" pitchFamily="18" charset="0"/>
-              </a:defRPr>
-            </a:lvl2pPr>
-            <a:lvl3pPr algn="ctr" rtl="0" fontAlgn="base">
-              <a:spcBef>
-                <a:spcPct val="0"/>
-              </a:spcBef>
-              <a:spcAft>
-                <a:spcPct val="0"/>
-              </a:spcAft>
-              <a:defRPr sz="4400">
-                <a:solidFill>
-                  <a:schemeClr val="tx2"/>
-                </a:solidFill>
-                <a:latin typeface="Times New Roman" pitchFamily="18" charset="0"/>
-              </a:defRPr>
-            </a:lvl3pPr>
-            <a:lvl4pPr algn="ctr" rtl="0" fontAlgn="base">
-              <a:spcBef>
-                <a:spcPct val="0"/>
-              </a:spcBef>
-              <a:spcAft>
-                <a:spcPct val="0"/>
-              </a:spcAft>
-              <a:defRPr sz="4400">
-                <a:solidFill>
-                  <a:schemeClr val="tx2"/>
-                </a:solidFill>
-                <a:latin typeface="Times New Roman" pitchFamily="18" charset="0"/>
-              </a:defRPr>
-            </a:lvl4pPr>
-            <a:lvl5pPr algn="ctr" rtl="0" fontAlgn="base">
-              <a:spcBef>
-                <a:spcPct val="0"/>
-              </a:spcBef>
-              <a:spcAft>
-                <a:spcPct val="0"/>
-              </a:spcAft>
-              <a:defRPr sz="4400">
-                <a:solidFill>
-                  <a:schemeClr val="tx2"/>
-                </a:solidFill>
-                <a:latin typeface="Times New Roman" pitchFamily="18" charset="0"/>
-              </a:defRPr>
-            </a:lvl5pPr>
-            <a:lvl6pPr marL="457200" algn="ctr" rtl="0" fontAlgn="base">
-              <a:spcBef>
-                <a:spcPct val="0"/>
-              </a:spcBef>
-              <a:spcAft>
-                <a:spcPct val="0"/>
-              </a:spcAft>
-              <a:defRPr sz="4400">
-                <a:solidFill>
-                  <a:schemeClr val="tx2"/>
-                </a:solidFill>
-                <a:latin typeface="Times New Roman" pitchFamily="18" charset="0"/>
-              </a:defRPr>
-            </a:lvl6pPr>
-            <a:lvl7pPr marL="914400" algn="ctr" rtl="0" fontAlgn="base">
-              <a:spcBef>
-                <a:spcPct val="0"/>
-              </a:spcBef>
-              <a:spcAft>
-                <a:spcPct val="0"/>
-              </a:spcAft>
-              <a:defRPr sz="4400">
-                <a:solidFill>
-                  <a:schemeClr val="tx2"/>
-                </a:solidFill>
-                <a:latin typeface="Times New Roman" pitchFamily="18" charset="0"/>
-              </a:defRPr>
-            </a:lvl7pPr>
-            <a:lvl8pPr marL="1371600" algn="ctr" rtl="0" fontAlgn="base">
-              <a:spcBef>
-                <a:spcPct val="0"/>
-              </a:spcBef>
-              <a:spcAft>
-                <a:spcPct val="0"/>
-              </a:spcAft>
-              <a:defRPr sz="4400">
-                <a:solidFill>
-                  <a:schemeClr val="tx2"/>
-                </a:solidFill>
-                <a:latin typeface="Times New Roman" pitchFamily="18" charset="0"/>
-              </a:defRPr>
-            </a:lvl8pPr>
-            <a:lvl9pPr marL="1828800" algn="ctr" rtl="0" fontAlgn="base">
-              <a:spcBef>
-                <a:spcPct val="0"/>
-              </a:spcBef>
-              <a:spcAft>
-                <a:spcPct val="0"/>
-              </a:spcAft>
-              <a:defRPr sz="4400">
-                <a:solidFill>
-                  <a:schemeClr val="tx2"/>
-                </a:solidFill>
-                <a:latin typeface="Times New Roman" pitchFamily="18" charset="0"/>
-              </a:defRPr>
-            </a:lvl9pPr>
-          </a:lstStyle>
-          <a:p>
-            <a:r>
-              <a:rPr lang="en-US" altLang="en-US" sz="3200" kern="0" dirty="0" smtClean="0"/>
-              <a:t>Dataset Bookkeeping System (DBS)</a:t>
-            </a:r>
-          </a:p>
-        </p:txBody>
-      </p:sp>
-      <p:sp>
-        <p:nvSpPr>
-          <p:cNvPr id="6" name="Rectangle 3"/>
-          <p:cNvSpPr txBox="1">
-            <a:spLocks noChangeArrowheads="1"/>
-          </p:cNvSpPr>
-          <p:nvPr/>
-        </p:nvSpPr>
-        <p:spPr bwMode="auto">
-          <a:xfrm>
-            <a:off x="381000" y="1143000"/>
-            <a:ext cx="4495800" cy="4813300"/>
-          </a:xfrm>
-          <a:prstGeom prst="rect">
-            <a:avLst/>
-          </a:prstGeom>
-          <a:noFill/>
-          <a:ln w="9525">
-            <a:noFill/>
-            <a:miter lim="800000"/>
-            <a:headEnd/>
-            <a:tailEnd/>
-          </a:ln>
-          <a:effectLst/>
-        </p:spPr>
-        <p:txBody>
-          <a:bodyPr vert="horz" wrap="square" lIns="91440" tIns="45720" rIns="91440" bIns="45720" numCol="1" anchor="t" anchorCtr="0" compatLnSpc="1">
-            <a:prstTxWarp prst="textNoShape">
-              <a:avLst/>
-            </a:prstTxWarp>
-          </a:bodyPr>
-          <a:lstStyle>
-            <a:lvl1pPr marL="342900" indent="-342900" algn="l" rtl="0" fontAlgn="base">
-              <a:spcBef>
-                <a:spcPct val="20000"/>
-              </a:spcBef>
-              <a:spcAft>
-                <a:spcPct val="0"/>
-              </a:spcAft>
-              <a:buChar char="•"/>
-              <a:defRPr sz="3200">
-                <a:solidFill>
-                  <a:schemeClr val="tx1"/>
-                </a:solidFill>
-                <a:latin typeface="Verdana" panose="020B0604030504040204" pitchFamily="34" charset="0"/>
-                <a:ea typeface="Verdana" panose="020B0604030504040204" pitchFamily="34" charset="0"/>
-                <a:cs typeface="Verdana" panose="020B0604030504040204" pitchFamily="34" charset="0"/>
-              </a:defRPr>
-            </a:lvl1pPr>
-            <a:lvl2pPr marL="742950" indent="-285750" algn="l" rtl="0" fontAlgn="base">
-              <a:spcBef>
-                <a:spcPct val="20000"/>
-              </a:spcBef>
-              <a:spcAft>
-                <a:spcPct val="0"/>
-              </a:spcAft>
-              <a:buChar char="–"/>
-              <a:defRPr sz="2800">
-                <a:solidFill>
-                  <a:schemeClr val="tx1"/>
-                </a:solidFill>
-                <a:latin typeface="Verdana" panose="020B0604030504040204" pitchFamily="34" charset="0"/>
-                <a:ea typeface="Verdana" panose="020B0604030504040204" pitchFamily="34" charset="0"/>
-                <a:cs typeface="Verdana" panose="020B0604030504040204" pitchFamily="34" charset="0"/>
-              </a:defRPr>
-            </a:lvl2pPr>
-            <a:lvl3pPr marL="1143000" indent="-228600" algn="l" rtl="0" fontAlgn="base">
-              <a:spcBef>
-                <a:spcPct val="20000"/>
-              </a:spcBef>
-              <a:spcAft>
-                <a:spcPct val="0"/>
-              </a:spcAft>
-              <a:buChar char="•"/>
-              <a:defRPr sz="2400">
-                <a:solidFill>
-                  <a:schemeClr val="tx1"/>
-                </a:solidFill>
-                <a:latin typeface="Verdana" panose="020B0604030504040204" pitchFamily="34" charset="0"/>
-                <a:ea typeface="Verdana" panose="020B0604030504040204" pitchFamily="34" charset="0"/>
-                <a:cs typeface="Verdana" panose="020B0604030504040204" pitchFamily="34" charset="0"/>
-              </a:defRPr>
-            </a:lvl3pPr>
-            <a:lvl4pPr marL="1600200" indent="-228600" algn="l" rtl="0" fontAlgn="base">
-              <a:spcBef>
-                <a:spcPct val="20000"/>
-              </a:spcBef>
-              <a:spcAft>
-                <a:spcPct val="0"/>
-              </a:spcAft>
-              <a:buChar char="–"/>
-              <a:defRPr sz="2000">
-                <a:solidFill>
-                  <a:schemeClr val="tx1"/>
-                </a:solidFill>
-                <a:latin typeface="Verdana" panose="020B0604030504040204" pitchFamily="34" charset="0"/>
-                <a:ea typeface="Verdana" panose="020B0604030504040204" pitchFamily="34" charset="0"/>
-                <a:cs typeface="Verdana" panose="020B0604030504040204" pitchFamily="34" charset="0"/>
-              </a:defRPr>
-            </a:lvl4pPr>
-            <a:lvl5pPr marL="2057400" indent="-228600" algn="l" rtl="0" fontAlgn="base">
-              <a:spcBef>
-                <a:spcPct val="20000"/>
-              </a:spcBef>
-              <a:spcAft>
-                <a:spcPct val="0"/>
-              </a:spcAft>
-              <a:buChar char="»"/>
-              <a:defRPr sz="2000">
-                <a:solidFill>
-                  <a:schemeClr val="tx1"/>
-                </a:solidFill>
-                <a:latin typeface="Verdana" panose="020B0604030504040204" pitchFamily="34" charset="0"/>
-                <a:ea typeface="Verdana" panose="020B0604030504040204" pitchFamily="34" charset="0"/>
-                <a:cs typeface="Verdana" panose="020B0604030504040204" pitchFamily="34" charset="0"/>
-              </a:defRPr>
-            </a:lvl5pPr>
-            <a:lvl6pPr marL="2514600" indent="-228600" algn="l" rtl="0" fontAlgn="base">
-              <a:spcBef>
-                <a:spcPct val="20000"/>
-              </a:spcBef>
-              <a:spcAft>
-                <a:spcPct val="0"/>
-              </a:spcAft>
-              <a:buChar char="»"/>
-              <a:defRPr sz="2000">
-                <a:solidFill>
-                  <a:schemeClr val="tx1"/>
-                </a:solidFill>
-                <a:latin typeface="+mn-lt"/>
-              </a:defRPr>
-            </a:lvl6pPr>
-            <a:lvl7pPr marL="2971800" indent="-228600" algn="l" rtl="0" fontAlgn="base">
-              <a:spcBef>
-                <a:spcPct val="20000"/>
-              </a:spcBef>
-              <a:spcAft>
-                <a:spcPct val="0"/>
-              </a:spcAft>
-              <a:buChar char="»"/>
-              <a:defRPr sz="2000">
-                <a:solidFill>
-                  <a:schemeClr val="tx1"/>
-                </a:solidFill>
-                <a:latin typeface="+mn-lt"/>
-              </a:defRPr>
-            </a:lvl7pPr>
-            <a:lvl8pPr marL="3429000" indent="-228600" algn="l" rtl="0" fontAlgn="base">
-              <a:spcBef>
-                <a:spcPct val="20000"/>
-              </a:spcBef>
-              <a:spcAft>
-                <a:spcPct val="0"/>
-              </a:spcAft>
-              <a:buChar char="»"/>
-              <a:defRPr sz="2000">
-                <a:solidFill>
-                  <a:schemeClr val="tx1"/>
-                </a:solidFill>
-                <a:latin typeface="+mn-lt"/>
-              </a:defRPr>
-            </a:lvl8pPr>
-            <a:lvl9pPr marL="3886200" indent="-228600" algn="l" rtl="0" fontAlgn="base">
-              <a:spcBef>
-                <a:spcPct val="20000"/>
-              </a:spcBef>
-              <a:spcAft>
-                <a:spcPct val="0"/>
-              </a:spcAft>
-              <a:buChar char="»"/>
-              <a:defRPr sz="2000">
-                <a:solidFill>
-                  <a:schemeClr val="tx1"/>
-                </a:solidFill>
-                <a:latin typeface="+mn-lt"/>
-              </a:defRPr>
-            </a:lvl9pPr>
-          </a:lstStyle>
-          <a:p>
-            <a:pPr>
-              <a:lnSpc>
-                <a:spcPct val="90000"/>
-              </a:lnSpc>
-              <a:defRPr/>
-            </a:pPr>
-            <a:r>
-              <a:rPr lang="en-US" sz="2400" kern="0" dirty="0" smtClean="0"/>
-              <a:t>New version: </a:t>
-            </a:r>
-            <a:r>
-              <a:rPr lang="en-US" sz="2400" b="1" kern="0" dirty="0" smtClean="0"/>
-              <a:t>DBS3</a:t>
-            </a:r>
-          </a:p>
-          <a:p>
-            <a:pPr lvl="1">
-              <a:lnSpc>
-                <a:spcPct val="90000"/>
-              </a:lnSpc>
-              <a:defRPr/>
-            </a:pPr>
-            <a:r>
-              <a:rPr lang="en-US" sz="2000" kern="0" dirty="0" err="1" smtClean="0"/>
-              <a:t>Rescoped</a:t>
-            </a:r>
-            <a:r>
-              <a:rPr lang="en-US" sz="2000" kern="0" dirty="0" smtClean="0"/>
-              <a:t> schema in Oracle DB to improve scaling, dropping information that did not belong there e.g. data location</a:t>
-            </a:r>
-          </a:p>
-          <a:p>
-            <a:pPr lvl="1">
-              <a:lnSpc>
-                <a:spcPct val="90000"/>
-              </a:lnSpc>
-              <a:defRPr/>
-            </a:pPr>
-            <a:r>
-              <a:rPr lang="en-US" sz="2000" kern="0" dirty="0" smtClean="0"/>
-              <a:t>REST API based on standard </a:t>
-            </a:r>
-            <a:r>
-              <a:rPr lang="en-US" sz="2000" kern="0" dirty="0" err="1" smtClean="0"/>
-              <a:t>cmsweb</a:t>
-            </a:r>
-            <a:r>
-              <a:rPr lang="en-US" sz="2000" kern="0" dirty="0" smtClean="0"/>
-              <a:t> libs, </a:t>
-            </a:r>
-            <a:r>
-              <a:rPr lang="en-US" sz="2000" kern="0" dirty="0" err="1" smtClean="0"/>
-              <a:t>SQLAlchemy</a:t>
-            </a:r>
-            <a:r>
-              <a:rPr lang="en-US" sz="2000" kern="0" dirty="0" smtClean="0"/>
-              <a:t> and </a:t>
-            </a:r>
-            <a:r>
-              <a:rPr lang="en-US" sz="2000" kern="0" dirty="0" err="1" smtClean="0"/>
-              <a:t>CherryPy</a:t>
-            </a:r>
-            <a:endParaRPr lang="en-US" sz="2000" kern="0" dirty="0" smtClean="0"/>
-          </a:p>
-          <a:p>
-            <a:pPr lvl="1">
-              <a:lnSpc>
-                <a:spcPct val="90000"/>
-              </a:lnSpc>
-              <a:defRPr/>
-            </a:pPr>
-            <a:r>
-              <a:rPr lang="en-US" sz="2000" kern="0" dirty="0" smtClean="0"/>
-              <a:t>Lightweight information exchange with JSON</a:t>
-            </a:r>
-          </a:p>
-          <a:p>
-            <a:pPr>
-              <a:lnSpc>
-                <a:spcPct val="90000"/>
-              </a:lnSpc>
-              <a:defRPr/>
-            </a:pPr>
-            <a:r>
-              <a:rPr lang="en-US" sz="2400" kern="0" dirty="0" smtClean="0"/>
-              <a:t>Currently deployed in parallel to DBS2 for validation before final switch</a:t>
-            </a:r>
-            <a:r>
-              <a:rPr lang="en-US" sz="2400" kern="0" baseline="30000" dirty="0" smtClean="0"/>
-              <a:t>1</a:t>
-            </a:r>
-          </a:p>
-          <a:p>
-            <a:pPr marL="0" indent="0">
-              <a:lnSpc>
-                <a:spcPct val="90000"/>
-              </a:lnSpc>
-              <a:buNone/>
-              <a:defRPr/>
-            </a:pPr>
-            <a:endParaRPr lang="en-US" sz="2400" kern="0" dirty="0" smtClean="0"/>
-          </a:p>
-        </p:txBody>
-      </p:sp>
-      <p:sp>
-        <p:nvSpPr>
-          <p:cNvPr id="8" name="Rectangle 3"/>
-          <p:cNvSpPr txBox="1">
-            <a:spLocks noChangeArrowheads="1"/>
-          </p:cNvSpPr>
-          <p:nvPr/>
-        </p:nvSpPr>
-        <p:spPr bwMode="auto">
-          <a:xfrm>
-            <a:off x="540026" y="5939459"/>
-            <a:ext cx="8229600" cy="317500"/>
-          </a:xfrm>
-          <a:prstGeom prst="rect">
-            <a:avLst/>
-          </a:prstGeom>
-          <a:noFill/>
-          <a:ln w="9525">
-            <a:noFill/>
-            <a:miter lim="800000"/>
-            <a:headEnd/>
-            <a:tailEnd/>
-          </a:ln>
-          <a:effectLst/>
-        </p:spPr>
-        <p:txBody>
-          <a:bodyPr vert="horz" wrap="square" lIns="91440" tIns="45720" rIns="91440" bIns="45720" numCol="1" anchor="t" anchorCtr="0" compatLnSpc="1">
-            <a:prstTxWarp prst="textNoShape">
-              <a:avLst/>
-            </a:prstTxWarp>
-          </a:bodyPr>
-          <a:lstStyle>
-            <a:lvl1pPr marL="342900" indent="-342900" algn="l" rtl="0" fontAlgn="base">
-              <a:spcBef>
-                <a:spcPct val="20000"/>
-              </a:spcBef>
-              <a:spcAft>
-                <a:spcPct val="0"/>
-              </a:spcAft>
-              <a:buChar char="•"/>
-              <a:defRPr sz="3200">
-                <a:solidFill>
-                  <a:schemeClr val="tx1"/>
-                </a:solidFill>
-                <a:latin typeface="Verdana" panose="020B0604030504040204" pitchFamily="34" charset="0"/>
-                <a:ea typeface="Verdana" panose="020B0604030504040204" pitchFamily="34" charset="0"/>
-                <a:cs typeface="Verdana" panose="020B0604030504040204" pitchFamily="34" charset="0"/>
-              </a:defRPr>
-            </a:lvl1pPr>
-            <a:lvl2pPr marL="742950" indent="-285750" algn="l" rtl="0" fontAlgn="base">
-              <a:spcBef>
-                <a:spcPct val="20000"/>
-              </a:spcBef>
-              <a:spcAft>
-                <a:spcPct val="0"/>
-              </a:spcAft>
-              <a:buChar char="–"/>
-              <a:defRPr sz="2800">
-                <a:solidFill>
-                  <a:schemeClr val="tx1"/>
-                </a:solidFill>
-                <a:latin typeface="Verdana" panose="020B0604030504040204" pitchFamily="34" charset="0"/>
-                <a:ea typeface="Verdana" panose="020B0604030504040204" pitchFamily="34" charset="0"/>
-                <a:cs typeface="Verdana" panose="020B0604030504040204" pitchFamily="34" charset="0"/>
-              </a:defRPr>
-            </a:lvl2pPr>
-            <a:lvl3pPr marL="1143000" indent="-228600" algn="l" rtl="0" fontAlgn="base">
-              <a:spcBef>
-                <a:spcPct val="20000"/>
-              </a:spcBef>
-              <a:spcAft>
-                <a:spcPct val="0"/>
-              </a:spcAft>
-              <a:buChar char="•"/>
-              <a:defRPr sz="2400">
-                <a:solidFill>
-                  <a:schemeClr val="tx1"/>
-                </a:solidFill>
-                <a:latin typeface="Verdana" panose="020B0604030504040204" pitchFamily="34" charset="0"/>
-                <a:ea typeface="Verdana" panose="020B0604030504040204" pitchFamily="34" charset="0"/>
-                <a:cs typeface="Verdana" panose="020B0604030504040204" pitchFamily="34" charset="0"/>
-              </a:defRPr>
-            </a:lvl3pPr>
-            <a:lvl4pPr marL="1600200" indent="-228600" algn="l" rtl="0" fontAlgn="base">
-              <a:spcBef>
-                <a:spcPct val="20000"/>
-              </a:spcBef>
-              <a:spcAft>
-                <a:spcPct val="0"/>
-              </a:spcAft>
-              <a:buChar char="–"/>
-              <a:defRPr sz="2000">
-                <a:solidFill>
-                  <a:schemeClr val="tx1"/>
-                </a:solidFill>
-                <a:latin typeface="Verdana" panose="020B0604030504040204" pitchFamily="34" charset="0"/>
-                <a:ea typeface="Verdana" panose="020B0604030504040204" pitchFamily="34" charset="0"/>
-                <a:cs typeface="Verdana" panose="020B0604030504040204" pitchFamily="34" charset="0"/>
-              </a:defRPr>
-            </a:lvl4pPr>
-            <a:lvl5pPr marL="2057400" indent="-228600" algn="l" rtl="0" fontAlgn="base">
-              <a:spcBef>
-                <a:spcPct val="20000"/>
-              </a:spcBef>
-              <a:spcAft>
-                <a:spcPct val="0"/>
-              </a:spcAft>
-              <a:buChar char="»"/>
-              <a:defRPr sz="2000">
-                <a:solidFill>
-                  <a:schemeClr val="tx1"/>
-                </a:solidFill>
-                <a:latin typeface="Verdana" panose="020B0604030504040204" pitchFamily="34" charset="0"/>
-                <a:ea typeface="Verdana" panose="020B0604030504040204" pitchFamily="34" charset="0"/>
-                <a:cs typeface="Verdana" panose="020B0604030504040204" pitchFamily="34" charset="0"/>
-              </a:defRPr>
-            </a:lvl5pPr>
-            <a:lvl6pPr marL="2514600" indent="-228600" algn="l" rtl="0" fontAlgn="base">
-              <a:spcBef>
-                <a:spcPct val="20000"/>
-              </a:spcBef>
-              <a:spcAft>
-                <a:spcPct val="0"/>
-              </a:spcAft>
-              <a:buChar char="»"/>
-              <a:defRPr sz="2000">
-                <a:solidFill>
-                  <a:schemeClr val="tx1"/>
-                </a:solidFill>
-                <a:latin typeface="+mn-lt"/>
-              </a:defRPr>
-            </a:lvl6pPr>
-            <a:lvl7pPr marL="2971800" indent="-228600" algn="l" rtl="0" fontAlgn="base">
-              <a:spcBef>
-                <a:spcPct val="20000"/>
-              </a:spcBef>
-              <a:spcAft>
-                <a:spcPct val="0"/>
-              </a:spcAft>
-              <a:buChar char="»"/>
-              <a:defRPr sz="2000">
-                <a:solidFill>
-                  <a:schemeClr val="tx1"/>
-                </a:solidFill>
-                <a:latin typeface="+mn-lt"/>
-              </a:defRPr>
-            </a:lvl7pPr>
-            <a:lvl8pPr marL="3429000" indent="-228600" algn="l" rtl="0" fontAlgn="base">
-              <a:spcBef>
-                <a:spcPct val="20000"/>
-              </a:spcBef>
-              <a:spcAft>
-                <a:spcPct val="0"/>
-              </a:spcAft>
-              <a:buChar char="»"/>
-              <a:defRPr sz="2000">
-                <a:solidFill>
-                  <a:schemeClr val="tx1"/>
-                </a:solidFill>
-                <a:latin typeface="+mn-lt"/>
-              </a:defRPr>
-            </a:lvl8pPr>
-            <a:lvl9pPr marL="3886200" indent="-228600" algn="l" rtl="0" fontAlgn="base">
-              <a:spcBef>
-                <a:spcPct val="20000"/>
-              </a:spcBef>
-              <a:spcAft>
-                <a:spcPct val="0"/>
-              </a:spcAft>
-              <a:buChar char="»"/>
-              <a:defRPr sz="2000">
-                <a:solidFill>
-                  <a:schemeClr val="tx1"/>
-                </a:solidFill>
-                <a:latin typeface="+mn-lt"/>
-              </a:defRPr>
-            </a:lvl9pPr>
-          </a:lstStyle>
-          <a:p>
-            <a:pPr>
-              <a:lnSpc>
-                <a:spcPct val="90000"/>
-              </a:lnSpc>
-              <a:buFont typeface="+mj-lt"/>
-              <a:buAutoNum type="arabicPeriod"/>
-              <a:defRPr/>
-            </a:pPr>
-            <a:r>
-              <a:rPr lang="en-US" sz="1600" dirty="0" smtClean="0"/>
-              <a:t>M. </a:t>
-            </a:r>
-            <a:r>
-              <a:rPr lang="en-US" sz="1600" dirty="0" err="1" smtClean="0"/>
-              <a:t>Giffels</a:t>
-            </a:r>
-            <a:r>
-              <a:rPr lang="en-US" sz="1600" dirty="0" smtClean="0"/>
-              <a:t>: Data </a:t>
-            </a:r>
-            <a:r>
-              <a:rPr lang="en-US" sz="1600" dirty="0"/>
-              <a:t>Bookkeeping Service 3 - Providing event metadata in CMS </a:t>
-            </a:r>
-          </a:p>
-          <a:p>
-            <a:pPr>
-              <a:lnSpc>
-                <a:spcPct val="90000"/>
-              </a:lnSpc>
-              <a:defRPr/>
-            </a:pPr>
-            <a:endParaRPr lang="en-US" sz="2400" kern="0" dirty="0" smtClean="0"/>
-          </a:p>
-        </p:txBody>
-      </p:sp>
-    </p:spTree>
-    <p:extLst>
-      <p:ext uri="{BB962C8B-B14F-4D97-AF65-F5344CB8AC3E}">
-        <p14:creationId xmlns:p14="http://schemas.microsoft.com/office/powerpoint/2010/main" val="1087350862"/>
-      </p:ext>
-    </p:extLst>
-  </p:cSld>
-  <p:clrMapOvr>
-    <a:masterClrMapping/>
-  </p:clrMapOvr>
-  <p:timing>
-    <p:tnLst>
-      <p:par>
-        <p:cTn xmlns:p14="http://schemas.microsoft.com/office/powerpoint/2010/main" id="1" dur="indefinite" restart="never" nodeType="tmRoot"/>
-      </p:par>
-    </p:tnLst>
-  </p:timing>
-</p:sld>
-</file>
-
-<file path=ppt/slides/slide11.xml><?xml version="1.0" encoding="utf-8"?>
-<p:sld xmlns:a="http://schemas.openxmlformats.org/drawingml/2006/main" xmlns:r="http://schemas.openxmlformats.org/officeDocument/2006/relationships" xmlns:p="http://schemas.openxmlformats.org/presentationml/2006/main" show="0">
-  <p:cSld>
-    <p:spTree>
-      <p:nvGrpSpPr>
-        <p:cNvPr id="1" name=""/>
-        <p:cNvGrpSpPr/>
-        <p:nvPr/>
-      </p:nvGrpSpPr>
-      <p:grpSpPr>
-        <a:xfrm>
-          <a:off x="0" y="0"/>
-          <a:ext cx="0" cy="0"/>
-          <a:chOff x="0" y="0"/>
-          <a:chExt cx="0" cy="0"/>
-        </a:xfrm>
-      </p:grpSpPr>
-      <p:sp>
-        <p:nvSpPr>
-          <p:cNvPr id="2" name="Date Placeholder 1"/>
-          <p:cNvSpPr>
-            <a:spLocks noGrp="1"/>
-          </p:cNvSpPr>
-          <p:nvPr>
-            <p:ph type="dt" sz="half" idx="10"/>
-          </p:nvPr>
-        </p:nvSpPr>
-        <p:spPr/>
-        <p:txBody>
-          <a:bodyPr/>
-          <a:lstStyle/>
-          <a:p>
-            <a:fld id="{266004A0-9E56-4C9C-910F-AE8959E42029}" type="datetime5">
-              <a:rPr lang="en-GB" smtClean="0"/>
-              <a:pPr/>
-              <a:t>10-Oct-13</a:t>
-            </a:fld>
-            <a:endParaRPr lang="en-US"/>
-          </a:p>
-        </p:txBody>
-      </p:sp>
-      <p:sp>
-        <p:nvSpPr>
-          <p:cNvPr id="3" name="Footer Placeholder 2"/>
-          <p:cNvSpPr>
-            <a:spLocks noGrp="1"/>
-          </p:cNvSpPr>
-          <p:nvPr>
-            <p:ph type="ftr" sz="quarter" idx="11"/>
-          </p:nvPr>
-        </p:nvSpPr>
-        <p:spPr/>
-        <p:txBody>
-          <a:bodyPr/>
-          <a:lstStyle/>
-          <a:p>
-            <a:r>
-              <a:rPr lang="en-GB" smtClean="0"/>
-              <a:t>The CMS Data Management System - </a:t>
-            </a:r>
-            <a:r>
-              <a:rPr lang="en-US" smtClean="0"/>
-              <a:t>CHEP 2013</a:t>
-            </a:r>
-            <a:endParaRPr lang="en-US" dirty="0"/>
-          </a:p>
-        </p:txBody>
-      </p:sp>
-      <p:sp>
-        <p:nvSpPr>
-          <p:cNvPr id="4" name="Slide Number Placeholder 3"/>
-          <p:cNvSpPr>
-            <a:spLocks noGrp="1"/>
-          </p:cNvSpPr>
-          <p:nvPr>
-            <p:ph type="sldNum" sz="quarter" idx="12"/>
-          </p:nvPr>
-        </p:nvSpPr>
-        <p:spPr/>
-        <p:txBody>
-          <a:bodyPr/>
-          <a:lstStyle/>
-          <a:p>
-            <a:fld id="{29CBDB8C-B4BD-4722-B4E8-EB4C3A73DAC9}" type="slidenum">
-              <a:rPr lang="en-US" smtClean="0"/>
-              <a:pPr/>
-              <a:t>11</a:t>
-            </a:fld>
-            <a:endParaRPr lang="en-US"/>
-          </a:p>
-        </p:txBody>
-      </p:sp>
-      <p:sp>
-        <p:nvSpPr>
-          <p:cNvPr id="5" name="Rectangle 2"/>
-          <p:cNvSpPr txBox="1">
-            <a:spLocks noChangeArrowheads="1"/>
-          </p:cNvSpPr>
-          <p:nvPr/>
-        </p:nvSpPr>
-        <p:spPr bwMode="auto">
-          <a:xfrm>
-            <a:off x="838200" y="152400"/>
-            <a:ext cx="8305800" cy="609600"/>
-          </a:xfrm>
-          <a:prstGeom prst="rect">
-            <a:avLst/>
-          </a:prstGeom>
-          <a:noFill/>
-          <a:ln w="9525">
-            <a:noFill/>
-            <a:miter lim="800000"/>
-            <a:headEnd/>
-            <a:tailEnd/>
-          </a:ln>
-          <a:effectLst/>
-        </p:spPr>
-        <p:txBody>
-          <a:bodyPr vert="horz" wrap="square" lIns="91440" tIns="45720" rIns="91440" bIns="45720" numCol="1" anchor="ctr" anchorCtr="0" compatLnSpc="1">
-            <a:prstTxWarp prst="textNoShape">
-              <a:avLst/>
-            </a:prstTxWarp>
-          </a:bodyPr>
-          <a:lstStyle>
-            <a:lvl1pPr algn="ctr" rtl="0" fontAlgn="base">
-              <a:spcBef>
-                <a:spcPct val="0"/>
-              </a:spcBef>
-              <a:spcAft>
-                <a:spcPct val="0"/>
-              </a:spcAft>
-              <a:defRPr sz="4000">
-                <a:solidFill>
-                  <a:schemeClr val="tx2"/>
-                </a:solidFill>
-                <a:latin typeface="Verdana" panose="020B0604030504040204" pitchFamily="34" charset="0"/>
-                <a:ea typeface="Verdana" panose="020B0604030504040204" pitchFamily="34" charset="0"/>
-                <a:cs typeface="Verdana" panose="020B0604030504040204" pitchFamily="34" charset="0"/>
-              </a:defRPr>
-            </a:lvl1pPr>
-            <a:lvl2pPr algn="ctr" rtl="0" fontAlgn="base">
-              <a:spcBef>
-                <a:spcPct val="0"/>
-              </a:spcBef>
-              <a:spcAft>
-                <a:spcPct val="0"/>
-              </a:spcAft>
-              <a:defRPr sz="4400">
-                <a:solidFill>
-                  <a:schemeClr val="tx2"/>
-                </a:solidFill>
-                <a:latin typeface="Times New Roman" pitchFamily="18" charset="0"/>
-              </a:defRPr>
-            </a:lvl2pPr>
-            <a:lvl3pPr algn="ctr" rtl="0" fontAlgn="base">
-              <a:spcBef>
-                <a:spcPct val="0"/>
-              </a:spcBef>
-              <a:spcAft>
-                <a:spcPct val="0"/>
-              </a:spcAft>
-              <a:defRPr sz="4400">
-                <a:solidFill>
-                  <a:schemeClr val="tx2"/>
-                </a:solidFill>
-                <a:latin typeface="Times New Roman" pitchFamily="18" charset="0"/>
-              </a:defRPr>
-            </a:lvl3pPr>
-            <a:lvl4pPr algn="ctr" rtl="0" fontAlgn="base">
-              <a:spcBef>
-                <a:spcPct val="0"/>
-              </a:spcBef>
-              <a:spcAft>
-                <a:spcPct val="0"/>
-              </a:spcAft>
-              <a:defRPr sz="4400">
-                <a:solidFill>
-                  <a:schemeClr val="tx2"/>
-                </a:solidFill>
-                <a:latin typeface="Times New Roman" pitchFamily="18" charset="0"/>
-              </a:defRPr>
-            </a:lvl4pPr>
-            <a:lvl5pPr algn="ctr" rtl="0" fontAlgn="base">
-              <a:spcBef>
-                <a:spcPct val="0"/>
-              </a:spcBef>
-              <a:spcAft>
-                <a:spcPct val="0"/>
-              </a:spcAft>
-              <a:defRPr sz="4400">
-                <a:solidFill>
-                  <a:schemeClr val="tx2"/>
-                </a:solidFill>
-                <a:latin typeface="Times New Roman" pitchFamily="18" charset="0"/>
-              </a:defRPr>
-            </a:lvl5pPr>
-            <a:lvl6pPr marL="457200" algn="ctr" rtl="0" fontAlgn="base">
-              <a:spcBef>
-                <a:spcPct val="0"/>
-              </a:spcBef>
-              <a:spcAft>
-                <a:spcPct val="0"/>
-              </a:spcAft>
-              <a:defRPr sz="4400">
-                <a:solidFill>
-                  <a:schemeClr val="tx2"/>
-                </a:solidFill>
-                <a:latin typeface="Times New Roman" pitchFamily="18" charset="0"/>
-              </a:defRPr>
-            </a:lvl6pPr>
-            <a:lvl7pPr marL="914400" algn="ctr" rtl="0" fontAlgn="base">
-              <a:spcBef>
-                <a:spcPct val="0"/>
-              </a:spcBef>
-              <a:spcAft>
-                <a:spcPct val="0"/>
-              </a:spcAft>
-              <a:defRPr sz="4400">
-                <a:solidFill>
-                  <a:schemeClr val="tx2"/>
-                </a:solidFill>
-                <a:latin typeface="Times New Roman" pitchFamily="18" charset="0"/>
-              </a:defRPr>
-            </a:lvl7pPr>
-            <a:lvl8pPr marL="1371600" algn="ctr" rtl="0" fontAlgn="base">
-              <a:spcBef>
-                <a:spcPct val="0"/>
-              </a:spcBef>
-              <a:spcAft>
-                <a:spcPct val="0"/>
-              </a:spcAft>
-              <a:defRPr sz="4400">
-                <a:solidFill>
-                  <a:schemeClr val="tx2"/>
-                </a:solidFill>
-                <a:latin typeface="Times New Roman" pitchFamily="18" charset="0"/>
-              </a:defRPr>
-            </a:lvl8pPr>
-            <a:lvl9pPr marL="1828800" algn="ctr" rtl="0" fontAlgn="base">
-              <a:spcBef>
-                <a:spcPct val="0"/>
-              </a:spcBef>
-              <a:spcAft>
-                <a:spcPct val="0"/>
-              </a:spcAft>
-              <a:defRPr sz="4400">
-                <a:solidFill>
-                  <a:schemeClr val="tx2"/>
-                </a:solidFill>
-                <a:latin typeface="Times New Roman" pitchFamily="18" charset="0"/>
-              </a:defRPr>
-            </a:lvl9pPr>
-          </a:lstStyle>
-          <a:p>
-            <a:r>
-              <a:rPr lang="en-US" altLang="en-US" sz="3200" kern="0" dirty="0" smtClean="0"/>
-              <a:t>Dataset Bookkeeping System (DBS)</a:t>
-            </a:r>
-          </a:p>
-        </p:txBody>
-      </p:sp>
-      <p:sp>
-        <p:nvSpPr>
-          <p:cNvPr id="6" name="Rectangle 3"/>
-          <p:cNvSpPr txBox="1">
-            <a:spLocks noChangeArrowheads="1"/>
-          </p:cNvSpPr>
-          <p:nvPr/>
-        </p:nvSpPr>
-        <p:spPr bwMode="auto">
-          <a:xfrm>
-            <a:off x="381000" y="1143000"/>
-            <a:ext cx="8229600" cy="4813300"/>
-          </a:xfrm>
-          <a:prstGeom prst="rect">
-            <a:avLst/>
-          </a:prstGeom>
-          <a:noFill/>
-          <a:ln w="9525">
-            <a:noFill/>
-            <a:miter lim="800000"/>
-            <a:headEnd/>
-            <a:tailEnd/>
-          </a:ln>
-          <a:effectLst/>
-        </p:spPr>
-        <p:txBody>
-          <a:bodyPr vert="horz" wrap="square" lIns="91440" tIns="45720" rIns="91440" bIns="45720" numCol="1" anchor="t" anchorCtr="0" compatLnSpc="1">
-            <a:prstTxWarp prst="textNoShape">
-              <a:avLst/>
-            </a:prstTxWarp>
-          </a:bodyPr>
-          <a:lstStyle>
-            <a:lvl1pPr marL="342900" indent="-342900" algn="l" rtl="0" fontAlgn="base">
-              <a:spcBef>
-                <a:spcPct val="20000"/>
-              </a:spcBef>
-              <a:spcAft>
-                <a:spcPct val="0"/>
-              </a:spcAft>
-              <a:buChar char="•"/>
-              <a:defRPr sz="3200">
-                <a:solidFill>
-                  <a:schemeClr val="tx1"/>
-                </a:solidFill>
-                <a:latin typeface="Verdana" panose="020B0604030504040204" pitchFamily="34" charset="0"/>
-                <a:ea typeface="Verdana" panose="020B0604030504040204" pitchFamily="34" charset="0"/>
-                <a:cs typeface="Verdana" panose="020B0604030504040204" pitchFamily="34" charset="0"/>
-              </a:defRPr>
-            </a:lvl1pPr>
-            <a:lvl2pPr marL="742950" indent="-285750" algn="l" rtl="0" fontAlgn="base">
-              <a:spcBef>
-                <a:spcPct val="20000"/>
-              </a:spcBef>
-              <a:spcAft>
-                <a:spcPct val="0"/>
-              </a:spcAft>
-              <a:buChar char="–"/>
-              <a:defRPr sz="2800">
-                <a:solidFill>
-                  <a:schemeClr val="tx1"/>
-                </a:solidFill>
-                <a:latin typeface="Verdana" panose="020B0604030504040204" pitchFamily="34" charset="0"/>
-                <a:ea typeface="Verdana" panose="020B0604030504040204" pitchFamily="34" charset="0"/>
-                <a:cs typeface="Verdana" panose="020B0604030504040204" pitchFamily="34" charset="0"/>
-              </a:defRPr>
-            </a:lvl2pPr>
-            <a:lvl3pPr marL="1143000" indent="-228600" algn="l" rtl="0" fontAlgn="base">
-              <a:spcBef>
-                <a:spcPct val="20000"/>
-              </a:spcBef>
-              <a:spcAft>
-                <a:spcPct val="0"/>
-              </a:spcAft>
-              <a:buChar char="•"/>
-              <a:defRPr sz="2400">
-                <a:solidFill>
-                  <a:schemeClr val="tx1"/>
-                </a:solidFill>
-                <a:latin typeface="Verdana" panose="020B0604030504040204" pitchFamily="34" charset="0"/>
-                <a:ea typeface="Verdana" panose="020B0604030504040204" pitchFamily="34" charset="0"/>
-                <a:cs typeface="Verdana" panose="020B0604030504040204" pitchFamily="34" charset="0"/>
-              </a:defRPr>
-            </a:lvl3pPr>
-            <a:lvl4pPr marL="1600200" indent="-228600" algn="l" rtl="0" fontAlgn="base">
-              <a:spcBef>
-                <a:spcPct val="20000"/>
-              </a:spcBef>
-              <a:spcAft>
-                <a:spcPct val="0"/>
-              </a:spcAft>
-              <a:buChar char="–"/>
-              <a:defRPr sz="2000">
-                <a:solidFill>
-                  <a:schemeClr val="tx1"/>
-                </a:solidFill>
-                <a:latin typeface="Verdana" panose="020B0604030504040204" pitchFamily="34" charset="0"/>
-                <a:ea typeface="Verdana" panose="020B0604030504040204" pitchFamily="34" charset="0"/>
-                <a:cs typeface="Verdana" panose="020B0604030504040204" pitchFamily="34" charset="0"/>
-              </a:defRPr>
-            </a:lvl4pPr>
-            <a:lvl5pPr marL="2057400" indent="-228600" algn="l" rtl="0" fontAlgn="base">
-              <a:spcBef>
-                <a:spcPct val="20000"/>
-              </a:spcBef>
-              <a:spcAft>
-                <a:spcPct val="0"/>
-              </a:spcAft>
-              <a:buChar char="»"/>
-              <a:defRPr sz="2000">
-                <a:solidFill>
-                  <a:schemeClr val="tx1"/>
-                </a:solidFill>
-                <a:latin typeface="Verdana" panose="020B0604030504040204" pitchFamily="34" charset="0"/>
-                <a:ea typeface="Verdana" panose="020B0604030504040204" pitchFamily="34" charset="0"/>
-                <a:cs typeface="Verdana" panose="020B0604030504040204" pitchFamily="34" charset="0"/>
-              </a:defRPr>
-            </a:lvl5pPr>
-            <a:lvl6pPr marL="2514600" indent="-228600" algn="l" rtl="0" fontAlgn="base">
-              <a:spcBef>
-                <a:spcPct val="20000"/>
-              </a:spcBef>
-              <a:spcAft>
-                <a:spcPct val="0"/>
-              </a:spcAft>
-              <a:buChar char="»"/>
-              <a:defRPr sz="2000">
-                <a:solidFill>
-                  <a:schemeClr val="tx1"/>
-                </a:solidFill>
-                <a:latin typeface="+mn-lt"/>
-              </a:defRPr>
-            </a:lvl6pPr>
-            <a:lvl7pPr marL="2971800" indent="-228600" algn="l" rtl="0" fontAlgn="base">
-              <a:spcBef>
-                <a:spcPct val="20000"/>
-              </a:spcBef>
-              <a:spcAft>
-                <a:spcPct val="0"/>
-              </a:spcAft>
-              <a:buChar char="»"/>
-              <a:defRPr sz="2000">
-                <a:solidFill>
-                  <a:schemeClr val="tx1"/>
-                </a:solidFill>
-                <a:latin typeface="+mn-lt"/>
-              </a:defRPr>
-            </a:lvl7pPr>
-            <a:lvl8pPr marL="3429000" indent="-228600" algn="l" rtl="0" fontAlgn="base">
-              <a:spcBef>
-                <a:spcPct val="20000"/>
-              </a:spcBef>
-              <a:spcAft>
-                <a:spcPct val="0"/>
-              </a:spcAft>
-              <a:buChar char="»"/>
-              <a:defRPr sz="2000">
-                <a:solidFill>
-                  <a:schemeClr val="tx1"/>
-                </a:solidFill>
-                <a:latin typeface="+mn-lt"/>
-              </a:defRPr>
-            </a:lvl8pPr>
-            <a:lvl9pPr marL="3886200" indent="-228600" algn="l" rtl="0" fontAlgn="base">
-              <a:spcBef>
-                <a:spcPct val="20000"/>
-              </a:spcBef>
-              <a:spcAft>
-                <a:spcPct val="0"/>
-              </a:spcAft>
-              <a:buChar char="»"/>
-              <a:defRPr sz="2000">
-                <a:solidFill>
-                  <a:schemeClr val="tx1"/>
-                </a:solidFill>
-                <a:latin typeface="+mn-lt"/>
-              </a:defRPr>
-            </a:lvl9pPr>
-          </a:lstStyle>
-          <a:p>
-            <a:pPr>
-              <a:lnSpc>
-                <a:spcPct val="90000"/>
-              </a:lnSpc>
-              <a:defRPr/>
-            </a:pPr>
-            <a:r>
-              <a:rPr lang="en-US" sz="2800" b="1" kern="0" dirty="0" smtClean="0"/>
-              <a:t>DBS3 SLIDE ON PERFORMANCE HERE?</a:t>
-            </a:r>
-          </a:p>
-        </p:txBody>
-      </p:sp>
-    </p:spTree>
-    <p:extLst>
-      <p:ext uri="{BB962C8B-B14F-4D97-AF65-F5344CB8AC3E}">
-        <p14:creationId xmlns:p14="http://schemas.microsoft.com/office/powerpoint/2010/main" val="4024364134"/>
-      </p:ext>
-    </p:extLst>
-  </p:cSld>
-  <p:clrMapOvr>
-    <a:masterClrMapping/>
-  </p:clrMapOvr>
-  <mc:AlternateContent xmlns:mc="http://schemas.openxmlformats.org/markup-compatibility/2006" xmlns:p14="http://schemas.microsoft.com/office/powerpoint/2010/main">
-    <mc:Choice Requires="p14">
-      <p:transition spd="slow" p14:dur="2000"/>
-    </mc:Choice>
-    <mc:Fallback xmlns="">
-      <p:transition spd="slow"/>
-    </mc:Fallback>
-  </mc:AlternateContent>
-  <p:timing>
-    <p:tnLst>
-      <p:par>
-        <p:cTn xmlns:p14="http://schemas.microsoft.com/office/powerpoint/2010/main" id="1" dur="indefinite" restart="never" nodeType="tmRoot"/>
-      </p:par>
-    </p:tnLst>
-  </p:timing>
-</p:sld>
-</file>
-
-<file path=ppt/slides/slide12.xml><?xml version="1.0" encoding="utf-8"?>
-<p:sld xmlns:a="http://schemas.openxmlformats.org/drawingml/2006/main" xmlns:r="http://schemas.openxmlformats.org/officeDocument/2006/relationships" xmlns:p="http://schemas.openxmlformats.org/presentationml/2006/main">
-  <p:cSld>
-    <p:spTree>
-      <p:nvGrpSpPr>
-        <p:cNvPr id="1" name=""/>
-        <p:cNvGrpSpPr/>
-        <p:nvPr/>
-      </p:nvGrpSpPr>
-      <p:grpSpPr>
-        <a:xfrm>
-          <a:off x="0" y="0"/>
-          <a:ext cx="0" cy="0"/>
-          <a:chOff x="0" y="0"/>
-          <a:chExt cx="0" cy="0"/>
-        </a:xfrm>
-      </p:grpSpPr>
-      <p:sp>
-        <p:nvSpPr>
-          <p:cNvPr id="2" name="Date Placeholder 1"/>
-          <p:cNvSpPr>
-            <a:spLocks noGrp="1"/>
-          </p:cNvSpPr>
-          <p:nvPr>
-            <p:ph type="dt" sz="half" idx="10"/>
-          </p:nvPr>
-        </p:nvSpPr>
-        <p:spPr/>
-        <p:txBody>
-          <a:bodyPr/>
-          <a:lstStyle/>
-          <a:p>
-            <a:fld id="{266004A0-9E56-4C9C-910F-AE8959E42029}" type="datetime5">
-              <a:rPr lang="en-GB" smtClean="0"/>
-              <a:pPr/>
-              <a:t>10-Oct-13</a:t>
-            </a:fld>
-            <a:endParaRPr lang="en-US"/>
-          </a:p>
-        </p:txBody>
-      </p:sp>
-      <p:sp>
-        <p:nvSpPr>
-          <p:cNvPr id="3" name="Footer Placeholder 2"/>
-          <p:cNvSpPr>
-            <a:spLocks noGrp="1"/>
-          </p:cNvSpPr>
-          <p:nvPr>
-            <p:ph type="ftr" sz="quarter" idx="11"/>
-          </p:nvPr>
-        </p:nvSpPr>
-        <p:spPr/>
-        <p:txBody>
-          <a:bodyPr/>
-          <a:lstStyle/>
-          <a:p>
-            <a:r>
-              <a:rPr lang="en-GB" smtClean="0"/>
-              <a:t>The CMS Data Management System - </a:t>
-            </a:r>
-            <a:r>
-              <a:rPr lang="en-US" smtClean="0"/>
-              <a:t>CHEP 2013</a:t>
-            </a:r>
-            <a:endParaRPr lang="en-US" dirty="0"/>
-          </a:p>
-        </p:txBody>
-      </p:sp>
-      <p:sp>
-        <p:nvSpPr>
-          <p:cNvPr id="4" name="Slide Number Placeholder 3"/>
-          <p:cNvSpPr>
-            <a:spLocks noGrp="1"/>
-          </p:cNvSpPr>
-          <p:nvPr>
-            <p:ph type="sldNum" sz="quarter" idx="12"/>
-          </p:nvPr>
-        </p:nvSpPr>
-        <p:spPr/>
-        <p:txBody>
-          <a:bodyPr/>
-          <a:lstStyle/>
-          <a:p>
-            <a:fld id="{29CBDB8C-B4BD-4722-B4E8-EB4C3A73DAC9}" type="slidenum">
-              <a:rPr lang="en-US" smtClean="0"/>
-              <a:pPr/>
-              <a:t>12</a:t>
             </a:fld>
             <a:endParaRPr lang="en-US"/>
           </a:p>
@@ -7715,7 +6314,7 @@
 </p:sld>
 </file>
 
-<file path=ppt/slides/slide13.xml><?xml version="1.0" encoding="utf-8"?>
+<file path=ppt/slides/slide11.xml><?xml version="1.0" encoding="utf-8"?>
 <p:sld xmlns:a="http://schemas.openxmlformats.org/drawingml/2006/main" xmlns:r="http://schemas.openxmlformats.org/officeDocument/2006/relationships" xmlns:p="http://schemas.openxmlformats.org/presentationml/2006/main">
   <p:cSld>
     <p:spTree>
@@ -7750,7 +6349,7 @@
             <a:fld id="{266004A0-9E56-4C9C-910F-AE8959E42029}" type="datetime5">
               <a:rPr lang="en-GB" smtClean="0"/>
               <a:pPr/>
-              <a:t>10-Oct-13</a:t>
+              <a:t>11-Oct-13</a:t>
             </a:fld>
             <a:endParaRPr lang="en-US"/>
           </a:p>
@@ -7801,7 +6400,7 @@
             <a:fld id="{29CBDB8C-B4BD-4722-B4E8-EB4C3A73DAC9}" type="slidenum">
               <a:rPr lang="en-US" smtClean="0"/>
               <a:pPr/>
-              <a:t>13</a:t>
+              <a:t>11</a:t>
             </a:fld>
             <a:endParaRPr lang="en-US"/>
           </a:p>
@@ -8266,7 +6865,7 @@
 </p:sld>
 </file>
 
-<file path=ppt/slides/slide14.xml><?xml version="1.0" encoding="utf-8"?>
+<file path=ppt/slides/slide12.xml><?xml version="1.0" encoding="utf-8"?>
 <p:sld xmlns:a="http://schemas.openxmlformats.org/drawingml/2006/main" xmlns:r="http://schemas.openxmlformats.org/officeDocument/2006/relationships" xmlns:p="http://schemas.openxmlformats.org/presentationml/2006/main">
   <p:cSld>
     <p:spTree>
@@ -8301,7 +6900,7 @@
             <a:fld id="{266004A0-9E56-4C9C-910F-AE8959E42029}" type="datetime5">
               <a:rPr lang="en-GB" smtClean="0"/>
               <a:pPr/>
-              <a:t>10-Oct-13</a:t>
+              <a:t>11-Oct-13</a:t>
             </a:fld>
             <a:endParaRPr lang="en-US"/>
           </a:p>
@@ -8352,7 +6951,7 @@
             <a:fld id="{29CBDB8C-B4BD-4722-B4E8-EB4C3A73DAC9}" type="slidenum">
               <a:rPr lang="en-US" smtClean="0"/>
               <a:pPr/>
-              <a:t>14</a:t>
+              <a:t>12</a:t>
             </a:fld>
             <a:endParaRPr lang="en-US"/>
           </a:p>
@@ -8801,7 +7400,7 @@
 </p:sld>
 </file>
 
-<file path=ppt/slides/slide15.xml><?xml version="1.0" encoding="utf-8"?>
+<file path=ppt/slides/slide13.xml><?xml version="1.0" encoding="utf-8"?>
 <p:sld xmlns:a="http://schemas.openxmlformats.org/drawingml/2006/main" xmlns:r="http://schemas.openxmlformats.org/officeDocument/2006/relationships" xmlns:p="http://schemas.openxmlformats.org/presentationml/2006/main">
   <p:cSld>
     <p:spTree>
@@ -8868,7 +7467,7 @@
             <a:fld id="{266004A0-9E56-4C9C-910F-AE8959E42029}" type="datetime5">
               <a:rPr lang="en-GB" smtClean="0"/>
               <a:pPr/>
-              <a:t>10-Oct-13</a:t>
+              <a:t>11-Oct-13</a:t>
             </a:fld>
             <a:endParaRPr lang="en-US"/>
           </a:p>
@@ -8919,7 +7518,7 @@
             <a:fld id="{29CBDB8C-B4BD-4722-B4E8-EB4C3A73DAC9}" type="slidenum">
               <a:rPr lang="en-US" smtClean="0"/>
               <a:pPr/>
-              <a:t>15</a:t>
+              <a:t>13</a:t>
             </a:fld>
             <a:endParaRPr lang="en-US"/>
           </a:p>
@@ -9340,7 +7939,7 @@
 </p:sld>
 </file>
 
-<file path=ppt/slides/slide16.xml><?xml version="1.0" encoding="utf-8"?>
+<file path=ppt/slides/slide14.xml><?xml version="1.0" encoding="utf-8"?>
 <p:sld xmlns:a="http://schemas.openxmlformats.org/drawingml/2006/main" xmlns:r="http://schemas.openxmlformats.org/officeDocument/2006/relationships" xmlns:p="http://schemas.openxmlformats.org/presentationml/2006/main">
   <p:cSld>
     <p:spTree>
@@ -9405,7 +8004,7 @@
             <a:fld id="{266004A0-9E56-4C9C-910F-AE8959E42029}" type="datetime5">
               <a:rPr lang="en-GB" smtClean="0"/>
               <a:pPr/>
-              <a:t>10-Oct-13</a:t>
+              <a:t>11-Oct-13</a:t>
             </a:fld>
             <a:endParaRPr lang="en-US"/>
           </a:p>
@@ -9456,7 +8055,7 @@
             <a:fld id="{29CBDB8C-B4BD-4722-B4E8-EB4C3A73DAC9}" type="slidenum">
               <a:rPr lang="en-US" smtClean="0"/>
               <a:pPr/>
-              <a:t>16</a:t>
+              <a:t>14</a:t>
             </a:fld>
             <a:endParaRPr lang="en-US"/>
           </a:p>
@@ -9697,7 +8296,7 @@
 </p:sld>
 </file>
 
-<file path=ppt/slides/slide17.xml><?xml version="1.0" encoding="utf-8"?>
+<file path=ppt/slides/slide15.xml><?xml version="1.0" encoding="utf-8"?>
 <p:sld xmlns:a="http://schemas.openxmlformats.org/drawingml/2006/main" xmlns:r="http://schemas.openxmlformats.org/officeDocument/2006/relationships" xmlns:p="http://schemas.openxmlformats.org/presentationml/2006/main">
   <p:cSld>
     <p:spTree>
@@ -9732,7 +8331,7 @@
             <a:fld id="{266004A0-9E56-4C9C-910F-AE8959E42029}" type="datetime5">
               <a:rPr lang="en-GB" smtClean="0"/>
               <a:pPr/>
-              <a:t>10-Oct-13</a:t>
+              <a:t>11-Oct-13</a:t>
             </a:fld>
             <a:endParaRPr lang="en-US"/>
           </a:p>
@@ -9783,7 +8382,7 @@
             <a:fld id="{29CBDB8C-B4BD-4722-B4E8-EB4C3A73DAC9}" type="slidenum">
               <a:rPr lang="en-US" smtClean="0"/>
               <a:pPr/>
-              <a:t>17</a:t>
+              <a:t>15</a:t>
             </a:fld>
             <a:endParaRPr lang="en-US"/>
           </a:p>
@@ -10318,23 +8917,7 @@
                 <a:ea typeface="Verdana" panose="020B0604030504040204" pitchFamily="34" charset="0"/>
                 <a:cs typeface="Verdana" panose="020B0604030504040204" pitchFamily="34" charset="0"/>
               </a:rPr>
-              <a:t>C-H Huang</a:t>
-            </a:r>
-            <a:r>
-              <a:rPr lang="en-US" dirty="0" smtClean="0">
-                <a:latin typeface="Verdana" panose="020B0604030504040204" pitchFamily="34" charset="0"/>
-                <a:ea typeface="Verdana" panose="020B0604030504040204" pitchFamily="34" charset="0"/>
-                <a:cs typeface="Verdana" panose="020B0604030504040204" pitchFamily="34" charset="0"/>
-              </a:rPr>
-              <a:t>: </a:t>
-            </a:r>
-            <a:r>
-              <a:rPr lang="en-US" dirty="0" smtClean="0">
-                <a:latin typeface="Verdana" panose="020B0604030504040204" pitchFamily="34" charset="0"/>
-                <a:ea typeface="Verdana" panose="020B0604030504040204" pitchFamily="34" charset="0"/>
-                <a:cs typeface="Verdana" panose="020B0604030504040204" pitchFamily="34" charset="0"/>
-              </a:rPr>
-              <a:t>Request </a:t>
+              <a:t>C-H Huang: Request </a:t>
             </a:r>
             <a:r>
               <a:rPr lang="en-US" dirty="0">
@@ -10415,7 +8998,7 @@
 </p:sld>
 </file>
 
-<file path=ppt/slides/slide18.xml><?xml version="1.0" encoding="utf-8"?>
+<file path=ppt/slides/slide16.xml><?xml version="1.0" encoding="utf-8"?>
 <p:sld xmlns:a="http://schemas.openxmlformats.org/drawingml/2006/main" xmlns:r="http://schemas.openxmlformats.org/officeDocument/2006/relationships" xmlns:p="http://schemas.openxmlformats.org/presentationml/2006/main">
   <p:cSld>
     <p:spTree>
@@ -10504,7 +9087,7 @@
             <a:fld id="{266004A0-9E56-4C9C-910F-AE8959E42029}" type="datetime5">
               <a:rPr lang="en-GB" smtClean="0"/>
               <a:pPr/>
-              <a:t>10-Oct-13</a:t>
+              <a:t>11-Oct-13</a:t>
             </a:fld>
             <a:endParaRPr lang="en-US"/>
           </a:p>
@@ -10555,7 +9138,7 @@
             <a:fld id="{29CBDB8C-B4BD-4722-B4E8-EB4C3A73DAC9}" type="slidenum">
               <a:rPr lang="en-US" smtClean="0"/>
               <a:pPr/>
-              <a:t>18</a:t>
+              <a:t>16</a:t>
             </a:fld>
             <a:endParaRPr lang="en-US"/>
           </a:p>
@@ -10951,6 +9534,1225 @@
     <p:extLst>
       <p:ext uri="{BB962C8B-B14F-4D97-AF65-F5344CB8AC3E}">
         <p14:creationId xmlns:p14="http://schemas.microsoft.com/office/powerpoint/2010/main" val="4117513518"/>
+      </p:ext>
+    </p:extLst>
+  </p:cSld>
+  <p:clrMapOvr>
+    <a:masterClrMapping/>
+  </p:clrMapOvr>
+  <p:timing>
+    <p:tnLst>
+      <p:par>
+        <p:cTn xmlns:p14="http://schemas.microsoft.com/office/powerpoint/2010/main" id="1" dur="indefinite" restart="never" nodeType="tmRoot"/>
+      </p:par>
+    </p:tnLst>
+  </p:timing>
+</p:sld>
+</file>
+
+<file path=ppt/slides/slide17.xml><?xml version="1.0" encoding="utf-8"?>
+<p:sld xmlns:a="http://schemas.openxmlformats.org/drawingml/2006/main" xmlns:r="http://schemas.openxmlformats.org/officeDocument/2006/relationships" xmlns:p="http://schemas.openxmlformats.org/presentationml/2006/main">
+  <p:cSld>
+    <p:spTree>
+      <p:nvGrpSpPr>
+        <p:cNvPr id="1" name=""/>
+        <p:cNvGrpSpPr/>
+        <p:nvPr/>
+      </p:nvGrpSpPr>
+      <p:grpSpPr>
+        <a:xfrm>
+          <a:off x="0" y="0"/>
+          <a:ext cx="0" cy="0"/>
+          <a:chOff x="0" y="0"/>
+          <a:chExt cx="0" cy="0"/>
+        </a:xfrm>
+      </p:grpSpPr>
+      <p:sp>
+        <p:nvSpPr>
+          <p:cNvPr id="2" name="Date Placeholder 1"/>
+          <p:cNvSpPr>
+            <a:spLocks noGrp="1"/>
+          </p:cNvSpPr>
+          <p:nvPr>
+            <p:ph type="dt" sz="half" idx="10"/>
+          </p:nvPr>
+        </p:nvSpPr>
+        <p:spPr/>
+        <p:txBody>
+          <a:bodyPr/>
+          <a:lstStyle/>
+          <a:p>
+            <a:fld id="{266004A0-9E56-4C9C-910F-AE8959E42029}" type="datetime5">
+              <a:rPr lang="en-GB" smtClean="0"/>
+              <a:pPr/>
+              <a:t>11-Oct-13</a:t>
+            </a:fld>
+            <a:endParaRPr lang="en-US"/>
+          </a:p>
+        </p:txBody>
+      </p:sp>
+      <p:sp>
+        <p:nvSpPr>
+          <p:cNvPr id="3" name="Footer Placeholder 2"/>
+          <p:cNvSpPr>
+            <a:spLocks noGrp="1"/>
+          </p:cNvSpPr>
+          <p:nvPr>
+            <p:ph type="ftr" sz="quarter" idx="11"/>
+          </p:nvPr>
+        </p:nvSpPr>
+        <p:spPr/>
+        <p:txBody>
+          <a:bodyPr/>
+          <a:lstStyle/>
+          <a:p>
+            <a:r>
+              <a:rPr lang="en-GB" smtClean="0"/>
+              <a:t>The CMS Data Management System - </a:t>
+            </a:r>
+            <a:r>
+              <a:rPr lang="en-US" smtClean="0"/>
+              <a:t>CHEP 2013</a:t>
+            </a:r>
+            <a:endParaRPr lang="en-US" dirty="0"/>
+          </a:p>
+        </p:txBody>
+      </p:sp>
+      <p:sp>
+        <p:nvSpPr>
+          <p:cNvPr id="4" name="Slide Number Placeholder 3"/>
+          <p:cNvSpPr>
+            <a:spLocks noGrp="1"/>
+          </p:cNvSpPr>
+          <p:nvPr>
+            <p:ph type="sldNum" sz="quarter" idx="12"/>
+          </p:nvPr>
+        </p:nvSpPr>
+        <p:spPr/>
+        <p:txBody>
+          <a:bodyPr/>
+          <a:lstStyle/>
+          <a:p>
+            <a:fld id="{29CBDB8C-B4BD-4722-B4E8-EB4C3A73DAC9}" type="slidenum">
+              <a:rPr lang="en-US" smtClean="0"/>
+              <a:pPr/>
+              <a:t>17</a:t>
+            </a:fld>
+            <a:endParaRPr lang="en-US"/>
+          </a:p>
+        </p:txBody>
+      </p:sp>
+      <p:sp>
+        <p:nvSpPr>
+          <p:cNvPr id="5" name="Rectangle 2"/>
+          <p:cNvSpPr txBox="1">
+            <a:spLocks noChangeArrowheads="1"/>
+          </p:cNvSpPr>
+          <p:nvPr/>
+        </p:nvSpPr>
+        <p:spPr bwMode="auto">
+          <a:xfrm>
+            <a:off x="838200" y="152400"/>
+            <a:ext cx="8305800" cy="609600"/>
+          </a:xfrm>
+          <a:prstGeom prst="rect">
+            <a:avLst/>
+          </a:prstGeom>
+          <a:noFill/>
+          <a:ln w="9525">
+            <a:noFill/>
+            <a:miter lim="800000"/>
+            <a:headEnd/>
+            <a:tailEnd/>
+          </a:ln>
+          <a:effectLst/>
+        </p:spPr>
+        <p:txBody>
+          <a:bodyPr vert="horz" wrap="square" lIns="91440" tIns="45720" rIns="91440" bIns="45720" numCol="1" anchor="ctr" anchorCtr="0" compatLnSpc="1">
+            <a:prstTxWarp prst="textNoShape">
+              <a:avLst/>
+            </a:prstTxWarp>
+          </a:bodyPr>
+          <a:lstStyle>
+            <a:lvl1pPr algn="ctr" rtl="0" fontAlgn="base">
+              <a:spcBef>
+                <a:spcPct val="0"/>
+              </a:spcBef>
+              <a:spcAft>
+                <a:spcPct val="0"/>
+              </a:spcAft>
+              <a:defRPr sz="4000">
+                <a:solidFill>
+                  <a:schemeClr val="tx2"/>
+                </a:solidFill>
+                <a:latin typeface="Verdana" panose="020B0604030504040204" pitchFamily="34" charset="0"/>
+                <a:ea typeface="Verdana" panose="020B0604030504040204" pitchFamily="34" charset="0"/>
+                <a:cs typeface="Verdana" panose="020B0604030504040204" pitchFamily="34" charset="0"/>
+              </a:defRPr>
+            </a:lvl1pPr>
+            <a:lvl2pPr algn="ctr" rtl="0" fontAlgn="base">
+              <a:spcBef>
+                <a:spcPct val="0"/>
+              </a:spcBef>
+              <a:spcAft>
+                <a:spcPct val="0"/>
+              </a:spcAft>
+              <a:defRPr sz="4400">
+                <a:solidFill>
+                  <a:schemeClr val="tx2"/>
+                </a:solidFill>
+                <a:latin typeface="Times New Roman" pitchFamily="18" charset="0"/>
+              </a:defRPr>
+            </a:lvl2pPr>
+            <a:lvl3pPr algn="ctr" rtl="0" fontAlgn="base">
+              <a:spcBef>
+                <a:spcPct val="0"/>
+              </a:spcBef>
+              <a:spcAft>
+                <a:spcPct val="0"/>
+              </a:spcAft>
+              <a:defRPr sz="4400">
+                <a:solidFill>
+                  <a:schemeClr val="tx2"/>
+                </a:solidFill>
+                <a:latin typeface="Times New Roman" pitchFamily="18" charset="0"/>
+              </a:defRPr>
+            </a:lvl3pPr>
+            <a:lvl4pPr algn="ctr" rtl="0" fontAlgn="base">
+              <a:spcBef>
+                <a:spcPct val="0"/>
+              </a:spcBef>
+              <a:spcAft>
+                <a:spcPct val="0"/>
+              </a:spcAft>
+              <a:defRPr sz="4400">
+                <a:solidFill>
+                  <a:schemeClr val="tx2"/>
+                </a:solidFill>
+                <a:latin typeface="Times New Roman" pitchFamily="18" charset="0"/>
+              </a:defRPr>
+            </a:lvl4pPr>
+            <a:lvl5pPr algn="ctr" rtl="0" fontAlgn="base">
+              <a:spcBef>
+                <a:spcPct val="0"/>
+              </a:spcBef>
+              <a:spcAft>
+                <a:spcPct val="0"/>
+              </a:spcAft>
+              <a:defRPr sz="4400">
+                <a:solidFill>
+                  <a:schemeClr val="tx2"/>
+                </a:solidFill>
+                <a:latin typeface="Times New Roman" pitchFamily="18" charset="0"/>
+              </a:defRPr>
+            </a:lvl5pPr>
+            <a:lvl6pPr marL="457200" algn="ctr" rtl="0" fontAlgn="base">
+              <a:spcBef>
+                <a:spcPct val="0"/>
+              </a:spcBef>
+              <a:spcAft>
+                <a:spcPct val="0"/>
+              </a:spcAft>
+              <a:defRPr sz="4400">
+                <a:solidFill>
+                  <a:schemeClr val="tx2"/>
+                </a:solidFill>
+                <a:latin typeface="Times New Roman" pitchFamily="18" charset="0"/>
+              </a:defRPr>
+            </a:lvl6pPr>
+            <a:lvl7pPr marL="914400" algn="ctr" rtl="0" fontAlgn="base">
+              <a:spcBef>
+                <a:spcPct val="0"/>
+              </a:spcBef>
+              <a:spcAft>
+                <a:spcPct val="0"/>
+              </a:spcAft>
+              <a:defRPr sz="4400">
+                <a:solidFill>
+                  <a:schemeClr val="tx2"/>
+                </a:solidFill>
+                <a:latin typeface="Times New Roman" pitchFamily="18" charset="0"/>
+              </a:defRPr>
+            </a:lvl7pPr>
+            <a:lvl8pPr marL="1371600" algn="ctr" rtl="0" fontAlgn="base">
+              <a:spcBef>
+                <a:spcPct val="0"/>
+              </a:spcBef>
+              <a:spcAft>
+                <a:spcPct val="0"/>
+              </a:spcAft>
+              <a:defRPr sz="4400">
+                <a:solidFill>
+                  <a:schemeClr val="tx2"/>
+                </a:solidFill>
+                <a:latin typeface="Times New Roman" pitchFamily="18" charset="0"/>
+              </a:defRPr>
+            </a:lvl8pPr>
+            <a:lvl9pPr marL="1828800" algn="ctr" rtl="0" fontAlgn="base">
+              <a:spcBef>
+                <a:spcPct val="0"/>
+              </a:spcBef>
+              <a:spcAft>
+                <a:spcPct val="0"/>
+              </a:spcAft>
+              <a:defRPr sz="4400">
+                <a:solidFill>
+                  <a:schemeClr val="tx2"/>
+                </a:solidFill>
+                <a:latin typeface="Times New Roman" pitchFamily="18" charset="0"/>
+              </a:defRPr>
+            </a:lvl9pPr>
+          </a:lstStyle>
+          <a:p>
+            <a:r>
+              <a:rPr lang="en-US" altLang="en-US" sz="3200" kern="0" dirty="0" smtClean="0"/>
+              <a:t>DAS</a:t>
+            </a:r>
+          </a:p>
+        </p:txBody>
+      </p:sp>
+      <p:sp>
+        <p:nvSpPr>
+          <p:cNvPr id="8" name="Rectangle 3"/>
+          <p:cNvSpPr txBox="1">
+            <a:spLocks noChangeArrowheads="1"/>
+          </p:cNvSpPr>
+          <p:nvPr/>
+        </p:nvSpPr>
+        <p:spPr bwMode="auto">
+          <a:xfrm>
+            <a:off x="457200" y="1066800"/>
+            <a:ext cx="4419600" cy="4648200"/>
+          </a:xfrm>
+          <a:prstGeom prst="rect">
+            <a:avLst/>
+          </a:prstGeom>
+          <a:noFill/>
+          <a:ln w="9525">
+            <a:noFill/>
+            <a:miter lim="800000"/>
+            <a:headEnd/>
+            <a:tailEnd/>
+          </a:ln>
+          <a:effectLst/>
+        </p:spPr>
+        <p:txBody>
+          <a:bodyPr vert="horz" wrap="square" lIns="91440" tIns="45720" rIns="91440" bIns="45720" numCol="1" anchor="t" anchorCtr="0" compatLnSpc="1">
+            <a:prstTxWarp prst="textNoShape">
+              <a:avLst/>
+            </a:prstTxWarp>
+          </a:bodyPr>
+          <a:lstStyle>
+            <a:lvl1pPr marL="342900" indent="-342900" algn="l" rtl="0" fontAlgn="base">
+              <a:spcBef>
+                <a:spcPct val="20000"/>
+              </a:spcBef>
+              <a:spcAft>
+                <a:spcPct val="0"/>
+              </a:spcAft>
+              <a:buChar char="•"/>
+              <a:defRPr sz="3200">
+                <a:solidFill>
+                  <a:schemeClr val="tx1"/>
+                </a:solidFill>
+                <a:latin typeface="Verdana" panose="020B0604030504040204" pitchFamily="34" charset="0"/>
+                <a:ea typeface="Verdana" panose="020B0604030504040204" pitchFamily="34" charset="0"/>
+                <a:cs typeface="Verdana" panose="020B0604030504040204" pitchFamily="34" charset="0"/>
+              </a:defRPr>
+            </a:lvl1pPr>
+            <a:lvl2pPr marL="742950" indent="-285750" algn="l" rtl="0" fontAlgn="base">
+              <a:spcBef>
+                <a:spcPct val="20000"/>
+              </a:spcBef>
+              <a:spcAft>
+                <a:spcPct val="0"/>
+              </a:spcAft>
+              <a:buChar char="–"/>
+              <a:defRPr sz="2800">
+                <a:solidFill>
+                  <a:schemeClr val="tx1"/>
+                </a:solidFill>
+                <a:latin typeface="Verdana" panose="020B0604030504040204" pitchFamily="34" charset="0"/>
+                <a:ea typeface="Verdana" panose="020B0604030504040204" pitchFamily="34" charset="0"/>
+                <a:cs typeface="Verdana" panose="020B0604030504040204" pitchFamily="34" charset="0"/>
+              </a:defRPr>
+            </a:lvl2pPr>
+            <a:lvl3pPr marL="1143000" indent="-228600" algn="l" rtl="0" fontAlgn="base">
+              <a:spcBef>
+                <a:spcPct val="20000"/>
+              </a:spcBef>
+              <a:spcAft>
+                <a:spcPct val="0"/>
+              </a:spcAft>
+              <a:buChar char="•"/>
+              <a:defRPr sz="2400">
+                <a:solidFill>
+                  <a:schemeClr val="tx1"/>
+                </a:solidFill>
+                <a:latin typeface="Verdana" panose="020B0604030504040204" pitchFamily="34" charset="0"/>
+                <a:ea typeface="Verdana" panose="020B0604030504040204" pitchFamily="34" charset="0"/>
+                <a:cs typeface="Verdana" panose="020B0604030504040204" pitchFamily="34" charset="0"/>
+              </a:defRPr>
+            </a:lvl3pPr>
+            <a:lvl4pPr marL="1600200" indent="-228600" algn="l" rtl="0" fontAlgn="base">
+              <a:spcBef>
+                <a:spcPct val="20000"/>
+              </a:spcBef>
+              <a:spcAft>
+                <a:spcPct val="0"/>
+              </a:spcAft>
+              <a:buChar char="–"/>
+              <a:defRPr sz="2000">
+                <a:solidFill>
+                  <a:schemeClr val="tx1"/>
+                </a:solidFill>
+                <a:latin typeface="Verdana" panose="020B0604030504040204" pitchFamily="34" charset="0"/>
+                <a:ea typeface="Verdana" panose="020B0604030504040204" pitchFamily="34" charset="0"/>
+                <a:cs typeface="Verdana" panose="020B0604030504040204" pitchFamily="34" charset="0"/>
+              </a:defRPr>
+            </a:lvl4pPr>
+            <a:lvl5pPr marL="2057400" indent="-228600" algn="l" rtl="0" fontAlgn="base">
+              <a:spcBef>
+                <a:spcPct val="20000"/>
+              </a:spcBef>
+              <a:spcAft>
+                <a:spcPct val="0"/>
+              </a:spcAft>
+              <a:buChar char="»"/>
+              <a:defRPr sz="2000">
+                <a:solidFill>
+                  <a:schemeClr val="tx1"/>
+                </a:solidFill>
+                <a:latin typeface="Verdana" panose="020B0604030504040204" pitchFamily="34" charset="0"/>
+                <a:ea typeface="Verdana" panose="020B0604030504040204" pitchFamily="34" charset="0"/>
+                <a:cs typeface="Verdana" panose="020B0604030504040204" pitchFamily="34" charset="0"/>
+              </a:defRPr>
+            </a:lvl5pPr>
+            <a:lvl6pPr marL="2514600" indent="-228600" algn="l" rtl="0" fontAlgn="base">
+              <a:spcBef>
+                <a:spcPct val="20000"/>
+              </a:spcBef>
+              <a:spcAft>
+                <a:spcPct val="0"/>
+              </a:spcAft>
+              <a:buChar char="»"/>
+              <a:defRPr sz="2000">
+                <a:solidFill>
+                  <a:schemeClr val="tx1"/>
+                </a:solidFill>
+                <a:latin typeface="+mn-lt"/>
+              </a:defRPr>
+            </a:lvl6pPr>
+            <a:lvl7pPr marL="2971800" indent="-228600" algn="l" rtl="0" fontAlgn="base">
+              <a:spcBef>
+                <a:spcPct val="20000"/>
+              </a:spcBef>
+              <a:spcAft>
+                <a:spcPct val="0"/>
+              </a:spcAft>
+              <a:buChar char="»"/>
+              <a:defRPr sz="2000">
+                <a:solidFill>
+                  <a:schemeClr val="tx1"/>
+                </a:solidFill>
+                <a:latin typeface="+mn-lt"/>
+              </a:defRPr>
+            </a:lvl7pPr>
+            <a:lvl8pPr marL="3429000" indent="-228600" algn="l" rtl="0" fontAlgn="base">
+              <a:spcBef>
+                <a:spcPct val="20000"/>
+              </a:spcBef>
+              <a:spcAft>
+                <a:spcPct val="0"/>
+              </a:spcAft>
+              <a:buChar char="»"/>
+              <a:defRPr sz="2000">
+                <a:solidFill>
+                  <a:schemeClr val="tx1"/>
+                </a:solidFill>
+                <a:latin typeface="+mn-lt"/>
+              </a:defRPr>
+            </a:lvl8pPr>
+            <a:lvl9pPr marL="3886200" indent="-228600" algn="l" rtl="0" fontAlgn="base">
+              <a:spcBef>
+                <a:spcPct val="20000"/>
+              </a:spcBef>
+              <a:spcAft>
+                <a:spcPct val="0"/>
+              </a:spcAft>
+              <a:buChar char="»"/>
+              <a:defRPr sz="2000">
+                <a:solidFill>
+                  <a:schemeClr val="tx1"/>
+                </a:solidFill>
+                <a:latin typeface="+mn-lt"/>
+              </a:defRPr>
+            </a:lvl9pPr>
+          </a:lstStyle>
+          <a:p>
+            <a:r>
+              <a:rPr lang="en-GB" sz="2400" dirty="0"/>
+              <a:t>A</a:t>
+            </a:r>
+            <a:r>
+              <a:rPr lang="en-GB" sz="2400" dirty="0" smtClean="0"/>
+              <a:t>ggregating </a:t>
+            </a:r>
+            <a:r>
+              <a:rPr lang="en-GB" sz="2400" dirty="0"/>
+              <a:t>data from </a:t>
+            </a:r>
+            <a:r>
+              <a:rPr lang="en-GB" sz="2400" dirty="0" smtClean="0"/>
+              <a:t>multiple web </a:t>
+            </a:r>
+            <a:r>
+              <a:rPr lang="en-US" sz="2400" dirty="0" smtClean="0"/>
+              <a:t>sources </a:t>
+            </a:r>
+            <a:r>
+              <a:rPr lang="en-US" sz="2400" dirty="0"/>
+              <a:t>without </a:t>
+            </a:r>
+            <a:r>
+              <a:rPr lang="en-US" sz="2400" dirty="0" smtClean="0"/>
+              <a:t>any requirement </a:t>
+            </a:r>
+            <a:r>
+              <a:rPr lang="en-US" sz="2400" dirty="0"/>
+              <a:t>on data </a:t>
+            </a:r>
+            <a:r>
+              <a:rPr lang="en-US" sz="2400" dirty="0" smtClean="0"/>
+              <a:t>providers</a:t>
+            </a:r>
+          </a:p>
+          <a:p>
+            <a:pPr lvl="1"/>
+            <a:r>
+              <a:rPr lang="en-US" sz="2000" dirty="0"/>
+              <a:t>DAS works with 15 distributed data-services</a:t>
+            </a:r>
+            <a:endParaRPr lang="en-US" sz="2000" dirty="0" smtClean="0"/>
+          </a:p>
+          <a:p>
+            <a:r>
+              <a:rPr lang="en-US" sz="2400" dirty="0" smtClean="0"/>
+              <a:t>Data </a:t>
+            </a:r>
+            <a:r>
+              <a:rPr lang="en-GB" sz="2400" dirty="0" smtClean="0"/>
+              <a:t>stored in </a:t>
+            </a:r>
+            <a:r>
+              <a:rPr lang="en-GB" sz="2400" dirty="0" err="1" smtClean="0"/>
+              <a:t>NoSQL</a:t>
+            </a:r>
+            <a:r>
+              <a:rPr lang="en-GB" sz="2400" dirty="0" smtClean="0"/>
+              <a:t> document-based </a:t>
+            </a:r>
+            <a:r>
+              <a:rPr lang="en-US" sz="2400" dirty="0" smtClean="0"/>
+              <a:t>database </a:t>
+            </a:r>
+            <a:r>
+              <a:rPr lang="en-US" sz="2400" dirty="0" err="1" smtClean="0"/>
+              <a:t>MongoDB</a:t>
+            </a:r>
+            <a:endParaRPr lang="en-US" sz="2400" dirty="0" smtClean="0"/>
+          </a:p>
+          <a:p>
+            <a:pPr lvl="1"/>
+            <a:r>
+              <a:rPr lang="en-US" sz="2000" dirty="0" smtClean="0"/>
+              <a:t>For caching</a:t>
+            </a:r>
+            <a:br>
+              <a:rPr lang="en-US" sz="2000" dirty="0" smtClean="0"/>
+            </a:br>
+            <a:r>
+              <a:rPr lang="en-US" sz="2000" dirty="0" smtClean="0"/>
+              <a:t>and</a:t>
+            </a:r>
+            <a:r>
+              <a:rPr lang="en-US" sz="2000" dirty="0"/>
+              <a:t> </a:t>
+            </a:r>
+            <a:r>
+              <a:rPr lang="en-US" sz="2000" dirty="0" smtClean="0"/>
+              <a:t>storing</a:t>
+            </a:r>
+            <a:br>
+              <a:rPr lang="en-US" sz="2000" dirty="0" smtClean="0"/>
+            </a:br>
+            <a:r>
+              <a:rPr lang="en-US" sz="2000" dirty="0" smtClean="0"/>
+              <a:t>aggregated</a:t>
+            </a:r>
+            <a:br>
+              <a:rPr lang="en-US" sz="2000" dirty="0" smtClean="0"/>
+            </a:br>
+            <a:r>
+              <a:rPr lang="en-US" sz="2000" dirty="0" smtClean="0"/>
+              <a:t>results</a:t>
+            </a:r>
+          </a:p>
+        </p:txBody>
+      </p:sp>
+      <p:pic>
+        <p:nvPicPr>
+          <p:cNvPr id="7" name="Picture 6" descr="DASRequestFlow.pdf"/>
+          <p:cNvPicPr>
+            <a:picLocks noChangeAspect="1"/>
+          </p:cNvPicPr>
+          <p:nvPr/>
+        </p:nvPicPr>
+        <p:blipFill>
+          <a:blip r:embed="rId3">
+            <a:extLst>
+              <a:ext uri="{28A0092B-C50C-407E-A947-70E740481C1C}">
+                <a14:useLocalDpi xmlns:a14="http://schemas.microsoft.com/office/drawing/2010/main" val="0"/>
+              </a:ext>
+            </a:extLst>
+          </a:blip>
+          <a:stretch>
+            <a:fillRect/>
+          </a:stretch>
+        </p:blipFill>
+        <p:spPr>
+          <a:xfrm>
+            <a:off x="3106800" y="1594800"/>
+            <a:ext cx="6097016" cy="4775708"/>
+          </a:xfrm>
+          <a:prstGeom prst="rect">
+            <a:avLst/>
+          </a:prstGeom>
+        </p:spPr>
+      </p:pic>
+      <p:sp>
+        <p:nvSpPr>
+          <p:cNvPr id="6" name="TextBox 5"/>
+          <p:cNvSpPr txBox="1"/>
+          <p:nvPr/>
+        </p:nvSpPr>
+        <p:spPr>
+          <a:xfrm>
+            <a:off x="4343400" y="5334000"/>
+            <a:ext cx="2671262" cy="738664"/>
+          </a:xfrm>
+          <a:prstGeom prst="rect">
+            <a:avLst/>
+          </a:prstGeom>
+          <a:noFill/>
+        </p:spPr>
+        <p:txBody>
+          <a:bodyPr wrap="none" rtlCol="0">
+            <a:spAutoFit/>
+          </a:bodyPr>
+          <a:lstStyle/>
+          <a:p>
+            <a:pPr algn="l"/>
+            <a:r>
+              <a:rPr lang="en-US" dirty="0" smtClean="0"/>
+              <a:t>(DBS2/3, </a:t>
+            </a:r>
+            <a:r>
+              <a:rPr lang="en-US" dirty="0" err="1" smtClean="0"/>
+              <a:t>PhEDEx</a:t>
+            </a:r>
+            <a:r>
+              <a:rPr lang="en-US" dirty="0" smtClean="0"/>
+              <a:t>, Dashboard,</a:t>
+            </a:r>
+            <a:br>
+              <a:rPr lang="en-US" dirty="0" smtClean="0"/>
+            </a:br>
+            <a:r>
+              <a:rPr lang="en-US" dirty="0" smtClean="0"/>
+              <a:t>Overview, </a:t>
+            </a:r>
+            <a:r>
+              <a:rPr lang="en-US" dirty="0" err="1" smtClean="0"/>
+              <a:t>RunRegistry</a:t>
+            </a:r>
+            <a:r>
+              <a:rPr lang="en-US" dirty="0" smtClean="0"/>
+              <a:t>, </a:t>
+            </a:r>
+            <a:r>
+              <a:rPr lang="en-US" dirty="0" err="1" smtClean="0"/>
+              <a:t>SiteDB</a:t>
+            </a:r>
+            <a:r>
+              <a:rPr lang="en-US" dirty="0" smtClean="0"/>
+              <a:t>,</a:t>
+            </a:r>
+            <a:br>
+              <a:rPr lang="en-US" dirty="0" smtClean="0"/>
+            </a:br>
+            <a:r>
+              <a:rPr lang="en-US" dirty="0" err="1" smtClean="0"/>
+              <a:t>ConditionsDB</a:t>
+            </a:r>
+            <a:r>
+              <a:rPr lang="en-US" dirty="0" smtClean="0"/>
+              <a:t>, </a:t>
+            </a:r>
+            <a:r>
+              <a:rPr lang="en-US" dirty="0" err="1" smtClean="0"/>
+              <a:t>ReqMgr</a:t>
+            </a:r>
+            <a:r>
+              <a:rPr lang="en-US" dirty="0" smtClean="0"/>
+              <a:t>, MCM…)</a:t>
+            </a:r>
+            <a:endParaRPr lang="en-US" dirty="0"/>
+          </a:p>
+        </p:txBody>
+      </p:sp>
+    </p:spTree>
+    <p:extLst>
+      <p:ext uri="{BB962C8B-B14F-4D97-AF65-F5344CB8AC3E}">
+        <p14:creationId xmlns:p14="http://schemas.microsoft.com/office/powerpoint/2010/main" val="2443651896"/>
+      </p:ext>
+    </p:extLst>
+  </p:cSld>
+  <p:clrMapOvr>
+    <a:masterClrMapping/>
+  </p:clrMapOvr>
+  <p:timing>
+    <p:tnLst>
+      <p:par>
+        <p:cTn xmlns:p14="http://schemas.microsoft.com/office/powerpoint/2010/main" id="1" dur="indefinite" restart="never" nodeType="tmRoot"/>
+      </p:par>
+    </p:tnLst>
+  </p:timing>
+</p:sld>
+</file>
+
+<file path=ppt/slides/slide18.xml><?xml version="1.0" encoding="utf-8"?>
+<p:sld xmlns:a="http://schemas.openxmlformats.org/drawingml/2006/main" xmlns:r="http://schemas.openxmlformats.org/officeDocument/2006/relationships" xmlns:p="http://schemas.openxmlformats.org/presentationml/2006/main">
+  <p:cSld>
+    <p:spTree>
+      <p:nvGrpSpPr>
+        <p:cNvPr id="1" name=""/>
+        <p:cNvGrpSpPr/>
+        <p:nvPr/>
+      </p:nvGrpSpPr>
+      <p:grpSpPr>
+        <a:xfrm>
+          <a:off x="0" y="0"/>
+          <a:ext cx="0" cy="0"/>
+          <a:chOff x="0" y="0"/>
+          <a:chExt cx="0" cy="0"/>
+        </a:xfrm>
+      </p:grpSpPr>
+      <p:sp>
+        <p:nvSpPr>
+          <p:cNvPr id="2" name="Date Placeholder 1"/>
+          <p:cNvSpPr>
+            <a:spLocks noGrp="1"/>
+          </p:cNvSpPr>
+          <p:nvPr>
+            <p:ph type="dt" sz="half" idx="10"/>
+          </p:nvPr>
+        </p:nvSpPr>
+        <p:spPr/>
+        <p:txBody>
+          <a:bodyPr/>
+          <a:lstStyle/>
+          <a:p>
+            <a:fld id="{266004A0-9E56-4C9C-910F-AE8959E42029}" type="datetime5">
+              <a:rPr lang="en-GB" smtClean="0"/>
+              <a:pPr/>
+              <a:t>11-Oct-13</a:t>
+            </a:fld>
+            <a:endParaRPr lang="en-US"/>
+          </a:p>
+        </p:txBody>
+      </p:sp>
+      <p:sp>
+        <p:nvSpPr>
+          <p:cNvPr id="3" name="Footer Placeholder 2"/>
+          <p:cNvSpPr>
+            <a:spLocks noGrp="1"/>
+          </p:cNvSpPr>
+          <p:nvPr>
+            <p:ph type="ftr" sz="quarter" idx="11"/>
+          </p:nvPr>
+        </p:nvSpPr>
+        <p:spPr/>
+        <p:txBody>
+          <a:bodyPr/>
+          <a:lstStyle/>
+          <a:p>
+            <a:r>
+              <a:rPr lang="en-GB" smtClean="0"/>
+              <a:t>The CMS Data Management System - </a:t>
+            </a:r>
+            <a:r>
+              <a:rPr lang="en-US" smtClean="0"/>
+              <a:t>CHEP 2013</a:t>
+            </a:r>
+            <a:endParaRPr lang="en-US" dirty="0"/>
+          </a:p>
+        </p:txBody>
+      </p:sp>
+      <p:sp>
+        <p:nvSpPr>
+          <p:cNvPr id="4" name="Slide Number Placeholder 3"/>
+          <p:cNvSpPr>
+            <a:spLocks noGrp="1"/>
+          </p:cNvSpPr>
+          <p:nvPr>
+            <p:ph type="sldNum" sz="quarter" idx="12"/>
+          </p:nvPr>
+        </p:nvSpPr>
+        <p:spPr/>
+        <p:txBody>
+          <a:bodyPr/>
+          <a:lstStyle/>
+          <a:p>
+            <a:fld id="{29CBDB8C-B4BD-4722-B4E8-EB4C3A73DAC9}" type="slidenum">
+              <a:rPr lang="en-US" smtClean="0"/>
+              <a:pPr/>
+              <a:t>18</a:t>
+            </a:fld>
+            <a:endParaRPr lang="en-US"/>
+          </a:p>
+        </p:txBody>
+      </p:sp>
+      <p:sp>
+        <p:nvSpPr>
+          <p:cNvPr id="5" name="Rectangle 2"/>
+          <p:cNvSpPr txBox="1">
+            <a:spLocks noChangeArrowheads="1"/>
+          </p:cNvSpPr>
+          <p:nvPr/>
+        </p:nvSpPr>
+        <p:spPr bwMode="auto">
+          <a:xfrm>
+            <a:off x="838200" y="152400"/>
+            <a:ext cx="8305800" cy="609600"/>
+          </a:xfrm>
+          <a:prstGeom prst="rect">
+            <a:avLst/>
+          </a:prstGeom>
+          <a:noFill/>
+          <a:ln w="9525">
+            <a:noFill/>
+            <a:miter lim="800000"/>
+            <a:headEnd/>
+            <a:tailEnd/>
+          </a:ln>
+          <a:effectLst/>
+        </p:spPr>
+        <p:txBody>
+          <a:bodyPr vert="horz" wrap="square" lIns="91440" tIns="45720" rIns="91440" bIns="45720" numCol="1" anchor="ctr" anchorCtr="0" compatLnSpc="1">
+            <a:prstTxWarp prst="textNoShape">
+              <a:avLst/>
+            </a:prstTxWarp>
+          </a:bodyPr>
+          <a:lstStyle>
+            <a:lvl1pPr algn="ctr" rtl="0" fontAlgn="base">
+              <a:spcBef>
+                <a:spcPct val="0"/>
+              </a:spcBef>
+              <a:spcAft>
+                <a:spcPct val="0"/>
+              </a:spcAft>
+              <a:defRPr sz="4000">
+                <a:solidFill>
+                  <a:schemeClr val="tx2"/>
+                </a:solidFill>
+                <a:latin typeface="Verdana" panose="020B0604030504040204" pitchFamily="34" charset="0"/>
+                <a:ea typeface="Verdana" panose="020B0604030504040204" pitchFamily="34" charset="0"/>
+                <a:cs typeface="Verdana" panose="020B0604030504040204" pitchFamily="34" charset="0"/>
+              </a:defRPr>
+            </a:lvl1pPr>
+            <a:lvl2pPr algn="ctr" rtl="0" fontAlgn="base">
+              <a:spcBef>
+                <a:spcPct val="0"/>
+              </a:spcBef>
+              <a:spcAft>
+                <a:spcPct val="0"/>
+              </a:spcAft>
+              <a:defRPr sz="4400">
+                <a:solidFill>
+                  <a:schemeClr val="tx2"/>
+                </a:solidFill>
+                <a:latin typeface="Times New Roman" pitchFamily="18" charset="0"/>
+              </a:defRPr>
+            </a:lvl2pPr>
+            <a:lvl3pPr algn="ctr" rtl="0" fontAlgn="base">
+              <a:spcBef>
+                <a:spcPct val="0"/>
+              </a:spcBef>
+              <a:spcAft>
+                <a:spcPct val="0"/>
+              </a:spcAft>
+              <a:defRPr sz="4400">
+                <a:solidFill>
+                  <a:schemeClr val="tx2"/>
+                </a:solidFill>
+                <a:latin typeface="Times New Roman" pitchFamily="18" charset="0"/>
+              </a:defRPr>
+            </a:lvl3pPr>
+            <a:lvl4pPr algn="ctr" rtl="0" fontAlgn="base">
+              <a:spcBef>
+                <a:spcPct val="0"/>
+              </a:spcBef>
+              <a:spcAft>
+                <a:spcPct val="0"/>
+              </a:spcAft>
+              <a:defRPr sz="4400">
+                <a:solidFill>
+                  <a:schemeClr val="tx2"/>
+                </a:solidFill>
+                <a:latin typeface="Times New Roman" pitchFamily="18" charset="0"/>
+              </a:defRPr>
+            </a:lvl4pPr>
+            <a:lvl5pPr algn="ctr" rtl="0" fontAlgn="base">
+              <a:spcBef>
+                <a:spcPct val="0"/>
+              </a:spcBef>
+              <a:spcAft>
+                <a:spcPct val="0"/>
+              </a:spcAft>
+              <a:defRPr sz="4400">
+                <a:solidFill>
+                  <a:schemeClr val="tx2"/>
+                </a:solidFill>
+                <a:latin typeface="Times New Roman" pitchFamily="18" charset="0"/>
+              </a:defRPr>
+            </a:lvl5pPr>
+            <a:lvl6pPr marL="457200" algn="ctr" rtl="0" fontAlgn="base">
+              <a:spcBef>
+                <a:spcPct val="0"/>
+              </a:spcBef>
+              <a:spcAft>
+                <a:spcPct val="0"/>
+              </a:spcAft>
+              <a:defRPr sz="4400">
+                <a:solidFill>
+                  <a:schemeClr val="tx2"/>
+                </a:solidFill>
+                <a:latin typeface="Times New Roman" pitchFamily="18" charset="0"/>
+              </a:defRPr>
+            </a:lvl6pPr>
+            <a:lvl7pPr marL="914400" algn="ctr" rtl="0" fontAlgn="base">
+              <a:spcBef>
+                <a:spcPct val="0"/>
+              </a:spcBef>
+              <a:spcAft>
+                <a:spcPct val="0"/>
+              </a:spcAft>
+              <a:defRPr sz="4400">
+                <a:solidFill>
+                  <a:schemeClr val="tx2"/>
+                </a:solidFill>
+                <a:latin typeface="Times New Roman" pitchFamily="18" charset="0"/>
+              </a:defRPr>
+            </a:lvl7pPr>
+            <a:lvl8pPr marL="1371600" algn="ctr" rtl="0" fontAlgn="base">
+              <a:spcBef>
+                <a:spcPct val="0"/>
+              </a:spcBef>
+              <a:spcAft>
+                <a:spcPct val="0"/>
+              </a:spcAft>
+              <a:defRPr sz="4400">
+                <a:solidFill>
+                  <a:schemeClr val="tx2"/>
+                </a:solidFill>
+                <a:latin typeface="Times New Roman" pitchFamily="18" charset="0"/>
+              </a:defRPr>
+            </a:lvl8pPr>
+            <a:lvl9pPr marL="1828800" algn="ctr" rtl="0" fontAlgn="base">
+              <a:spcBef>
+                <a:spcPct val="0"/>
+              </a:spcBef>
+              <a:spcAft>
+                <a:spcPct val="0"/>
+              </a:spcAft>
+              <a:defRPr sz="4400">
+                <a:solidFill>
+                  <a:schemeClr val="tx2"/>
+                </a:solidFill>
+                <a:latin typeface="Times New Roman" pitchFamily="18" charset="0"/>
+              </a:defRPr>
+            </a:lvl9pPr>
+          </a:lstStyle>
+          <a:p>
+            <a:r>
+              <a:rPr lang="en-US" altLang="en-US" sz="3200" kern="0" dirty="0" smtClean="0"/>
+              <a:t>DAS interface</a:t>
+            </a:r>
+          </a:p>
+        </p:txBody>
+      </p:sp>
+      <p:pic>
+        <p:nvPicPr>
+          <p:cNvPr id="6" name="Picture 5"/>
+          <p:cNvPicPr>
+            <a:picLocks noChangeAspect="1"/>
+          </p:cNvPicPr>
+          <p:nvPr/>
+        </p:nvPicPr>
+        <p:blipFill>
+          <a:blip r:embed="rId3">
+            <a:extLst>
+              <a:ext uri="{28A0092B-C50C-407E-A947-70E740481C1C}">
+                <a14:useLocalDpi xmlns:a14="http://schemas.microsoft.com/office/drawing/2010/main" val="0"/>
+              </a:ext>
+            </a:extLst>
+          </a:blip>
+          <a:stretch>
+            <a:fillRect/>
+          </a:stretch>
+        </p:blipFill>
+        <p:spPr>
+          <a:xfrm>
+            <a:off x="834887" y="835322"/>
+            <a:ext cx="4412263" cy="3949439"/>
+          </a:xfrm>
+          <a:prstGeom prst="rect">
+            <a:avLst/>
+          </a:prstGeom>
+        </p:spPr>
+      </p:pic>
+      <p:sp>
+        <p:nvSpPr>
+          <p:cNvPr id="8" name="Rectangle 3"/>
+          <p:cNvSpPr txBox="1">
+            <a:spLocks noChangeArrowheads="1"/>
+          </p:cNvSpPr>
+          <p:nvPr/>
+        </p:nvSpPr>
+        <p:spPr bwMode="auto">
+          <a:xfrm>
+            <a:off x="424070" y="4876800"/>
+            <a:ext cx="8415130" cy="1371600"/>
+          </a:xfrm>
+          <a:prstGeom prst="rect">
+            <a:avLst/>
+          </a:prstGeom>
+          <a:noFill/>
+          <a:ln w="9525">
+            <a:noFill/>
+            <a:miter lim="800000"/>
+            <a:headEnd/>
+            <a:tailEnd/>
+          </a:ln>
+          <a:effectLst/>
+        </p:spPr>
+        <p:txBody>
+          <a:bodyPr vert="horz" wrap="square" lIns="91440" tIns="45720" rIns="91440" bIns="45720" numCol="1" anchor="t" anchorCtr="0" compatLnSpc="1">
+            <a:prstTxWarp prst="textNoShape">
+              <a:avLst/>
+            </a:prstTxWarp>
+          </a:bodyPr>
+          <a:lstStyle>
+            <a:lvl1pPr marL="342900" indent="-342900" algn="l" rtl="0" fontAlgn="base">
+              <a:spcBef>
+                <a:spcPct val="20000"/>
+              </a:spcBef>
+              <a:spcAft>
+                <a:spcPct val="0"/>
+              </a:spcAft>
+              <a:buChar char="•"/>
+              <a:defRPr sz="3200">
+                <a:solidFill>
+                  <a:schemeClr val="tx1"/>
+                </a:solidFill>
+                <a:latin typeface="Verdana" panose="020B0604030504040204" pitchFamily="34" charset="0"/>
+                <a:ea typeface="Verdana" panose="020B0604030504040204" pitchFamily="34" charset="0"/>
+                <a:cs typeface="Verdana" panose="020B0604030504040204" pitchFamily="34" charset="0"/>
+              </a:defRPr>
+            </a:lvl1pPr>
+            <a:lvl2pPr marL="742950" indent="-285750" algn="l" rtl="0" fontAlgn="base">
+              <a:spcBef>
+                <a:spcPct val="20000"/>
+              </a:spcBef>
+              <a:spcAft>
+                <a:spcPct val="0"/>
+              </a:spcAft>
+              <a:buChar char="–"/>
+              <a:defRPr sz="2800">
+                <a:solidFill>
+                  <a:schemeClr val="tx1"/>
+                </a:solidFill>
+                <a:latin typeface="Verdana" panose="020B0604030504040204" pitchFamily="34" charset="0"/>
+                <a:ea typeface="Verdana" panose="020B0604030504040204" pitchFamily="34" charset="0"/>
+                <a:cs typeface="Verdana" panose="020B0604030504040204" pitchFamily="34" charset="0"/>
+              </a:defRPr>
+            </a:lvl2pPr>
+            <a:lvl3pPr marL="1143000" indent="-228600" algn="l" rtl="0" fontAlgn="base">
+              <a:spcBef>
+                <a:spcPct val="20000"/>
+              </a:spcBef>
+              <a:spcAft>
+                <a:spcPct val="0"/>
+              </a:spcAft>
+              <a:buChar char="•"/>
+              <a:defRPr sz="2400">
+                <a:solidFill>
+                  <a:schemeClr val="tx1"/>
+                </a:solidFill>
+                <a:latin typeface="Verdana" panose="020B0604030504040204" pitchFamily="34" charset="0"/>
+                <a:ea typeface="Verdana" panose="020B0604030504040204" pitchFamily="34" charset="0"/>
+                <a:cs typeface="Verdana" panose="020B0604030504040204" pitchFamily="34" charset="0"/>
+              </a:defRPr>
+            </a:lvl3pPr>
+            <a:lvl4pPr marL="1600200" indent="-228600" algn="l" rtl="0" fontAlgn="base">
+              <a:spcBef>
+                <a:spcPct val="20000"/>
+              </a:spcBef>
+              <a:spcAft>
+                <a:spcPct val="0"/>
+              </a:spcAft>
+              <a:buChar char="–"/>
+              <a:defRPr sz="2000">
+                <a:solidFill>
+                  <a:schemeClr val="tx1"/>
+                </a:solidFill>
+                <a:latin typeface="Verdana" panose="020B0604030504040204" pitchFamily="34" charset="0"/>
+                <a:ea typeface="Verdana" panose="020B0604030504040204" pitchFamily="34" charset="0"/>
+                <a:cs typeface="Verdana" panose="020B0604030504040204" pitchFamily="34" charset="0"/>
+              </a:defRPr>
+            </a:lvl4pPr>
+            <a:lvl5pPr marL="2057400" indent="-228600" algn="l" rtl="0" fontAlgn="base">
+              <a:spcBef>
+                <a:spcPct val="20000"/>
+              </a:spcBef>
+              <a:spcAft>
+                <a:spcPct val="0"/>
+              </a:spcAft>
+              <a:buChar char="»"/>
+              <a:defRPr sz="2000">
+                <a:solidFill>
+                  <a:schemeClr val="tx1"/>
+                </a:solidFill>
+                <a:latin typeface="Verdana" panose="020B0604030504040204" pitchFamily="34" charset="0"/>
+                <a:ea typeface="Verdana" panose="020B0604030504040204" pitchFamily="34" charset="0"/>
+                <a:cs typeface="Verdana" panose="020B0604030504040204" pitchFamily="34" charset="0"/>
+              </a:defRPr>
+            </a:lvl5pPr>
+            <a:lvl6pPr marL="2514600" indent="-228600" algn="l" rtl="0" fontAlgn="base">
+              <a:spcBef>
+                <a:spcPct val="20000"/>
+              </a:spcBef>
+              <a:spcAft>
+                <a:spcPct val="0"/>
+              </a:spcAft>
+              <a:buChar char="»"/>
+              <a:defRPr sz="2000">
+                <a:solidFill>
+                  <a:schemeClr val="tx1"/>
+                </a:solidFill>
+                <a:latin typeface="+mn-lt"/>
+              </a:defRPr>
+            </a:lvl6pPr>
+            <a:lvl7pPr marL="2971800" indent="-228600" algn="l" rtl="0" fontAlgn="base">
+              <a:spcBef>
+                <a:spcPct val="20000"/>
+              </a:spcBef>
+              <a:spcAft>
+                <a:spcPct val="0"/>
+              </a:spcAft>
+              <a:buChar char="»"/>
+              <a:defRPr sz="2000">
+                <a:solidFill>
+                  <a:schemeClr val="tx1"/>
+                </a:solidFill>
+                <a:latin typeface="+mn-lt"/>
+              </a:defRPr>
+            </a:lvl7pPr>
+            <a:lvl8pPr marL="3429000" indent="-228600" algn="l" rtl="0" fontAlgn="base">
+              <a:spcBef>
+                <a:spcPct val="20000"/>
+              </a:spcBef>
+              <a:spcAft>
+                <a:spcPct val="0"/>
+              </a:spcAft>
+              <a:buChar char="»"/>
+              <a:defRPr sz="2000">
+                <a:solidFill>
+                  <a:schemeClr val="tx1"/>
+                </a:solidFill>
+                <a:latin typeface="+mn-lt"/>
+              </a:defRPr>
+            </a:lvl8pPr>
+            <a:lvl9pPr marL="3886200" indent="-228600" algn="l" rtl="0" fontAlgn="base">
+              <a:spcBef>
+                <a:spcPct val="20000"/>
+              </a:spcBef>
+              <a:spcAft>
+                <a:spcPct val="0"/>
+              </a:spcAft>
+              <a:buChar char="»"/>
+              <a:defRPr sz="2000">
+                <a:solidFill>
+                  <a:schemeClr val="tx1"/>
+                </a:solidFill>
+                <a:latin typeface="+mn-lt"/>
+              </a:defRPr>
+            </a:lvl9pPr>
+          </a:lstStyle>
+          <a:p>
+            <a:r>
+              <a:rPr lang="en-US" sz="2800" dirty="0" smtClean="0"/>
+              <a:t>DAS </a:t>
+            </a:r>
+            <a:r>
+              <a:rPr lang="en-US" sz="2800" dirty="0"/>
+              <a:t>interactive webpage fully replaced </a:t>
+            </a:r>
+            <a:r>
+              <a:rPr lang="en-US" sz="2800" dirty="0" smtClean="0"/>
+              <a:t>DBS webpage as main user entry point for data discovery in 2011</a:t>
+            </a:r>
+            <a:endParaRPr lang="en-GB" sz="2800" dirty="0"/>
+          </a:p>
+        </p:txBody>
+      </p:sp>
+      <p:sp>
+        <p:nvSpPr>
+          <p:cNvPr id="9" name="Rectangle 8"/>
+          <p:cNvSpPr/>
+          <p:nvPr/>
+        </p:nvSpPr>
+        <p:spPr>
+          <a:xfrm>
+            <a:off x="5643769" y="2133600"/>
+            <a:ext cx="3172239" cy="1015663"/>
+          </a:xfrm>
+          <a:prstGeom prst="rect">
+            <a:avLst/>
+          </a:prstGeom>
+        </p:spPr>
+        <p:txBody>
+          <a:bodyPr wrap="square">
+            <a:spAutoFit/>
+          </a:bodyPr>
+          <a:lstStyle/>
+          <a:p>
+            <a:r>
+              <a:rPr lang="en-US" sz="2000" dirty="0">
+                <a:latin typeface="Verdana" panose="020B0604030504040204" pitchFamily="34" charset="0"/>
+                <a:ea typeface="Verdana" panose="020B0604030504040204" pitchFamily="34" charset="0"/>
+                <a:cs typeface="Verdana" panose="020B0604030504040204" pitchFamily="34" charset="0"/>
+              </a:rPr>
+              <a:t>Free text-based query language, filters, aggregators</a:t>
+            </a:r>
+          </a:p>
+        </p:txBody>
+      </p:sp>
+    </p:spTree>
+    <p:extLst>
+      <p:ext uri="{BB962C8B-B14F-4D97-AF65-F5344CB8AC3E}">
+        <p14:creationId xmlns:p14="http://schemas.microsoft.com/office/powerpoint/2010/main" val="2061370010"/>
       </p:ext>
     </p:extLst>
   </p:cSld>
@@ -11002,7 +10804,7 @@
             <a:fld id="{266004A0-9E56-4C9C-910F-AE8959E42029}" type="datetime5">
               <a:rPr lang="en-GB" smtClean="0"/>
               <a:pPr/>
-              <a:t>10-Oct-13</a:t>
+              <a:t>11-Oct-13</a:t>
             </a:fld>
             <a:endParaRPr lang="en-US"/>
           </a:p>
@@ -11054,1706 +10856,6 @@
               <a:rPr lang="en-US" smtClean="0"/>
               <a:pPr/>
               <a:t>19</a:t>
-            </a:fld>
-            <a:endParaRPr lang="en-US"/>
-          </a:p>
-        </p:txBody>
-      </p:sp>
-      <p:sp>
-        <p:nvSpPr>
-          <p:cNvPr id="5" name="Rectangle 2"/>
-          <p:cNvSpPr txBox="1">
-            <a:spLocks noChangeArrowheads="1"/>
-          </p:cNvSpPr>
-          <p:nvPr/>
-        </p:nvSpPr>
-        <p:spPr bwMode="auto">
-          <a:xfrm>
-            <a:off x="838200" y="152400"/>
-            <a:ext cx="8305800" cy="609600"/>
-          </a:xfrm>
-          <a:prstGeom prst="rect">
-            <a:avLst/>
-          </a:prstGeom>
-          <a:noFill/>
-          <a:ln w="9525">
-            <a:noFill/>
-            <a:miter lim="800000"/>
-            <a:headEnd/>
-            <a:tailEnd/>
-          </a:ln>
-          <a:effectLst/>
-        </p:spPr>
-        <p:txBody>
-          <a:bodyPr vert="horz" wrap="square" lIns="91440" tIns="45720" rIns="91440" bIns="45720" numCol="1" anchor="ctr" anchorCtr="0" compatLnSpc="1">
-            <a:prstTxWarp prst="textNoShape">
-              <a:avLst/>
-            </a:prstTxWarp>
-          </a:bodyPr>
-          <a:lstStyle>
-            <a:lvl1pPr algn="ctr" rtl="0" fontAlgn="base">
-              <a:spcBef>
-                <a:spcPct val="0"/>
-              </a:spcBef>
-              <a:spcAft>
-                <a:spcPct val="0"/>
-              </a:spcAft>
-              <a:defRPr sz="4000">
-                <a:solidFill>
-                  <a:schemeClr val="tx2"/>
-                </a:solidFill>
-                <a:latin typeface="Verdana" panose="020B0604030504040204" pitchFamily="34" charset="0"/>
-                <a:ea typeface="Verdana" panose="020B0604030504040204" pitchFamily="34" charset="0"/>
-                <a:cs typeface="Verdana" panose="020B0604030504040204" pitchFamily="34" charset="0"/>
-              </a:defRPr>
-            </a:lvl1pPr>
-            <a:lvl2pPr algn="ctr" rtl="0" fontAlgn="base">
-              <a:spcBef>
-                <a:spcPct val="0"/>
-              </a:spcBef>
-              <a:spcAft>
-                <a:spcPct val="0"/>
-              </a:spcAft>
-              <a:defRPr sz="4400">
-                <a:solidFill>
-                  <a:schemeClr val="tx2"/>
-                </a:solidFill>
-                <a:latin typeface="Times New Roman" pitchFamily="18" charset="0"/>
-              </a:defRPr>
-            </a:lvl2pPr>
-            <a:lvl3pPr algn="ctr" rtl="0" fontAlgn="base">
-              <a:spcBef>
-                <a:spcPct val="0"/>
-              </a:spcBef>
-              <a:spcAft>
-                <a:spcPct val="0"/>
-              </a:spcAft>
-              <a:defRPr sz="4400">
-                <a:solidFill>
-                  <a:schemeClr val="tx2"/>
-                </a:solidFill>
-                <a:latin typeface="Times New Roman" pitchFamily="18" charset="0"/>
-              </a:defRPr>
-            </a:lvl3pPr>
-            <a:lvl4pPr algn="ctr" rtl="0" fontAlgn="base">
-              <a:spcBef>
-                <a:spcPct val="0"/>
-              </a:spcBef>
-              <a:spcAft>
-                <a:spcPct val="0"/>
-              </a:spcAft>
-              <a:defRPr sz="4400">
-                <a:solidFill>
-                  <a:schemeClr val="tx2"/>
-                </a:solidFill>
-                <a:latin typeface="Times New Roman" pitchFamily="18" charset="0"/>
-              </a:defRPr>
-            </a:lvl4pPr>
-            <a:lvl5pPr algn="ctr" rtl="0" fontAlgn="base">
-              <a:spcBef>
-                <a:spcPct val="0"/>
-              </a:spcBef>
-              <a:spcAft>
-                <a:spcPct val="0"/>
-              </a:spcAft>
-              <a:defRPr sz="4400">
-                <a:solidFill>
-                  <a:schemeClr val="tx2"/>
-                </a:solidFill>
-                <a:latin typeface="Times New Roman" pitchFamily="18" charset="0"/>
-              </a:defRPr>
-            </a:lvl5pPr>
-            <a:lvl6pPr marL="457200" algn="ctr" rtl="0" fontAlgn="base">
-              <a:spcBef>
-                <a:spcPct val="0"/>
-              </a:spcBef>
-              <a:spcAft>
-                <a:spcPct val="0"/>
-              </a:spcAft>
-              <a:defRPr sz="4400">
-                <a:solidFill>
-                  <a:schemeClr val="tx2"/>
-                </a:solidFill>
-                <a:latin typeface="Times New Roman" pitchFamily="18" charset="0"/>
-              </a:defRPr>
-            </a:lvl6pPr>
-            <a:lvl7pPr marL="914400" algn="ctr" rtl="0" fontAlgn="base">
-              <a:spcBef>
-                <a:spcPct val="0"/>
-              </a:spcBef>
-              <a:spcAft>
-                <a:spcPct val="0"/>
-              </a:spcAft>
-              <a:defRPr sz="4400">
-                <a:solidFill>
-                  <a:schemeClr val="tx2"/>
-                </a:solidFill>
-                <a:latin typeface="Times New Roman" pitchFamily="18" charset="0"/>
-              </a:defRPr>
-            </a:lvl7pPr>
-            <a:lvl8pPr marL="1371600" algn="ctr" rtl="0" fontAlgn="base">
-              <a:spcBef>
-                <a:spcPct val="0"/>
-              </a:spcBef>
-              <a:spcAft>
-                <a:spcPct val="0"/>
-              </a:spcAft>
-              <a:defRPr sz="4400">
-                <a:solidFill>
-                  <a:schemeClr val="tx2"/>
-                </a:solidFill>
-                <a:latin typeface="Times New Roman" pitchFamily="18" charset="0"/>
-              </a:defRPr>
-            </a:lvl8pPr>
-            <a:lvl9pPr marL="1828800" algn="ctr" rtl="0" fontAlgn="base">
-              <a:spcBef>
-                <a:spcPct val="0"/>
-              </a:spcBef>
-              <a:spcAft>
-                <a:spcPct val="0"/>
-              </a:spcAft>
-              <a:defRPr sz="4400">
-                <a:solidFill>
-                  <a:schemeClr val="tx2"/>
-                </a:solidFill>
-                <a:latin typeface="Times New Roman" pitchFamily="18" charset="0"/>
-              </a:defRPr>
-            </a:lvl9pPr>
-          </a:lstStyle>
-          <a:p>
-            <a:r>
-              <a:rPr lang="en-US" altLang="en-US" sz="3200" kern="0" dirty="0" smtClean="0"/>
-              <a:t>DAS</a:t>
-            </a:r>
-          </a:p>
-        </p:txBody>
-      </p:sp>
-      <p:sp>
-        <p:nvSpPr>
-          <p:cNvPr id="8" name="Rectangle 3"/>
-          <p:cNvSpPr txBox="1">
-            <a:spLocks noChangeArrowheads="1"/>
-          </p:cNvSpPr>
-          <p:nvPr/>
-        </p:nvSpPr>
-        <p:spPr bwMode="auto">
-          <a:xfrm>
-            <a:off x="457200" y="1066800"/>
-            <a:ext cx="4419600" cy="4648200"/>
-          </a:xfrm>
-          <a:prstGeom prst="rect">
-            <a:avLst/>
-          </a:prstGeom>
-          <a:noFill/>
-          <a:ln w="9525">
-            <a:noFill/>
-            <a:miter lim="800000"/>
-            <a:headEnd/>
-            <a:tailEnd/>
-          </a:ln>
-          <a:effectLst/>
-        </p:spPr>
-        <p:txBody>
-          <a:bodyPr vert="horz" wrap="square" lIns="91440" tIns="45720" rIns="91440" bIns="45720" numCol="1" anchor="t" anchorCtr="0" compatLnSpc="1">
-            <a:prstTxWarp prst="textNoShape">
-              <a:avLst/>
-            </a:prstTxWarp>
-          </a:bodyPr>
-          <a:lstStyle>
-            <a:lvl1pPr marL="342900" indent="-342900" algn="l" rtl="0" fontAlgn="base">
-              <a:spcBef>
-                <a:spcPct val="20000"/>
-              </a:spcBef>
-              <a:spcAft>
-                <a:spcPct val="0"/>
-              </a:spcAft>
-              <a:buChar char="•"/>
-              <a:defRPr sz="3200">
-                <a:solidFill>
-                  <a:schemeClr val="tx1"/>
-                </a:solidFill>
-                <a:latin typeface="Verdana" panose="020B0604030504040204" pitchFamily="34" charset="0"/>
-                <a:ea typeface="Verdana" panose="020B0604030504040204" pitchFamily="34" charset="0"/>
-                <a:cs typeface="Verdana" panose="020B0604030504040204" pitchFamily="34" charset="0"/>
-              </a:defRPr>
-            </a:lvl1pPr>
-            <a:lvl2pPr marL="742950" indent="-285750" algn="l" rtl="0" fontAlgn="base">
-              <a:spcBef>
-                <a:spcPct val="20000"/>
-              </a:spcBef>
-              <a:spcAft>
-                <a:spcPct val="0"/>
-              </a:spcAft>
-              <a:buChar char="–"/>
-              <a:defRPr sz="2800">
-                <a:solidFill>
-                  <a:schemeClr val="tx1"/>
-                </a:solidFill>
-                <a:latin typeface="Verdana" panose="020B0604030504040204" pitchFamily="34" charset="0"/>
-                <a:ea typeface="Verdana" panose="020B0604030504040204" pitchFamily="34" charset="0"/>
-                <a:cs typeface="Verdana" panose="020B0604030504040204" pitchFamily="34" charset="0"/>
-              </a:defRPr>
-            </a:lvl2pPr>
-            <a:lvl3pPr marL="1143000" indent="-228600" algn="l" rtl="0" fontAlgn="base">
-              <a:spcBef>
-                <a:spcPct val="20000"/>
-              </a:spcBef>
-              <a:spcAft>
-                <a:spcPct val="0"/>
-              </a:spcAft>
-              <a:buChar char="•"/>
-              <a:defRPr sz="2400">
-                <a:solidFill>
-                  <a:schemeClr val="tx1"/>
-                </a:solidFill>
-                <a:latin typeface="Verdana" panose="020B0604030504040204" pitchFamily="34" charset="0"/>
-                <a:ea typeface="Verdana" panose="020B0604030504040204" pitchFamily="34" charset="0"/>
-                <a:cs typeface="Verdana" panose="020B0604030504040204" pitchFamily="34" charset="0"/>
-              </a:defRPr>
-            </a:lvl3pPr>
-            <a:lvl4pPr marL="1600200" indent="-228600" algn="l" rtl="0" fontAlgn="base">
-              <a:spcBef>
-                <a:spcPct val="20000"/>
-              </a:spcBef>
-              <a:spcAft>
-                <a:spcPct val="0"/>
-              </a:spcAft>
-              <a:buChar char="–"/>
-              <a:defRPr sz="2000">
-                <a:solidFill>
-                  <a:schemeClr val="tx1"/>
-                </a:solidFill>
-                <a:latin typeface="Verdana" panose="020B0604030504040204" pitchFamily="34" charset="0"/>
-                <a:ea typeface="Verdana" panose="020B0604030504040204" pitchFamily="34" charset="0"/>
-                <a:cs typeface="Verdana" panose="020B0604030504040204" pitchFamily="34" charset="0"/>
-              </a:defRPr>
-            </a:lvl4pPr>
-            <a:lvl5pPr marL="2057400" indent="-228600" algn="l" rtl="0" fontAlgn="base">
-              <a:spcBef>
-                <a:spcPct val="20000"/>
-              </a:spcBef>
-              <a:spcAft>
-                <a:spcPct val="0"/>
-              </a:spcAft>
-              <a:buChar char="»"/>
-              <a:defRPr sz="2000">
-                <a:solidFill>
-                  <a:schemeClr val="tx1"/>
-                </a:solidFill>
-                <a:latin typeface="Verdana" panose="020B0604030504040204" pitchFamily="34" charset="0"/>
-                <a:ea typeface="Verdana" panose="020B0604030504040204" pitchFamily="34" charset="0"/>
-                <a:cs typeface="Verdana" panose="020B0604030504040204" pitchFamily="34" charset="0"/>
-              </a:defRPr>
-            </a:lvl5pPr>
-            <a:lvl6pPr marL="2514600" indent="-228600" algn="l" rtl="0" fontAlgn="base">
-              <a:spcBef>
-                <a:spcPct val="20000"/>
-              </a:spcBef>
-              <a:spcAft>
-                <a:spcPct val="0"/>
-              </a:spcAft>
-              <a:buChar char="»"/>
-              <a:defRPr sz="2000">
-                <a:solidFill>
-                  <a:schemeClr val="tx1"/>
-                </a:solidFill>
-                <a:latin typeface="+mn-lt"/>
-              </a:defRPr>
-            </a:lvl6pPr>
-            <a:lvl7pPr marL="2971800" indent="-228600" algn="l" rtl="0" fontAlgn="base">
-              <a:spcBef>
-                <a:spcPct val="20000"/>
-              </a:spcBef>
-              <a:spcAft>
-                <a:spcPct val="0"/>
-              </a:spcAft>
-              <a:buChar char="»"/>
-              <a:defRPr sz="2000">
-                <a:solidFill>
-                  <a:schemeClr val="tx1"/>
-                </a:solidFill>
-                <a:latin typeface="+mn-lt"/>
-              </a:defRPr>
-            </a:lvl7pPr>
-            <a:lvl8pPr marL="3429000" indent="-228600" algn="l" rtl="0" fontAlgn="base">
-              <a:spcBef>
-                <a:spcPct val="20000"/>
-              </a:spcBef>
-              <a:spcAft>
-                <a:spcPct val="0"/>
-              </a:spcAft>
-              <a:buChar char="»"/>
-              <a:defRPr sz="2000">
-                <a:solidFill>
-                  <a:schemeClr val="tx1"/>
-                </a:solidFill>
-                <a:latin typeface="+mn-lt"/>
-              </a:defRPr>
-            </a:lvl8pPr>
-            <a:lvl9pPr marL="3886200" indent="-228600" algn="l" rtl="0" fontAlgn="base">
-              <a:spcBef>
-                <a:spcPct val="20000"/>
-              </a:spcBef>
-              <a:spcAft>
-                <a:spcPct val="0"/>
-              </a:spcAft>
-              <a:buChar char="»"/>
-              <a:defRPr sz="2000">
-                <a:solidFill>
-                  <a:schemeClr val="tx1"/>
-                </a:solidFill>
-                <a:latin typeface="+mn-lt"/>
-              </a:defRPr>
-            </a:lvl9pPr>
-          </a:lstStyle>
-          <a:p>
-            <a:r>
-              <a:rPr lang="en-GB" sz="2400" dirty="0"/>
-              <a:t>A</a:t>
-            </a:r>
-            <a:r>
-              <a:rPr lang="en-GB" sz="2400" dirty="0" smtClean="0"/>
-              <a:t>ggregating </a:t>
-            </a:r>
-            <a:r>
-              <a:rPr lang="en-GB" sz="2400" dirty="0"/>
-              <a:t>data from </a:t>
-            </a:r>
-            <a:r>
-              <a:rPr lang="en-GB" sz="2400" dirty="0" smtClean="0"/>
-              <a:t>multiple web </a:t>
-            </a:r>
-            <a:r>
-              <a:rPr lang="en-US" sz="2400" dirty="0" smtClean="0"/>
-              <a:t>sources </a:t>
-            </a:r>
-            <a:r>
-              <a:rPr lang="en-US" sz="2400" dirty="0"/>
-              <a:t>without </a:t>
-            </a:r>
-            <a:r>
-              <a:rPr lang="en-US" sz="2400" dirty="0" smtClean="0"/>
-              <a:t>any requirement </a:t>
-            </a:r>
-            <a:r>
-              <a:rPr lang="en-US" sz="2400" dirty="0"/>
-              <a:t>on data </a:t>
-            </a:r>
-            <a:r>
-              <a:rPr lang="en-US" sz="2400" dirty="0" smtClean="0"/>
-              <a:t>providers</a:t>
-            </a:r>
-          </a:p>
-          <a:p>
-            <a:pPr lvl="1"/>
-            <a:r>
-              <a:rPr lang="en-US" sz="2000" dirty="0"/>
-              <a:t>DAS works with 15 distributed data-services</a:t>
-            </a:r>
-            <a:endParaRPr lang="en-US" sz="2000" dirty="0" smtClean="0"/>
-          </a:p>
-          <a:p>
-            <a:r>
-              <a:rPr lang="en-US" sz="2400" dirty="0" smtClean="0"/>
-              <a:t>Data </a:t>
-            </a:r>
-            <a:r>
-              <a:rPr lang="en-GB" sz="2400" dirty="0" smtClean="0"/>
-              <a:t>stored in </a:t>
-            </a:r>
-            <a:r>
-              <a:rPr lang="en-GB" sz="2400" dirty="0" err="1" smtClean="0"/>
-              <a:t>NoSQL</a:t>
-            </a:r>
-            <a:r>
-              <a:rPr lang="en-GB" sz="2400" dirty="0" smtClean="0"/>
-              <a:t> document-based </a:t>
-            </a:r>
-            <a:r>
-              <a:rPr lang="en-US" sz="2400" dirty="0" smtClean="0"/>
-              <a:t>database </a:t>
-            </a:r>
-            <a:r>
-              <a:rPr lang="en-US" sz="2400" dirty="0" err="1" smtClean="0"/>
-              <a:t>MongoDB</a:t>
-            </a:r>
-            <a:endParaRPr lang="en-US" sz="2400" dirty="0" smtClean="0"/>
-          </a:p>
-          <a:p>
-            <a:pPr lvl="1"/>
-            <a:r>
-              <a:rPr lang="en-US" sz="2000" dirty="0" smtClean="0"/>
-              <a:t>For caching and storing aggregated results</a:t>
-            </a:r>
-          </a:p>
-        </p:txBody>
-      </p:sp>
-      <p:pic>
-        <p:nvPicPr>
-          <p:cNvPr id="6" name="Picture 5" descr="DASRequestFlow.pdf"/>
-          <p:cNvPicPr>
-            <a:picLocks noChangeAspect="1"/>
-          </p:cNvPicPr>
-          <p:nvPr/>
-        </p:nvPicPr>
-        <p:blipFill>
-          <a:blip r:embed="rId3">
-            <a:extLst>
-              <a:ext uri="{28A0092B-C50C-407E-A947-70E740481C1C}">
-                <a14:useLocalDpi xmlns:a14="http://schemas.microsoft.com/office/drawing/2010/main" val="0"/>
-              </a:ext>
-            </a:extLst>
-          </a:blip>
-          <a:stretch>
-            <a:fillRect/>
-          </a:stretch>
-        </p:blipFill>
-        <p:spPr>
-          <a:xfrm>
-            <a:off x="4343399" y="1143000"/>
-            <a:ext cx="4824659" cy="4213860"/>
-          </a:xfrm>
-          <a:prstGeom prst="rect">
-            <a:avLst/>
-          </a:prstGeom>
-        </p:spPr>
-      </p:pic>
-    </p:spTree>
-    <p:extLst>
-      <p:ext uri="{BB962C8B-B14F-4D97-AF65-F5344CB8AC3E}">
-        <p14:creationId xmlns:p14="http://schemas.microsoft.com/office/powerpoint/2010/main" val="2443651896"/>
-      </p:ext>
-    </p:extLst>
-  </p:cSld>
-  <p:clrMapOvr>
-    <a:masterClrMapping/>
-  </p:clrMapOvr>
-  <p:timing>
-    <p:tnLst>
-      <p:par>
-        <p:cTn xmlns:p14="http://schemas.microsoft.com/office/powerpoint/2010/main" id="1" dur="indefinite" restart="never" nodeType="tmRoot"/>
-      </p:par>
-    </p:tnLst>
-  </p:timing>
-</p:sld>
-</file>
-
-<file path=ppt/slides/slide2.xml><?xml version="1.0" encoding="utf-8"?>
-<p:sld xmlns:a="http://schemas.openxmlformats.org/drawingml/2006/main" xmlns:r="http://schemas.openxmlformats.org/officeDocument/2006/relationships" xmlns:p="http://schemas.openxmlformats.org/presentationml/2006/main">
-  <p:cSld>
-    <p:spTree>
-      <p:nvGrpSpPr>
-        <p:cNvPr id="1" name=""/>
-        <p:cNvGrpSpPr/>
-        <p:nvPr/>
-      </p:nvGrpSpPr>
-      <p:grpSpPr>
-        <a:xfrm>
-          <a:off x="0" y="0"/>
-          <a:ext cx="0" cy="0"/>
-          <a:chOff x="0" y="0"/>
-          <a:chExt cx="0" cy="0"/>
-        </a:xfrm>
-      </p:grpSpPr>
-      <p:sp>
-        <p:nvSpPr>
-          <p:cNvPr id="2" name="Date Placeholder 1"/>
-          <p:cNvSpPr>
-            <a:spLocks noGrp="1"/>
-          </p:cNvSpPr>
-          <p:nvPr>
-            <p:ph type="dt" sz="half" idx="10"/>
-          </p:nvPr>
-        </p:nvSpPr>
-        <p:spPr/>
-        <p:txBody>
-          <a:bodyPr/>
-          <a:lstStyle/>
-          <a:p>
-            <a:fld id="{266004A0-9E56-4C9C-910F-AE8959E42029}" type="datetime5">
-              <a:rPr lang="en-GB" smtClean="0"/>
-              <a:pPr/>
-              <a:t>10-Oct-13</a:t>
-            </a:fld>
-            <a:endParaRPr lang="en-US"/>
-          </a:p>
-        </p:txBody>
-      </p:sp>
-      <p:sp>
-        <p:nvSpPr>
-          <p:cNvPr id="3" name="Footer Placeholder 2"/>
-          <p:cNvSpPr>
-            <a:spLocks noGrp="1"/>
-          </p:cNvSpPr>
-          <p:nvPr>
-            <p:ph type="ftr" sz="quarter" idx="11"/>
-          </p:nvPr>
-        </p:nvSpPr>
-        <p:spPr/>
-        <p:txBody>
-          <a:bodyPr/>
-          <a:lstStyle/>
-          <a:p>
-            <a:r>
-              <a:rPr lang="en-GB" smtClean="0"/>
-              <a:t>The CMS Data Management System - </a:t>
-            </a:r>
-            <a:r>
-              <a:rPr lang="en-US" smtClean="0"/>
-              <a:t>CHEP 2013</a:t>
-            </a:r>
-            <a:endParaRPr lang="en-US" dirty="0"/>
-          </a:p>
-        </p:txBody>
-      </p:sp>
-      <p:sp>
-        <p:nvSpPr>
-          <p:cNvPr id="4" name="Slide Number Placeholder 3"/>
-          <p:cNvSpPr>
-            <a:spLocks noGrp="1"/>
-          </p:cNvSpPr>
-          <p:nvPr>
-            <p:ph type="sldNum" sz="quarter" idx="12"/>
-          </p:nvPr>
-        </p:nvSpPr>
-        <p:spPr/>
-        <p:txBody>
-          <a:bodyPr/>
-          <a:lstStyle/>
-          <a:p>
-            <a:fld id="{29CBDB8C-B4BD-4722-B4E8-EB4C3A73DAC9}" type="slidenum">
-              <a:rPr lang="en-US" smtClean="0"/>
-              <a:pPr/>
-              <a:t>2</a:t>
-            </a:fld>
-            <a:endParaRPr lang="en-US"/>
-          </a:p>
-        </p:txBody>
-      </p:sp>
-      <p:sp>
-        <p:nvSpPr>
-          <p:cNvPr id="5" name="Rectangle 2"/>
-          <p:cNvSpPr txBox="1">
-            <a:spLocks noChangeArrowheads="1"/>
-          </p:cNvSpPr>
-          <p:nvPr/>
-        </p:nvSpPr>
-        <p:spPr bwMode="auto">
-          <a:xfrm>
-            <a:off x="838200" y="152400"/>
-            <a:ext cx="8305800" cy="609600"/>
-          </a:xfrm>
-          <a:prstGeom prst="rect">
-            <a:avLst/>
-          </a:prstGeom>
-          <a:noFill/>
-          <a:ln w="9525">
-            <a:noFill/>
-            <a:miter lim="800000"/>
-            <a:headEnd/>
-            <a:tailEnd/>
-          </a:ln>
-          <a:effectLst/>
-        </p:spPr>
-        <p:txBody>
-          <a:bodyPr vert="horz" wrap="square" lIns="91440" tIns="45720" rIns="91440" bIns="45720" numCol="1" anchor="ctr" anchorCtr="0" compatLnSpc="1">
-            <a:prstTxWarp prst="textNoShape">
-              <a:avLst/>
-            </a:prstTxWarp>
-          </a:bodyPr>
-          <a:lstStyle>
-            <a:lvl1pPr algn="ctr" rtl="0" fontAlgn="base">
-              <a:spcBef>
-                <a:spcPct val="0"/>
-              </a:spcBef>
-              <a:spcAft>
-                <a:spcPct val="0"/>
-              </a:spcAft>
-              <a:defRPr sz="4000">
-                <a:solidFill>
-                  <a:schemeClr val="tx2"/>
-                </a:solidFill>
-                <a:latin typeface="Verdana" panose="020B0604030504040204" pitchFamily="34" charset="0"/>
-                <a:ea typeface="Verdana" panose="020B0604030504040204" pitchFamily="34" charset="0"/>
-                <a:cs typeface="Verdana" panose="020B0604030504040204" pitchFamily="34" charset="0"/>
-              </a:defRPr>
-            </a:lvl1pPr>
-            <a:lvl2pPr algn="ctr" rtl="0" fontAlgn="base">
-              <a:spcBef>
-                <a:spcPct val="0"/>
-              </a:spcBef>
-              <a:spcAft>
-                <a:spcPct val="0"/>
-              </a:spcAft>
-              <a:defRPr sz="4400">
-                <a:solidFill>
-                  <a:schemeClr val="tx2"/>
-                </a:solidFill>
-                <a:latin typeface="Times New Roman" pitchFamily="18" charset="0"/>
-              </a:defRPr>
-            </a:lvl2pPr>
-            <a:lvl3pPr algn="ctr" rtl="0" fontAlgn="base">
-              <a:spcBef>
-                <a:spcPct val="0"/>
-              </a:spcBef>
-              <a:spcAft>
-                <a:spcPct val="0"/>
-              </a:spcAft>
-              <a:defRPr sz="4400">
-                <a:solidFill>
-                  <a:schemeClr val="tx2"/>
-                </a:solidFill>
-                <a:latin typeface="Times New Roman" pitchFamily="18" charset="0"/>
-              </a:defRPr>
-            </a:lvl3pPr>
-            <a:lvl4pPr algn="ctr" rtl="0" fontAlgn="base">
-              <a:spcBef>
-                <a:spcPct val="0"/>
-              </a:spcBef>
-              <a:spcAft>
-                <a:spcPct val="0"/>
-              </a:spcAft>
-              <a:defRPr sz="4400">
-                <a:solidFill>
-                  <a:schemeClr val="tx2"/>
-                </a:solidFill>
-                <a:latin typeface="Times New Roman" pitchFamily="18" charset="0"/>
-              </a:defRPr>
-            </a:lvl4pPr>
-            <a:lvl5pPr algn="ctr" rtl="0" fontAlgn="base">
-              <a:spcBef>
-                <a:spcPct val="0"/>
-              </a:spcBef>
-              <a:spcAft>
-                <a:spcPct val="0"/>
-              </a:spcAft>
-              <a:defRPr sz="4400">
-                <a:solidFill>
-                  <a:schemeClr val="tx2"/>
-                </a:solidFill>
-                <a:latin typeface="Times New Roman" pitchFamily="18" charset="0"/>
-              </a:defRPr>
-            </a:lvl5pPr>
-            <a:lvl6pPr marL="457200" algn="ctr" rtl="0" fontAlgn="base">
-              <a:spcBef>
-                <a:spcPct val="0"/>
-              </a:spcBef>
-              <a:spcAft>
-                <a:spcPct val="0"/>
-              </a:spcAft>
-              <a:defRPr sz="4400">
-                <a:solidFill>
-                  <a:schemeClr val="tx2"/>
-                </a:solidFill>
-                <a:latin typeface="Times New Roman" pitchFamily="18" charset="0"/>
-              </a:defRPr>
-            </a:lvl6pPr>
-            <a:lvl7pPr marL="914400" algn="ctr" rtl="0" fontAlgn="base">
-              <a:spcBef>
-                <a:spcPct val="0"/>
-              </a:spcBef>
-              <a:spcAft>
-                <a:spcPct val="0"/>
-              </a:spcAft>
-              <a:defRPr sz="4400">
-                <a:solidFill>
-                  <a:schemeClr val="tx2"/>
-                </a:solidFill>
-                <a:latin typeface="Times New Roman" pitchFamily="18" charset="0"/>
-              </a:defRPr>
-            </a:lvl7pPr>
-            <a:lvl8pPr marL="1371600" algn="ctr" rtl="0" fontAlgn="base">
-              <a:spcBef>
-                <a:spcPct val="0"/>
-              </a:spcBef>
-              <a:spcAft>
-                <a:spcPct val="0"/>
-              </a:spcAft>
-              <a:defRPr sz="4400">
-                <a:solidFill>
-                  <a:schemeClr val="tx2"/>
-                </a:solidFill>
-                <a:latin typeface="Times New Roman" pitchFamily="18" charset="0"/>
-              </a:defRPr>
-            </a:lvl8pPr>
-            <a:lvl9pPr marL="1828800" algn="ctr" rtl="0" fontAlgn="base">
-              <a:spcBef>
-                <a:spcPct val="0"/>
-              </a:spcBef>
-              <a:spcAft>
-                <a:spcPct val="0"/>
-              </a:spcAft>
-              <a:defRPr sz="4400">
-                <a:solidFill>
-                  <a:schemeClr val="tx2"/>
-                </a:solidFill>
-                <a:latin typeface="Times New Roman" pitchFamily="18" charset="0"/>
-              </a:defRPr>
-            </a:lvl9pPr>
-          </a:lstStyle>
-          <a:p>
-            <a:r>
-              <a:rPr lang="en-US" altLang="en-US" sz="3600" kern="0" smtClean="0"/>
-              <a:t>Outline</a:t>
-            </a:r>
-            <a:endParaRPr lang="en-US" altLang="en-US" sz="3600" kern="0" dirty="0" smtClean="0"/>
-          </a:p>
-        </p:txBody>
-      </p:sp>
-      <p:sp>
-        <p:nvSpPr>
-          <p:cNvPr id="6" name="Rectangle 3"/>
-          <p:cNvSpPr txBox="1">
-            <a:spLocks noChangeArrowheads="1"/>
-          </p:cNvSpPr>
-          <p:nvPr/>
-        </p:nvSpPr>
-        <p:spPr bwMode="auto">
-          <a:xfrm>
-            <a:off x="381000" y="1143000"/>
-            <a:ext cx="7772400" cy="4343400"/>
-          </a:xfrm>
-          <a:prstGeom prst="rect">
-            <a:avLst/>
-          </a:prstGeom>
-          <a:noFill/>
-          <a:ln w="9525">
-            <a:noFill/>
-            <a:miter lim="800000"/>
-            <a:headEnd/>
-            <a:tailEnd/>
-          </a:ln>
-          <a:effectLst/>
-        </p:spPr>
-        <p:txBody>
-          <a:bodyPr vert="horz" wrap="square" lIns="91440" tIns="45720" rIns="91440" bIns="45720" numCol="1" anchor="t" anchorCtr="0" compatLnSpc="1">
-            <a:prstTxWarp prst="textNoShape">
-              <a:avLst/>
-            </a:prstTxWarp>
-          </a:bodyPr>
-          <a:lstStyle>
-            <a:lvl1pPr marL="342900" indent="-342900" algn="l" rtl="0" fontAlgn="base">
-              <a:spcBef>
-                <a:spcPct val="20000"/>
-              </a:spcBef>
-              <a:spcAft>
-                <a:spcPct val="0"/>
-              </a:spcAft>
-              <a:buChar char="•"/>
-              <a:defRPr sz="3200">
-                <a:solidFill>
-                  <a:schemeClr val="tx1"/>
-                </a:solidFill>
-                <a:latin typeface="Verdana" panose="020B0604030504040204" pitchFamily="34" charset="0"/>
-                <a:ea typeface="Verdana" panose="020B0604030504040204" pitchFamily="34" charset="0"/>
-                <a:cs typeface="Verdana" panose="020B0604030504040204" pitchFamily="34" charset="0"/>
-              </a:defRPr>
-            </a:lvl1pPr>
-            <a:lvl2pPr marL="742950" indent="-285750" algn="l" rtl="0" fontAlgn="base">
-              <a:spcBef>
-                <a:spcPct val="20000"/>
-              </a:spcBef>
-              <a:spcAft>
-                <a:spcPct val="0"/>
-              </a:spcAft>
-              <a:buChar char="–"/>
-              <a:defRPr sz="2800">
-                <a:solidFill>
-                  <a:schemeClr val="tx1"/>
-                </a:solidFill>
-                <a:latin typeface="Verdana" panose="020B0604030504040204" pitchFamily="34" charset="0"/>
-                <a:ea typeface="Verdana" panose="020B0604030504040204" pitchFamily="34" charset="0"/>
-                <a:cs typeface="Verdana" panose="020B0604030504040204" pitchFamily="34" charset="0"/>
-              </a:defRPr>
-            </a:lvl2pPr>
-            <a:lvl3pPr marL="1143000" indent="-228600" algn="l" rtl="0" fontAlgn="base">
-              <a:spcBef>
-                <a:spcPct val="20000"/>
-              </a:spcBef>
-              <a:spcAft>
-                <a:spcPct val="0"/>
-              </a:spcAft>
-              <a:buChar char="•"/>
-              <a:defRPr sz="2400">
-                <a:solidFill>
-                  <a:schemeClr val="tx1"/>
-                </a:solidFill>
-                <a:latin typeface="Verdana" panose="020B0604030504040204" pitchFamily="34" charset="0"/>
-                <a:ea typeface="Verdana" panose="020B0604030504040204" pitchFamily="34" charset="0"/>
-                <a:cs typeface="Verdana" panose="020B0604030504040204" pitchFamily="34" charset="0"/>
-              </a:defRPr>
-            </a:lvl3pPr>
-            <a:lvl4pPr marL="1600200" indent="-228600" algn="l" rtl="0" fontAlgn="base">
-              <a:spcBef>
-                <a:spcPct val="20000"/>
-              </a:spcBef>
-              <a:spcAft>
-                <a:spcPct val="0"/>
-              </a:spcAft>
-              <a:buChar char="–"/>
-              <a:defRPr sz="2000">
-                <a:solidFill>
-                  <a:schemeClr val="tx1"/>
-                </a:solidFill>
-                <a:latin typeface="Verdana" panose="020B0604030504040204" pitchFamily="34" charset="0"/>
-                <a:ea typeface="Verdana" panose="020B0604030504040204" pitchFamily="34" charset="0"/>
-                <a:cs typeface="Verdana" panose="020B0604030504040204" pitchFamily="34" charset="0"/>
-              </a:defRPr>
-            </a:lvl4pPr>
-            <a:lvl5pPr marL="2057400" indent="-228600" algn="l" rtl="0" fontAlgn="base">
-              <a:spcBef>
-                <a:spcPct val="20000"/>
-              </a:spcBef>
-              <a:spcAft>
-                <a:spcPct val="0"/>
-              </a:spcAft>
-              <a:buChar char="»"/>
-              <a:defRPr sz="2000">
-                <a:solidFill>
-                  <a:schemeClr val="tx1"/>
-                </a:solidFill>
-                <a:latin typeface="Verdana" panose="020B0604030504040204" pitchFamily="34" charset="0"/>
-                <a:ea typeface="Verdana" panose="020B0604030504040204" pitchFamily="34" charset="0"/>
-                <a:cs typeface="Verdana" panose="020B0604030504040204" pitchFamily="34" charset="0"/>
-              </a:defRPr>
-            </a:lvl5pPr>
-            <a:lvl6pPr marL="2514600" indent="-228600" algn="l" rtl="0" fontAlgn="base">
-              <a:spcBef>
-                <a:spcPct val="20000"/>
-              </a:spcBef>
-              <a:spcAft>
-                <a:spcPct val="0"/>
-              </a:spcAft>
-              <a:buChar char="»"/>
-              <a:defRPr sz="2000">
-                <a:solidFill>
-                  <a:schemeClr val="tx1"/>
-                </a:solidFill>
-                <a:latin typeface="+mn-lt"/>
-              </a:defRPr>
-            </a:lvl6pPr>
-            <a:lvl7pPr marL="2971800" indent="-228600" algn="l" rtl="0" fontAlgn="base">
-              <a:spcBef>
-                <a:spcPct val="20000"/>
-              </a:spcBef>
-              <a:spcAft>
-                <a:spcPct val="0"/>
-              </a:spcAft>
-              <a:buChar char="»"/>
-              <a:defRPr sz="2000">
-                <a:solidFill>
-                  <a:schemeClr val="tx1"/>
-                </a:solidFill>
-                <a:latin typeface="+mn-lt"/>
-              </a:defRPr>
-            </a:lvl7pPr>
-            <a:lvl8pPr marL="3429000" indent="-228600" algn="l" rtl="0" fontAlgn="base">
-              <a:spcBef>
-                <a:spcPct val="20000"/>
-              </a:spcBef>
-              <a:spcAft>
-                <a:spcPct val="0"/>
-              </a:spcAft>
-              <a:buChar char="»"/>
-              <a:defRPr sz="2000">
-                <a:solidFill>
-                  <a:schemeClr val="tx1"/>
-                </a:solidFill>
-                <a:latin typeface="+mn-lt"/>
-              </a:defRPr>
-            </a:lvl8pPr>
-            <a:lvl9pPr marL="3886200" indent="-228600" algn="l" rtl="0" fontAlgn="base">
-              <a:spcBef>
-                <a:spcPct val="20000"/>
-              </a:spcBef>
-              <a:spcAft>
-                <a:spcPct val="0"/>
-              </a:spcAft>
-              <a:buChar char="»"/>
-              <a:defRPr sz="2000">
-                <a:solidFill>
-                  <a:schemeClr val="tx1"/>
-                </a:solidFill>
-                <a:latin typeface="+mn-lt"/>
-              </a:defRPr>
-            </a:lvl9pPr>
-          </a:lstStyle>
-          <a:p>
-            <a:pPr>
-              <a:lnSpc>
-                <a:spcPct val="90000"/>
-              </a:lnSpc>
-              <a:defRPr/>
-            </a:pPr>
-            <a:r>
-              <a:rPr lang="en-US" sz="2800" kern="0" dirty="0" smtClean="0"/>
-              <a:t>Introduction</a:t>
-            </a:r>
-          </a:p>
-          <a:p>
-            <a:pPr>
-              <a:lnSpc>
-                <a:spcPct val="90000"/>
-              </a:lnSpc>
-              <a:defRPr/>
-            </a:pPr>
-            <a:r>
-              <a:rPr lang="en-US" sz="2800" kern="0" dirty="0" smtClean="0"/>
-              <a:t>Data Management in CMS: performance during LHC Run 1 </a:t>
-            </a:r>
-            <a:r>
-              <a:rPr lang="en-US" sz="2800" kern="0" dirty="0"/>
-              <a:t>and </a:t>
-            </a:r>
-            <a:r>
-              <a:rPr lang="en-US" sz="2800" kern="0" dirty="0" smtClean="0"/>
-              <a:t>planned </a:t>
-            </a:r>
-            <a:r>
-              <a:rPr lang="en-US" sz="2800" kern="0" dirty="0"/>
-              <a:t>improvements for LHC Run </a:t>
-            </a:r>
-            <a:r>
-              <a:rPr lang="en-US" sz="2800" kern="0" dirty="0" smtClean="0"/>
-              <a:t>2</a:t>
-            </a:r>
-          </a:p>
-          <a:p>
-            <a:pPr lvl="1">
-              <a:lnSpc>
-                <a:spcPct val="90000"/>
-              </a:lnSpc>
-              <a:defRPr/>
-            </a:pPr>
-            <a:r>
-              <a:rPr lang="en-US" sz="2400" kern="0" dirty="0" smtClean="0"/>
-              <a:t>Architecture</a:t>
-            </a:r>
-          </a:p>
-          <a:p>
-            <a:pPr lvl="1">
-              <a:lnSpc>
-                <a:spcPct val="90000"/>
-              </a:lnSpc>
-              <a:defRPr/>
-            </a:pPr>
-            <a:r>
-              <a:rPr lang="en-US" sz="2400" kern="0" dirty="0" smtClean="0"/>
-              <a:t>Core components</a:t>
-            </a:r>
-          </a:p>
-          <a:p>
-            <a:pPr lvl="2">
-              <a:lnSpc>
-                <a:spcPct val="90000"/>
-              </a:lnSpc>
-              <a:defRPr/>
-            </a:pPr>
-            <a:r>
-              <a:rPr lang="en-US" sz="2000" kern="0" dirty="0" smtClean="0"/>
-              <a:t>Data bookkeeping – DBS</a:t>
-            </a:r>
-          </a:p>
-          <a:p>
-            <a:pPr lvl="2">
-              <a:lnSpc>
-                <a:spcPct val="90000"/>
-              </a:lnSpc>
-              <a:defRPr/>
-            </a:pPr>
-            <a:r>
-              <a:rPr lang="en-US" sz="2000" kern="0" dirty="0" smtClean="0"/>
-              <a:t>Data transfers – </a:t>
-            </a:r>
-            <a:r>
-              <a:rPr lang="en-US" sz="2000" kern="0" dirty="0" err="1" smtClean="0"/>
-              <a:t>PhEDEx</a:t>
-            </a:r>
-            <a:endParaRPr lang="en-US" sz="2000" kern="0" dirty="0" smtClean="0"/>
-          </a:p>
-          <a:p>
-            <a:pPr lvl="2">
-              <a:lnSpc>
-                <a:spcPct val="90000"/>
-              </a:lnSpc>
-              <a:defRPr/>
-            </a:pPr>
-            <a:r>
-              <a:rPr lang="en-US" sz="2000" kern="0" dirty="0" smtClean="0"/>
-              <a:t>Query and aggregation service – DAS</a:t>
-            </a:r>
-          </a:p>
-          <a:p>
-            <a:pPr lvl="1">
-              <a:lnSpc>
-                <a:spcPct val="90000"/>
-              </a:lnSpc>
-              <a:defRPr/>
-            </a:pPr>
-            <a:r>
-              <a:rPr lang="en-US" sz="2400" kern="0" dirty="0" smtClean="0"/>
-              <a:t>Additional services</a:t>
-            </a:r>
-          </a:p>
-          <a:p>
-            <a:pPr>
-              <a:lnSpc>
-                <a:spcPct val="90000"/>
-              </a:lnSpc>
-              <a:defRPr/>
-            </a:pPr>
-            <a:r>
-              <a:rPr lang="en-US" sz="2800" kern="0" dirty="0" smtClean="0"/>
-              <a:t>Summary</a:t>
-            </a:r>
-          </a:p>
-        </p:txBody>
-      </p:sp>
-    </p:spTree>
-    <p:extLst>
-      <p:ext uri="{BB962C8B-B14F-4D97-AF65-F5344CB8AC3E}">
-        <p14:creationId xmlns:p14="http://schemas.microsoft.com/office/powerpoint/2010/main" val="1483296271"/>
-      </p:ext>
-    </p:extLst>
-  </p:cSld>
-  <p:clrMapOvr>
-    <a:masterClrMapping/>
-  </p:clrMapOvr>
-  <p:timing>
-    <p:tnLst>
-      <p:par>
-        <p:cTn xmlns:p14="http://schemas.microsoft.com/office/powerpoint/2010/main" id="1" dur="indefinite" restart="never" nodeType="tmRoot"/>
-      </p:par>
-    </p:tnLst>
-  </p:timing>
-</p:sld>
-</file>
-
-<file path=ppt/slides/slide20.xml><?xml version="1.0" encoding="utf-8"?>
-<p:sld xmlns:a="http://schemas.openxmlformats.org/drawingml/2006/main" xmlns:r="http://schemas.openxmlformats.org/officeDocument/2006/relationships" xmlns:p="http://schemas.openxmlformats.org/presentationml/2006/main">
-  <p:cSld>
-    <p:spTree>
-      <p:nvGrpSpPr>
-        <p:cNvPr id="1" name=""/>
-        <p:cNvGrpSpPr/>
-        <p:nvPr/>
-      </p:nvGrpSpPr>
-      <p:grpSpPr>
-        <a:xfrm>
-          <a:off x="0" y="0"/>
-          <a:ext cx="0" cy="0"/>
-          <a:chOff x="0" y="0"/>
-          <a:chExt cx="0" cy="0"/>
-        </a:xfrm>
-      </p:grpSpPr>
-      <p:sp>
-        <p:nvSpPr>
-          <p:cNvPr id="2" name="Date Placeholder 1"/>
-          <p:cNvSpPr>
-            <a:spLocks noGrp="1"/>
-          </p:cNvSpPr>
-          <p:nvPr>
-            <p:ph type="dt" sz="half" idx="10"/>
-          </p:nvPr>
-        </p:nvSpPr>
-        <p:spPr/>
-        <p:txBody>
-          <a:bodyPr/>
-          <a:lstStyle/>
-          <a:p>
-            <a:fld id="{266004A0-9E56-4C9C-910F-AE8959E42029}" type="datetime5">
-              <a:rPr lang="en-GB" smtClean="0"/>
-              <a:pPr/>
-              <a:t>10-Oct-13</a:t>
-            </a:fld>
-            <a:endParaRPr lang="en-US"/>
-          </a:p>
-        </p:txBody>
-      </p:sp>
-      <p:sp>
-        <p:nvSpPr>
-          <p:cNvPr id="3" name="Footer Placeholder 2"/>
-          <p:cNvSpPr>
-            <a:spLocks noGrp="1"/>
-          </p:cNvSpPr>
-          <p:nvPr>
-            <p:ph type="ftr" sz="quarter" idx="11"/>
-          </p:nvPr>
-        </p:nvSpPr>
-        <p:spPr/>
-        <p:txBody>
-          <a:bodyPr/>
-          <a:lstStyle/>
-          <a:p>
-            <a:r>
-              <a:rPr lang="en-GB" smtClean="0"/>
-              <a:t>The CMS Data Management System - </a:t>
-            </a:r>
-            <a:r>
-              <a:rPr lang="en-US" smtClean="0"/>
-              <a:t>CHEP 2013</a:t>
-            </a:r>
-            <a:endParaRPr lang="en-US" dirty="0"/>
-          </a:p>
-        </p:txBody>
-      </p:sp>
-      <p:sp>
-        <p:nvSpPr>
-          <p:cNvPr id="4" name="Slide Number Placeholder 3"/>
-          <p:cNvSpPr>
-            <a:spLocks noGrp="1"/>
-          </p:cNvSpPr>
-          <p:nvPr>
-            <p:ph type="sldNum" sz="quarter" idx="12"/>
-          </p:nvPr>
-        </p:nvSpPr>
-        <p:spPr/>
-        <p:txBody>
-          <a:bodyPr/>
-          <a:lstStyle/>
-          <a:p>
-            <a:fld id="{29CBDB8C-B4BD-4722-B4E8-EB4C3A73DAC9}" type="slidenum">
-              <a:rPr lang="en-US" smtClean="0"/>
-              <a:pPr/>
-              <a:t>20</a:t>
-            </a:fld>
-            <a:endParaRPr lang="en-US"/>
-          </a:p>
-        </p:txBody>
-      </p:sp>
-      <p:sp>
-        <p:nvSpPr>
-          <p:cNvPr id="5" name="Rectangle 2"/>
-          <p:cNvSpPr txBox="1">
-            <a:spLocks noChangeArrowheads="1"/>
-          </p:cNvSpPr>
-          <p:nvPr/>
-        </p:nvSpPr>
-        <p:spPr bwMode="auto">
-          <a:xfrm>
-            <a:off x="838200" y="152400"/>
-            <a:ext cx="8305800" cy="609600"/>
-          </a:xfrm>
-          <a:prstGeom prst="rect">
-            <a:avLst/>
-          </a:prstGeom>
-          <a:noFill/>
-          <a:ln w="9525">
-            <a:noFill/>
-            <a:miter lim="800000"/>
-            <a:headEnd/>
-            <a:tailEnd/>
-          </a:ln>
-          <a:effectLst/>
-        </p:spPr>
-        <p:txBody>
-          <a:bodyPr vert="horz" wrap="square" lIns="91440" tIns="45720" rIns="91440" bIns="45720" numCol="1" anchor="ctr" anchorCtr="0" compatLnSpc="1">
-            <a:prstTxWarp prst="textNoShape">
-              <a:avLst/>
-            </a:prstTxWarp>
-          </a:bodyPr>
-          <a:lstStyle>
-            <a:lvl1pPr algn="ctr" rtl="0" fontAlgn="base">
-              <a:spcBef>
-                <a:spcPct val="0"/>
-              </a:spcBef>
-              <a:spcAft>
-                <a:spcPct val="0"/>
-              </a:spcAft>
-              <a:defRPr sz="4000">
-                <a:solidFill>
-                  <a:schemeClr val="tx2"/>
-                </a:solidFill>
-                <a:latin typeface="Verdana" panose="020B0604030504040204" pitchFamily="34" charset="0"/>
-                <a:ea typeface="Verdana" panose="020B0604030504040204" pitchFamily="34" charset="0"/>
-                <a:cs typeface="Verdana" panose="020B0604030504040204" pitchFamily="34" charset="0"/>
-              </a:defRPr>
-            </a:lvl1pPr>
-            <a:lvl2pPr algn="ctr" rtl="0" fontAlgn="base">
-              <a:spcBef>
-                <a:spcPct val="0"/>
-              </a:spcBef>
-              <a:spcAft>
-                <a:spcPct val="0"/>
-              </a:spcAft>
-              <a:defRPr sz="4400">
-                <a:solidFill>
-                  <a:schemeClr val="tx2"/>
-                </a:solidFill>
-                <a:latin typeface="Times New Roman" pitchFamily="18" charset="0"/>
-              </a:defRPr>
-            </a:lvl2pPr>
-            <a:lvl3pPr algn="ctr" rtl="0" fontAlgn="base">
-              <a:spcBef>
-                <a:spcPct val="0"/>
-              </a:spcBef>
-              <a:spcAft>
-                <a:spcPct val="0"/>
-              </a:spcAft>
-              <a:defRPr sz="4400">
-                <a:solidFill>
-                  <a:schemeClr val="tx2"/>
-                </a:solidFill>
-                <a:latin typeface="Times New Roman" pitchFamily="18" charset="0"/>
-              </a:defRPr>
-            </a:lvl3pPr>
-            <a:lvl4pPr algn="ctr" rtl="0" fontAlgn="base">
-              <a:spcBef>
-                <a:spcPct val="0"/>
-              </a:spcBef>
-              <a:spcAft>
-                <a:spcPct val="0"/>
-              </a:spcAft>
-              <a:defRPr sz="4400">
-                <a:solidFill>
-                  <a:schemeClr val="tx2"/>
-                </a:solidFill>
-                <a:latin typeface="Times New Roman" pitchFamily="18" charset="0"/>
-              </a:defRPr>
-            </a:lvl4pPr>
-            <a:lvl5pPr algn="ctr" rtl="0" fontAlgn="base">
-              <a:spcBef>
-                <a:spcPct val="0"/>
-              </a:spcBef>
-              <a:spcAft>
-                <a:spcPct val="0"/>
-              </a:spcAft>
-              <a:defRPr sz="4400">
-                <a:solidFill>
-                  <a:schemeClr val="tx2"/>
-                </a:solidFill>
-                <a:latin typeface="Times New Roman" pitchFamily="18" charset="0"/>
-              </a:defRPr>
-            </a:lvl5pPr>
-            <a:lvl6pPr marL="457200" algn="ctr" rtl="0" fontAlgn="base">
-              <a:spcBef>
-                <a:spcPct val="0"/>
-              </a:spcBef>
-              <a:spcAft>
-                <a:spcPct val="0"/>
-              </a:spcAft>
-              <a:defRPr sz="4400">
-                <a:solidFill>
-                  <a:schemeClr val="tx2"/>
-                </a:solidFill>
-                <a:latin typeface="Times New Roman" pitchFamily="18" charset="0"/>
-              </a:defRPr>
-            </a:lvl6pPr>
-            <a:lvl7pPr marL="914400" algn="ctr" rtl="0" fontAlgn="base">
-              <a:spcBef>
-                <a:spcPct val="0"/>
-              </a:spcBef>
-              <a:spcAft>
-                <a:spcPct val="0"/>
-              </a:spcAft>
-              <a:defRPr sz="4400">
-                <a:solidFill>
-                  <a:schemeClr val="tx2"/>
-                </a:solidFill>
-                <a:latin typeface="Times New Roman" pitchFamily="18" charset="0"/>
-              </a:defRPr>
-            </a:lvl7pPr>
-            <a:lvl8pPr marL="1371600" algn="ctr" rtl="0" fontAlgn="base">
-              <a:spcBef>
-                <a:spcPct val="0"/>
-              </a:spcBef>
-              <a:spcAft>
-                <a:spcPct val="0"/>
-              </a:spcAft>
-              <a:defRPr sz="4400">
-                <a:solidFill>
-                  <a:schemeClr val="tx2"/>
-                </a:solidFill>
-                <a:latin typeface="Times New Roman" pitchFamily="18" charset="0"/>
-              </a:defRPr>
-            </a:lvl8pPr>
-            <a:lvl9pPr marL="1828800" algn="ctr" rtl="0" fontAlgn="base">
-              <a:spcBef>
-                <a:spcPct val="0"/>
-              </a:spcBef>
-              <a:spcAft>
-                <a:spcPct val="0"/>
-              </a:spcAft>
-              <a:defRPr sz="4400">
-                <a:solidFill>
-                  <a:schemeClr val="tx2"/>
-                </a:solidFill>
-                <a:latin typeface="Times New Roman" pitchFamily="18" charset="0"/>
-              </a:defRPr>
-            </a:lvl9pPr>
-          </a:lstStyle>
-          <a:p>
-            <a:r>
-              <a:rPr lang="en-US" altLang="en-US" sz="3200" kern="0" dirty="0" smtClean="0"/>
-              <a:t>DAS interface</a:t>
-            </a:r>
-          </a:p>
-        </p:txBody>
-      </p:sp>
-      <p:pic>
-        <p:nvPicPr>
-          <p:cNvPr id="6" name="Picture 5"/>
-          <p:cNvPicPr>
-            <a:picLocks noChangeAspect="1"/>
-          </p:cNvPicPr>
-          <p:nvPr/>
-        </p:nvPicPr>
-        <p:blipFill>
-          <a:blip r:embed="rId3">
-            <a:extLst>
-              <a:ext uri="{28A0092B-C50C-407E-A947-70E740481C1C}">
-                <a14:useLocalDpi xmlns:a14="http://schemas.microsoft.com/office/drawing/2010/main" val="0"/>
-              </a:ext>
-            </a:extLst>
-          </a:blip>
-          <a:stretch>
-            <a:fillRect/>
-          </a:stretch>
-        </p:blipFill>
-        <p:spPr>
-          <a:xfrm>
-            <a:off x="834887" y="835322"/>
-            <a:ext cx="4412263" cy="3949439"/>
-          </a:xfrm>
-          <a:prstGeom prst="rect">
-            <a:avLst/>
-          </a:prstGeom>
-        </p:spPr>
-      </p:pic>
-      <p:sp>
-        <p:nvSpPr>
-          <p:cNvPr id="8" name="Rectangle 3"/>
-          <p:cNvSpPr txBox="1">
-            <a:spLocks noChangeArrowheads="1"/>
-          </p:cNvSpPr>
-          <p:nvPr/>
-        </p:nvSpPr>
-        <p:spPr bwMode="auto">
-          <a:xfrm>
-            <a:off x="424070" y="4876800"/>
-            <a:ext cx="8415130" cy="1371600"/>
-          </a:xfrm>
-          <a:prstGeom prst="rect">
-            <a:avLst/>
-          </a:prstGeom>
-          <a:noFill/>
-          <a:ln w="9525">
-            <a:noFill/>
-            <a:miter lim="800000"/>
-            <a:headEnd/>
-            <a:tailEnd/>
-          </a:ln>
-          <a:effectLst/>
-        </p:spPr>
-        <p:txBody>
-          <a:bodyPr vert="horz" wrap="square" lIns="91440" tIns="45720" rIns="91440" bIns="45720" numCol="1" anchor="t" anchorCtr="0" compatLnSpc="1">
-            <a:prstTxWarp prst="textNoShape">
-              <a:avLst/>
-            </a:prstTxWarp>
-          </a:bodyPr>
-          <a:lstStyle>
-            <a:lvl1pPr marL="342900" indent="-342900" algn="l" rtl="0" fontAlgn="base">
-              <a:spcBef>
-                <a:spcPct val="20000"/>
-              </a:spcBef>
-              <a:spcAft>
-                <a:spcPct val="0"/>
-              </a:spcAft>
-              <a:buChar char="•"/>
-              <a:defRPr sz="3200">
-                <a:solidFill>
-                  <a:schemeClr val="tx1"/>
-                </a:solidFill>
-                <a:latin typeface="Verdana" panose="020B0604030504040204" pitchFamily="34" charset="0"/>
-                <a:ea typeface="Verdana" panose="020B0604030504040204" pitchFamily="34" charset="0"/>
-                <a:cs typeface="Verdana" panose="020B0604030504040204" pitchFamily="34" charset="0"/>
-              </a:defRPr>
-            </a:lvl1pPr>
-            <a:lvl2pPr marL="742950" indent="-285750" algn="l" rtl="0" fontAlgn="base">
-              <a:spcBef>
-                <a:spcPct val="20000"/>
-              </a:spcBef>
-              <a:spcAft>
-                <a:spcPct val="0"/>
-              </a:spcAft>
-              <a:buChar char="–"/>
-              <a:defRPr sz="2800">
-                <a:solidFill>
-                  <a:schemeClr val="tx1"/>
-                </a:solidFill>
-                <a:latin typeface="Verdana" panose="020B0604030504040204" pitchFamily="34" charset="0"/>
-                <a:ea typeface="Verdana" panose="020B0604030504040204" pitchFamily="34" charset="0"/>
-                <a:cs typeface="Verdana" panose="020B0604030504040204" pitchFamily="34" charset="0"/>
-              </a:defRPr>
-            </a:lvl2pPr>
-            <a:lvl3pPr marL="1143000" indent="-228600" algn="l" rtl="0" fontAlgn="base">
-              <a:spcBef>
-                <a:spcPct val="20000"/>
-              </a:spcBef>
-              <a:spcAft>
-                <a:spcPct val="0"/>
-              </a:spcAft>
-              <a:buChar char="•"/>
-              <a:defRPr sz="2400">
-                <a:solidFill>
-                  <a:schemeClr val="tx1"/>
-                </a:solidFill>
-                <a:latin typeface="Verdana" panose="020B0604030504040204" pitchFamily="34" charset="0"/>
-                <a:ea typeface="Verdana" panose="020B0604030504040204" pitchFamily="34" charset="0"/>
-                <a:cs typeface="Verdana" panose="020B0604030504040204" pitchFamily="34" charset="0"/>
-              </a:defRPr>
-            </a:lvl3pPr>
-            <a:lvl4pPr marL="1600200" indent="-228600" algn="l" rtl="0" fontAlgn="base">
-              <a:spcBef>
-                <a:spcPct val="20000"/>
-              </a:spcBef>
-              <a:spcAft>
-                <a:spcPct val="0"/>
-              </a:spcAft>
-              <a:buChar char="–"/>
-              <a:defRPr sz="2000">
-                <a:solidFill>
-                  <a:schemeClr val="tx1"/>
-                </a:solidFill>
-                <a:latin typeface="Verdana" panose="020B0604030504040204" pitchFamily="34" charset="0"/>
-                <a:ea typeface="Verdana" panose="020B0604030504040204" pitchFamily="34" charset="0"/>
-                <a:cs typeface="Verdana" panose="020B0604030504040204" pitchFamily="34" charset="0"/>
-              </a:defRPr>
-            </a:lvl4pPr>
-            <a:lvl5pPr marL="2057400" indent="-228600" algn="l" rtl="0" fontAlgn="base">
-              <a:spcBef>
-                <a:spcPct val="20000"/>
-              </a:spcBef>
-              <a:spcAft>
-                <a:spcPct val="0"/>
-              </a:spcAft>
-              <a:buChar char="»"/>
-              <a:defRPr sz="2000">
-                <a:solidFill>
-                  <a:schemeClr val="tx1"/>
-                </a:solidFill>
-                <a:latin typeface="Verdana" panose="020B0604030504040204" pitchFamily="34" charset="0"/>
-                <a:ea typeface="Verdana" panose="020B0604030504040204" pitchFamily="34" charset="0"/>
-                <a:cs typeface="Verdana" panose="020B0604030504040204" pitchFamily="34" charset="0"/>
-              </a:defRPr>
-            </a:lvl5pPr>
-            <a:lvl6pPr marL="2514600" indent="-228600" algn="l" rtl="0" fontAlgn="base">
-              <a:spcBef>
-                <a:spcPct val="20000"/>
-              </a:spcBef>
-              <a:spcAft>
-                <a:spcPct val="0"/>
-              </a:spcAft>
-              <a:buChar char="»"/>
-              <a:defRPr sz="2000">
-                <a:solidFill>
-                  <a:schemeClr val="tx1"/>
-                </a:solidFill>
-                <a:latin typeface="+mn-lt"/>
-              </a:defRPr>
-            </a:lvl6pPr>
-            <a:lvl7pPr marL="2971800" indent="-228600" algn="l" rtl="0" fontAlgn="base">
-              <a:spcBef>
-                <a:spcPct val="20000"/>
-              </a:spcBef>
-              <a:spcAft>
-                <a:spcPct val="0"/>
-              </a:spcAft>
-              <a:buChar char="»"/>
-              <a:defRPr sz="2000">
-                <a:solidFill>
-                  <a:schemeClr val="tx1"/>
-                </a:solidFill>
-                <a:latin typeface="+mn-lt"/>
-              </a:defRPr>
-            </a:lvl7pPr>
-            <a:lvl8pPr marL="3429000" indent="-228600" algn="l" rtl="0" fontAlgn="base">
-              <a:spcBef>
-                <a:spcPct val="20000"/>
-              </a:spcBef>
-              <a:spcAft>
-                <a:spcPct val="0"/>
-              </a:spcAft>
-              <a:buChar char="»"/>
-              <a:defRPr sz="2000">
-                <a:solidFill>
-                  <a:schemeClr val="tx1"/>
-                </a:solidFill>
-                <a:latin typeface="+mn-lt"/>
-              </a:defRPr>
-            </a:lvl8pPr>
-            <a:lvl9pPr marL="3886200" indent="-228600" algn="l" rtl="0" fontAlgn="base">
-              <a:spcBef>
-                <a:spcPct val="20000"/>
-              </a:spcBef>
-              <a:spcAft>
-                <a:spcPct val="0"/>
-              </a:spcAft>
-              <a:buChar char="»"/>
-              <a:defRPr sz="2000">
-                <a:solidFill>
-                  <a:schemeClr val="tx1"/>
-                </a:solidFill>
-                <a:latin typeface="+mn-lt"/>
-              </a:defRPr>
-            </a:lvl9pPr>
-          </a:lstStyle>
-          <a:p>
-            <a:r>
-              <a:rPr lang="en-US" sz="2800" dirty="0" smtClean="0"/>
-              <a:t>DAS </a:t>
-            </a:r>
-            <a:r>
-              <a:rPr lang="en-US" sz="2800" dirty="0"/>
-              <a:t>interactive webpage fully replaced </a:t>
-            </a:r>
-            <a:r>
-              <a:rPr lang="en-US" sz="2800" dirty="0" smtClean="0"/>
-              <a:t>DBS webpage as main user entry point for data discovery in 2011</a:t>
-            </a:r>
-            <a:endParaRPr lang="en-GB" sz="2800" dirty="0"/>
-          </a:p>
-        </p:txBody>
-      </p:sp>
-      <p:sp>
-        <p:nvSpPr>
-          <p:cNvPr id="9" name="Rectangle 8"/>
-          <p:cNvSpPr/>
-          <p:nvPr/>
-        </p:nvSpPr>
-        <p:spPr>
-          <a:xfrm>
-            <a:off x="5643769" y="2133600"/>
-            <a:ext cx="3172239" cy="1015663"/>
-          </a:xfrm>
-          <a:prstGeom prst="rect">
-            <a:avLst/>
-          </a:prstGeom>
-        </p:spPr>
-        <p:txBody>
-          <a:bodyPr wrap="square">
-            <a:spAutoFit/>
-          </a:bodyPr>
-          <a:lstStyle/>
-          <a:p>
-            <a:r>
-              <a:rPr lang="en-US" sz="2000" dirty="0">
-                <a:latin typeface="Verdana" panose="020B0604030504040204" pitchFamily="34" charset="0"/>
-                <a:ea typeface="Verdana" panose="020B0604030504040204" pitchFamily="34" charset="0"/>
-                <a:cs typeface="Verdana" panose="020B0604030504040204" pitchFamily="34" charset="0"/>
-              </a:rPr>
-              <a:t>Free text-based query language, filters, aggregators</a:t>
-            </a:r>
-          </a:p>
-        </p:txBody>
-      </p:sp>
-    </p:spTree>
-    <p:extLst>
-      <p:ext uri="{BB962C8B-B14F-4D97-AF65-F5344CB8AC3E}">
-        <p14:creationId xmlns:p14="http://schemas.microsoft.com/office/powerpoint/2010/main" val="2061370010"/>
-      </p:ext>
-    </p:extLst>
-  </p:cSld>
-  <p:clrMapOvr>
-    <a:masterClrMapping/>
-  </p:clrMapOvr>
-  <p:timing>
-    <p:tnLst>
-      <p:par>
-        <p:cTn xmlns:p14="http://schemas.microsoft.com/office/powerpoint/2010/main" id="1" dur="indefinite" restart="never" nodeType="tmRoot"/>
-      </p:par>
-    </p:tnLst>
-  </p:timing>
-</p:sld>
-</file>
-
-<file path=ppt/slides/slide21.xml><?xml version="1.0" encoding="utf-8"?>
-<p:sld xmlns:a="http://schemas.openxmlformats.org/drawingml/2006/main" xmlns:r="http://schemas.openxmlformats.org/officeDocument/2006/relationships" xmlns:p="http://schemas.openxmlformats.org/presentationml/2006/main">
-  <p:cSld>
-    <p:spTree>
-      <p:nvGrpSpPr>
-        <p:cNvPr id="1" name=""/>
-        <p:cNvGrpSpPr/>
-        <p:nvPr/>
-      </p:nvGrpSpPr>
-      <p:grpSpPr>
-        <a:xfrm>
-          <a:off x="0" y="0"/>
-          <a:ext cx="0" cy="0"/>
-          <a:chOff x="0" y="0"/>
-          <a:chExt cx="0" cy="0"/>
-        </a:xfrm>
-      </p:grpSpPr>
-      <p:sp>
-        <p:nvSpPr>
-          <p:cNvPr id="2" name="Date Placeholder 1"/>
-          <p:cNvSpPr>
-            <a:spLocks noGrp="1"/>
-          </p:cNvSpPr>
-          <p:nvPr>
-            <p:ph type="dt" sz="half" idx="10"/>
-          </p:nvPr>
-        </p:nvSpPr>
-        <p:spPr/>
-        <p:txBody>
-          <a:bodyPr/>
-          <a:lstStyle/>
-          <a:p>
-            <a:fld id="{266004A0-9E56-4C9C-910F-AE8959E42029}" type="datetime5">
-              <a:rPr lang="en-GB" smtClean="0"/>
-              <a:pPr/>
-              <a:t>10-Oct-13</a:t>
-            </a:fld>
-            <a:endParaRPr lang="en-US"/>
-          </a:p>
-        </p:txBody>
-      </p:sp>
-      <p:sp>
-        <p:nvSpPr>
-          <p:cNvPr id="3" name="Footer Placeholder 2"/>
-          <p:cNvSpPr>
-            <a:spLocks noGrp="1"/>
-          </p:cNvSpPr>
-          <p:nvPr>
-            <p:ph type="ftr" sz="quarter" idx="11"/>
-          </p:nvPr>
-        </p:nvSpPr>
-        <p:spPr/>
-        <p:txBody>
-          <a:bodyPr/>
-          <a:lstStyle/>
-          <a:p>
-            <a:r>
-              <a:rPr lang="en-GB" smtClean="0"/>
-              <a:t>The CMS Data Management System - </a:t>
-            </a:r>
-            <a:r>
-              <a:rPr lang="en-US" smtClean="0"/>
-              <a:t>CHEP 2013</a:t>
-            </a:r>
-            <a:endParaRPr lang="en-US" dirty="0"/>
-          </a:p>
-        </p:txBody>
-      </p:sp>
-      <p:sp>
-        <p:nvSpPr>
-          <p:cNvPr id="4" name="Slide Number Placeholder 3"/>
-          <p:cNvSpPr>
-            <a:spLocks noGrp="1"/>
-          </p:cNvSpPr>
-          <p:nvPr>
-            <p:ph type="sldNum" sz="quarter" idx="12"/>
-          </p:nvPr>
-        </p:nvSpPr>
-        <p:spPr/>
-        <p:txBody>
-          <a:bodyPr/>
-          <a:lstStyle/>
-          <a:p>
-            <a:fld id="{29CBDB8C-B4BD-4722-B4E8-EB4C3A73DAC9}" type="slidenum">
-              <a:rPr lang="en-US" smtClean="0"/>
-              <a:pPr/>
-              <a:t>21</a:t>
             </a:fld>
             <a:endParaRPr lang="en-US"/>
           </a:p>
@@ -13193,7 +11295,7 @@
 </p:sld>
 </file>
 
-<file path=ppt/slides/slide22.xml><?xml version="1.0" encoding="utf-8"?>
+<file path=ppt/slides/slide2.xml><?xml version="1.0" encoding="utf-8"?>
 <p:sld xmlns:a="http://schemas.openxmlformats.org/drawingml/2006/main" xmlns:r="http://schemas.openxmlformats.org/officeDocument/2006/relationships" xmlns:p="http://schemas.openxmlformats.org/presentationml/2006/main">
   <p:cSld>
     <p:spTree>
@@ -13228,7 +11330,7 @@
             <a:fld id="{266004A0-9E56-4C9C-910F-AE8959E42029}" type="datetime5">
               <a:rPr lang="en-GB" smtClean="0"/>
               <a:pPr/>
-              <a:t>10-Oct-13</a:t>
+              <a:t>11-Oct-13</a:t>
             </a:fld>
             <a:endParaRPr lang="en-US"/>
           </a:p>
@@ -13279,7 +11381,598 @@
             <a:fld id="{29CBDB8C-B4BD-4722-B4E8-EB4C3A73DAC9}" type="slidenum">
               <a:rPr lang="en-US" smtClean="0"/>
               <a:pPr/>
-              <a:t>22</a:t>
+              <a:t>2</a:t>
+            </a:fld>
+            <a:endParaRPr lang="en-US"/>
+          </a:p>
+        </p:txBody>
+      </p:sp>
+      <p:sp>
+        <p:nvSpPr>
+          <p:cNvPr id="5" name="Rectangle 2"/>
+          <p:cNvSpPr txBox="1">
+            <a:spLocks noChangeArrowheads="1"/>
+          </p:cNvSpPr>
+          <p:nvPr/>
+        </p:nvSpPr>
+        <p:spPr bwMode="auto">
+          <a:xfrm>
+            <a:off x="838200" y="152400"/>
+            <a:ext cx="8305800" cy="609600"/>
+          </a:xfrm>
+          <a:prstGeom prst="rect">
+            <a:avLst/>
+          </a:prstGeom>
+          <a:noFill/>
+          <a:ln w="9525">
+            <a:noFill/>
+            <a:miter lim="800000"/>
+            <a:headEnd/>
+            <a:tailEnd/>
+          </a:ln>
+          <a:effectLst/>
+        </p:spPr>
+        <p:txBody>
+          <a:bodyPr vert="horz" wrap="square" lIns="91440" tIns="45720" rIns="91440" bIns="45720" numCol="1" anchor="ctr" anchorCtr="0" compatLnSpc="1">
+            <a:prstTxWarp prst="textNoShape">
+              <a:avLst/>
+            </a:prstTxWarp>
+          </a:bodyPr>
+          <a:lstStyle>
+            <a:lvl1pPr algn="ctr" rtl="0" fontAlgn="base">
+              <a:spcBef>
+                <a:spcPct val="0"/>
+              </a:spcBef>
+              <a:spcAft>
+                <a:spcPct val="0"/>
+              </a:spcAft>
+              <a:defRPr sz="4000">
+                <a:solidFill>
+                  <a:schemeClr val="tx2"/>
+                </a:solidFill>
+                <a:latin typeface="Verdana" panose="020B0604030504040204" pitchFamily="34" charset="0"/>
+                <a:ea typeface="Verdana" panose="020B0604030504040204" pitchFamily="34" charset="0"/>
+                <a:cs typeface="Verdana" panose="020B0604030504040204" pitchFamily="34" charset="0"/>
+              </a:defRPr>
+            </a:lvl1pPr>
+            <a:lvl2pPr algn="ctr" rtl="0" fontAlgn="base">
+              <a:spcBef>
+                <a:spcPct val="0"/>
+              </a:spcBef>
+              <a:spcAft>
+                <a:spcPct val="0"/>
+              </a:spcAft>
+              <a:defRPr sz="4400">
+                <a:solidFill>
+                  <a:schemeClr val="tx2"/>
+                </a:solidFill>
+                <a:latin typeface="Times New Roman" pitchFamily="18" charset="0"/>
+              </a:defRPr>
+            </a:lvl2pPr>
+            <a:lvl3pPr algn="ctr" rtl="0" fontAlgn="base">
+              <a:spcBef>
+                <a:spcPct val="0"/>
+              </a:spcBef>
+              <a:spcAft>
+                <a:spcPct val="0"/>
+              </a:spcAft>
+              <a:defRPr sz="4400">
+                <a:solidFill>
+                  <a:schemeClr val="tx2"/>
+                </a:solidFill>
+                <a:latin typeface="Times New Roman" pitchFamily="18" charset="0"/>
+              </a:defRPr>
+            </a:lvl3pPr>
+            <a:lvl4pPr algn="ctr" rtl="0" fontAlgn="base">
+              <a:spcBef>
+                <a:spcPct val="0"/>
+              </a:spcBef>
+              <a:spcAft>
+                <a:spcPct val="0"/>
+              </a:spcAft>
+              <a:defRPr sz="4400">
+                <a:solidFill>
+                  <a:schemeClr val="tx2"/>
+                </a:solidFill>
+                <a:latin typeface="Times New Roman" pitchFamily="18" charset="0"/>
+              </a:defRPr>
+            </a:lvl4pPr>
+            <a:lvl5pPr algn="ctr" rtl="0" fontAlgn="base">
+              <a:spcBef>
+                <a:spcPct val="0"/>
+              </a:spcBef>
+              <a:spcAft>
+                <a:spcPct val="0"/>
+              </a:spcAft>
+              <a:defRPr sz="4400">
+                <a:solidFill>
+                  <a:schemeClr val="tx2"/>
+                </a:solidFill>
+                <a:latin typeface="Times New Roman" pitchFamily="18" charset="0"/>
+              </a:defRPr>
+            </a:lvl5pPr>
+            <a:lvl6pPr marL="457200" algn="ctr" rtl="0" fontAlgn="base">
+              <a:spcBef>
+                <a:spcPct val="0"/>
+              </a:spcBef>
+              <a:spcAft>
+                <a:spcPct val="0"/>
+              </a:spcAft>
+              <a:defRPr sz="4400">
+                <a:solidFill>
+                  <a:schemeClr val="tx2"/>
+                </a:solidFill>
+                <a:latin typeface="Times New Roman" pitchFamily="18" charset="0"/>
+              </a:defRPr>
+            </a:lvl6pPr>
+            <a:lvl7pPr marL="914400" algn="ctr" rtl="0" fontAlgn="base">
+              <a:spcBef>
+                <a:spcPct val="0"/>
+              </a:spcBef>
+              <a:spcAft>
+                <a:spcPct val="0"/>
+              </a:spcAft>
+              <a:defRPr sz="4400">
+                <a:solidFill>
+                  <a:schemeClr val="tx2"/>
+                </a:solidFill>
+                <a:latin typeface="Times New Roman" pitchFamily="18" charset="0"/>
+              </a:defRPr>
+            </a:lvl7pPr>
+            <a:lvl8pPr marL="1371600" algn="ctr" rtl="0" fontAlgn="base">
+              <a:spcBef>
+                <a:spcPct val="0"/>
+              </a:spcBef>
+              <a:spcAft>
+                <a:spcPct val="0"/>
+              </a:spcAft>
+              <a:defRPr sz="4400">
+                <a:solidFill>
+                  <a:schemeClr val="tx2"/>
+                </a:solidFill>
+                <a:latin typeface="Times New Roman" pitchFamily="18" charset="0"/>
+              </a:defRPr>
+            </a:lvl8pPr>
+            <a:lvl9pPr marL="1828800" algn="ctr" rtl="0" fontAlgn="base">
+              <a:spcBef>
+                <a:spcPct val="0"/>
+              </a:spcBef>
+              <a:spcAft>
+                <a:spcPct val="0"/>
+              </a:spcAft>
+              <a:defRPr sz="4400">
+                <a:solidFill>
+                  <a:schemeClr val="tx2"/>
+                </a:solidFill>
+                <a:latin typeface="Times New Roman" pitchFamily="18" charset="0"/>
+              </a:defRPr>
+            </a:lvl9pPr>
+          </a:lstStyle>
+          <a:p>
+            <a:r>
+              <a:rPr lang="en-US" altLang="en-US" sz="3600" kern="0" smtClean="0"/>
+              <a:t>Outline</a:t>
+            </a:r>
+            <a:endParaRPr lang="en-US" altLang="en-US" sz="3600" kern="0" dirty="0" smtClean="0"/>
+          </a:p>
+        </p:txBody>
+      </p:sp>
+      <p:sp>
+        <p:nvSpPr>
+          <p:cNvPr id="6" name="Rectangle 3"/>
+          <p:cNvSpPr txBox="1">
+            <a:spLocks noChangeArrowheads="1"/>
+          </p:cNvSpPr>
+          <p:nvPr/>
+        </p:nvSpPr>
+        <p:spPr bwMode="auto">
+          <a:xfrm>
+            <a:off x="381000" y="1143000"/>
+            <a:ext cx="7772400" cy="4343400"/>
+          </a:xfrm>
+          <a:prstGeom prst="rect">
+            <a:avLst/>
+          </a:prstGeom>
+          <a:noFill/>
+          <a:ln w="9525">
+            <a:noFill/>
+            <a:miter lim="800000"/>
+            <a:headEnd/>
+            <a:tailEnd/>
+          </a:ln>
+          <a:effectLst/>
+        </p:spPr>
+        <p:txBody>
+          <a:bodyPr vert="horz" wrap="square" lIns="91440" tIns="45720" rIns="91440" bIns="45720" numCol="1" anchor="t" anchorCtr="0" compatLnSpc="1">
+            <a:prstTxWarp prst="textNoShape">
+              <a:avLst/>
+            </a:prstTxWarp>
+          </a:bodyPr>
+          <a:lstStyle>
+            <a:lvl1pPr marL="342900" indent="-342900" algn="l" rtl="0" fontAlgn="base">
+              <a:spcBef>
+                <a:spcPct val="20000"/>
+              </a:spcBef>
+              <a:spcAft>
+                <a:spcPct val="0"/>
+              </a:spcAft>
+              <a:buChar char="•"/>
+              <a:defRPr sz="3200">
+                <a:solidFill>
+                  <a:schemeClr val="tx1"/>
+                </a:solidFill>
+                <a:latin typeface="Verdana" panose="020B0604030504040204" pitchFamily="34" charset="0"/>
+                <a:ea typeface="Verdana" panose="020B0604030504040204" pitchFamily="34" charset="0"/>
+                <a:cs typeface="Verdana" panose="020B0604030504040204" pitchFamily="34" charset="0"/>
+              </a:defRPr>
+            </a:lvl1pPr>
+            <a:lvl2pPr marL="742950" indent="-285750" algn="l" rtl="0" fontAlgn="base">
+              <a:spcBef>
+                <a:spcPct val="20000"/>
+              </a:spcBef>
+              <a:spcAft>
+                <a:spcPct val="0"/>
+              </a:spcAft>
+              <a:buChar char="–"/>
+              <a:defRPr sz="2800">
+                <a:solidFill>
+                  <a:schemeClr val="tx1"/>
+                </a:solidFill>
+                <a:latin typeface="Verdana" panose="020B0604030504040204" pitchFamily="34" charset="0"/>
+                <a:ea typeface="Verdana" panose="020B0604030504040204" pitchFamily="34" charset="0"/>
+                <a:cs typeface="Verdana" panose="020B0604030504040204" pitchFamily="34" charset="0"/>
+              </a:defRPr>
+            </a:lvl2pPr>
+            <a:lvl3pPr marL="1143000" indent="-228600" algn="l" rtl="0" fontAlgn="base">
+              <a:spcBef>
+                <a:spcPct val="20000"/>
+              </a:spcBef>
+              <a:spcAft>
+                <a:spcPct val="0"/>
+              </a:spcAft>
+              <a:buChar char="•"/>
+              <a:defRPr sz="2400">
+                <a:solidFill>
+                  <a:schemeClr val="tx1"/>
+                </a:solidFill>
+                <a:latin typeface="Verdana" panose="020B0604030504040204" pitchFamily="34" charset="0"/>
+                <a:ea typeface="Verdana" panose="020B0604030504040204" pitchFamily="34" charset="0"/>
+                <a:cs typeface="Verdana" panose="020B0604030504040204" pitchFamily="34" charset="0"/>
+              </a:defRPr>
+            </a:lvl3pPr>
+            <a:lvl4pPr marL="1600200" indent="-228600" algn="l" rtl="0" fontAlgn="base">
+              <a:spcBef>
+                <a:spcPct val="20000"/>
+              </a:spcBef>
+              <a:spcAft>
+                <a:spcPct val="0"/>
+              </a:spcAft>
+              <a:buChar char="–"/>
+              <a:defRPr sz="2000">
+                <a:solidFill>
+                  <a:schemeClr val="tx1"/>
+                </a:solidFill>
+                <a:latin typeface="Verdana" panose="020B0604030504040204" pitchFamily="34" charset="0"/>
+                <a:ea typeface="Verdana" panose="020B0604030504040204" pitchFamily="34" charset="0"/>
+                <a:cs typeface="Verdana" panose="020B0604030504040204" pitchFamily="34" charset="0"/>
+              </a:defRPr>
+            </a:lvl4pPr>
+            <a:lvl5pPr marL="2057400" indent="-228600" algn="l" rtl="0" fontAlgn="base">
+              <a:spcBef>
+                <a:spcPct val="20000"/>
+              </a:spcBef>
+              <a:spcAft>
+                <a:spcPct val="0"/>
+              </a:spcAft>
+              <a:buChar char="»"/>
+              <a:defRPr sz="2000">
+                <a:solidFill>
+                  <a:schemeClr val="tx1"/>
+                </a:solidFill>
+                <a:latin typeface="Verdana" panose="020B0604030504040204" pitchFamily="34" charset="0"/>
+                <a:ea typeface="Verdana" panose="020B0604030504040204" pitchFamily="34" charset="0"/>
+                <a:cs typeface="Verdana" panose="020B0604030504040204" pitchFamily="34" charset="0"/>
+              </a:defRPr>
+            </a:lvl5pPr>
+            <a:lvl6pPr marL="2514600" indent="-228600" algn="l" rtl="0" fontAlgn="base">
+              <a:spcBef>
+                <a:spcPct val="20000"/>
+              </a:spcBef>
+              <a:spcAft>
+                <a:spcPct val="0"/>
+              </a:spcAft>
+              <a:buChar char="»"/>
+              <a:defRPr sz="2000">
+                <a:solidFill>
+                  <a:schemeClr val="tx1"/>
+                </a:solidFill>
+                <a:latin typeface="+mn-lt"/>
+              </a:defRPr>
+            </a:lvl6pPr>
+            <a:lvl7pPr marL="2971800" indent="-228600" algn="l" rtl="0" fontAlgn="base">
+              <a:spcBef>
+                <a:spcPct val="20000"/>
+              </a:spcBef>
+              <a:spcAft>
+                <a:spcPct val="0"/>
+              </a:spcAft>
+              <a:buChar char="»"/>
+              <a:defRPr sz="2000">
+                <a:solidFill>
+                  <a:schemeClr val="tx1"/>
+                </a:solidFill>
+                <a:latin typeface="+mn-lt"/>
+              </a:defRPr>
+            </a:lvl7pPr>
+            <a:lvl8pPr marL="3429000" indent="-228600" algn="l" rtl="0" fontAlgn="base">
+              <a:spcBef>
+                <a:spcPct val="20000"/>
+              </a:spcBef>
+              <a:spcAft>
+                <a:spcPct val="0"/>
+              </a:spcAft>
+              <a:buChar char="»"/>
+              <a:defRPr sz="2000">
+                <a:solidFill>
+                  <a:schemeClr val="tx1"/>
+                </a:solidFill>
+                <a:latin typeface="+mn-lt"/>
+              </a:defRPr>
+            </a:lvl8pPr>
+            <a:lvl9pPr marL="3886200" indent="-228600" algn="l" rtl="0" fontAlgn="base">
+              <a:spcBef>
+                <a:spcPct val="20000"/>
+              </a:spcBef>
+              <a:spcAft>
+                <a:spcPct val="0"/>
+              </a:spcAft>
+              <a:buChar char="»"/>
+              <a:defRPr sz="2000">
+                <a:solidFill>
+                  <a:schemeClr val="tx1"/>
+                </a:solidFill>
+                <a:latin typeface="+mn-lt"/>
+              </a:defRPr>
+            </a:lvl9pPr>
+          </a:lstStyle>
+          <a:p>
+            <a:pPr>
+              <a:lnSpc>
+                <a:spcPct val="90000"/>
+              </a:lnSpc>
+              <a:defRPr/>
+            </a:pPr>
+            <a:r>
+              <a:rPr lang="en-US" sz="2800" kern="0" dirty="0" smtClean="0"/>
+              <a:t>Introduction</a:t>
+            </a:r>
+          </a:p>
+          <a:p>
+            <a:pPr>
+              <a:lnSpc>
+                <a:spcPct val="90000"/>
+              </a:lnSpc>
+              <a:defRPr/>
+            </a:pPr>
+            <a:r>
+              <a:rPr lang="en-US" sz="2800" kern="0" dirty="0" smtClean="0"/>
+              <a:t>Data Management in CMS: performance during LHC Run 1 </a:t>
+            </a:r>
+            <a:r>
+              <a:rPr lang="en-US" sz="2800" kern="0" dirty="0"/>
+              <a:t>and </a:t>
+            </a:r>
+            <a:r>
+              <a:rPr lang="en-US" sz="2800" kern="0" dirty="0" smtClean="0"/>
+              <a:t>planned </a:t>
+            </a:r>
+            <a:r>
+              <a:rPr lang="en-US" sz="2800" kern="0" dirty="0"/>
+              <a:t>improvements for LHC Run </a:t>
+            </a:r>
+            <a:r>
+              <a:rPr lang="en-US" sz="2800" kern="0" dirty="0" smtClean="0"/>
+              <a:t>2</a:t>
+            </a:r>
+          </a:p>
+          <a:p>
+            <a:pPr lvl="1">
+              <a:lnSpc>
+                <a:spcPct val="90000"/>
+              </a:lnSpc>
+              <a:defRPr/>
+            </a:pPr>
+            <a:r>
+              <a:rPr lang="en-US" sz="2400" kern="0" dirty="0" smtClean="0"/>
+              <a:t>Architecture</a:t>
+            </a:r>
+          </a:p>
+          <a:p>
+            <a:pPr lvl="1">
+              <a:lnSpc>
+                <a:spcPct val="90000"/>
+              </a:lnSpc>
+              <a:defRPr/>
+            </a:pPr>
+            <a:r>
+              <a:rPr lang="en-US" sz="2400" kern="0" dirty="0" smtClean="0"/>
+              <a:t>Core components</a:t>
+            </a:r>
+          </a:p>
+          <a:p>
+            <a:pPr lvl="2">
+              <a:lnSpc>
+                <a:spcPct val="90000"/>
+              </a:lnSpc>
+              <a:defRPr/>
+            </a:pPr>
+            <a:r>
+              <a:rPr lang="en-US" sz="2000" kern="0" dirty="0" smtClean="0"/>
+              <a:t>Data bookkeeping – DBS</a:t>
+            </a:r>
+          </a:p>
+          <a:p>
+            <a:pPr lvl="2">
+              <a:lnSpc>
+                <a:spcPct val="90000"/>
+              </a:lnSpc>
+              <a:defRPr/>
+            </a:pPr>
+            <a:r>
+              <a:rPr lang="en-US" sz="2000" kern="0" dirty="0" smtClean="0"/>
+              <a:t>Data transfers – </a:t>
+            </a:r>
+            <a:r>
+              <a:rPr lang="en-US" sz="2000" kern="0" dirty="0" err="1" smtClean="0"/>
+              <a:t>PhEDEx</a:t>
+            </a:r>
+            <a:endParaRPr lang="en-US" sz="2000" kern="0" dirty="0" smtClean="0"/>
+          </a:p>
+          <a:p>
+            <a:pPr lvl="2">
+              <a:lnSpc>
+                <a:spcPct val="90000"/>
+              </a:lnSpc>
+              <a:defRPr/>
+            </a:pPr>
+            <a:r>
+              <a:rPr lang="en-US" sz="2000" kern="0" dirty="0" smtClean="0"/>
+              <a:t>Query and aggregation service – DAS</a:t>
+            </a:r>
+          </a:p>
+          <a:p>
+            <a:pPr lvl="1">
+              <a:lnSpc>
+                <a:spcPct val="90000"/>
+              </a:lnSpc>
+              <a:defRPr/>
+            </a:pPr>
+            <a:r>
+              <a:rPr lang="en-US" sz="2400" kern="0" dirty="0" smtClean="0"/>
+              <a:t>Additional services</a:t>
+            </a:r>
+          </a:p>
+          <a:p>
+            <a:pPr>
+              <a:lnSpc>
+                <a:spcPct val="90000"/>
+              </a:lnSpc>
+              <a:defRPr/>
+            </a:pPr>
+            <a:r>
+              <a:rPr lang="en-US" sz="2800" kern="0" dirty="0" smtClean="0"/>
+              <a:t>Summary</a:t>
+            </a:r>
+          </a:p>
+        </p:txBody>
+      </p:sp>
+    </p:spTree>
+    <p:extLst>
+      <p:ext uri="{BB962C8B-B14F-4D97-AF65-F5344CB8AC3E}">
+        <p14:creationId xmlns:p14="http://schemas.microsoft.com/office/powerpoint/2010/main" val="1483296271"/>
+      </p:ext>
+    </p:extLst>
+  </p:cSld>
+  <p:clrMapOvr>
+    <a:masterClrMapping/>
+  </p:clrMapOvr>
+  <p:timing>
+    <p:tnLst>
+      <p:par>
+        <p:cTn xmlns:p14="http://schemas.microsoft.com/office/powerpoint/2010/main" id="1" dur="indefinite" restart="never" nodeType="tmRoot"/>
+      </p:par>
+    </p:tnLst>
+  </p:timing>
+</p:sld>
+</file>
+
+<file path=ppt/slides/slide20.xml><?xml version="1.0" encoding="utf-8"?>
+<p:sld xmlns:a="http://schemas.openxmlformats.org/drawingml/2006/main" xmlns:r="http://schemas.openxmlformats.org/officeDocument/2006/relationships" xmlns:p="http://schemas.openxmlformats.org/presentationml/2006/main">
+  <p:cSld>
+    <p:spTree>
+      <p:nvGrpSpPr>
+        <p:cNvPr id="1" name=""/>
+        <p:cNvGrpSpPr/>
+        <p:nvPr/>
+      </p:nvGrpSpPr>
+      <p:grpSpPr>
+        <a:xfrm>
+          <a:off x="0" y="0"/>
+          <a:ext cx="0" cy="0"/>
+          <a:chOff x="0" y="0"/>
+          <a:chExt cx="0" cy="0"/>
+        </a:xfrm>
+      </p:grpSpPr>
+      <p:sp>
+        <p:nvSpPr>
+          <p:cNvPr id="2" name="Date Placeholder 1"/>
+          <p:cNvSpPr>
+            <a:spLocks noGrp="1"/>
+          </p:cNvSpPr>
+          <p:nvPr>
+            <p:ph type="dt" sz="half" idx="10"/>
+          </p:nvPr>
+        </p:nvSpPr>
+        <p:spPr/>
+        <p:txBody>
+          <a:bodyPr/>
+          <a:lstStyle/>
+          <a:p>
+            <a:fld id="{266004A0-9E56-4C9C-910F-AE8959E42029}" type="datetime5">
+              <a:rPr lang="en-GB" smtClean="0"/>
+              <a:pPr/>
+              <a:t>11-Oct-13</a:t>
+            </a:fld>
+            <a:endParaRPr lang="en-US"/>
+          </a:p>
+        </p:txBody>
+      </p:sp>
+      <p:sp>
+        <p:nvSpPr>
+          <p:cNvPr id="3" name="Footer Placeholder 2"/>
+          <p:cNvSpPr>
+            <a:spLocks noGrp="1"/>
+          </p:cNvSpPr>
+          <p:nvPr>
+            <p:ph type="ftr" sz="quarter" idx="11"/>
+          </p:nvPr>
+        </p:nvSpPr>
+        <p:spPr/>
+        <p:txBody>
+          <a:bodyPr/>
+          <a:lstStyle/>
+          <a:p>
+            <a:r>
+              <a:rPr lang="en-GB" smtClean="0"/>
+              <a:t>The CMS Data Management System - </a:t>
+            </a:r>
+            <a:r>
+              <a:rPr lang="en-US" smtClean="0"/>
+              <a:t>CHEP 2013</a:t>
+            </a:r>
+            <a:endParaRPr lang="en-US" dirty="0"/>
+          </a:p>
+        </p:txBody>
+      </p:sp>
+      <p:sp>
+        <p:nvSpPr>
+          <p:cNvPr id="4" name="Slide Number Placeholder 3"/>
+          <p:cNvSpPr>
+            <a:spLocks noGrp="1"/>
+          </p:cNvSpPr>
+          <p:nvPr>
+            <p:ph type="sldNum" sz="quarter" idx="12"/>
+          </p:nvPr>
+        </p:nvSpPr>
+        <p:spPr/>
+        <p:txBody>
+          <a:bodyPr/>
+          <a:lstStyle/>
+          <a:p>
+            <a:fld id="{29CBDB8C-B4BD-4722-B4E8-EB4C3A73DAC9}" type="slidenum">
+              <a:rPr lang="en-US" smtClean="0"/>
+              <a:pPr/>
+              <a:t>20</a:t>
             </a:fld>
             <a:endParaRPr lang="en-US"/>
           </a:p>
@@ -13963,7 +12656,7 @@
 </p:sld>
 </file>
 
-<file path=ppt/slides/slide23.xml><?xml version="1.0" encoding="utf-8"?>
+<file path=ppt/slides/slide21.xml><?xml version="1.0" encoding="utf-8"?>
 <p:sld xmlns:a="http://schemas.openxmlformats.org/drawingml/2006/main" xmlns:r="http://schemas.openxmlformats.org/officeDocument/2006/relationships" xmlns:p="http://schemas.openxmlformats.org/presentationml/2006/main">
   <p:cSld>
     <p:spTree>
@@ -13998,7 +12691,7 @@
             <a:fld id="{266004A0-9E56-4C9C-910F-AE8959E42029}" type="datetime5">
               <a:rPr lang="en-GB" smtClean="0"/>
               <a:pPr/>
-              <a:t>10-Oct-13</a:t>
+              <a:t>11-Oct-13</a:t>
             </a:fld>
             <a:endParaRPr lang="en-US"/>
           </a:p>
@@ -14049,7 +12742,7 @@
             <a:fld id="{29CBDB8C-B4BD-4722-B4E8-EB4C3A73DAC9}" type="slidenum">
               <a:rPr lang="en-US" smtClean="0"/>
               <a:pPr/>
-              <a:t>23</a:t>
+              <a:t>21</a:t>
             </a:fld>
             <a:endParaRPr lang="en-US"/>
           </a:p>
@@ -14535,7 +13228,7 @@
             <a:fld id="{266004A0-9E56-4C9C-910F-AE8959E42029}" type="datetime5">
               <a:rPr lang="en-GB" smtClean="0"/>
               <a:pPr/>
-              <a:t>10-Oct-13</a:t>
+              <a:t>11-Oct-13</a:t>
             </a:fld>
             <a:endParaRPr lang="en-US"/>
           </a:p>
@@ -15537,11 +14230,7 @@
             </a:pPr>
             <a:r>
               <a:rPr lang="en-US" altLang="en-US" sz="1400" dirty="0" smtClean="0"/>
-              <a:t>~</a:t>
-            </a:r>
-            <a:r>
-              <a:rPr lang="en-US" altLang="en-US" sz="1400" dirty="0" smtClean="0"/>
-              <a:t>10</a:t>
+              <a:t>~10</a:t>
             </a:r>
             <a:r>
               <a:rPr lang="en-US" altLang="en-US" sz="1400" baseline="30000" dirty="0" smtClean="0"/>
@@ -15549,11 +14238,7 @@
             </a:r>
             <a:r>
               <a:rPr lang="en-US" altLang="en-US" sz="1400" dirty="0" smtClean="0"/>
-              <a:t> </a:t>
-            </a:r>
-            <a:r>
-              <a:rPr lang="en-US" altLang="en-US" sz="1400" dirty="0" smtClean="0"/>
-              <a:t>events/year</a:t>
+              <a:t> events/year</a:t>
             </a:r>
             <a:endParaRPr lang="en-US" altLang="en-US" sz="1400" dirty="0"/>
           </a:p>
@@ -15817,7 +14502,7 @@
             <a:fld id="{266004A0-9E56-4C9C-910F-AE8959E42029}" type="datetime5">
               <a:rPr lang="en-GB" smtClean="0"/>
               <a:pPr/>
-              <a:t>10-Oct-13</a:t>
+              <a:t>11-Oct-13</a:t>
             </a:fld>
             <a:endParaRPr lang="en-US"/>
           </a:p>
@@ -16262,7 +14947,7 @@
             <a:fld id="{266004A0-9E56-4C9C-910F-AE8959E42029}" type="datetime5">
               <a:rPr lang="en-GB" smtClean="0"/>
               <a:pPr/>
-              <a:t>10-Oct-13</a:t>
+              <a:t>11-Oct-13</a:t>
             </a:fld>
             <a:endParaRPr lang="en-US"/>
           </a:p>
@@ -17659,7 +16344,7 @@
             <a:fld id="{266004A0-9E56-4C9C-910F-AE8959E42029}" type="datetime5">
               <a:rPr lang="en-GB" smtClean="0"/>
               <a:pPr/>
-              <a:t>10-Oct-13</a:t>
+              <a:t>11-Oct-13</a:t>
             </a:fld>
             <a:endParaRPr lang="en-US"/>
           </a:p>
@@ -18295,7 +16980,7 @@
             <a:fld id="{266004A0-9E56-4C9C-910F-AE8959E42029}" type="datetime5">
               <a:rPr lang="en-GB" smtClean="0"/>
               <a:pPr/>
-              <a:t>10-Oct-13</a:t>
+              <a:t>11-Oct-13</a:t>
             </a:fld>
             <a:endParaRPr lang="en-US"/>
           </a:p>
@@ -18516,8 +17201,17 @@
           <a:p>
             <a:r>
               <a:rPr lang="en-US" altLang="en-US" sz="3600" kern="0" dirty="0" smtClean="0"/>
-              <a:t>General principle</a:t>
-            </a:r>
+              <a:t>‘</a:t>
+            </a:r>
+            <a:r>
+              <a:rPr lang="en-US" altLang="en-US" sz="3600" kern="0" smtClean="0"/>
+              <a:t>Trivial’ File </a:t>
+            </a:r>
+            <a:r>
+              <a:rPr lang="en-US" altLang="en-US" sz="3600" kern="0" dirty="0" smtClean="0"/>
+              <a:t>Catalog</a:t>
+            </a:r>
+            <a:endParaRPr lang="en-US" altLang="en-US" sz="3600" kern="0" dirty="0" smtClean="0"/>
           </a:p>
         </p:txBody>
       </p:sp>
@@ -18873,7 +17567,7 @@
             <a:fld id="{266004A0-9E56-4C9C-910F-AE8959E42029}" type="datetime5">
               <a:rPr lang="en-GB" smtClean="0"/>
               <a:pPr/>
-              <a:t>10-Oct-13</a:t>
+              <a:t>11-Oct-13</a:t>
             </a:fld>
             <a:endParaRPr lang="en-US"/>
           </a:p>
@@ -19467,7 +18161,7 @@
             <a:fld id="{266004A0-9E56-4C9C-910F-AE8959E42029}" type="datetime5">
               <a:rPr lang="en-GB" smtClean="0"/>
               <a:pPr/>
-              <a:t>10-Oct-13</a:t>
+              <a:t>11-Oct-13</a:t>
             </a:fld>
             <a:endParaRPr lang="en-US"/>
           </a:p>
@@ -20022,7 +18716,7 @@
 </file>
 
 <file path=ppt/slides/slide9.xml><?xml version="1.0" encoding="utf-8"?>
-<p:sld xmlns:a="http://schemas.openxmlformats.org/drawingml/2006/main" xmlns:r="http://schemas.openxmlformats.org/officeDocument/2006/relationships" xmlns:p="http://schemas.openxmlformats.org/presentationml/2006/main" show="0">
+<p:sld xmlns:a="http://schemas.openxmlformats.org/drawingml/2006/main" xmlns:r="http://schemas.openxmlformats.org/officeDocument/2006/relationships" xmlns:p="http://schemas.openxmlformats.org/presentationml/2006/main">
   <p:cSld>
     <p:spTree>
       <p:nvGrpSpPr>
@@ -20038,6 +18732,60 @@
           <a:chExt cx="0" cy="0"/>
         </a:xfrm>
       </p:grpSpPr>
+      <p:pic>
+        <p:nvPicPr>
+          <p:cNvPr id="1026" name="Picture 2"/>
+          <p:cNvPicPr>
+            <a:picLocks noChangeAspect="1" noChangeArrowheads="1"/>
+          </p:cNvPicPr>
+          <p:nvPr/>
+        </p:nvPicPr>
+        <p:blipFill>
+          <a:blip r:embed="rId3">
+            <a:extLst>
+              <a:ext uri="{28A0092B-C50C-407E-A947-70E740481C1C}">
+                <a14:useLocalDpi xmlns:a14="http://schemas.microsoft.com/office/drawing/2010/main" val="0"/>
+              </a:ext>
+            </a:extLst>
+          </a:blip>
+          <a:srcRect/>
+          <a:stretch>
+            <a:fillRect/>
+          </a:stretch>
+        </p:blipFill>
+        <p:spPr bwMode="auto">
+          <a:xfrm>
+            <a:off x="4419600" y="1500770"/>
+            <a:ext cx="5029200" cy="4097760"/>
+          </a:xfrm>
+          <a:prstGeom prst="rect">
+            <a:avLst/>
+          </a:prstGeom>
+          <a:noFill/>
+          <a:ln>
+            <a:noFill/>
+          </a:ln>
+          <a:extLst>
+            <a:ext uri="{909E8E84-426E-40dd-AFC4-6F175D3DCCD1}">
+              <a14:hiddenFill xmlns:a14="http://schemas.microsoft.com/office/drawing/2010/main">
+                <a:solidFill>
+                  <a:schemeClr val="accent1"/>
+                </a:solidFill>
+              </a14:hiddenFill>
+            </a:ext>
+            <a:ext uri="{91240B29-F687-4f45-9708-019B960494DF}">
+              <a14:hiddenLine xmlns:a14="http://schemas.microsoft.com/office/drawing/2010/main" w="9525">
+                <a:solidFill>
+                  <a:schemeClr val="tx1"/>
+                </a:solidFill>
+                <a:miter lim="800000"/>
+                <a:headEnd/>
+                <a:tailEnd/>
+              </a14:hiddenLine>
+            </a:ext>
+          </a:extLst>
+        </p:spPr>
+      </p:pic>
       <p:sp>
         <p:nvSpPr>
           <p:cNvPr id="2" name="Date Placeholder 1"/>
@@ -20056,7 +18804,7 @@
             <a:fld id="{266004A0-9E56-4C9C-910F-AE8959E42029}" type="datetime5">
               <a:rPr lang="en-GB" smtClean="0"/>
               <a:pPr/>
-              <a:t>10-Oct-13</a:t>
+              <a:t>11-Oct-13</a:t>
             </a:fld>
             <a:endParaRPr lang="en-US"/>
           </a:p>
@@ -20284,7 +19032,7 @@
       </p:sp>
       <p:sp>
         <p:nvSpPr>
-          <p:cNvPr id="7" name="Rectangle 3"/>
+          <p:cNvPr id="6" name="Rectangle 3"/>
           <p:cNvSpPr txBox="1">
             <a:spLocks noChangeArrowheads="1"/>
           </p:cNvSpPr>
@@ -20292,8 +19040,8 @@
         </p:nvSpPr>
         <p:spPr bwMode="auto">
           <a:xfrm>
-            <a:off x="685800" y="3124200"/>
-            <a:ext cx="8077200" cy="2971800"/>
+            <a:off x="381000" y="1143000"/>
+            <a:ext cx="4495800" cy="4813300"/>
           </a:xfrm>
           <a:prstGeom prst="rect">
             <a:avLst/>
@@ -20468,12 +19216,73 @@
               <a:defRPr/>
             </a:pPr>
             <a:r>
-              <a:rPr lang="en-US" sz="2400" kern="0" dirty="0"/>
-              <a:t>DBS2 </a:t>
-            </a:r>
-            <a:r>
               <a:rPr lang="en-US" sz="2400" kern="0" dirty="0" smtClean="0"/>
-              <a:t>sustained the load during LHC Run 1</a:t>
+              <a:t>New version: </a:t>
+            </a:r>
+            <a:r>
+              <a:rPr lang="en-US" sz="2400" b="1" kern="0" dirty="0" smtClean="0"/>
+              <a:t>DBS3</a:t>
+            </a:r>
+          </a:p>
+          <a:p>
+            <a:pPr lvl="1">
+              <a:lnSpc>
+                <a:spcPct val="90000"/>
+              </a:lnSpc>
+              <a:defRPr/>
+            </a:pPr>
+            <a:r>
+              <a:rPr lang="en-US" sz="2000" kern="0" dirty="0" err="1" smtClean="0"/>
+              <a:t>Rescoped</a:t>
+            </a:r>
+            <a:r>
+              <a:rPr lang="en-US" sz="2000" kern="0" dirty="0" smtClean="0"/>
+              <a:t> schema in Oracle DB to improve scaling, dropping information that did not belong there e.g. data location</a:t>
+            </a:r>
+          </a:p>
+          <a:p>
+            <a:pPr lvl="1">
+              <a:lnSpc>
+                <a:spcPct val="90000"/>
+              </a:lnSpc>
+              <a:defRPr/>
+            </a:pPr>
+            <a:r>
+              <a:rPr lang="en-US" sz="2000" kern="0" dirty="0" smtClean="0"/>
+              <a:t>REST API based on standard </a:t>
+            </a:r>
+            <a:r>
+              <a:rPr lang="en-US" sz="2000" kern="0" dirty="0" err="1" smtClean="0"/>
+              <a:t>cmsweb</a:t>
+            </a:r>
+            <a:r>
+              <a:rPr lang="en-US" sz="2000" kern="0" dirty="0" smtClean="0"/>
+              <a:t> libs, </a:t>
+            </a:r>
+            <a:r>
+              <a:rPr lang="en-US" sz="2000" kern="0" dirty="0" err="1" smtClean="0"/>
+              <a:t>SQLAlchemy</a:t>
+            </a:r>
+            <a:r>
+              <a:rPr lang="en-US" sz="2000" kern="0" dirty="0" smtClean="0"/>
+              <a:t> and </a:t>
+            </a:r>
+            <a:r>
+              <a:rPr lang="en-US" sz="2000" kern="0" dirty="0" err="1" smtClean="0"/>
+              <a:t>CherryPy</a:t>
+            </a:r>
+            <a:endParaRPr lang="en-US" sz="2000" kern="0" dirty="0" smtClean="0"/>
+          </a:p>
+          <a:p>
+            <a:pPr lvl="1">
+              <a:lnSpc>
+                <a:spcPct val="90000"/>
+              </a:lnSpc>
+              <a:defRPr/>
+            </a:pPr>
+            <a:r>
+              <a:rPr lang="en-US" sz="2000" kern="0" dirty="0" smtClean="0"/>
+              <a:t>Lightweight information exchange with JSON</a:t>
             </a:r>
           </a:p>
           <a:p>
@@ -20485,35 +19294,227 @@
             </a:pPr>
             <a:r>
               <a:rPr lang="en-US" sz="2400" kern="0" dirty="0" smtClean="0"/>
-              <a:t>But some</a:t>
-            </a:r>
-            <a:r>
-              <a:rPr lang="en-US" sz="2400" b="1" kern="0" dirty="0" smtClean="0"/>
-              <a:t> </a:t>
-            </a:r>
-            <a:r>
-              <a:rPr lang="en-US" sz="2400" kern="0" dirty="0" smtClean="0"/>
-              <a:t>DBS2</a:t>
-            </a:r>
-            <a:r>
-              <a:rPr lang="en-US" sz="2400" b="1" kern="0" dirty="0" smtClean="0"/>
-              <a:t> </a:t>
-            </a:r>
-            <a:r>
-              <a:rPr lang="en-US" sz="2400" kern="0" dirty="0" smtClean="0"/>
-              <a:t>assumptions had to be re-evaluated with operational experience</a:t>
-            </a:r>
-          </a:p>
-          <a:p>
-            <a:pPr lvl="1">
+              <a:t>Currently deployed in parallel to DBS2 for validation before final switch</a:t>
+            </a:r>
+            <a:r>
+              <a:rPr lang="en-US" sz="2400" kern="0" baseline="30000" dirty="0" smtClean="0"/>
+              <a:t>1</a:t>
+            </a:r>
+          </a:p>
+          <a:p>
+            <a:pPr marL="0" indent="0">
               <a:lnSpc>
                 <a:spcPct val="90000"/>
               </a:lnSpc>
+              <a:buNone/>
               <a:defRPr/>
             </a:pPr>
-            <a:r>
-              <a:rPr lang="en-US" sz="2000" kern="0" dirty="0" smtClean="0"/>
-              <a:t>e.g. at the start of the run, the DBS webpage was the main interface for user data discovery, including data location, leading to scaling issues</a:t>
+            <a:endParaRPr lang="en-US" sz="2400" kern="0" dirty="0" smtClean="0"/>
+          </a:p>
+        </p:txBody>
+      </p:sp>
+      <p:sp>
+        <p:nvSpPr>
+          <p:cNvPr id="8" name="Rectangle 3"/>
+          <p:cNvSpPr txBox="1">
+            <a:spLocks noChangeArrowheads="1"/>
+          </p:cNvSpPr>
+          <p:nvPr/>
+        </p:nvSpPr>
+        <p:spPr bwMode="auto">
+          <a:xfrm>
+            <a:off x="540026" y="5939459"/>
+            <a:ext cx="8229600" cy="317500"/>
+          </a:xfrm>
+          <a:prstGeom prst="rect">
+            <a:avLst/>
+          </a:prstGeom>
+          <a:noFill/>
+          <a:ln w="9525">
+            <a:noFill/>
+            <a:miter lim="800000"/>
+            <a:headEnd/>
+            <a:tailEnd/>
+          </a:ln>
+          <a:effectLst/>
+        </p:spPr>
+        <p:txBody>
+          <a:bodyPr vert="horz" wrap="square" lIns="91440" tIns="45720" rIns="91440" bIns="45720" numCol="1" anchor="t" anchorCtr="0" compatLnSpc="1">
+            <a:prstTxWarp prst="textNoShape">
+              <a:avLst/>
+            </a:prstTxWarp>
+          </a:bodyPr>
+          <a:lstStyle>
+            <a:lvl1pPr marL="342900" indent="-342900" algn="l" rtl="0" fontAlgn="base">
+              <a:spcBef>
+                <a:spcPct val="20000"/>
+              </a:spcBef>
+              <a:spcAft>
+                <a:spcPct val="0"/>
+              </a:spcAft>
+              <a:buChar char="•"/>
+              <a:defRPr sz="3200">
+                <a:solidFill>
+                  <a:schemeClr val="tx1"/>
+                </a:solidFill>
+                <a:latin typeface="Verdana" panose="020B0604030504040204" pitchFamily="34" charset="0"/>
+                <a:ea typeface="Verdana" panose="020B0604030504040204" pitchFamily="34" charset="0"/>
+                <a:cs typeface="Verdana" panose="020B0604030504040204" pitchFamily="34" charset="0"/>
+              </a:defRPr>
+            </a:lvl1pPr>
+            <a:lvl2pPr marL="742950" indent="-285750" algn="l" rtl="0" fontAlgn="base">
+              <a:spcBef>
+                <a:spcPct val="20000"/>
+              </a:spcBef>
+              <a:spcAft>
+                <a:spcPct val="0"/>
+              </a:spcAft>
+              <a:buChar char="–"/>
+              <a:defRPr sz="2800">
+                <a:solidFill>
+                  <a:schemeClr val="tx1"/>
+                </a:solidFill>
+                <a:latin typeface="Verdana" panose="020B0604030504040204" pitchFamily="34" charset="0"/>
+                <a:ea typeface="Verdana" panose="020B0604030504040204" pitchFamily="34" charset="0"/>
+                <a:cs typeface="Verdana" panose="020B0604030504040204" pitchFamily="34" charset="0"/>
+              </a:defRPr>
+            </a:lvl2pPr>
+            <a:lvl3pPr marL="1143000" indent="-228600" algn="l" rtl="0" fontAlgn="base">
+              <a:spcBef>
+                <a:spcPct val="20000"/>
+              </a:spcBef>
+              <a:spcAft>
+                <a:spcPct val="0"/>
+              </a:spcAft>
+              <a:buChar char="•"/>
+              <a:defRPr sz="2400">
+                <a:solidFill>
+                  <a:schemeClr val="tx1"/>
+                </a:solidFill>
+                <a:latin typeface="Verdana" panose="020B0604030504040204" pitchFamily="34" charset="0"/>
+                <a:ea typeface="Verdana" panose="020B0604030504040204" pitchFamily="34" charset="0"/>
+                <a:cs typeface="Verdana" panose="020B0604030504040204" pitchFamily="34" charset="0"/>
+              </a:defRPr>
+            </a:lvl3pPr>
+            <a:lvl4pPr marL="1600200" indent="-228600" algn="l" rtl="0" fontAlgn="base">
+              <a:spcBef>
+                <a:spcPct val="20000"/>
+              </a:spcBef>
+              <a:spcAft>
+                <a:spcPct val="0"/>
+              </a:spcAft>
+              <a:buChar char="–"/>
+              <a:defRPr sz="2000">
+                <a:solidFill>
+                  <a:schemeClr val="tx1"/>
+                </a:solidFill>
+                <a:latin typeface="Verdana" panose="020B0604030504040204" pitchFamily="34" charset="0"/>
+                <a:ea typeface="Verdana" panose="020B0604030504040204" pitchFamily="34" charset="0"/>
+                <a:cs typeface="Verdana" panose="020B0604030504040204" pitchFamily="34" charset="0"/>
+              </a:defRPr>
+            </a:lvl4pPr>
+            <a:lvl5pPr marL="2057400" indent="-228600" algn="l" rtl="0" fontAlgn="base">
+              <a:spcBef>
+                <a:spcPct val="20000"/>
+              </a:spcBef>
+              <a:spcAft>
+                <a:spcPct val="0"/>
+              </a:spcAft>
+              <a:buChar char="»"/>
+              <a:defRPr sz="2000">
+                <a:solidFill>
+                  <a:schemeClr val="tx1"/>
+                </a:solidFill>
+                <a:latin typeface="Verdana" panose="020B0604030504040204" pitchFamily="34" charset="0"/>
+                <a:ea typeface="Verdana" panose="020B0604030504040204" pitchFamily="34" charset="0"/>
+                <a:cs typeface="Verdana" panose="020B0604030504040204" pitchFamily="34" charset="0"/>
+              </a:defRPr>
+            </a:lvl5pPr>
+            <a:lvl6pPr marL="2514600" indent="-228600" algn="l" rtl="0" fontAlgn="base">
+              <a:spcBef>
+                <a:spcPct val="20000"/>
+              </a:spcBef>
+              <a:spcAft>
+                <a:spcPct val="0"/>
+              </a:spcAft>
+              <a:buChar char="»"/>
+              <a:defRPr sz="2000">
+                <a:solidFill>
+                  <a:schemeClr val="tx1"/>
+                </a:solidFill>
+                <a:latin typeface="+mn-lt"/>
+              </a:defRPr>
+            </a:lvl6pPr>
+            <a:lvl7pPr marL="2971800" indent="-228600" algn="l" rtl="0" fontAlgn="base">
+              <a:spcBef>
+                <a:spcPct val="20000"/>
+              </a:spcBef>
+              <a:spcAft>
+                <a:spcPct val="0"/>
+              </a:spcAft>
+              <a:buChar char="»"/>
+              <a:defRPr sz="2000">
+                <a:solidFill>
+                  <a:schemeClr val="tx1"/>
+                </a:solidFill>
+                <a:latin typeface="+mn-lt"/>
+              </a:defRPr>
+            </a:lvl7pPr>
+            <a:lvl8pPr marL="3429000" indent="-228600" algn="l" rtl="0" fontAlgn="base">
+              <a:spcBef>
+                <a:spcPct val="20000"/>
+              </a:spcBef>
+              <a:spcAft>
+                <a:spcPct val="0"/>
+              </a:spcAft>
+              <a:buChar char="»"/>
+              <a:defRPr sz="2000">
+                <a:solidFill>
+                  <a:schemeClr val="tx1"/>
+                </a:solidFill>
+                <a:latin typeface="+mn-lt"/>
+              </a:defRPr>
+            </a:lvl8pPr>
+            <a:lvl9pPr marL="3886200" indent="-228600" algn="l" rtl="0" fontAlgn="base">
+              <a:spcBef>
+                <a:spcPct val="20000"/>
+              </a:spcBef>
+              <a:spcAft>
+                <a:spcPct val="0"/>
+              </a:spcAft>
+              <a:buChar char="»"/>
+              <a:defRPr sz="2000">
+                <a:solidFill>
+                  <a:schemeClr val="tx1"/>
+                </a:solidFill>
+                <a:latin typeface="+mn-lt"/>
+              </a:defRPr>
+            </a:lvl9pPr>
+          </a:lstStyle>
+          <a:p>
+            <a:pPr>
+              <a:lnSpc>
+                <a:spcPct val="90000"/>
+              </a:lnSpc>
+              <a:buFont typeface="+mj-lt"/>
+              <a:buAutoNum type="arabicPeriod"/>
+              <a:defRPr/>
+            </a:pPr>
+            <a:r>
+              <a:rPr lang="en-US" sz="1600" dirty="0" smtClean="0"/>
+              <a:t>M. </a:t>
+            </a:r>
+            <a:r>
+              <a:rPr lang="en-US" sz="1600" dirty="0" err="1" smtClean="0"/>
+              <a:t>Giffels</a:t>
+            </a:r>
+            <a:r>
+              <a:rPr lang="en-US" sz="1600" dirty="0" smtClean="0"/>
+              <a:t>: Data </a:t>
+            </a:r>
+            <a:r>
+              <a:rPr lang="en-US" sz="1600" dirty="0"/>
+              <a:t>Bookkeeping Service 3 - Providing event metadata in CMS </a:t>
             </a:r>
           </a:p>
           <a:p>
@@ -20523,35 +19524,20 @@
               </a:lnSpc>
               <a:defRPr/>
             </a:pPr>
-            <a:r>
-              <a:rPr lang="en-US" sz="2800" b="1" kern="0" dirty="0" smtClean="0"/>
-              <a:t>INSERT </a:t>
-            </a:r>
-            <a:r>
-              <a:rPr lang="en-US" sz="2800" b="1" kern="0" dirty="0"/>
-              <a:t>PLOT WITH DBS2 NUMBERS DURING RUN1 HERE</a:t>
-            </a:r>
+            <a:endParaRPr lang="en-US" sz="2400" kern="0" dirty="0" smtClean="0"/>
           </a:p>
         </p:txBody>
       </p:sp>
     </p:spTree>
     <p:extLst>
       <p:ext uri="{BB962C8B-B14F-4D97-AF65-F5344CB8AC3E}">
-        <p14:creationId xmlns:p14="http://schemas.microsoft.com/office/powerpoint/2010/main" val="2344560407"/>
+        <p14:creationId xmlns:p14="http://schemas.microsoft.com/office/powerpoint/2010/main" val="1087350862"/>
       </p:ext>
     </p:extLst>
   </p:cSld>
   <p:clrMapOvr>
     <a:masterClrMapping/>
   </p:clrMapOvr>
-  <mc:AlternateContent xmlns:mc="http://schemas.openxmlformats.org/markup-compatibility/2006" xmlns:p14="http://schemas.microsoft.com/office/powerpoint/2010/main">
-    <mc:Choice Requires="p14">
-      <p:transition spd="slow" p14:dur="2000"/>
-    </mc:Choice>
-    <mc:Fallback xmlns="">
-      <p:transition spd="slow"/>
-    </mc:Fallback>
-  </mc:AlternateContent>
   <p:timing>
     <p:tnLst>
       <p:par>
